--- a/Лекция 2. Паттерны/Лекция 2. Паттерны.pptx
+++ b/Лекция 2. Паттерны/Лекция 2. Паттерны.pptx
@@ -5,47 +5,32 @@
     <p:sldMasterId id="2147483648" r:id="rId1"/>
   </p:sldMasterIdLst>
   <p:notesMasterIdLst>
-    <p:notesMasterId r:id="rId40"/>
+    <p:notesMasterId r:id="rId25"/>
   </p:notesMasterIdLst>
   <p:sldIdLst>
     <p:sldId id="256" r:id="rId2"/>
-    <p:sldId id="266" r:id="rId3"/>
-    <p:sldId id="257" r:id="rId4"/>
-    <p:sldId id="258" r:id="rId5"/>
-    <p:sldId id="277" r:id="rId6"/>
-    <p:sldId id="276" r:id="rId7"/>
-    <p:sldId id="259" r:id="rId8"/>
-    <p:sldId id="260" r:id="rId9"/>
-    <p:sldId id="261" r:id="rId10"/>
-    <p:sldId id="262" r:id="rId11"/>
-    <p:sldId id="264" r:id="rId12"/>
-    <p:sldId id="265" r:id="rId13"/>
-    <p:sldId id="293" r:id="rId14"/>
-    <p:sldId id="267" r:id="rId15"/>
-    <p:sldId id="268" r:id="rId16"/>
-    <p:sldId id="269" r:id="rId17"/>
-    <p:sldId id="270" r:id="rId18"/>
-    <p:sldId id="271" r:id="rId19"/>
-    <p:sldId id="272" r:id="rId20"/>
-    <p:sldId id="273" r:id="rId21"/>
-    <p:sldId id="275" r:id="rId22"/>
-    <p:sldId id="274" r:id="rId23"/>
-    <p:sldId id="278" r:id="rId24"/>
-    <p:sldId id="279" r:id="rId25"/>
-    <p:sldId id="282" r:id="rId26"/>
-    <p:sldId id="280" r:id="rId27"/>
-    <p:sldId id="281" r:id="rId28"/>
-    <p:sldId id="283" r:id="rId29"/>
-    <p:sldId id="284" r:id="rId30"/>
-    <p:sldId id="286" r:id="rId31"/>
-    <p:sldId id="287" r:id="rId32"/>
-    <p:sldId id="288" r:id="rId33"/>
-    <p:sldId id="289" r:id="rId34"/>
-    <p:sldId id="290" r:id="rId35"/>
-    <p:sldId id="291" r:id="rId36"/>
-    <p:sldId id="292" r:id="rId37"/>
-    <p:sldId id="294" r:id="rId38"/>
-    <p:sldId id="295" r:id="rId39"/>
+    <p:sldId id="267" r:id="rId3"/>
+    <p:sldId id="266" r:id="rId4"/>
+    <p:sldId id="257" r:id="rId5"/>
+    <p:sldId id="268" r:id="rId6"/>
+    <p:sldId id="270" r:id="rId7"/>
+    <p:sldId id="269" r:id="rId8"/>
+    <p:sldId id="271" r:id="rId9"/>
+    <p:sldId id="272" r:id="rId10"/>
+    <p:sldId id="273" r:id="rId11"/>
+    <p:sldId id="274" r:id="rId12"/>
+    <p:sldId id="275" r:id="rId13"/>
+    <p:sldId id="276" r:id="rId14"/>
+    <p:sldId id="277" r:id="rId15"/>
+    <p:sldId id="278" r:id="rId16"/>
+    <p:sldId id="279" r:id="rId17"/>
+    <p:sldId id="280" r:id="rId18"/>
+    <p:sldId id="281" r:id="rId19"/>
+    <p:sldId id="282" r:id="rId20"/>
+    <p:sldId id="283" r:id="rId21"/>
+    <p:sldId id="284" r:id="rId22"/>
+    <p:sldId id="285" r:id="rId23"/>
+    <p:sldId id="286" r:id="rId24"/>
   </p:sldIdLst>
   <p:sldSz cx="12192000" cy="6858000"/>
   <p:notesSz cx="6858000" cy="9144000"/>
@@ -234,7 +219,7 @@
           <a:p>
             <a:fld id="{3E0769C4-F679-4E29-9FFC-F2E20B30D118}" type="datetimeFigureOut">
               <a:rPr lang="ru-RU" smtClean="0"/>
-              <a:t>16.05.2018</a:t>
+              <a:t>18.05.2018</a:t>
             </a:fld>
             <a:endParaRPr lang="ru-RU"/>
           </a:p>
@@ -547,13 +532,145 @@
           <a:lstStyle/>
           <a:p>
             <a:r>
-              <a:rPr lang="ru-RU" dirty="0" smtClean="0"/>
-              <a:t>Актер</a:t>
-            </a:r>
-            <a:r>
-              <a:rPr lang="ru-RU" baseline="0" dirty="0" smtClean="0"/>
-              <a:t> – пользователь , система использующая функционал</a:t>
-            </a:r>
+              <a:rPr lang="ru-RU" sz="1200" b="0" i="0" kern="1200" dirty="0" smtClean="0">
+                <a:solidFill>
+                  <a:schemeClr val="tx1"/>
+                </a:solidFill>
+                <a:effectLst/>
+                <a:latin typeface="+mn-lt"/>
+                <a:ea typeface="+mn-ea"/>
+                <a:cs typeface="+mn-cs"/>
+              </a:rPr>
+              <a:t>Закрепощенность: система с трудом поддается изменениям, поскольку любое минимальное изменение вызывает эффект “снежного кома”, затрагивающего другие компоненты системы</a:t>
+            </a:r>
+          </a:p>
+          <a:p>
+            <a:r>
+              <a:rPr lang="ru-RU" sz="1200" b="0" i="0" kern="1200" dirty="0" smtClean="0">
+                <a:solidFill>
+                  <a:schemeClr val="tx1"/>
+                </a:solidFill>
+                <a:effectLst/>
+                <a:latin typeface="+mn-lt"/>
+                <a:ea typeface="+mn-ea"/>
+                <a:cs typeface="+mn-cs"/>
+              </a:rPr>
+              <a:t>Хрупкость: в результате осуществляемого изменения система ломается в нескольких других местах, нередко даже в тех, которые не имеют прямого отношения к непосредственно изменяемому компоненту</a:t>
+            </a:r>
+          </a:p>
+          <a:p>
+            <a:r>
+              <a:rPr lang="ru-RU" sz="1200" b="0" i="0" kern="1200" dirty="0" smtClean="0">
+                <a:solidFill>
+                  <a:schemeClr val="tx1"/>
+                </a:solidFill>
+                <a:effectLst/>
+                <a:latin typeface="+mn-lt"/>
+                <a:ea typeface="+mn-ea"/>
+                <a:cs typeface="+mn-cs"/>
+              </a:rPr>
+              <a:t>Монолитность: достаточно трудно разделить систему на компоненты, которые могли бы повторно использоваться в других системах</a:t>
+            </a:r>
+          </a:p>
+          <a:p>
+            <a:r>
+              <a:rPr lang="ru-RU" sz="1200" b="0" i="0" kern="1200" dirty="0" smtClean="0">
+                <a:solidFill>
+                  <a:schemeClr val="tx1"/>
+                </a:solidFill>
+                <a:effectLst/>
+                <a:latin typeface="+mn-lt"/>
+                <a:ea typeface="+mn-ea"/>
+                <a:cs typeface="+mn-cs"/>
+              </a:rPr>
+              <a:t>Вязкость: сделать что-то правильно намного сложнее, чем выполнить какие-либо некорректные действия или решить задачу с помощью </a:t>
+            </a:r>
+            <a:r>
+              <a:rPr lang="ru-RU" sz="1200" b="0" i="0" kern="1200" dirty="0" err="1" smtClean="0">
+                <a:solidFill>
+                  <a:schemeClr val="tx1"/>
+                </a:solidFill>
+                <a:effectLst/>
+                <a:latin typeface="+mn-lt"/>
+                <a:ea typeface="+mn-ea"/>
+                <a:cs typeface="+mn-cs"/>
+              </a:rPr>
+              <a:t>хака</a:t>
+            </a:r>
+            <a:endParaRPr lang="ru-RU" sz="1200" b="0" i="0" kern="1200" dirty="0" smtClean="0">
+              <a:solidFill>
+                <a:schemeClr val="tx1"/>
+              </a:solidFill>
+              <a:effectLst/>
+              <a:latin typeface="+mn-lt"/>
+              <a:ea typeface="+mn-ea"/>
+              <a:cs typeface="+mn-cs"/>
+            </a:endParaRPr>
+          </a:p>
+          <a:p>
+            <a:r>
+              <a:rPr lang="ru-RU" sz="1200" b="0" i="0" kern="1200" dirty="0" smtClean="0">
+                <a:solidFill>
+                  <a:schemeClr val="tx1"/>
+                </a:solidFill>
+                <a:effectLst/>
+                <a:latin typeface="+mn-lt"/>
+                <a:ea typeface="+mn-ea"/>
+                <a:cs typeface="+mn-cs"/>
+              </a:rPr>
+              <a:t>Неоправданная сложность: проект содержит элементы, которые не нужны на данный момент (и возможно никогда не понадобятся)</a:t>
+            </a:r>
+          </a:p>
+          <a:p>
+            <a:r>
+              <a:rPr lang="ru-RU" sz="1200" b="0" i="0" kern="1200" dirty="0" smtClean="0">
+                <a:solidFill>
+                  <a:schemeClr val="tx1"/>
+                </a:solidFill>
+                <a:effectLst/>
+                <a:latin typeface="+mn-lt"/>
+                <a:ea typeface="+mn-ea"/>
+                <a:cs typeface="+mn-cs"/>
+              </a:rPr>
+              <a:t>Неоправданное дублирование кода: проект содержит дублирование кода, которое может быть устранено с помощью простого </a:t>
+            </a:r>
+            <a:r>
+              <a:rPr lang="ru-RU" sz="1200" b="0" i="0" kern="1200" dirty="0" err="1" smtClean="0">
+                <a:solidFill>
+                  <a:schemeClr val="tx1"/>
+                </a:solidFill>
+                <a:effectLst/>
+                <a:latin typeface="+mn-lt"/>
+                <a:ea typeface="+mn-ea"/>
+                <a:cs typeface="+mn-cs"/>
+              </a:rPr>
+              <a:t>рефакторинга</a:t>
+            </a:r>
+            <a:endParaRPr lang="ru-RU" sz="1200" b="0" i="0" kern="1200" dirty="0" smtClean="0">
+              <a:solidFill>
+                <a:schemeClr val="tx1"/>
+              </a:solidFill>
+              <a:effectLst/>
+              <a:latin typeface="+mn-lt"/>
+              <a:ea typeface="+mn-ea"/>
+              <a:cs typeface="+mn-cs"/>
+            </a:endParaRPr>
+          </a:p>
+          <a:p>
+            <a:r>
+              <a:rPr lang="ru-RU" sz="1200" b="0" i="0" kern="1200" dirty="0" smtClean="0">
+                <a:solidFill>
+                  <a:schemeClr val="tx1"/>
+                </a:solidFill>
+                <a:effectLst/>
+                <a:latin typeface="+mn-lt"/>
+                <a:ea typeface="+mn-ea"/>
+                <a:cs typeface="+mn-cs"/>
+              </a:rPr>
+              <a:t>Неясность: проект трудно читать и понимать.</a:t>
+            </a:r>
+          </a:p>
+          <a:p>
             <a:endParaRPr lang="ru-RU" dirty="0"/>
           </a:p>
         </p:txBody>
@@ -575,7 +692,7 @@
           <a:p>
             <a:fld id="{59E205AB-616F-40D1-9E23-0E91B474D506}" type="slidenum">
               <a:rPr lang="ru-RU" smtClean="0"/>
-              <a:t>23</a:t>
+              <a:t>2</a:t>
             </a:fld>
             <a:endParaRPr lang="ru-RU"/>
           </a:p>
@@ -584,7 +701,7 @@
     </p:spTree>
     <p:extLst>
       <p:ext uri="{BB962C8B-B14F-4D97-AF65-F5344CB8AC3E}">
-        <p14:creationId xmlns:p14="http://schemas.microsoft.com/office/powerpoint/2010/main" val="1579821390"/>
+        <p14:creationId xmlns:p14="http://schemas.microsoft.com/office/powerpoint/2010/main" val="2263481478"/>
       </p:ext>
     </p:extLst>
   </p:cSld>
@@ -639,40 +756,8 @@
           <a:lstStyle/>
           <a:p>
             <a:r>
-              <a:rPr lang="ru-RU" sz="1200" kern="1200" dirty="0" smtClean="0">
-                <a:solidFill>
-                  <a:schemeClr val="tx1"/>
-                </a:solidFill>
-                <a:effectLst/>
-                <a:latin typeface="+mn-lt"/>
-                <a:ea typeface="+mn-ea"/>
-                <a:cs typeface="+mn-cs"/>
-              </a:rPr>
-              <a:t>Относящиеся друг к другу по смыслу элементы в </a:t>
-            </a:r>
-            <a:r>
-              <a:rPr lang="en-US" sz="1200" kern="1200" dirty="0" smtClean="0">
-                <a:solidFill>
-                  <a:schemeClr val="tx1"/>
-                </a:solidFill>
-                <a:effectLst/>
-                <a:latin typeface="+mn-lt"/>
-                <a:ea typeface="+mn-ea"/>
-                <a:cs typeface="+mn-cs"/>
-              </a:rPr>
-              <a:t>UML</a:t>
-            </a:r>
-            <a:r>
-              <a:rPr lang="ru-RU" sz="1200" kern="1200" dirty="0" smtClean="0">
-                <a:solidFill>
-                  <a:schemeClr val="tx1"/>
-                </a:solidFill>
-                <a:effectLst/>
-                <a:latin typeface="+mn-lt"/>
-                <a:ea typeface="+mn-ea"/>
-                <a:cs typeface="+mn-cs"/>
-              </a:rPr>
-              <a:t> удобно группировать в контейнеры – пакеты, которые могут образовывать иерархическую структуру</a:t>
+              <a:rPr lang="ru-RU" dirty="0" smtClean="0"/>
+              <a:t>Он же модель</a:t>
             </a:r>
             <a:endParaRPr lang="ru-RU" dirty="0"/>
           </a:p>
@@ -695,7 +780,7 @@
           <a:p>
             <a:fld id="{59E205AB-616F-40D1-9E23-0E91B474D506}" type="slidenum">
               <a:rPr lang="ru-RU" smtClean="0"/>
-              <a:t>26</a:t>
+              <a:t>16</a:t>
             </a:fld>
             <a:endParaRPr lang="ru-RU"/>
           </a:p>
@@ -704,7 +789,7 @@
     </p:spTree>
     <p:extLst>
       <p:ext uri="{BB962C8B-B14F-4D97-AF65-F5344CB8AC3E}">
-        <p14:creationId xmlns:p14="http://schemas.microsoft.com/office/powerpoint/2010/main" val="3570600479"/>
+        <p14:creationId xmlns:p14="http://schemas.microsoft.com/office/powerpoint/2010/main" val="2082969614"/>
       </p:ext>
     </p:extLst>
   </p:cSld>
@@ -759,28 +844,8 @@
           <a:lstStyle/>
           <a:p>
             <a:r>
-              <a:rPr lang="ru-RU" sz="1200" kern="1200" dirty="0" smtClean="0">
-                <a:solidFill>
-                  <a:schemeClr val="tx1"/>
-                </a:solidFill>
-                <a:effectLst/>
-                <a:latin typeface="+mn-lt"/>
-                <a:ea typeface="+mn-ea"/>
-                <a:cs typeface="+mn-cs"/>
-              </a:rPr>
-              <a:t>Пакет </a:t>
-            </a:r>
-            <a:r>
-              <a:rPr lang="en-US" sz="1200" kern="1200" dirty="0" smtClean="0">
-                <a:solidFill>
-                  <a:schemeClr val="tx1"/>
-                </a:solidFill>
-                <a:effectLst/>
-                <a:latin typeface="+mn-lt"/>
-                <a:ea typeface="+mn-ea"/>
-                <a:cs typeface="+mn-cs"/>
-              </a:rPr>
-              <a:t>Searching</a:t>
+              <a:rPr lang="ru-RU" dirty="0" smtClean="0"/>
+              <a:t>Он же модель</a:t>
             </a:r>
             <a:endParaRPr lang="ru-RU" dirty="0"/>
           </a:p>
@@ -803,7 +868,7 @@
           <a:p>
             <a:fld id="{59E205AB-616F-40D1-9E23-0E91B474D506}" type="slidenum">
               <a:rPr lang="ru-RU" smtClean="0"/>
-              <a:t>27</a:t>
+              <a:t>17</a:t>
             </a:fld>
             <a:endParaRPr lang="ru-RU"/>
           </a:p>
@@ -812,7 +877,7 @@
     </p:spTree>
     <p:extLst>
       <p:ext uri="{BB962C8B-B14F-4D97-AF65-F5344CB8AC3E}">
-        <p14:creationId xmlns:p14="http://schemas.microsoft.com/office/powerpoint/2010/main" val="407572527"/>
+        <p14:creationId xmlns:p14="http://schemas.microsoft.com/office/powerpoint/2010/main" val="3682542549"/>
       </p:ext>
     </p:extLst>
   </p:cSld>
@@ -866,34 +931,10 @@
           <a:bodyPr/>
           <a:lstStyle/>
           <a:p>
-            <a:pPr marL="0" marR="0" lvl="0" indent="0" algn="l" defTabSz="914400" rtl="0" eaLnBrk="1" fontAlgn="auto" latinLnBrk="0" hangingPunct="1">
-              <a:lnSpc>
-                <a:spcPct val="100000"/>
-              </a:lnSpc>
-              <a:spcBef>
-                <a:spcPts val="0"/>
-              </a:spcBef>
-              <a:spcAft>
-                <a:spcPts val="0"/>
-              </a:spcAft>
-              <a:buClrTx/>
-              <a:buSzTx/>
-              <a:buFontTx/>
-              <a:buNone/>
-              <a:tabLst/>
-              <a:defRPr/>
-            </a:pPr>
             <a:r>
               <a:rPr lang="ru-RU" dirty="0" smtClean="0"/>
-              <a:t>За основу берется модель предметной области </a:t>
-            </a:r>
-            <a:r>
-              <a:rPr lang="en-US" dirty="0" smtClean="0"/>
-              <a:t>(Domain Model)</a:t>
-            </a:r>
-            <a:endParaRPr lang="ru-RU" dirty="0" smtClean="0"/>
-          </a:p>
-          <a:p>
+              <a:t>Он же модель</a:t>
+            </a:r>
             <a:endParaRPr lang="ru-RU" dirty="0"/>
           </a:p>
         </p:txBody>
@@ -915,7 +956,7 @@
           <a:p>
             <a:fld id="{59E205AB-616F-40D1-9E23-0E91B474D506}" type="slidenum">
               <a:rPr lang="ru-RU" smtClean="0"/>
-              <a:t>28</a:t>
+              <a:t>18</a:t>
             </a:fld>
             <a:endParaRPr lang="ru-RU"/>
           </a:p>
@@ -924,7 +965,7 @@
     </p:spTree>
     <p:extLst>
       <p:ext uri="{BB962C8B-B14F-4D97-AF65-F5344CB8AC3E}">
-        <p14:creationId xmlns:p14="http://schemas.microsoft.com/office/powerpoint/2010/main" val="310908036"/>
+        <p14:creationId xmlns:p14="http://schemas.microsoft.com/office/powerpoint/2010/main" val="1321907563"/>
       </p:ext>
     </p:extLst>
   </p:cSld>
@@ -978,34 +1019,10 @@
           <a:bodyPr/>
           <a:lstStyle/>
           <a:p>
-            <a:pPr marL="0" marR="0" lvl="0" indent="0" algn="l" defTabSz="914400" rtl="0" eaLnBrk="1" fontAlgn="auto" latinLnBrk="0" hangingPunct="1">
-              <a:lnSpc>
-                <a:spcPct val="100000"/>
-              </a:lnSpc>
-              <a:spcBef>
-                <a:spcPts val="0"/>
-              </a:spcBef>
-              <a:spcAft>
-                <a:spcPts val="0"/>
-              </a:spcAft>
-              <a:buClrTx/>
-              <a:buSzTx/>
-              <a:buFontTx/>
-              <a:buNone/>
-              <a:tabLst/>
-              <a:defRPr/>
-            </a:pPr>
             <a:r>
               <a:rPr lang="ru-RU" dirty="0" smtClean="0"/>
-              <a:t>За основу берется модель предметной области </a:t>
-            </a:r>
-            <a:r>
-              <a:rPr lang="en-US" dirty="0" smtClean="0"/>
-              <a:t>(Domain Model)</a:t>
-            </a:r>
-            <a:endParaRPr lang="ru-RU" dirty="0" smtClean="0"/>
-          </a:p>
-          <a:p>
+              <a:t>Он же модель</a:t>
+            </a:r>
             <a:endParaRPr lang="ru-RU" dirty="0"/>
           </a:p>
         </p:txBody>
@@ -1027,7 +1044,7 @@
           <a:p>
             <a:fld id="{59E205AB-616F-40D1-9E23-0E91B474D506}" type="slidenum">
               <a:rPr lang="ru-RU" smtClean="0"/>
-              <a:t>35</a:t>
+              <a:t>19</a:t>
             </a:fld>
             <a:endParaRPr lang="ru-RU"/>
           </a:p>
@@ -1036,7 +1053,7 @@
     </p:spTree>
     <p:extLst>
       <p:ext uri="{BB962C8B-B14F-4D97-AF65-F5344CB8AC3E}">
-        <p14:creationId xmlns:p14="http://schemas.microsoft.com/office/powerpoint/2010/main" val="373016557"/>
+        <p14:creationId xmlns:p14="http://schemas.microsoft.com/office/powerpoint/2010/main" val="1726039921"/>
       </p:ext>
     </p:extLst>
   </p:cSld>
@@ -1092,7 +1109,7 @@
           <a:p>
             <a:r>
               <a:rPr lang="ru-RU" dirty="0" smtClean="0"/>
-              <a:t>Подытожим </a:t>
+              <a:t>Он же модель</a:t>
             </a:r>
             <a:endParaRPr lang="ru-RU" dirty="0"/>
           </a:p>
@@ -1115,7 +1132,7 @@
           <a:p>
             <a:fld id="{59E205AB-616F-40D1-9E23-0E91B474D506}" type="slidenum">
               <a:rPr lang="ru-RU" smtClean="0"/>
-              <a:t>37</a:t>
+              <a:t>20</a:t>
             </a:fld>
             <a:endParaRPr lang="ru-RU"/>
           </a:p>
@@ -1124,7 +1141,95 @@
     </p:spTree>
     <p:extLst>
       <p:ext uri="{BB962C8B-B14F-4D97-AF65-F5344CB8AC3E}">
-        <p14:creationId xmlns:p14="http://schemas.microsoft.com/office/powerpoint/2010/main" val="3307165592"/>
+        <p14:creationId xmlns:p14="http://schemas.microsoft.com/office/powerpoint/2010/main" val="2390697716"/>
+      </p:ext>
+    </p:extLst>
+  </p:cSld>
+  <p:clrMapOvr>
+    <a:masterClrMapping/>
+  </p:clrMapOvr>
+</p:notes>
+</file>
+
+<file path=ppt/notesSlides/notesSlide7.xml><?xml version="1.0" encoding="utf-8"?>
+<p:notes xmlns:a="http://schemas.openxmlformats.org/drawingml/2006/main" xmlns:r="http://schemas.openxmlformats.org/officeDocument/2006/relationships" xmlns:p="http://schemas.openxmlformats.org/presentationml/2006/main">
+  <p:cSld>
+    <p:spTree>
+      <p:nvGrpSpPr>
+        <p:cNvPr id="1" name=""/>
+        <p:cNvGrpSpPr/>
+        <p:nvPr/>
+      </p:nvGrpSpPr>
+      <p:grpSpPr>
+        <a:xfrm>
+          <a:off x="0" y="0"/>
+          <a:ext cx="0" cy="0"/>
+          <a:chOff x="0" y="0"/>
+          <a:chExt cx="0" cy="0"/>
+        </a:xfrm>
+      </p:grpSpPr>
+      <p:sp>
+        <p:nvSpPr>
+          <p:cNvPr id="2" name="Образ слайда 1"/>
+          <p:cNvSpPr>
+            <a:spLocks noGrp="1" noRot="1" noChangeAspect="1"/>
+          </p:cNvSpPr>
+          <p:nvPr>
+            <p:ph type="sldImg"/>
+          </p:nvPr>
+        </p:nvSpPr>
+        <p:spPr/>
+      </p:sp>
+      <p:sp>
+        <p:nvSpPr>
+          <p:cNvPr id="3" name="Заметки 2"/>
+          <p:cNvSpPr>
+            <a:spLocks noGrp="1"/>
+          </p:cNvSpPr>
+          <p:nvPr>
+            <p:ph type="body" idx="1"/>
+          </p:nvPr>
+        </p:nvSpPr>
+        <p:spPr/>
+        <p:txBody>
+          <a:bodyPr/>
+          <a:lstStyle/>
+          <a:p>
+            <a:r>
+              <a:rPr lang="ru-RU" dirty="0" smtClean="0"/>
+              <a:t>Он же модель</a:t>
+            </a:r>
+            <a:endParaRPr lang="ru-RU" dirty="0"/>
+          </a:p>
+        </p:txBody>
+      </p:sp>
+      <p:sp>
+        <p:nvSpPr>
+          <p:cNvPr id="4" name="Номер слайда 3"/>
+          <p:cNvSpPr>
+            <a:spLocks noGrp="1"/>
+          </p:cNvSpPr>
+          <p:nvPr>
+            <p:ph type="sldNum" sz="quarter" idx="10"/>
+          </p:nvPr>
+        </p:nvSpPr>
+        <p:spPr/>
+        <p:txBody>
+          <a:bodyPr/>
+          <a:lstStyle/>
+          <a:p>
+            <a:fld id="{59E205AB-616F-40D1-9E23-0E91B474D506}" type="slidenum">
+              <a:rPr lang="ru-RU" smtClean="0"/>
+              <a:t>21</a:t>
+            </a:fld>
+            <a:endParaRPr lang="ru-RU"/>
+          </a:p>
+        </p:txBody>
+      </p:sp>
+    </p:spTree>
+    <p:extLst>
+      <p:ext uri="{BB962C8B-B14F-4D97-AF65-F5344CB8AC3E}">
+        <p14:creationId xmlns:p14="http://schemas.microsoft.com/office/powerpoint/2010/main" val="2618604579"/>
       </p:ext>
     </p:extLst>
   </p:cSld>
@@ -1265,7 +1370,7 @@
           <a:p>
             <a:fld id="{6169430A-5EF9-46DC-BA21-D7EA05D7B849}" type="datetimeFigureOut">
               <a:rPr lang="ru-RU" smtClean="0"/>
-              <a:t>16.05.2018</a:t>
+              <a:t>18.05.2018</a:t>
             </a:fld>
             <a:endParaRPr lang="ru-RU"/>
           </a:p>
@@ -1435,7 +1540,7 @@
           <a:p>
             <a:fld id="{6169430A-5EF9-46DC-BA21-D7EA05D7B849}" type="datetimeFigureOut">
               <a:rPr lang="ru-RU" smtClean="0"/>
-              <a:t>16.05.2018</a:t>
+              <a:t>18.05.2018</a:t>
             </a:fld>
             <a:endParaRPr lang="ru-RU"/>
           </a:p>
@@ -1615,7 +1720,7 @@
           <a:p>
             <a:fld id="{6169430A-5EF9-46DC-BA21-D7EA05D7B849}" type="datetimeFigureOut">
               <a:rPr lang="ru-RU" smtClean="0"/>
-              <a:t>16.05.2018</a:t>
+              <a:t>18.05.2018</a:t>
             </a:fld>
             <a:endParaRPr lang="ru-RU"/>
           </a:p>
@@ -1785,7 +1890,7 @@
           <a:p>
             <a:fld id="{6169430A-5EF9-46DC-BA21-D7EA05D7B849}" type="datetimeFigureOut">
               <a:rPr lang="ru-RU" smtClean="0"/>
-              <a:t>16.05.2018</a:t>
+              <a:t>18.05.2018</a:t>
             </a:fld>
             <a:endParaRPr lang="ru-RU"/>
           </a:p>
@@ -2031,7 +2136,7 @@
           <a:p>
             <a:fld id="{6169430A-5EF9-46DC-BA21-D7EA05D7B849}" type="datetimeFigureOut">
               <a:rPr lang="ru-RU" smtClean="0"/>
-              <a:t>16.05.2018</a:t>
+              <a:t>18.05.2018</a:t>
             </a:fld>
             <a:endParaRPr lang="ru-RU"/>
           </a:p>
@@ -2263,7 +2368,7 @@
           <a:p>
             <a:fld id="{6169430A-5EF9-46DC-BA21-D7EA05D7B849}" type="datetimeFigureOut">
               <a:rPr lang="ru-RU" smtClean="0"/>
-              <a:t>16.05.2018</a:t>
+              <a:t>18.05.2018</a:t>
             </a:fld>
             <a:endParaRPr lang="ru-RU"/>
           </a:p>
@@ -2630,7 +2735,7 @@
           <a:p>
             <a:fld id="{6169430A-5EF9-46DC-BA21-D7EA05D7B849}" type="datetimeFigureOut">
               <a:rPr lang="ru-RU" smtClean="0"/>
-              <a:t>16.05.2018</a:t>
+              <a:t>18.05.2018</a:t>
             </a:fld>
             <a:endParaRPr lang="ru-RU"/>
           </a:p>
@@ -2748,7 +2853,7 @@
           <a:p>
             <a:fld id="{6169430A-5EF9-46DC-BA21-D7EA05D7B849}" type="datetimeFigureOut">
               <a:rPr lang="ru-RU" smtClean="0"/>
-              <a:t>16.05.2018</a:t>
+              <a:t>18.05.2018</a:t>
             </a:fld>
             <a:endParaRPr lang="ru-RU"/>
           </a:p>
@@ -2843,7 +2948,7 @@
           <a:p>
             <a:fld id="{6169430A-5EF9-46DC-BA21-D7EA05D7B849}" type="datetimeFigureOut">
               <a:rPr lang="ru-RU" smtClean="0"/>
-              <a:t>16.05.2018</a:t>
+              <a:t>18.05.2018</a:t>
             </a:fld>
             <a:endParaRPr lang="ru-RU"/>
           </a:p>
@@ -3120,7 +3225,7 @@
           <a:p>
             <a:fld id="{6169430A-5EF9-46DC-BA21-D7EA05D7B849}" type="datetimeFigureOut">
               <a:rPr lang="ru-RU" smtClean="0"/>
-              <a:t>16.05.2018</a:t>
+              <a:t>18.05.2018</a:t>
             </a:fld>
             <a:endParaRPr lang="ru-RU"/>
           </a:p>
@@ -3373,7 +3478,7 @@
           <a:p>
             <a:fld id="{6169430A-5EF9-46DC-BA21-D7EA05D7B849}" type="datetimeFigureOut">
               <a:rPr lang="ru-RU" smtClean="0"/>
-              <a:t>16.05.2018</a:t>
+              <a:t>18.05.2018</a:t>
             </a:fld>
             <a:endParaRPr lang="ru-RU"/>
           </a:p>
@@ -3586,7 +3691,7 @@
           <a:p>
             <a:fld id="{6169430A-5EF9-46DC-BA21-D7EA05D7B849}" type="datetimeFigureOut">
               <a:rPr lang="ru-RU" smtClean="0"/>
-              <a:t>16.05.2018</a:t>
+              <a:t>18.05.2018</a:t>
             </a:fld>
             <a:endParaRPr lang="ru-RU"/>
           </a:p>
@@ -4009,8 +4114,8 @@
           <a:lstStyle/>
           <a:p>
             <a:r>
-              <a:rPr lang="ru-RU" dirty="0"/>
-              <a:t>Основы проектирования , введение в UML</a:t>
+              <a:rPr lang="ru-RU" dirty="0" smtClean="0"/>
+              <a:t>Архитектура. Паттерны.</a:t>
             </a:r>
             <a:endParaRPr lang="ru-RU" b="1" dirty="0"/>
           </a:p>
@@ -4074,102 +4179,29 @@
       </p:grpSpPr>
       <p:sp>
         <p:nvSpPr>
-          <p:cNvPr id="3" name="Объект 2"/>
-          <p:cNvSpPr>
-            <a:spLocks noGrp="1"/>
-          </p:cNvSpPr>
-          <p:nvPr>
-            <p:ph idx="1"/>
+          <p:cNvPr id="2" name="Заголовок 1"/>
+          <p:cNvSpPr>
+            <a:spLocks noGrp="1"/>
+          </p:cNvSpPr>
+          <p:nvPr>
+            <p:ph type="title"/>
           </p:nvPr>
         </p:nvSpPr>
         <p:spPr>
           <a:xfrm>
-            <a:off x="838200" y="218364"/>
-            <a:ext cx="10515600" cy="5958599"/>
-          </a:xfrm>
-        </p:spPr>
-        <p:txBody>
-          <a:bodyPr/>
-          <a:lstStyle/>
-          <a:p>
-            <a:pPr marL="0" indent="0">
-              <a:buNone/>
-            </a:pPr>
+            <a:off x="838200" y="2494176"/>
+            <a:ext cx="10515600" cy="1325563"/>
+          </a:xfrm>
+        </p:spPr>
+        <p:txBody>
+          <a:bodyPr/>
+          <a:lstStyle/>
+          <a:p>
+            <a:pPr algn="ctr"/>
             <a:r>
               <a:rPr lang="ru-RU" dirty="0" smtClean="0"/>
-              <a:t>Список требований:</a:t>
-            </a:r>
-          </a:p>
-          <a:p>
-            <a:pPr marL="514350" indent="-514350">
-              <a:buFont typeface="+mj-lt"/>
-              <a:buAutoNum type="arabicPeriod"/>
-            </a:pPr>
-            <a:r>
-              <a:rPr lang="ru-RU" dirty="0" smtClean="0"/>
-              <a:t>Показать список товаров. На сайте должна быть возможность отображения списка товаров в виде карточек</a:t>
-            </a:r>
-          </a:p>
-          <a:p>
-            <a:pPr marL="514350" indent="-514350">
-              <a:buFont typeface="+mj-lt"/>
-              <a:buAutoNum type="arabicPeriod"/>
-            </a:pPr>
-            <a:r>
-              <a:rPr lang="ru-RU" dirty="0" smtClean="0"/>
-              <a:t>Оплата онлайн. Должна быть возможность оплатить заказ с помощью платежной системы </a:t>
-            </a:r>
-            <a:r>
-              <a:rPr lang="en-US" dirty="0" err="1" smtClean="0"/>
-              <a:t>WebMoney,Qiwi</a:t>
-            </a:r>
-            <a:endParaRPr lang="en-US" dirty="0" smtClean="0"/>
-          </a:p>
-          <a:p>
-            <a:pPr marL="514350" indent="-514350">
-              <a:buFont typeface="+mj-lt"/>
-              <a:buAutoNum type="arabicPeriod"/>
-            </a:pPr>
-            <a:r>
-              <a:rPr lang="ru-RU" dirty="0" smtClean="0"/>
-              <a:t>Добавление товаров в корзину. Должна быть возможность добавить товар в корзину</a:t>
-            </a:r>
-          </a:p>
-          <a:p>
-            <a:pPr marL="514350" indent="-514350">
-              <a:buFont typeface="+mj-lt"/>
-              <a:buAutoNum type="arabicPeriod"/>
-            </a:pPr>
-            <a:r>
-              <a:rPr lang="ru-RU" dirty="0" smtClean="0"/>
-              <a:t>Авторизация. Посетитель сайта может произвести авторизацию на сайте путем ввода логина и пароля</a:t>
-            </a:r>
-          </a:p>
-          <a:p>
-            <a:pPr marL="514350" indent="-514350">
-              <a:buFont typeface="+mj-lt"/>
-              <a:buAutoNum type="arabicPeriod"/>
-            </a:pPr>
-            <a:endParaRPr lang="ru-RU" dirty="0"/>
-          </a:p>
-          <a:p>
-            <a:pPr marL="0" indent="0">
-              <a:buNone/>
-            </a:pPr>
-            <a:r>
-              <a:rPr lang="ru-RU" dirty="0">
-                <a:solidFill>
-                  <a:srgbClr val="FF0000"/>
-                </a:solidFill>
-              </a:rPr>
-              <a:t>Важное замечание: требования должны формулироваться в терминологии, понятной заказчику. Не формулируйте требования к техническим деталям реализации! </a:t>
-            </a:r>
-          </a:p>
-          <a:p>
-            <a:pPr marL="514350" indent="-514350">
-              <a:buFont typeface="+mj-lt"/>
-              <a:buAutoNum type="arabicPeriod"/>
-            </a:pPr>
+              <a:t>Архитектурные паттерны</a:t>
+            </a:r>
             <a:endParaRPr lang="ru-RU" dirty="0"/>
           </a:p>
         </p:txBody>
@@ -4177,13 +4209,20 @@
     </p:spTree>
     <p:extLst>
       <p:ext uri="{BB962C8B-B14F-4D97-AF65-F5344CB8AC3E}">
-        <p14:creationId xmlns:p14="http://schemas.microsoft.com/office/powerpoint/2010/main" val="563573820"/>
+        <p14:creationId xmlns:p14="http://schemas.microsoft.com/office/powerpoint/2010/main" val="2157292332"/>
       </p:ext>
     </p:extLst>
   </p:cSld>
   <p:clrMapOvr>
     <a:masterClrMapping/>
   </p:clrMapOvr>
+  <p:timing>
+    <p:tnLst>
+      <p:par>
+        <p:cTn id="1" dur="indefinite" restart="never" nodeType="tmRoot"/>
+      </p:par>
+    </p:tnLst>
+  </p:timing>
 </p:sld>
 </file>
 
@@ -4206,115 +4245,135 @@
       </p:grpSpPr>
       <p:sp>
         <p:nvSpPr>
-          <p:cNvPr id="3" name="Объект 2"/>
-          <p:cNvSpPr>
-            <a:spLocks noGrp="1"/>
-          </p:cNvSpPr>
-          <p:nvPr>
-            <p:ph idx="1"/>
-          </p:nvPr>
+          <p:cNvPr id="2" name="Заголовок 1"/>
+          <p:cNvSpPr>
+            <a:spLocks noGrp="1"/>
+          </p:cNvSpPr>
+          <p:nvPr>
+            <p:ph type="title"/>
+          </p:nvPr>
+        </p:nvSpPr>
+        <p:spPr/>
+        <p:txBody>
+          <a:bodyPr/>
+          <a:lstStyle/>
+          <a:p>
+            <a:pPr algn="ctr"/>
+            <a:r>
+              <a:rPr lang="en-US" dirty="0" smtClean="0"/>
+              <a:t>Singleton</a:t>
+            </a:r>
+            <a:r>
+              <a:rPr lang="ru-RU" dirty="0" smtClean="0"/>
+              <a:t> </a:t>
+            </a:r>
+            <a:r>
+              <a:rPr lang="en-US" dirty="0" smtClean="0"/>
+              <a:t>(</a:t>
+            </a:r>
+            <a:r>
+              <a:rPr lang="ru-RU" dirty="0" smtClean="0"/>
+              <a:t>одиночка</a:t>
+            </a:r>
+            <a:r>
+              <a:rPr lang="en-US" dirty="0" smtClean="0"/>
+              <a:t>)</a:t>
+            </a:r>
+            <a:endParaRPr lang="ru-RU" dirty="0"/>
+          </a:p>
+        </p:txBody>
+      </p:sp>
+      <p:pic>
+        <p:nvPicPr>
+          <p:cNvPr id="13314" name="Picture 2" descr="Alt Singleton UML Diagram"/>
+          <p:cNvPicPr>
+            <a:picLocks noChangeAspect="1" noChangeArrowheads="1"/>
+          </p:cNvPicPr>
+          <p:nvPr/>
+        </p:nvPicPr>
+        <p:blipFill>
+          <a:blip r:embed="rId2">
+            <a:extLst>
+              <a:ext uri="{28A0092B-C50C-407E-A947-70E740481C1C}">
+                <a14:useLocalDpi xmlns:a14="http://schemas.microsoft.com/office/drawing/2010/main" val="0"/>
+              </a:ext>
+            </a:extLst>
+          </a:blip>
+          <a:srcRect/>
+          <a:stretch>
+            <a:fillRect/>
+          </a:stretch>
+        </p:blipFill>
+        <p:spPr bwMode="auto">
+          <a:xfrm>
+            <a:off x="4991100" y="3662582"/>
+            <a:ext cx="2209800" cy="1609726"/>
+          </a:xfrm>
+          <a:prstGeom prst="rect">
+            <a:avLst/>
+          </a:prstGeom>
+          <a:noFill/>
+          <a:extLst>
+            <a:ext uri="{909E8E84-426E-40DD-AFC4-6F175D3DCCD1}">
+              <a14:hiddenFill xmlns:a14="http://schemas.microsoft.com/office/drawing/2010/main">
+                <a:solidFill>
+                  <a:srgbClr val="FFFFFF"/>
+                </a:solidFill>
+              </a14:hiddenFill>
+            </a:ext>
+          </a:extLst>
+        </p:spPr>
+      </p:pic>
+      <p:sp>
+        <p:nvSpPr>
+          <p:cNvPr id="3" name="TextBox 2"/>
+          <p:cNvSpPr txBox="1"/>
+          <p:nvPr/>
         </p:nvSpPr>
         <p:spPr>
           <a:xfrm>
-            <a:off x="838200" y="218364"/>
-            <a:ext cx="10515600" cy="5958599"/>
-          </a:xfrm>
-        </p:spPr>
-        <p:txBody>
-          <a:bodyPr/>
-          <a:lstStyle/>
-          <a:p>
-            <a:pPr marL="0" indent="0">
-              <a:buNone/>
-            </a:pPr>
+            <a:off x="1883390" y="1690688"/>
+            <a:ext cx="9362365" cy="646331"/>
+          </a:xfrm>
+          <a:prstGeom prst="rect">
+            <a:avLst/>
+          </a:prstGeom>
+          <a:noFill/>
+        </p:spPr>
+        <p:txBody>
+          <a:bodyPr wrap="square" rtlCol="0">
+            <a:spAutoFit/>
+          </a:bodyPr>
+          <a:lstStyle/>
+          <a:p>
+            <a:r>
+              <a:rPr lang="ru-RU" dirty="0" smtClean="0"/>
+              <a:t>Возможность иметь </a:t>
+            </a:r>
             <a:r>
               <a:rPr lang="ru-RU" dirty="0"/>
-              <a:t>Характеристики хороших требований:</a:t>
-            </a:r>
-          </a:p>
-          <a:p>
-            <a:pPr lvl="0"/>
-            <a:r>
-              <a:rPr lang="ru-RU" dirty="0"/>
-              <a:t>требование описывает одну функцию,</a:t>
-            </a:r>
-          </a:p>
-          <a:p>
-            <a:pPr lvl="0"/>
-            <a:r>
-              <a:rPr lang="ru-RU" dirty="0"/>
-              <a:t>требование написано на языке, понятном заказчику,</a:t>
-            </a:r>
-          </a:p>
-          <a:p>
-            <a:pPr lvl="0"/>
-            <a:r>
-              <a:rPr lang="ru-RU" dirty="0"/>
-              <a:t>требования написаны самим заказчиком или обсуждены с ним по каждому пункту,</a:t>
-            </a:r>
-          </a:p>
-          <a:p>
-            <a:pPr lvl="0"/>
-            <a:r>
-              <a:rPr lang="ru-RU" dirty="0"/>
-              <a:t>требование не должно содержать больше трех предложений, т.е. быть коротким по форме.</a:t>
-            </a:r>
-          </a:p>
-          <a:p>
-            <a:pPr marL="0" indent="0">
-              <a:buNone/>
-            </a:pPr>
-            <a:endParaRPr lang="ru-RU" dirty="0"/>
-          </a:p>
-          <a:p>
-            <a:pPr marL="0" indent="0">
-              <a:buNone/>
-            </a:pPr>
-            <a:r>
-              <a:rPr lang="ru-RU" dirty="0"/>
-              <a:t>Характеристики плохих требований:</a:t>
-            </a:r>
-          </a:p>
-          <a:p>
-            <a:pPr lvl="0"/>
-            <a:r>
-              <a:rPr lang="ru-RU" dirty="0"/>
-              <a:t>длинное,</a:t>
-            </a:r>
-          </a:p>
-          <a:p>
-            <a:pPr lvl="0"/>
-            <a:r>
-              <a:rPr lang="ru-RU" dirty="0"/>
-              <a:t>использует технические термины незнакомые заказчику,</a:t>
-            </a:r>
-          </a:p>
-          <a:p>
-            <a:pPr lvl="0"/>
-            <a:r>
-              <a:rPr lang="ru-RU" dirty="0"/>
-              <a:t>содержит упоминание технологий разработки ПО.</a:t>
-            </a:r>
-          </a:p>
-          <a:p>
-            <a:pPr marL="514350" indent="-514350">
-              <a:buFont typeface="+mj-lt"/>
-              <a:buAutoNum type="arabicPeriod"/>
-            </a:pPr>
-            <a:endParaRPr lang="ru-RU" dirty="0"/>
+              <a:t>только один экземпляр этого объекта в приложении, который будет обрабатывать все вызовы.</a:t>
+            </a:r>
           </a:p>
         </p:txBody>
       </p:sp>
     </p:spTree>
     <p:extLst>
       <p:ext uri="{BB962C8B-B14F-4D97-AF65-F5344CB8AC3E}">
-        <p14:creationId xmlns:p14="http://schemas.microsoft.com/office/powerpoint/2010/main" val="3620331461"/>
+        <p14:creationId xmlns:p14="http://schemas.microsoft.com/office/powerpoint/2010/main" val="3656518598"/>
       </p:ext>
     </p:extLst>
   </p:cSld>
   <p:clrMapOvr>
     <a:masterClrMapping/>
   </p:clrMapOvr>
+  <p:timing>
+    <p:tnLst>
+      <p:par>
+        <p:cTn id="1" dur="indefinite" restart="never" nodeType="tmRoot"/>
+      </p:par>
+    </p:tnLst>
+  </p:timing>
 </p:sld>
 </file>
 
@@ -4337,42 +4396,68 @@
       </p:grpSpPr>
       <p:sp>
         <p:nvSpPr>
-          <p:cNvPr id="3" name="Объект 2"/>
-          <p:cNvSpPr>
-            <a:spLocks noGrp="1"/>
-          </p:cNvSpPr>
-          <p:nvPr>
-            <p:ph idx="1"/>
-          </p:nvPr>
+          <p:cNvPr id="2" name="Заголовок 1"/>
+          <p:cNvSpPr>
+            <a:spLocks noGrp="1"/>
+          </p:cNvSpPr>
+          <p:nvPr>
+            <p:ph type="title"/>
+          </p:nvPr>
+        </p:nvSpPr>
+        <p:spPr/>
+        <p:txBody>
+          <a:bodyPr/>
+          <a:lstStyle/>
+          <a:p>
+            <a:pPr algn="ctr"/>
+            <a:r>
+              <a:rPr lang="en-US" dirty="0" smtClean="0"/>
+              <a:t>Factory (</a:t>
+            </a:r>
+            <a:r>
+              <a:rPr lang="ru-RU" dirty="0" smtClean="0"/>
+              <a:t>Фабрика</a:t>
+            </a:r>
+            <a:r>
+              <a:rPr lang="en-US" dirty="0" smtClean="0"/>
+              <a:t>)</a:t>
+            </a:r>
+            <a:endParaRPr lang="ru-RU" dirty="0"/>
+          </a:p>
+        </p:txBody>
+      </p:sp>
+      <p:sp>
+        <p:nvSpPr>
+          <p:cNvPr id="3" name="TextBox 2"/>
+          <p:cNvSpPr txBox="1"/>
+          <p:nvPr/>
         </p:nvSpPr>
         <p:spPr>
           <a:xfrm>
-            <a:off x="838200" y="218364"/>
-            <a:ext cx="10515600" cy="5958599"/>
-          </a:xfrm>
-        </p:spPr>
-        <p:txBody>
-          <a:bodyPr/>
-          <a:lstStyle/>
-          <a:p>
-            <a:pPr marL="0" indent="0">
-              <a:buNone/>
-            </a:pPr>
+            <a:off x="1883390" y="1690688"/>
+            <a:ext cx="9362365" cy="646331"/>
+          </a:xfrm>
+          <a:prstGeom prst="rect">
+            <a:avLst/>
+          </a:prstGeom>
+          <a:noFill/>
+        </p:spPr>
+        <p:txBody>
+          <a:bodyPr wrap="square" rtlCol="0">
+            <a:spAutoFit/>
+          </a:bodyPr>
+          <a:lstStyle/>
+          <a:p>
             <a:r>
               <a:rPr lang="ru-RU" dirty="0"/>
-              <a:t>После того, как на начальном этапе в требованиях сформулировано, что должно будет делать разрабатываемое программное обеспечение, необходимо дать оценки, когда же заказчик получит систему, за которую он готов </a:t>
-            </a:r>
-            <a:r>
-              <a:rPr lang="ru-RU" dirty="0" smtClean="0"/>
-              <a:t>заплатить и затем определить контрольные точки.</a:t>
-            </a:r>
-            <a:endParaRPr lang="ru-RU" dirty="0"/>
+              <a:t>Простая фабрика просто генерирует экземпляр для клиента, не подвергая клиентскую логику создания экземпляра</a:t>
+            </a:r>
           </a:p>
         </p:txBody>
       </p:sp>
       <p:pic>
         <p:nvPicPr>
-          <p:cNvPr id="3074" name="Picture 2"/>
+          <p:cNvPr id="16386" name="Picture 2" descr="Alt SimpleFactory UML Diagram"/>
           <p:cNvPicPr>
             <a:picLocks noChangeAspect="1" noChangeArrowheads="1"/>
           </p:cNvPicPr>
@@ -4393,16 +4478,13 @@
         </p:blipFill>
         <p:spPr bwMode="auto">
           <a:xfrm>
-            <a:off x="2388358" y="2492178"/>
-            <a:ext cx="6982310" cy="3848557"/>
+            <a:off x="3867766" y="3016251"/>
+            <a:ext cx="3596318" cy="2825679"/>
           </a:xfrm>
           <a:prstGeom prst="rect">
             <a:avLst/>
           </a:prstGeom>
           <a:noFill/>
-          <a:ln>
-            <a:noFill/>
-          </a:ln>
           <a:extLst>
             <a:ext uri="{909E8E84-426E-40DD-AFC4-6F175D3DCCD1}">
               <a14:hiddenFill xmlns:a14="http://schemas.microsoft.com/office/drawing/2010/main">
@@ -4411,29 +4493,26 @@
                 </a:solidFill>
               </a14:hiddenFill>
             </a:ext>
-            <a:ext uri="{91240B29-F687-4F45-9708-019B960494DF}">
-              <a14:hiddenLine xmlns:a14="http://schemas.microsoft.com/office/drawing/2010/main" w="9525">
-                <a:solidFill>
-                  <a:srgbClr val="000000"/>
-                </a:solidFill>
-                <a:miter lim="800000"/>
-                <a:headEnd/>
-                <a:tailEnd/>
-              </a14:hiddenLine>
-            </a:ext>
           </a:extLst>
         </p:spPr>
       </p:pic>
     </p:spTree>
     <p:extLst>
       <p:ext uri="{BB962C8B-B14F-4D97-AF65-F5344CB8AC3E}">
-        <p14:creationId xmlns:p14="http://schemas.microsoft.com/office/powerpoint/2010/main" val="2384400169"/>
+        <p14:creationId xmlns:p14="http://schemas.microsoft.com/office/powerpoint/2010/main" val="4276861305"/>
       </p:ext>
     </p:extLst>
   </p:cSld>
   <p:clrMapOvr>
     <a:masterClrMapping/>
   </p:clrMapOvr>
+  <p:timing>
+    <p:tnLst>
+      <p:par>
+        <p:cTn id="1" dur="indefinite" restart="never" nodeType="tmRoot"/>
+      </p:par>
+    </p:tnLst>
+  </p:timing>
 </p:sld>
 </file>
 
@@ -4454,40 +4533,125 @@
           <a:chExt cx="0" cy="0"/>
         </a:xfrm>
       </p:grpSpPr>
+      <p:sp>
+        <p:nvSpPr>
+          <p:cNvPr id="2" name="Заголовок 1"/>
+          <p:cNvSpPr>
+            <a:spLocks noGrp="1"/>
+          </p:cNvSpPr>
+          <p:nvPr>
+            <p:ph type="title"/>
+          </p:nvPr>
+        </p:nvSpPr>
+        <p:spPr/>
+        <p:txBody>
+          <a:bodyPr/>
+          <a:lstStyle/>
+          <a:p>
+            <a:pPr algn="ctr"/>
+            <a:r>
+              <a:rPr lang="en-US" dirty="0" smtClean="0"/>
+              <a:t>Abstract Factory (</a:t>
+            </a:r>
+            <a:r>
+              <a:rPr lang="ru-RU" dirty="0" smtClean="0"/>
+              <a:t>Абстрактная Фабрика</a:t>
+            </a:r>
+            <a:r>
+              <a:rPr lang="en-US" dirty="0" smtClean="0"/>
+              <a:t>)</a:t>
+            </a:r>
+            <a:endParaRPr lang="ru-RU" dirty="0"/>
+          </a:p>
+        </p:txBody>
+      </p:sp>
+      <p:sp>
+        <p:nvSpPr>
+          <p:cNvPr id="3" name="TextBox 2"/>
+          <p:cNvSpPr txBox="1"/>
+          <p:nvPr/>
+        </p:nvSpPr>
+        <p:spPr>
+          <a:xfrm>
+            <a:off x="1883390" y="1690688"/>
+            <a:ext cx="9362365" cy="923330"/>
+          </a:xfrm>
+          <a:prstGeom prst="rect">
+            <a:avLst/>
+          </a:prstGeom>
+          <a:noFill/>
+        </p:spPr>
+        <p:txBody>
+          <a:bodyPr wrap="square" rtlCol="0">
+            <a:spAutoFit/>
+          </a:bodyPr>
+          <a:lstStyle/>
+          <a:p>
+            <a:r>
+              <a:rPr lang="ru-RU" dirty="0"/>
+              <a:t>Создать серию связанных или зависимых объектов без указания их конкретных классов. Обычно созданные классы реализуют один и тот же интерфейс. Клиент абстрактной фабрики не заботится о том, как создаются эти объекты</a:t>
+            </a:r>
+          </a:p>
+        </p:txBody>
+      </p:sp>
       <p:pic>
         <p:nvPicPr>
-          <p:cNvPr id="4" name="Рисунок 3"/>
+          <p:cNvPr id="6" name="Picture 2" descr="Alt AbstractFactory UML Diagram"/>
           <p:cNvPicPr>
-            <a:picLocks noChangeAspect="1"/>
+            <a:picLocks noChangeAspect="1" noChangeArrowheads="1"/>
           </p:cNvPicPr>
           <p:nvPr/>
         </p:nvPicPr>
         <p:blipFill>
-          <a:blip r:embed="rId2"/>
+          <a:blip r:embed="rId2">
+            <a:extLst>
+              <a:ext uri="{28A0092B-C50C-407E-A947-70E740481C1C}">
+                <a14:useLocalDpi xmlns:a14="http://schemas.microsoft.com/office/drawing/2010/main" val="0"/>
+              </a:ext>
+            </a:extLst>
+          </a:blip>
+          <a:srcRect/>
           <a:stretch>
             <a:fillRect/>
           </a:stretch>
         </p:blipFill>
-        <p:spPr>
+        <p:spPr bwMode="auto">
           <a:xfrm>
-            <a:off x="270040" y="321077"/>
-            <a:ext cx="11717304" cy="6270792"/>
+            <a:off x="3493827" y="2774946"/>
+            <a:ext cx="4831307" cy="3957790"/>
           </a:xfrm>
           <a:prstGeom prst="rect">
             <a:avLst/>
           </a:prstGeom>
+          <a:noFill/>
+          <a:extLst>
+            <a:ext uri="{909E8E84-426E-40DD-AFC4-6F175D3DCCD1}">
+              <a14:hiddenFill xmlns:a14="http://schemas.microsoft.com/office/drawing/2010/main">
+                <a:solidFill>
+                  <a:srgbClr val="FFFFFF"/>
+                </a:solidFill>
+              </a14:hiddenFill>
+            </a:ext>
+          </a:extLst>
         </p:spPr>
       </p:pic>
     </p:spTree>
     <p:extLst>
       <p:ext uri="{BB962C8B-B14F-4D97-AF65-F5344CB8AC3E}">
-        <p14:creationId xmlns:p14="http://schemas.microsoft.com/office/powerpoint/2010/main" val="2018529450"/>
+        <p14:creationId xmlns:p14="http://schemas.microsoft.com/office/powerpoint/2010/main" val="3091933298"/>
       </p:ext>
     </p:extLst>
   </p:cSld>
   <p:clrMapOvr>
     <a:masterClrMapping/>
   </p:clrMapOvr>
+  <p:timing>
+    <p:tnLst>
+      <p:par>
+        <p:cTn id="1" dur="indefinite" restart="never" nodeType="tmRoot"/>
+      </p:par>
+    </p:tnLst>
+  </p:timing>
 </p:sld>
 </file>
 
@@ -4515,54 +4679,172 @@
             <a:spLocks noGrp="1"/>
           </p:cNvSpPr>
           <p:nvPr>
-            <p:ph type="ctrTitle"/>
+            <p:ph type="title"/>
           </p:nvPr>
         </p:nvSpPr>
         <p:spPr/>
         <p:txBody>
-          <a:bodyPr>
-            <a:normAutofit fontScale="90000"/>
+          <a:bodyPr/>
+          <a:lstStyle/>
+          <a:p>
+            <a:pPr algn="ctr"/>
+            <a:r>
+              <a:rPr lang="en-US" dirty="0" smtClean="0"/>
+              <a:t>Factory Method (</a:t>
+            </a:r>
+            <a:r>
+              <a:rPr lang="ru-RU" dirty="0" smtClean="0"/>
+              <a:t>Фабричный метод</a:t>
+            </a:r>
+            <a:r>
+              <a:rPr lang="en-US" dirty="0" smtClean="0"/>
+              <a:t>)</a:t>
+            </a:r>
+            <a:endParaRPr lang="ru-RU" dirty="0"/>
+          </a:p>
+        </p:txBody>
+      </p:sp>
+      <p:sp>
+        <p:nvSpPr>
+          <p:cNvPr id="3" name="TextBox 2"/>
+          <p:cNvSpPr txBox="1"/>
+          <p:nvPr/>
+        </p:nvSpPr>
+        <p:spPr>
+          <a:xfrm>
+            <a:off x="6810233" y="1690687"/>
+            <a:ext cx="4435522" cy="4801314"/>
+          </a:xfrm>
+          <a:prstGeom prst="rect">
+            <a:avLst/>
+          </a:prstGeom>
+          <a:noFill/>
+        </p:spPr>
+        <p:txBody>
+          <a:bodyPr wrap="square" rtlCol="0">
+            <a:spAutoFit/>
           </a:bodyPr>
           <a:lstStyle/>
           <a:p>
             <a:r>
-              <a:rPr lang="ru-RU" b="1" dirty="0"/>
-              <a:t>Моделирование предметной области (</a:t>
-            </a:r>
-            <a:r>
-              <a:rPr lang="en-US" b="1" dirty="0"/>
-              <a:t>Domain model</a:t>
-            </a:r>
-            <a:r>
-              <a:rPr lang="ru-RU" b="1" dirty="0"/>
-              <a:t>)</a:t>
-            </a:r>
-          </a:p>
-        </p:txBody>
-      </p:sp>
-      <p:sp>
-        <p:nvSpPr>
-          <p:cNvPr id="3" name="Подзаголовок 2"/>
-          <p:cNvSpPr>
-            <a:spLocks noGrp="1"/>
-          </p:cNvSpPr>
-          <p:nvPr>
-            <p:ph type="subTitle" idx="1"/>
-          </p:nvPr>
-        </p:nvSpPr>
-        <p:spPr/>
-        <p:txBody>
-          <a:bodyPr/>
-          <a:lstStyle/>
+              <a:rPr lang="ru-RU" dirty="0"/>
+              <a:t>Хорошая точка над </a:t>
+            </a:r>
+            <a:r>
+              <a:rPr lang="ru-RU" dirty="0" err="1"/>
+              <a:t>SimpleFactory</a:t>
+            </a:r>
+            <a:r>
+              <a:rPr lang="ru-RU" dirty="0"/>
+              <a:t> - это подкласс для реализации различных способов создания объектов</a:t>
+            </a:r>
+          </a:p>
           <a:p>
             <a:endParaRPr lang="ru-RU" dirty="0"/>
           </a:p>
-        </p:txBody>
-      </p:sp>
+          <a:p>
+            <a:r>
+              <a:rPr lang="ru-RU" dirty="0"/>
+              <a:t>Для простого случая этот абстрактный класс может быть просто интерфейсом</a:t>
+            </a:r>
+          </a:p>
+          <a:p>
+            <a:endParaRPr lang="ru-RU" dirty="0"/>
+          </a:p>
+          <a:p>
+            <a:r>
+              <a:rPr lang="ru-RU" dirty="0"/>
+              <a:t>Этот шаблон представляет собой «реальный» шаблон проектирования, поскольку он обеспечивает «Принцип инверсии зависимостей» </a:t>
+            </a:r>
+            <a:r>
+              <a:rPr lang="ru-RU" dirty="0" err="1"/>
+              <a:t>a.k.a</a:t>
+            </a:r>
+            <a:r>
+              <a:rPr lang="ru-RU" dirty="0"/>
+              <a:t> «D» в принципах S.O.L.I.D.</a:t>
+            </a:r>
+          </a:p>
+          <a:p>
+            <a:endParaRPr lang="ru-RU" dirty="0"/>
+          </a:p>
+          <a:p>
+            <a:r>
+              <a:rPr lang="ru-RU" dirty="0"/>
+              <a:t>Это означает, что класс </a:t>
+            </a:r>
+            <a:r>
+              <a:rPr lang="ru-RU" dirty="0" err="1"/>
+              <a:t>FactoryMethod</a:t>
+            </a:r>
+            <a:r>
+              <a:rPr lang="ru-RU" dirty="0"/>
+              <a:t> зависит от абстракций, а не от конкретных классов. Это реальный трюк по сравнению с </a:t>
+            </a:r>
+            <a:r>
+              <a:rPr lang="ru-RU" dirty="0" err="1"/>
+              <a:t>SimpleFactory</a:t>
+            </a:r>
+            <a:r>
+              <a:rPr lang="ru-RU" dirty="0"/>
+              <a:t> или </a:t>
+            </a:r>
+            <a:r>
+              <a:rPr lang="ru-RU" dirty="0" err="1"/>
+              <a:t>StaticFactory</a:t>
+            </a:r>
+            <a:r>
+              <a:rPr lang="ru-RU" dirty="0"/>
+              <a:t>.</a:t>
+            </a:r>
+          </a:p>
+        </p:txBody>
+      </p:sp>
+      <p:pic>
+        <p:nvPicPr>
+          <p:cNvPr id="18434" name="Picture 2" descr="Alt FactoryMethod UML Diagram"/>
+          <p:cNvPicPr>
+            <a:picLocks noChangeAspect="1" noChangeArrowheads="1"/>
+          </p:cNvPicPr>
+          <p:nvPr/>
+        </p:nvPicPr>
+        <p:blipFill>
+          <a:blip r:embed="rId2">
+            <a:extLst>
+              <a:ext uri="{28A0092B-C50C-407E-A947-70E740481C1C}">
+                <a14:useLocalDpi xmlns:a14="http://schemas.microsoft.com/office/drawing/2010/main" val="0"/>
+              </a:ext>
+            </a:extLst>
+          </a:blip>
+          <a:srcRect/>
+          <a:stretch>
+            <a:fillRect/>
+          </a:stretch>
+        </p:blipFill>
+        <p:spPr bwMode="auto">
+          <a:xfrm>
+            <a:off x="1408352" y="1690688"/>
+            <a:ext cx="5156220" cy="4981433"/>
+          </a:xfrm>
+          <a:prstGeom prst="rect">
+            <a:avLst/>
+          </a:prstGeom>
+          <a:noFill/>
+          <a:extLst>
+            <a:ext uri="{909E8E84-426E-40DD-AFC4-6F175D3DCCD1}">
+              <a14:hiddenFill xmlns:a14="http://schemas.microsoft.com/office/drawing/2010/main">
+                <a:solidFill>
+                  <a:srgbClr val="FFFFFF"/>
+                </a:solidFill>
+              </a14:hiddenFill>
+            </a:ext>
+          </a:extLst>
+        </p:spPr>
+      </p:pic>
     </p:spTree>
     <p:extLst>
       <p:ext uri="{BB962C8B-B14F-4D97-AF65-F5344CB8AC3E}">
-        <p14:creationId xmlns:p14="http://schemas.microsoft.com/office/powerpoint/2010/main" val="2139572177"/>
+        <p14:creationId xmlns:p14="http://schemas.microsoft.com/office/powerpoint/2010/main" val="4140658726"/>
       </p:ext>
     </p:extLst>
   </p:cSld>
@@ -4598,138 +4880,115 @@
       </p:grpSpPr>
       <p:sp>
         <p:nvSpPr>
-          <p:cNvPr id="4" name="Rectangle 2"/>
-          <p:cNvSpPr>
-            <a:spLocks noChangeArrowheads="1"/>
-          </p:cNvSpPr>
+          <p:cNvPr id="2" name="Заголовок 1"/>
+          <p:cNvSpPr>
+            <a:spLocks noGrp="1"/>
+          </p:cNvSpPr>
+          <p:nvPr>
+            <p:ph type="title"/>
+          </p:nvPr>
+        </p:nvSpPr>
+        <p:spPr/>
+        <p:txBody>
+          <a:bodyPr/>
+          <a:lstStyle/>
+          <a:p>
+            <a:pPr algn="ctr"/>
+            <a:r>
+              <a:rPr lang="en-US" dirty="0"/>
+              <a:t>Facade (</a:t>
+            </a:r>
+            <a:r>
+              <a:rPr lang="ru-RU" dirty="0" smtClean="0"/>
+              <a:t>Фасад</a:t>
+            </a:r>
+            <a:r>
+              <a:rPr lang="en-US" dirty="0" smtClean="0"/>
+              <a:t>)</a:t>
+            </a:r>
+            <a:endParaRPr lang="ru-RU" dirty="0"/>
+          </a:p>
+        </p:txBody>
+      </p:sp>
+      <p:sp>
+        <p:nvSpPr>
+          <p:cNvPr id="3" name="TextBox 2"/>
+          <p:cNvSpPr txBox="1"/>
           <p:nvPr/>
         </p:nvSpPr>
-        <p:spPr bwMode="auto">
+        <p:spPr>
           <a:xfrm>
-            <a:off x="1269451" y="408592"/>
-            <a:ext cx="16963008" cy="52407"/>
+            <a:off x="1883390" y="1690688"/>
+            <a:ext cx="9362365" cy="923330"/>
           </a:xfrm>
           <a:prstGeom prst="rect">
             <a:avLst/>
           </a:prstGeom>
           <a:noFill/>
-          <a:ln>
-            <a:noFill/>
-          </a:ln>
-          <a:effectLst/>
+        </p:spPr>
+        <p:txBody>
+          <a:bodyPr wrap="square" rtlCol="0">
+            <a:spAutoFit/>
+          </a:bodyPr>
+          <a:lstStyle/>
+          <a:p>
+            <a:r>
+              <a:rPr lang="ru-RU" dirty="0"/>
+              <a:t>Фасад предназначен </a:t>
+            </a:r>
+            <a:r>
+              <a:rPr lang="ru-RU" dirty="0" smtClean="0"/>
+              <a:t>для скрытия сложности системы и подсистемы путем внедрения большого количества (но иногда только одного) интерфейса и, конечно, для уменьшения сложности.</a:t>
+            </a:r>
+            <a:endParaRPr lang="ru-RU" dirty="0"/>
+          </a:p>
+        </p:txBody>
+      </p:sp>
+      <p:pic>
+        <p:nvPicPr>
+          <p:cNvPr id="19460" name="Picture 4" descr="Alt Facade UML Diagram"/>
+          <p:cNvPicPr>
+            <a:picLocks noChangeAspect="1" noChangeArrowheads="1"/>
+          </p:cNvPicPr>
+          <p:nvPr/>
+        </p:nvPicPr>
+        <p:blipFill>
+          <a:blip r:embed="rId2">
+            <a:extLst>
+              <a:ext uri="{28A0092B-C50C-407E-A947-70E740481C1C}">
+                <a14:useLocalDpi xmlns:a14="http://schemas.microsoft.com/office/drawing/2010/main" val="0"/>
+              </a:ext>
+            </a:extLst>
+          </a:blip>
+          <a:srcRect/>
+          <a:stretch>
+            <a:fillRect/>
+          </a:stretch>
+        </p:blipFill>
+        <p:spPr bwMode="auto">
+          <a:xfrm>
+            <a:off x="3212673" y="3016251"/>
+            <a:ext cx="4320891" cy="3474084"/>
+          </a:xfrm>
+          <a:prstGeom prst="rect">
+            <a:avLst/>
+          </a:prstGeom>
+          <a:noFill/>
           <a:extLst>
             <a:ext uri="{909E8E84-426E-40DD-AFC4-6F175D3DCCD1}">
               <a14:hiddenFill xmlns:a14="http://schemas.microsoft.com/office/drawing/2010/main">
                 <a:solidFill>
-                  <a:schemeClr val="accent1"/>
+                  <a:srgbClr val="FFFFFF"/>
                 </a:solidFill>
               </a14:hiddenFill>
             </a:ext>
-            <a:ext uri="{91240B29-F687-4F45-9708-019B960494DF}">
-              <a14:hiddenLine xmlns:a14="http://schemas.microsoft.com/office/drawing/2010/main" w="9525">
-                <a:solidFill>
-                  <a:schemeClr val="tx1"/>
-                </a:solidFill>
-                <a:miter lim="800000"/>
-                <a:headEnd/>
-                <a:tailEnd/>
-              </a14:hiddenLine>
-            </a:ext>
-            <a:ext uri="{AF507438-7753-43E0-B8FC-AC1667EBCBE1}">
-              <a14:hiddenEffects xmlns:a14="http://schemas.microsoft.com/office/drawing/2010/main">
-                <a:effectLst>
-                  <a:outerShdw dist="35921" dir="2700000" algn="ctr" rotWithShape="0">
-                    <a:schemeClr val="bg2"/>
-                  </a:outerShdw>
-                </a:effectLst>
-              </a14:hiddenEffects>
-            </a:ext>
           </a:extLst>
         </p:spPr>
-        <p:txBody>
-          <a:bodyPr vert="horz" wrap="square" lIns="91440" tIns="45720" rIns="91440" bIns="45720" numCol="1" anchor="ctr" anchorCtr="0" compatLnSpc="1">
-            <a:prstTxWarp prst="textNoShape">
-              <a:avLst/>
-            </a:prstTxWarp>
-            <a:spAutoFit/>
-          </a:bodyPr>
-          <a:lstStyle/>
-          <a:p>
-            <a:endParaRPr lang="ru-RU"/>
-          </a:p>
-        </p:txBody>
-      </p:sp>
-      <p:graphicFrame>
-        <p:nvGraphicFramePr>
-          <p:cNvPr id="5" name="Объект 4"/>
-          <p:cNvGraphicFramePr>
-            <a:graphicFrameLocks noChangeAspect="1"/>
-          </p:cNvGraphicFramePr>
-          <p:nvPr>
-            <p:extLst>
-              <p:ext uri="{D42A27DB-BD31-4B8C-83A1-F6EECF244321}">
-                <p14:modId xmlns:p14="http://schemas.microsoft.com/office/powerpoint/2010/main" val="1545061868"/>
-              </p:ext>
-            </p:extLst>
-          </p:nvPr>
-        </p:nvGraphicFramePr>
-        <p:xfrm>
-          <a:off x="1269452" y="408593"/>
-          <a:ext cx="8854574" cy="5767124"/>
-        </p:xfrm>
-        <a:graphic>
-          <a:graphicData uri="http://schemas.openxmlformats.org/presentationml/2006/ole">
-            <mc:AlternateContent xmlns:mc="http://schemas.openxmlformats.org/markup-compatibility/2006">
-              <mc:Choice xmlns:v="urn:schemas-microsoft-com:vml" Requires="v">
-                <p:oleObj spid="_x0000_s4105" r:id="rId3" imgW="5788617" imgH="3770794" progId="Visio.Drawing.11">
-                  <p:embed/>
-                </p:oleObj>
-              </mc:Choice>
-              <mc:Fallback>
-                <p:oleObj r:id="rId3" imgW="5788617" imgH="3770794" progId="Visio.Drawing.11">
-                  <p:embed/>
-                  <p:pic>
-                    <p:nvPicPr>
-                      <p:cNvPr id="0" name="Object 1"/>
-                      <p:cNvPicPr>
-                        <a:picLocks noChangeAspect="1" noChangeArrowheads="1"/>
-                      </p:cNvPicPr>
-                      <p:nvPr/>
-                    </p:nvPicPr>
-                    <p:blipFill>
-                      <a:blip r:embed="rId4">
-                        <a:extLst>
-                          <a:ext uri="{28A0092B-C50C-407E-A947-70E740481C1C}">
-                            <a14:useLocalDpi xmlns:a14="http://schemas.microsoft.com/office/drawing/2010/main" val="0"/>
-                          </a:ext>
-                        </a:extLst>
-                      </a:blip>
-                      <a:srcRect/>
-                      <a:stretch>
-                        <a:fillRect/>
-                      </a:stretch>
-                    </p:blipFill>
-                    <p:spPr bwMode="auto">
-                      <a:xfrm>
-                        <a:off x="1269452" y="408593"/>
-                        <a:ext cx="8854574" cy="5767124"/>
-                      </a:xfrm>
-                      <a:prstGeom prst="rect">
-                        <a:avLst/>
-                      </a:prstGeom>
-                      <a:noFill/>
-                    </p:spPr>
-                  </p:pic>
-                </p:oleObj>
-              </mc:Fallback>
-            </mc:AlternateContent>
-          </a:graphicData>
-        </a:graphic>
-      </p:graphicFrame>
+      </p:pic>
     </p:spTree>
     <p:extLst>
       <p:ext uri="{BB962C8B-B14F-4D97-AF65-F5344CB8AC3E}">
-        <p14:creationId xmlns:p14="http://schemas.microsoft.com/office/powerpoint/2010/main" val="3696716014"/>
+        <p14:creationId xmlns:p14="http://schemas.microsoft.com/office/powerpoint/2010/main" val="95634739"/>
       </p:ext>
     </p:extLst>
   </p:cSld>
@@ -4765,138 +5024,138 @@
       </p:grpSpPr>
       <p:sp>
         <p:nvSpPr>
-          <p:cNvPr id="3" name="Объект 2"/>
-          <p:cNvSpPr>
-            <a:spLocks noGrp="1"/>
-          </p:cNvSpPr>
-          <p:nvPr>
-            <p:ph idx="1"/>
-          </p:nvPr>
+          <p:cNvPr id="2" name="Заголовок 1"/>
+          <p:cNvSpPr>
+            <a:spLocks noGrp="1"/>
+          </p:cNvSpPr>
+          <p:nvPr>
+            <p:ph type="title"/>
+          </p:nvPr>
+        </p:nvSpPr>
+        <p:spPr/>
+        <p:txBody>
+          <a:bodyPr/>
+          <a:lstStyle/>
+          <a:p>
+            <a:pPr algn="ctr"/>
+            <a:r>
+              <a:rPr lang="en-US" dirty="0"/>
+              <a:t>Active Record </a:t>
+            </a:r>
+            <a:r>
+              <a:rPr lang="en-US" dirty="0" smtClean="0"/>
+              <a:t>(</a:t>
+            </a:r>
+            <a:r>
+              <a:rPr lang="ru-RU" dirty="0" smtClean="0"/>
+              <a:t>Активная запись</a:t>
+            </a:r>
+            <a:r>
+              <a:rPr lang="en-US" dirty="0" smtClean="0"/>
+              <a:t>)</a:t>
+            </a:r>
+            <a:endParaRPr lang="ru-RU" dirty="0"/>
+          </a:p>
+        </p:txBody>
+      </p:sp>
+      <p:sp>
+        <p:nvSpPr>
+          <p:cNvPr id="3" name="TextBox 2"/>
+          <p:cNvSpPr txBox="1"/>
+          <p:nvPr/>
         </p:nvSpPr>
         <p:spPr>
           <a:xfrm>
-            <a:off x="838200" y="218364"/>
-            <a:ext cx="10515600" cy="5958599"/>
-          </a:xfrm>
-        </p:spPr>
-        <p:txBody>
-          <a:bodyPr/>
-          <a:lstStyle/>
-          <a:p>
-            <a:pPr marL="0" indent="0">
-              <a:buNone/>
-            </a:pPr>
+            <a:off x="1883390" y="1690688"/>
+            <a:ext cx="9362365" cy="646331"/>
+          </a:xfrm>
+          <a:prstGeom prst="rect">
+            <a:avLst/>
+          </a:prstGeom>
+          <a:noFill/>
+        </p:spPr>
+        <p:txBody>
+          <a:bodyPr wrap="square" rtlCol="0">
+            <a:spAutoFit/>
+          </a:bodyPr>
+          <a:lstStyle/>
+          <a:p>
             <a:r>
               <a:rPr lang="ru-RU" dirty="0"/>
-              <a:t>Основная задача на этом этапе сформировать однозначный терминологический словарь для предметной области</a:t>
-            </a:r>
-            <a:r>
-              <a:rPr lang="ru-RU" dirty="0" smtClean="0"/>
-              <a:t>.</a:t>
-            </a:r>
-          </a:p>
-          <a:p>
-            <a:pPr marL="0" indent="0">
-              <a:buNone/>
-            </a:pPr>
-            <a:endParaRPr lang="ru-RU" dirty="0"/>
-          </a:p>
-          <a:p>
-            <a:pPr marL="0" indent="0">
-              <a:buNone/>
-            </a:pPr>
-            <a:r>
-              <a:rPr lang="ru-RU" dirty="0"/>
-              <a:t>С использование словаря предметной области должно происходить общение между участниками рабочей группы. Но модель предметной области лучше, чем словарь. Она показывает графически, как термины связаны между собой. На практике эта модель – это упрощенная диаграмма классов. На ней используются отношения агрегации (</a:t>
-            </a:r>
-            <a:r>
-              <a:rPr lang="en-US" dirty="0"/>
-              <a:t>has</a:t>
-            </a:r>
-            <a:r>
-              <a:rPr lang="ru-RU" dirty="0"/>
-              <a:t>-</a:t>
-            </a:r>
-            <a:r>
-              <a:rPr lang="en-US" dirty="0"/>
-              <a:t>a</a:t>
-            </a:r>
-            <a:r>
-              <a:rPr lang="ru-RU" dirty="0"/>
-              <a:t>) и наследования (</a:t>
-            </a:r>
-            <a:r>
-              <a:rPr lang="en-US" dirty="0"/>
-              <a:t>is</a:t>
-            </a:r>
-            <a:r>
-              <a:rPr lang="ru-RU" dirty="0"/>
-              <a:t>-</a:t>
-            </a:r>
-            <a:r>
-              <a:rPr lang="en-US" dirty="0"/>
-              <a:t>a</a:t>
-            </a:r>
-            <a:r>
-              <a:rPr lang="ru-RU" dirty="0"/>
-              <a:t>). </a:t>
-            </a:r>
-          </a:p>
-          <a:p>
-            <a:pPr marL="0" indent="0">
-              <a:buNone/>
-            </a:pPr>
-            <a:r>
-              <a:rPr lang="ru-RU" dirty="0" smtClean="0"/>
-              <a:t> </a:t>
-            </a:r>
-          </a:p>
-          <a:p>
-            <a:pPr marL="0" indent="0">
-              <a:buNone/>
-            </a:pPr>
-            <a:r>
-              <a:rPr lang="ru-RU" dirty="0" smtClean="0">
+              <a:t>Объект, который обертывает строку в таблице базы данных или представлении, инкапсулирует доступ к базе данных и добавляет логику домена к этим данным.</a:t>
+            </a:r>
+          </a:p>
+        </p:txBody>
+      </p:sp>
+      <p:pic>
+        <p:nvPicPr>
+          <p:cNvPr id="20482" name="Picture 2" descr="https://martinfowler.com/eaaCatalog/activeRecordSketch.gif"/>
+          <p:cNvPicPr>
+            <a:picLocks noChangeAspect="1" noChangeArrowheads="1"/>
+          </p:cNvPicPr>
+          <p:nvPr/>
+        </p:nvPicPr>
+        <p:blipFill>
+          <a:blip r:embed="rId3">
+            <a:extLst>
+              <a:ext uri="{28A0092B-C50C-407E-A947-70E740481C1C}">
+                <a14:useLocalDpi xmlns:a14="http://schemas.microsoft.com/office/drawing/2010/main" val="0"/>
+              </a:ext>
+            </a:extLst>
+          </a:blip>
+          <a:srcRect/>
+          <a:stretch>
+            <a:fillRect/>
+          </a:stretch>
+        </p:blipFill>
+        <p:spPr bwMode="auto">
+          <a:xfrm>
+            <a:off x="2025318" y="3521218"/>
+            <a:ext cx="2543175" cy="1676400"/>
+          </a:xfrm>
+          <a:prstGeom prst="rect">
+            <a:avLst/>
+          </a:prstGeom>
+          <a:noFill/>
+          <a:extLst>
+            <a:ext uri="{909E8E84-426E-40DD-AFC4-6F175D3DCCD1}">
+              <a14:hiddenFill xmlns:a14="http://schemas.microsoft.com/office/drawing/2010/main">
                 <a:solidFill>
-                  <a:srgbClr val="FF0000"/>
+                  <a:srgbClr val="FFFFFF"/>
                 </a:solidFill>
-              </a:rPr>
-              <a:t>В </a:t>
-            </a:r>
-            <a:r>
-              <a:rPr lang="ru-RU" dirty="0">
-                <a:solidFill>
-                  <a:srgbClr val="FF0000"/>
-                </a:solidFill>
-              </a:rPr>
-              <a:t>модель предметной области нельзя помещать название экранов пользовательского интерфейса или другие классы, относящиеся к пользовательскому </a:t>
-            </a:r>
-            <a:r>
-              <a:rPr lang="ru-RU" dirty="0" smtClean="0">
-                <a:solidFill>
-                  <a:srgbClr val="FF0000"/>
-                </a:solidFill>
-              </a:rPr>
-              <a:t>интерфейсу!</a:t>
-            </a:r>
-            <a:endParaRPr lang="ru-RU" dirty="0">
-              <a:solidFill>
-                <a:srgbClr val="FF0000"/>
-              </a:solidFill>
-            </a:endParaRPr>
-          </a:p>
-          <a:p>
-            <a:pPr marL="0" indent="0">
-              <a:buNone/>
-            </a:pPr>
-            <a:endParaRPr lang="ru-RU" dirty="0"/>
-          </a:p>
-        </p:txBody>
-      </p:sp>
+              </a14:hiddenFill>
+            </a:ext>
+          </a:extLst>
+        </p:spPr>
+      </p:pic>
+      <p:pic>
+        <p:nvPicPr>
+          <p:cNvPr id="4" name="Рисунок 3"/>
+          <p:cNvPicPr>
+            <a:picLocks noChangeAspect="1"/>
+          </p:cNvPicPr>
+          <p:nvPr/>
+        </p:nvPicPr>
+        <p:blipFill>
+          <a:blip r:embed="rId4"/>
+          <a:stretch>
+            <a:fillRect/>
+          </a:stretch>
+        </p:blipFill>
+        <p:spPr>
+          <a:xfrm>
+            <a:off x="5659058" y="3321484"/>
+            <a:ext cx="4621345" cy="2001143"/>
+          </a:xfrm>
+          <a:prstGeom prst="rect">
+            <a:avLst/>
+          </a:prstGeom>
+        </p:spPr>
+      </p:pic>
     </p:spTree>
     <p:extLst>
       <p:ext uri="{BB962C8B-B14F-4D97-AF65-F5344CB8AC3E}">
-        <p14:creationId xmlns:p14="http://schemas.microsoft.com/office/powerpoint/2010/main" val="788565570"/>
+        <p14:creationId xmlns:p14="http://schemas.microsoft.com/office/powerpoint/2010/main" val="3788940694"/>
       </p:ext>
     </p:extLst>
   </p:cSld>
@@ -4932,77 +5191,104 @@
       </p:grpSpPr>
       <p:sp>
         <p:nvSpPr>
-          <p:cNvPr id="4" name="Rectangle 2"/>
-          <p:cNvSpPr>
-            <a:spLocks noChangeArrowheads="1"/>
-          </p:cNvSpPr>
+          <p:cNvPr id="2" name="Заголовок 1"/>
+          <p:cNvSpPr>
+            <a:spLocks noGrp="1"/>
+          </p:cNvSpPr>
+          <p:nvPr>
+            <p:ph type="title"/>
+          </p:nvPr>
+        </p:nvSpPr>
+        <p:spPr/>
+        <p:txBody>
+          <a:bodyPr/>
+          <a:lstStyle/>
+          <a:p>
+            <a:pPr algn="ctr"/>
+            <a:r>
+              <a:rPr lang="en-US" dirty="0" smtClean="0"/>
+              <a:t>Data Mapper (</a:t>
+            </a:r>
+            <a:r>
+              <a:rPr lang="ru-RU" dirty="0"/>
+              <a:t>Карта данных</a:t>
+            </a:r>
+            <a:r>
+              <a:rPr lang="en-US" dirty="0" smtClean="0"/>
+              <a:t>)</a:t>
+            </a:r>
+            <a:endParaRPr lang="ru-RU" dirty="0"/>
+          </a:p>
+        </p:txBody>
+      </p:sp>
+      <p:sp>
+        <p:nvSpPr>
+          <p:cNvPr id="3" name="TextBox 2"/>
+          <p:cNvSpPr txBox="1"/>
           <p:nvPr/>
         </p:nvSpPr>
-        <p:spPr bwMode="auto">
+        <p:spPr>
           <a:xfrm>
-            <a:off x="1269451" y="408592"/>
-            <a:ext cx="16963008" cy="52407"/>
+            <a:off x="1883390" y="1690688"/>
+            <a:ext cx="9362365" cy="923330"/>
           </a:xfrm>
           <a:prstGeom prst="rect">
             <a:avLst/>
           </a:prstGeom>
           <a:noFill/>
-          <a:ln>
-            <a:noFill/>
-          </a:ln>
-          <a:effectLst/>
-          <a:extLst>
-            <a:ext uri="{909E8E84-426E-40DD-AFC4-6F175D3DCCD1}">
-              <a14:hiddenFill xmlns:a14="http://schemas.microsoft.com/office/drawing/2010/main">
-                <a:solidFill>
-                  <a:schemeClr val="accent1"/>
-                </a:solidFill>
-              </a14:hiddenFill>
-            </a:ext>
-            <a:ext uri="{91240B29-F687-4F45-9708-019B960494DF}">
-              <a14:hiddenLine xmlns:a14="http://schemas.microsoft.com/office/drawing/2010/main" w="9525">
-                <a:solidFill>
-                  <a:schemeClr val="tx1"/>
-                </a:solidFill>
-                <a:miter lim="800000"/>
-                <a:headEnd/>
-                <a:tailEnd/>
-              </a14:hiddenLine>
-            </a:ext>
-            <a:ext uri="{AF507438-7753-43E0-B8FC-AC1667EBCBE1}">
-              <a14:hiddenEffects xmlns:a14="http://schemas.microsoft.com/office/drawing/2010/main">
-                <a:effectLst>
-                  <a:outerShdw dist="35921" dir="2700000" algn="ctr" rotWithShape="0">
-                    <a:schemeClr val="bg2"/>
-                  </a:outerShdw>
-                </a:effectLst>
-              </a14:hiddenEffects>
-            </a:ext>
-          </a:extLst>
-        </p:spPr>
-        <p:txBody>
-          <a:bodyPr vert="horz" wrap="square" lIns="91440" tIns="45720" rIns="91440" bIns="45720" numCol="1" anchor="ctr" anchorCtr="0" compatLnSpc="1">
-            <a:prstTxWarp prst="textNoShape">
-              <a:avLst/>
-            </a:prstTxWarp>
+        </p:spPr>
+        <p:txBody>
+          <a:bodyPr wrap="square" rtlCol="0">
             <a:spAutoFit/>
           </a:bodyPr>
           <a:lstStyle/>
           <a:p>
-            <a:endParaRPr lang="ru-RU"/>
+            <a:r>
+              <a:rPr lang="ru-RU" dirty="0"/>
+              <a:t>Цель шаблона состоит в том, чтобы </a:t>
+            </a:r>
+            <a:r>
+              <a:rPr lang="ru-RU" dirty="0" smtClean="0"/>
+              <a:t>отделить логику преобразования данных от логики </a:t>
+            </a:r>
+            <a:r>
+              <a:rPr lang="ru-RU" dirty="0"/>
+              <a:t>сохранения. Ключевым моментом этого шаблона является, в отличие от шаблона </a:t>
+            </a:r>
+            <a:r>
+              <a:rPr lang="ru-RU" dirty="0" err="1"/>
+              <a:t>Active</a:t>
+            </a:r>
+            <a:r>
+              <a:rPr lang="ru-RU" dirty="0"/>
+              <a:t> </a:t>
+            </a:r>
+            <a:r>
+              <a:rPr lang="ru-RU" dirty="0" err="1"/>
+              <a:t>Record</a:t>
+            </a:r>
+            <a:r>
+              <a:rPr lang="ru-RU" dirty="0"/>
+              <a:t>, модель данных следует принципу единой ответственности</a:t>
+            </a:r>
+            <a:r>
+              <a:rPr lang="ru-RU" dirty="0" smtClean="0"/>
+              <a:t>.</a:t>
+            </a:r>
+            <a:endParaRPr lang="ru-RU" dirty="0"/>
           </a:p>
         </p:txBody>
       </p:sp>
       <p:pic>
         <p:nvPicPr>
-          <p:cNvPr id="5122" name="Picture 2"/>
+          <p:cNvPr id="21506" name="Picture 2" descr="Alt DataMapper UML Diagram"/>
           <p:cNvPicPr>
             <a:picLocks noChangeAspect="1" noChangeArrowheads="1"/>
           </p:cNvPicPr>
           <p:nvPr/>
         </p:nvPicPr>
         <p:blipFill>
-          <a:blip r:embed="rId2">
+          <a:blip r:embed="rId3">
             <a:extLst>
               <a:ext uri="{28A0092B-C50C-407E-A947-70E740481C1C}">
                 <a14:useLocalDpi xmlns:a14="http://schemas.microsoft.com/office/drawing/2010/main" val="0"/>
@@ -5016,16 +5302,13 @@
         </p:blipFill>
         <p:spPr bwMode="auto">
           <a:xfrm>
-            <a:off x="1944700" y="629811"/>
-            <a:ext cx="7157280" cy="5459585"/>
+            <a:off x="428529" y="2614018"/>
+            <a:ext cx="4784915" cy="4128918"/>
           </a:xfrm>
           <a:prstGeom prst="rect">
             <a:avLst/>
           </a:prstGeom>
           <a:noFill/>
-          <a:ln>
-            <a:noFill/>
-          </a:ln>
           <a:extLst>
             <a:ext uri="{909E8E84-426E-40DD-AFC4-6F175D3DCCD1}">
               <a14:hiddenFill xmlns:a14="http://schemas.microsoft.com/office/drawing/2010/main">
@@ -5034,23 +5317,37 @@
                 </a:solidFill>
               </a14:hiddenFill>
             </a:ext>
-            <a:ext uri="{91240B29-F687-4F45-9708-019B960494DF}">
-              <a14:hiddenLine xmlns:a14="http://schemas.microsoft.com/office/drawing/2010/main" w="9525">
-                <a:solidFill>
-                  <a:srgbClr val="000000"/>
-                </a:solidFill>
-                <a:miter lim="800000"/>
-                <a:headEnd/>
-                <a:tailEnd/>
-              </a14:hiddenLine>
-            </a:ext>
           </a:extLst>
+        </p:spPr>
+      </p:pic>
+      <p:pic>
+        <p:nvPicPr>
+          <p:cNvPr id="6" name="Рисунок 5"/>
+          <p:cNvPicPr>
+            <a:picLocks noChangeAspect="1"/>
+          </p:cNvPicPr>
+          <p:nvPr/>
+        </p:nvPicPr>
+        <p:blipFill>
+          <a:blip r:embed="rId4"/>
+          <a:stretch>
+            <a:fillRect/>
+          </a:stretch>
+        </p:blipFill>
+        <p:spPr>
+          <a:xfrm>
+            <a:off x="5638871" y="2614018"/>
+            <a:ext cx="6291864" cy="3527475"/>
+          </a:xfrm>
+          <a:prstGeom prst="rect">
+            <a:avLst/>
+          </a:prstGeom>
         </p:spPr>
       </p:pic>
     </p:spTree>
     <p:extLst>
       <p:ext uri="{BB962C8B-B14F-4D97-AF65-F5344CB8AC3E}">
-        <p14:creationId xmlns:p14="http://schemas.microsoft.com/office/powerpoint/2010/main" val="2928784574"/>
+        <p14:creationId xmlns:p14="http://schemas.microsoft.com/office/powerpoint/2010/main" val="2885218192"/>
       </p:ext>
     </p:extLst>
   </p:cSld>
@@ -5086,230 +5383,138 @@
       </p:grpSpPr>
       <p:sp>
         <p:nvSpPr>
-          <p:cNvPr id="3" name="Объект 2"/>
-          <p:cNvSpPr>
-            <a:spLocks noGrp="1"/>
-          </p:cNvSpPr>
-          <p:nvPr>
-            <p:ph idx="1"/>
-          </p:nvPr>
+          <p:cNvPr id="2" name="Заголовок 1"/>
+          <p:cNvSpPr>
+            <a:spLocks noGrp="1"/>
+          </p:cNvSpPr>
+          <p:nvPr>
+            <p:ph type="title"/>
+          </p:nvPr>
+        </p:nvSpPr>
+        <p:spPr/>
+        <p:txBody>
+          <a:bodyPr/>
+          <a:lstStyle/>
+          <a:p>
+            <a:pPr algn="ctr"/>
+            <a:r>
+              <a:rPr lang="ru-RU" dirty="0" smtClean="0"/>
+              <a:t>				</a:t>
+            </a:r>
+            <a:r>
+              <a:rPr lang="en-US" dirty="0" smtClean="0"/>
+              <a:t>Adapter (</a:t>
+            </a:r>
+            <a:r>
+              <a:rPr lang="ru-RU" dirty="0" smtClean="0"/>
+              <a:t>Адаптер</a:t>
+            </a:r>
+            <a:r>
+              <a:rPr lang="en-US" dirty="0" smtClean="0"/>
+              <a:t>)</a:t>
+            </a:r>
+            <a:endParaRPr lang="ru-RU" dirty="0"/>
+          </a:p>
+        </p:txBody>
+      </p:sp>
+      <p:sp>
+        <p:nvSpPr>
+          <p:cNvPr id="3" name="TextBox 2"/>
+          <p:cNvSpPr txBox="1"/>
+          <p:nvPr/>
         </p:nvSpPr>
         <p:spPr>
           <a:xfrm>
-            <a:off x="838200" y="218364"/>
-            <a:ext cx="10515600" cy="5958599"/>
-          </a:xfrm>
-        </p:spPr>
-        <p:txBody>
-          <a:bodyPr/>
-          <a:lstStyle/>
-          <a:p>
-            <a:pPr marL="0" indent="0">
-              <a:buNone/>
-            </a:pPr>
-            <a:r>
-              <a:rPr lang="ru-RU" b="1" dirty="0" smtClean="0"/>
-              <a:t>Интернет-магазин </a:t>
-            </a:r>
-            <a:r>
-              <a:rPr lang="ru-RU" b="1" dirty="0"/>
-              <a:t>по продаже книг. Построение модели предметной области в первом приближении на основе требований.</a:t>
-            </a:r>
-          </a:p>
-          <a:p>
-            <a:pPr marL="457200" indent="-457200">
-              <a:buAutoNum type="arabicPeriod"/>
-            </a:pPr>
-            <a:r>
-              <a:rPr lang="ru-RU" sz="2000" b="1" dirty="0" smtClean="0"/>
-              <a:t>Интернет-магазин</a:t>
-            </a:r>
-            <a:r>
-              <a:rPr lang="ru-RU" sz="2000" dirty="0" smtClean="0"/>
-              <a:t> </a:t>
-            </a:r>
-            <a:r>
-              <a:rPr lang="ru-RU" sz="2000" dirty="0"/>
-              <a:t>должен иметь веб-интерфейс, но он должен иметь возможность подключения через другие интерфейсы (веб-сервисы и т.п</a:t>
-            </a:r>
-            <a:r>
-              <a:rPr lang="ru-RU" sz="2000" dirty="0" smtClean="0"/>
-              <a:t>.)</a:t>
-            </a:r>
-          </a:p>
-          <a:p>
-            <a:pPr marL="457200" indent="-457200">
-              <a:buAutoNum type="arabicPeriod"/>
-            </a:pPr>
-            <a:r>
-              <a:rPr lang="ru-RU" sz="2000" dirty="0" smtClean="0"/>
-              <a:t>Интернет-магазин предназначен для продажи </a:t>
-            </a:r>
-            <a:r>
-              <a:rPr lang="ru-RU" sz="2000" b="1" dirty="0" smtClean="0"/>
-              <a:t>книг</a:t>
-            </a:r>
-            <a:r>
-              <a:rPr lang="ru-RU" sz="2000" dirty="0" smtClean="0"/>
-              <a:t>, с оплатой </a:t>
-            </a:r>
-            <a:r>
-              <a:rPr lang="ru-RU" sz="2000" b="1" dirty="0" smtClean="0"/>
-              <a:t>счетов</a:t>
-            </a:r>
-            <a:r>
-              <a:rPr lang="ru-RU" sz="2000" dirty="0" smtClean="0"/>
-              <a:t> через </a:t>
-            </a:r>
-            <a:r>
-              <a:rPr lang="ru-RU" sz="2000" b="1" dirty="0" smtClean="0"/>
-              <a:t>интернет</a:t>
-            </a:r>
-            <a:r>
-              <a:rPr lang="ru-RU" sz="2000" dirty="0" smtClean="0"/>
-              <a:t>.</a:t>
-            </a:r>
-          </a:p>
-          <a:p>
-            <a:pPr marL="457200" indent="-457200">
-              <a:buAutoNum type="arabicPeriod"/>
-            </a:pPr>
-            <a:r>
-              <a:rPr lang="ru-RU" sz="2000" dirty="0" smtClean="0"/>
-              <a:t>Пользователь должен иметь возможность добавить </a:t>
-            </a:r>
-            <a:r>
-              <a:rPr lang="ru-RU" sz="2000" b="1" dirty="0" smtClean="0"/>
-              <a:t>книги</a:t>
-            </a:r>
-            <a:r>
-              <a:rPr lang="ru-RU" sz="2000" dirty="0" smtClean="0"/>
-              <a:t> в </a:t>
-            </a:r>
-            <a:r>
-              <a:rPr lang="ru-RU" sz="2000" b="1" dirty="0" smtClean="0"/>
-              <a:t>онлайн корзину</a:t>
-            </a:r>
-            <a:r>
-              <a:rPr lang="ru-RU" sz="2000" dirty="0" smtClean="0"/>
-              <a:t>, после чего произвести </a:t>
-            </a:r>
-            <a:r>
-              <a:rPr lang="ru-RU" sz="2000" b="1" dirty="0" smtClean="0"/>
-              <a:t>оплату</a:t>
-            </a:r>
-            <a:r>
-              <a:rPr lang="ru-RU" sz="2000" dirty="0" smtClean="0"/>
-              <a:t>.</a:t>
-            </a:r>
-          </a:p>
-          <a:p>
-            <a:pPr lvl="1"/>
-            <a:r>
-              <a:rPr lang="ru-RU" sz="2000" dirty="0" smtClean="0"/>
-              <a:t>Пользователь может убрать </a:t>
-            </a:r>
-            <a:r>
-              <a:rPr lang="ru-RU" sz="2000" b="1" dirty="0" smtClean="0"/>
-              <a:t>предметы</a:t>
-            </a:r>
-            <a:r>
-              <a:rPr lang="ru-RU" sz="2000" dirty="0" smtClean="0"/>
-              <a:t> из корзины</a:t>
-            </a:r>
-          </a:p>
-          <a:p>
-            <a:pPr marL="457200" indent="-457200">
-              <a:buFont typeface="+mj-lt"/>
-              <a:buAutoNum type="arabicPeriod"/>
-            </a:pPr>
-            <a:r>
-              <a:rPr lang="ru-RU" sz="2000" dirty="0" smtClean="0"/>
-              <a:t>Пользователь должен иметь возможность вести </a:t>
-            </a:r>
-            <a:r>
-              <a:rPr lang="ru-RU" sz="2000" b="1" dirty="0" smtClean="0"/>
-              <a:t>списки желаемых покупок</a:t>
-            </a:r>
-            <a:r>
-              <a:rPr lang="ru-RU" sz="2000" dirty="0" smtClean="0"/>
-              <a:t>, т.е. книг, которые он хочет купить позже</a:t>
-            </a:r>
-          </a:p>
-          <a:p>
-            <a:pPr marL="457200" indent="-457200">
-              <a:buFont typeface="+mj-lt"/>
-              <a:buAutoNum type="arabicPeriod"/>
-            </a:pPr>
-            <a:r>
-              <a:rPr lang="ru-RU" sz="2000" dirty="0" smtClean="0"/>
-              <a:t>Пользователь должен иметь возможность оплатить заказ </a:t>
-            </a:r>
-            <a:r>
-              <a:rPr lang="ru-RU" sz="2000" b="1" dirty="0" smtClean="0"/>
-              <a:t>кредитной картой </a:t>
-            </a:r>
-            <a:r>
-              <a:rPr lang="ru-RU" sz="2000" dirty="0" smtClean="0"/>
-              <a:t>или по </a:t>
-            </a:r>
-            <a:r>
-              <a:rPr lang="ru-RU" sz="2000" b="1" dirty="0" smtClean="0"/>
-              <a:t>счету на оплату</a:t>
-            </a:r>
-          </a:p>
-          <a:p>
-            <a:pPr marL="457200" indent="-457200">
-              <a:buFont typeface="+mj-lt"/>
-              <a:buAutoNum type="arabicPeriod"/>
-            </a:pPr>
-            <a:r>
-              <a:rPr lang="ru-RU" sz="2000" dirty="0" smtClean="0"/>
-              <a:t>Пользователь должен иметь возможность создать </a:t>
-            </a:r>
-            <a:r>
-              <a:rPr lang="ru-RU" sz="2000" b="1" dirty="0" smtClean="0"/>
-              <a:t>учетную запись</a:t>
-            </a:r>
-            <a:r>
-              <a:rPr lang="ru-RU" sz="2000" dirty="0" smtClean="0"/>
-              <a:t>, чтобы система запоминала данные пользователя (имя, адрес, данные банковской карты и т.д.) и восстанавливала их при входе.</a:t>
-            </a:r>
-          </a:p>
-          <a:p>
-            <a:pPr marL="457200" indent="-457200">
-              <a:buAutoNum type="arabicPeriod"/>
-            </a:pPr>
-            <a:endParaRPr lang="ru-RU" sz="2000" dirty="0" smtClean="0"/>
-          </a:p>
-          <a:p>
-            <a:pPr marL="457200" indent="-457200">
-              <a:buAutoNum type="arabicPeriod"/>
-            </a:pPr>
-            <a:endParaRPr lang="ru-RU" sz="2000" dirty="0" smtClean="0"/>
-          </a:p>
-          <a:p>
-            <a:pPr marL="0" indent="0">
-              <a:buNone/>
-            </a:pPr>
-            <a:endParaRPr lang="ru-RU" dirty="0">
-              <a:solidFill>
-                <a:srgbClr val="FF0000"/>
-              </a:solidFill>
-            </a:endParaRPr>
-          </a:p>
-          <a:p>
-            <a:pPr marL="0" indent="0">
-              <a:buNone/>
-            </a:pPr>
-            <a:endParaRPr lang="ru-RU" dirty="0"/>
-          </a:p>
-        </p:txBody>
-      </p:sp>
+            <a:off x="5145206" y="1690687"/>
+            <a:ext cx="6100549" cy="1477328"/>
+          </a:xfrm>
+          <a:prstGeom prst="rect">
+            <a:avLst/>
+          </a:prstGeom>
+          <a:noFill/>
+        </p:spPr>
+        <p:txBody>
+          <a:bodyPr wrap="square" rtlCol="0">
+            <a:spAutoFit/>
+          </a:bodyPr>
+          <a:lstStyle/>
+          <a:p>
+            <a:r>
+              <a:rPr lang="ru-RU" dirty="0"/>
+              <a:t>Перевести один интерфейс для класса в совместимый интерфейс. Адаптер позволяет классам работать вместе, что обычно не может из-за несовместимых интерфейсов, предоставляя свой интерфейс клиентам при использовании оригинального интерфейса.</a:t>
+            </a:r>
+          </a:p>
+        </p:txBody>
+      </p:sp>
+      <p:pic>
+        <p:nvPicPr>
+          <p:cNvPr id="22530" name="Picture 2" descr="Alt Adapter UML Diagram"/>
+          <p:cNvPicPr>
+            <a:picLocks noChangeAspect="1" noChangeArrowheads="1"/>
+          </p:cNvPicPr>
+          <p:nvPr/>
+        </p:nvPicPr>
+        <p:blipFill>
+          <a:blip r:embed="rId3">
+            <a:extLst>
+              <a:ext uri="{28A0092B-C50C-407E-A947-70E740481C1C}">
+                <a14:useLocalDpi xmlns:a14="http://schemas.microsoft.com/office/drawing/2010/main" val="0"/>
+              </a:ext>
+            </a:extLst>
+          </a:blip>
+          <a:srcRect/>
+          <a:stretch>
+            <a:fillRect/>
+          </a:stretch>
+        </p:blipFill>
+        <p:spPr bwMode="auto">
+          <a:xfrm>
+            <a:off x="110684" y="102232"/>
+            <a:ext cx="4178665" cy="6653410"/>
+          </a:xfrm>
+          <a:prstGeom prst="rect">
+            <a:avLst/>
+          </a:prstGeom>
+          <a:noFill/>
+          <a:extLst>
+            <a:ext uri="{909E8E84-426E-40DD-AFC4-6F175D3DCCD1}">
+              <a14:hiddenFill xmlns:a14="http://schemas.microsoft.com/office/drawing/2010/main">
+                <a:solidFill>
+                  <a:srgbClr val="FFFFFF"/>
+                </a:solidFill>
+              </a14:hiddenFill>
+            </a:ext>
+          </a:extLst>
+        </p:spPr>
+      </p:pic>
+      <p:pic>
+        <p:nvPicPr>
+          <p:cNvPr id="4" name="Рисунок 3"/>
+          <p:cNvPicPr>
+            <a:picLocks noChangeAspect="1"/>
+          </p:cNvPicPr>
+          <p:nvPr/>
+        </p:nvPicPr>
+        <p:blipFill>
+          <a:blip r:embed="rId4"/>
+          <a:stretch>
+            <a:fillRect/>
+          </a:stretch>
+        </p:blipFill>
+        <p:spPr>
+          <a:xfrm>
+            <a:off x="5813947" y="3331474"/>
+            <a:ext cx="4493380" cy="3205803"/>
+          </a:xfrm>
+          <a:prstGeom prst="rect">
+            <a:avLst/>
+          </a:prstGeom>
+        </p:spPr>
+      </p:pic>
     </p:spTree>
     <p:extLst>
       <p:ext uri="{BB962C8B-B14F-4D97-AF65-F5344CB8AC3E}">
-        <p14:creationId xmlns:p14="http://schemas.microsoft.com/office/powerpoint/2010/main" val="3489650226"/>
+        <p14:creationId xmlns:p14="http://schemas.microsoft.com/office/powerpoint/2010/main" val="1378490276"/>
       </p:ext>
     </p:extLst>
   </p:cSld>
@@ -5345,238 +5550,122 @@
       </p:grpSpPr>
       <p:sp>
         <p:nvSpPr>
-          <p:cNvPr id="3" name="Объект 2"/>
-          <p:cNvSpPr>
-            <a:spLocks noGrp="1"/>
-          </p:cNvSpPr>
-          <p:nvPr>
-            <p:ph idx="1"/>
-          </p:nvPr>
+          <p:cNvPr id="2" name="Заголовок 1"/>
+          <p:cNvSpPr>
+            <a:spLocks noGrp="1"/>
+          </p:cNvSpPr>
+          <p:nvPr>
+            <p:ph type="title"/>
+          </p:nvPr>
+        </p:nvSpPr>
+        <p:spPr/>
+        <p:txBody>
+          <a:bodyPr/>
+          <a:lstStyle/>
+          <a:p>
+            <a:pPr algn="ctr"/>
+            <a:r>
+              <a:rPr lang="en-US" dirty="0" smtClean="0"/>
+              <a:t>Strategy (</a:t>
+            </a:r>
+            <a:r>
+              <a:rPr lang="ru-RU" dirty="0" smtClean="0"/>
+              <a:t>Стратегия</a:t>
+            </a:r>
+            <a:r>
+              <a:rPr lang="en-US" dirty="0" smtClean="0"/>
+              <a:t>)</a:t>
+            </a:r>
+            <a:endParaRPr lang="ru-RU" dirty="0"/>
+          </a:p>
+        </p:txBody>
+      </p:sp>
+      <p:sp>
+        <p:nvSpPr>
+          <p:cNvPr id="3" name="TextBox 2"/>
+          <p:cNvSpPr txBox="1"/>
+          <p:nvPr/>
         </p:nvSpPr>
         <p:spPr>
           <a:xfrm>
-            <a:off x="838200" y="218364"/>
-            <a:ext cx="10515600" cy="5958599"/>
-          </a:xfrm>
-        </p:spPr>
-        <p:txBody>
-          <a:bodyPr/>
-          <a:lstStyle/>
-          <a:p>
-            <a:pPr marL="0" indent="0">
-              <a:buNone/>
-            </a:pPr>
+            <a:off x="1883390" y="1690688"/>
+            <a:ext cx="9362365" cy="923330"/>
+          </a:xfrm>
+          <a:prstGeom prst="rect">
+            <a:avLst/>
+          </a:prstGeom>
+          <a:noFill/>
+        </p:spPr>
+        <p:txBody>
+          <a:bodyPr wrap="square" rtlCol="0">
+            <a:spAutoFit/>
+          </a:bodyPr>
+          <a:lstStyle/>
+          <a:p>
+            <a:r>
+              <a:rPr lang="ru-RU" dirty="0" smtClean="0"/>
+              <a:t>Стратегия обеспечивает разделение и обеспечение быстрого </a:t>
+            </a:r>
             <a:r>
               <a:rPr lang="ru-RU" dirty="0"/>
-              <a:t>Эти требования – богатый источник для классов предметной области. Выделим существительные (в единственном числе) и связанные с ними слова</a:t>
-            </a:r>
-            <a:endParaRPr lang="ru-RU" sz="2000" dirty="0" smtClean="0"/>
-          </a:p>
-          <a:p>
-            <a:pPr marL="457200" indent="-457200">
-              <a:buAutoNum type="arabicPeriod"/>
-            </a:pPr>
-            <a:r>
-              <a:rPr lang="ru-RU" sz="2000" dirty="0" smtClean="0"/>
-              <a:t>Интернет магазин – </a:t>
-            </a:r>
-            <a:r>
-              <a:rPr lang="en-US" sz="2000" dirty="0" smtClean="0"/>
-              <a:t>Commerce Shop</a:t>
-            </a:r>
-          </a:p>
-          <a:p>
-            <a:pPr marL="457200" indent="-457200">
-              <a:buAutoNum type="arabicPeriod"/>
-            </a:pPr>
-            <a:r>
-              <a:rPr lang="ru-RU" sz="2000" dirty="0" smtClean="0"/>
-              <a:t>Книга – </a:t>
-            </a:r>
-            <a:r>
-              <a:rPr lang="en-US" sz="2000" dirty="0" smtClean="0"/>
-              <a:t>Book</a:t>
-            </a:r>
-          </a:p>
-          <a:p>
-            <a:pPr marL="457200" indent="-457200">
-              <a:buAutoNum type="arabicPeriod"/>
-            </a:pPr>
-            <a:r>
-              <a:rPr lang="ru-RU" sz="2000" dirty="0" smtClean="0"/>
-              <a:t>Счет – </a:t>
-            </a:r>
-            <a:r>
-              <a:rPr lang="en-US" sz="2000" dirty="0" smtClean="0"/>
-              <a:t>Purchase</a:t>
-            </a:r>
-          </a:p>
-          <a:p>
-            <a:pPr marL="457200" indent="-457200">
-              <a:buAutoNum type="arabicPeriod"/>
-            </a:pPr>
-            <a:r>
-              <a:rPr lang="ru-RU" sz="2000" strike="sngStrike" dirty="0" smtClean="0"/>
-              <a:t>Интернет - </a:t>
-            </a:r>
-            <a:r>
-              <a:rPr lang="en-US" sz="2000" strike="sngStrike" dirty="0" smtClean="0"/>
-              <a:t> Internet</a:t>
-            </a:r>
-            <a:endParaRPr lang="ru-RU" sz="2000" strike="sngStrike" dirty="0" smtClean="0"/>
-          </a:p>
-          <a:p>
-            <a:pPr marL="457200" indent="-457200">
-              <a:buAutoNum type="arabicPeriod"/>
-            </a:pPr>
-            <a:r>
-              <a:rPr lang="ru-RU" sz="2000" dirty="0" smtClean="0"/>
-              <a:t>Онлайн корзина – </a:t>
-            </a:r>
-            <a:r>
-              <a:rPr lang="en-US" sz="2000" dirty="0" smtClean="0"/>
-              <a:t>Online Basket</a:t>
-            </a:r>
-          </a:p>
-          <a:p>
-            <a:pPr marL="457200" indent="-457200">
-              <a:buAutoNum type="arabicPeriod"/>
-            </a:pPr>
-            <a:r>
-              <a:rPr lang="ru-RU" sz="2000" dirty="0" smtClean="0"/>
-              <a:t>Оплата – </a:t>
-            </a:r>
-            <a:r>
-              <a:rPr lang="en-US" sz="2000" dirty="0" smtClean="0"/>
-              <a:t>Payment</a:t>
-            </a:r>
-            <a:endParaRPr lang="ru-RU" sz="2000" dirty="0" smtClean="0"/>
-          </a:p>
-          <a:p>
-            <a:pPr marL="457200" indent="-457200">
-              <a:buAutoNum type="arabicPeriod"/>
-            </a:pPr>
-            <a:r>
-              <a:rPr lang="ru-RU" sz="2000" dirty="0" smtClean="0"/>
-              <a:t>Предмет – </a:t>
-            </a:r>
-            <a:r>
-              <a:rPr lang="en-US" sz="2000" dirty="0" smtClean="0"/>
-              <a:t>Subject -&gt; Product</a:t>
-            </a:r>
-          </a:p>
-          <a:p>
-            <a:pPr marL="457200" indent="-457200">
-              <a:buAutoNum type="arabicPeriod"/>
-            </a:pPr>
-            <a:r>
-              <a:rPr lang="ru-RU" sz="2000" dirty="0" smtClean="0"/>
-              <a:t>Список желаемых покупок – </a:t>
-            </a:r>
-            <a:r>
-              <a:rPr lang="en-US" sz="2000" dirty="0" smtClean="0"/>
-              <a:t>Product List</a:t>
-            </a:r>
-          </a:p>
-          <a:p>
-            <a:pPr marL="457200" indent="-457200">
-              <a:buAutoNum type="arabicPeriod"/>
-            </a:pPr>
-            <a:r>
-              <a:rPr lang="ru-RU" sz="2000" dirty="0" smtClean="0"/>
-              <a:t>Счет на оплату - </a:t>
-            </a:r>
-            <a:r>
-              <a:rPr lang="en-US" sz="2000" dirty="0" smtClean="0"/>
-              <a:t>Invoice Payment</a:t>
-            </a:r>
-          </a:p>
-          <a:p>
-            <a:pPr marL="457200" indent="-457200">
-              <a:buAutoNum type="arabicPeriod"/>
-            </a:pPr>
-            <a:r>
-              <a:rPr lang="ru-RU" sz="2000" dirty="0" smtClean="0"/>
-              <a:t>Кредитная карта - </a:t>
-            </a:r>
-            <a:r>
-              <a:rPr lang="en-US" sz="2000" dirty="0" smtClean="0"/>
-              <a:t>Credit card</a:t>
-            </a:r>
-            <a:endParaRPr lang="ru-RU" sz="2000" dirty="0" smtClean="0"/>
-          </a:p>
-          <a:p>
-            <a:pPr marL="457200" indent="-457200">
-              <a:buAutoNum type="arabicPeriod"/>
-            </a:pPr>
-            <a:r>
-              <a:rPr lang="ru-RU" sz="2000" dirty="0" smtClean="0"/>
-              <a:t>Учетная запись - </a:t>
-            </a:r>
-            <a:r>
-              <a:rPr lang="en-US" sz="2000" dirty="0" smtClean="0"/>
-              <a:t>Account</a:t>
-            </a:r>
-            <a:endParaRPr lang="ru-RU" sz="2000" dirty="0" smtClean="0"/>
-          </a:p>
-          <a:p>
-            <a:pPr marL="457200" indent="-457200">
-              <a:buAutoNum type="arabicPeriod"/>
-            </a:pPr>
-            <a:endParaRPr lang="ru-RU" sz="2000" dirty="0" smtClean="0"/>
-          </a:p>
-          <a:p>
-            <a:pPr marL="457200" indent="-457200">
-              <a:buAutoNum type="arabicPeriod"/>
-            </a:pPr>
-            <a:endParaRPr lang="en-US" sz="2000" b="1" dirty="0" smtClean="0"/>
-          </a:p>
-          <a:p>
-            <a:pPr marL="457200" indent="-457200">
-              <a:buAutoNum type="arabicPeriod"/>
-            </a:pPr>
-            <a:endParaRPr lang="en-US" sz="2000" dirty="0" smtClean="0"/>
-          </a:p>
-          <a:p>
-            <a:pPr marL="457200" indent="-457200">
-              <a:buAutoNum type="arabicPeriod"/>
-            </a:pPr>
-            <a:endParaRPr lang="en-US" sz="2000" dirty="0" smtClean="0"/>
-          </a:p>
-          <a:p>
-            <a:pPr marL="457200" indent="-457200">
-              <a:buAutoNum type="arabicPeriod"/>
-            </a:pPr>
-            <a:endParaRPr lang="en-US" sz="2000" dirty="0" smtClean="0"/>
-          </a:p>
-          <a:p>
-            <a:pPr marL="457200" indent="-457200">
-              <a:buAutoNum type="arabicPeriod"/>
-            </a:pPr>
-            <a:endParaRPr lang="ru-RU" sz="2000" dirty="0" smtClean="0"/>
-          </a:p>
-          <a:p>
-            <a:pPr marL="0" indent="0">
-              <a:buNone/>
-            </a:pPr>
-            <a:endParaRPr lang="ru-RU" dirty="0">
-              <a:solidFill>
-                <a:srgbClr val="FF0000"/>
-              </a:solidFill>
-            </a:endParaRPr>
-          </a:p>
-          <a:p>
-            <a:pPr marL="0" indent="0">
-              <a:buNone/>
-            </a:pPr>
-            <a:endParaRPr lang="ru-RU" dirty="0"/>
-          </a:p>
-        </p:txBody>
-      </p:sp>
+              <a:t>переключение между </a:t>
+            </a:r>
+            <a:r>
+              <a:rPr lang="ru-RU" dirty="0" smtClean="0"/>
+              <a:t>объектами. </a:t>
+            </a:r>
+            <a:r>
+              <a:rPr lang="ru-RU" dirty="0"/>
+              <a:t>Также этот шаблон является хорошей альтернативой наследованию (вместо расширения абстрактного класса).</a:t>
+            </a:r>
+          </a:p>
+        </p:txBody>
+      </p:sp>
+      <p:pic>
+        <p:nvPicPr>
+          <p:cNvPr id="23554" name="Picture 2" descr="Alt Strategy UML Diagram"/>
+          <p:cNvPicPr>
+            <a:picLocks noChangeAspect="1" noChangeArrowheads="1"/>
+          </p:cNvPicPr>
+          <p:nvPr/>
+        </p:nvPicPr>
+        <p:blipFill>
+          <a:blip r:embed="rId3">
+            <a:extLst>
+              <a:ext uri="{28A0092B-C50C-407E-A947-70E740481C1C}">
+                <a14:useLocalDpi xmlns:a14="http://schemas.microsoft.com/office/drawing/2010/main" val="0"/>
+              </a:ext>
+            </a:extLst>
+          </a:blip>
+          <a:srcRect/>
+          <a:stretch>
+            <a:fillRect/>
+          </a:stretch>
+        </p:blipFill>
+        <p:spPr bwMode="auto">
+          <a:xfrm>
+            <a:off x="2407456" y="3433548"/>
+            <a:ext cx="7713748" cy="2503227"/>
+          </a:xfrm>
+          <a:prstGeom prst="rect">
+            <a:avLst/>
+          </a:prstGeom>
+          <a:noFill/>
+          <a:extLst>
+            <a:ext uri="{909E8E84-426E-40DD-AFC4-6F175D3DCCD1}">
+              <a14:hiddenFill xmlns:a14="http://schemas.microsoft.com/office/drawing/2010/main">
+                <a:solidFill>
+                  <a:srgbClr val="FFFFFF"/>
+                </a:solidFill>
+              </a14:hiddenFill>
+            </a:ext>
+          </a:extLst>
+        </p:spPr>
+      </p:pic>
     </p:spTree>
     <p:extLst>
       <p:ext uri="{BB962C8B-B14F-4D97-AF65-F5344CB8AC3E}">
-        <p14:creationId xmlns:p14="http://schemas.microsoft.com/office/powerpoint/2010/main" val="2554312264"/>
+        <p14:creationId xmlns:p14="http://schemas.microsoft.com/office/powerpoint/2010/main" val="1838381139"/>
       </p:ext>
     </p:extLst>
   </p:cSld>
@@ -5610,9 +5699,38 @@
           <a:chExt cx="0" cy="0"/>
         </a:xfrm>
       </p:grpSpPr>
-      <p:sp>
-        <p:nvSpPr>
-          <p:cNvPr id="3" name="Объект 2"/>
+      <p:pic>
+        <p:nvPicPr>
+          <p:cNvPr id="4" name="Рисунок 3"/>
+          <p:cNvPicPr>
+            <a:picLocks noChangeAspect="1"/>
+          </p:cNvPicPr>
+          <p:nvPr/>
+        </p:nvPicPr>
+        <p:blipFill rotWithShape="1">
+          <a:blip r:embed="rId3">
+            <a:extLst>
+              <a:ext uri="{28A0092B-C50C-407E-A947-70E740481C1C}">
+                <a14:useLocalDpi xmlns:a14="http://schemas.microsoft.com/office/drawing/2010/main" val="0"/>
+              </a:ext>
+            </a:extLst>
+          </a:blip>
+          <a:srcRect l="430" t="18719" r="-430" b="13793"/>
+          <a:stretch/>
+        </p:blipFill>
+        <p:spPr>
+          <a:xfrm>
+            <a:off x="2470625" y="2784143"/>
+            <a:ext cx="6350000" cy="3739487"/>
+          </a:xfrm>
+          <a:prstGeom prst="rect">
+            <a:avLst/>
+          </a:prstGeom>
+        </p:spPr>
+      </p:pic>
+      <p:sp>
+        <p:nvSpPr>
+          <p:cNvPr id="7" name="Объект 2"/>
           <p:cNvSpPr>
             <a:spLocks noGrp="1"/>
           </p:cNvSpPr>
@@ -5623,7 +5741,7 @@
         <p:spPr>
           <a:xfrm>
             <a:off x="838200" y="395785"/>
-            <a:ext cx="10515600" cy="5781178"/>
+            <a:ext cx="10515600" cy="1910687"/>
           </a:xfrm>
         </p:spPr>
         <p:txBody>
@@ -5632,56 +5750,27 @@
           </a:bodyPr>
           <a:lstStyle/>
           <a:p>
-            <a:r>
-              <a:rPr lang="ru-RU" dirty="0"/>
-              <a:t>Процесс разработки ПО должен подчиняться какой-либо выбранной методологии. Известны два основных подхода к разработке: </a:t>
-            </a:r>
-          </a:p>
-          <a:p>
-            <a:pPr lvl="0"/>
-            <a:r>
-              <a:rPr lang="ru-RU" b="1" dirty="0"/>
-              <a:t>Водопадная модель</a:t>
-            </a:r>
-            <a:r>
-              <a:rPr lang="ru-RU" dirty="0"/>
-              <a:t>. Проект разбивается на фазы. Перейти к следующей фазе невозможно без окончания предыдущей фазы. Этот подход хорош в случае хорошо определенных требований к проекту. Благодаря тому, что переходы от этапа к этапу четко определены, упрощается планирование и мониторинг выполнения проекта.</a:t>
-            </a:r>
-          </a:p>
-          <a:p>
-            <a:pPr lvl="0"/>
-            <a:r>
-              <a:rPr lang="ru-RU" b="1" dirty="0"/>
-              <a:t>Спиралевидная модель</a:t>
-            </a:r>
-            <a:r>
-              <a:rPr lang="ru-RU" dirty="0"/>
-              <a:t>. Принимает во внимание, что требования к результату проекта могут изменяться в процессе выполнения проекта. Предполагает тесное общение с заказчиком при небольшой величине проекта. Контрольные точки явно не определяются, что может сделать процесс разработки хаотичным.</a:t>
-            </a:r>
-          </a:p>
-          <a:p>
-            <a:pPr lvl="1"/>
-            <a:endParaRPr lang="ru-RU" dirty="0"/>
+            <a:pPr marL="457200" lvl="1" indent="0">
+              <a:buNone/>
+            </a:pPr>
+            <a:r>
+              <a:rPr lang="ru-RU" dirty="0" smtClean="0"/>
+              <a:t>Плохая архитектура затратная в сопровождении, монолитна, плохо поддается тестированию, хрупка к изменениям и имеет неоправданную сложность.</a:t>
+            </a:r>
+            <a:endParaRPr lang="ru-RU" i="1" dirty="0"/>
           </a:p>
         </p:txBody>
       </p:sp>
     </p:spTree>
     <p:extLst>
       <p:ext uri="{BB962C8B-B14F-4D97-AF65-F5344CB8AC3E}">
-        <p14:creationId xmlns:p14="http://schemas.microsoft.com/office/powerpoint/2010/main" val="3915889212"/>
+        <p14:creationId xmlns:p14="http://schemas.microsoft.com/office/powerpoint/2010/main" val="2292743498"/>
       </p:ext>
     </p:extLst>
   </p:cSld>
   <p:clrMapOvr>
     <a:masterClrMapping/>
   </p:clrMapOvr>
-  <p:timing>
-    <p:tnLst>
-      <p:par>
-        <p:cTn id="1" dur="indefinite" restart="never" nodeType="tmRoot"/>
-      </p:par>
-    </p:tnLst>
-  </p:timing>
 </p:sld>
 </file>
 
@@ -5709,38 +5798,61 @@
             <a:spLocks noGrp="1"/>
           </p:cNvSpPr>
           <p:nvPr>
-            <p:ph type="ctrTitle"/>
+            <p:ph type="title"/>
           </p:nvPr>
         </p:nvSpPr>
         <p:spPr/>
         <p:txBody>
-          <a:bodyPr>
-            <a:normAutofit/>
+          <a:bodyPr/>
+          <a:lstStyle/>
+          <a:p>
+            <a:pPr algn="ctr"/>
+            <a:r>
+              <a:rPr lang="en-US" dirty="0"/>
+              <a:t>Value Object</a:t>
+            </a:r>
+            <a:r>
+              <a:rPr lang="en-US" dirty="0" smtClean="0"/>
+              <a:t> (</a:t>
+            </a:r>
+            <a:r>
+              <a:rPr lang="ru-RU" dirty="0" smtClean="0"/>
+              <a:t>Объект значение</a:t>
+            </a:r>
+            <a:r>
+              <a:rPr lang="en-US" dirty="0" smtClean="0"/>
+              <a:t>)</a:t>
+            </a:r>
+            <a:endParaRPr lang="ru-RU" dirty="0"/>
+          </a:p>
+        </p:txBody>
+      </p:sp>
+      <p:sp>
+        <p:nvSpPr>
+          <p:cNvPr id="3" name="TextBox 2"/>
+          <p:cNvSpPr txBox="1"/>
+          <p:nvPr/>
+        </p:nvSpPr>
+        <p:spPr>
+          <a:xfrm>
+            <a:off x="1883390" y="1690688"/>
+            <a:ext cx="9362365" cy="646331"/>
+          </a:xfrm>
+          <a:prstGeom prst="rect">
+            <a:avLst/>
+          </a:prstGeom>
+          <a:noFill/>
+        </p:spPr>
+        <p:txBody>
+          <a:bodyPr wrap="square" rtlCol="0">
+            <a:spAutoFit/>
           </a:bodyPr>
           <a:lstStyle/>
           <a:p>
             <a:r>
-              <a:rPr lang="ru-RU" b="1" dirty="0"/>
-              <a:t>Моделирование на основе вариантов использования</a:t>
-            </a:r>
-          </a:p>
-        </p:txBody>
-      </p:sp>
-      <p:sp>
-        <p:nvSpPr>
-          <p:cNvPr id="3" name="Подзаголовок 2"/>
-          <p:cNvSpPr>
-            <a:spLocks noGrp="1"/>
-          </p:cNvSpPr>
-          <p:nvPr>
-            <p:ph type="subTitle" idx="1"/>
-          </p:nvPr>
-        </p:nvSpPr>
-        <p:spPr/>
-        <p:txBody>
-          <a:bodyPr/>
-          <a:lstStyle/>
-          <a:p>
+              <a:rPr lang="ru-RU" dirty="0" smtClean="0"/>
+              <a:t>Объект – обертка, без сохранения с небольшим поведением касающегося обработкой данных внутри объекта.</a:t>
+            </a:r>
             <a:endParaRPr lang="ru-RU" dirty="0"/>
           </a:p>
         </p:txBody>
@@ -5748,7 +5860,7 @@
     </p:spTree>
     <p:extLst>
       <p:ext uri="{BB962C8B-B14F-4D97-AF65-F5344CB8AC3E}">
-        <p14:creationId xmlns:p14="http://schemas.microsoft.com/office/powerpoint/2010/main" val="1856058686"/>
+        <p14:creationId xmlns:p14="http://schemas.microsoft.com/office/powerpoint/2010/main" val="414206109"/>
       </p:ext>
     </p:extLst>
   </p:cSld>
@@ -5784,138 +5896,111 @@
       </p:grpSpPr>
       <p:sp>
         <p:nvSpPr>
-          <p:cNvPr id="2" name="Rectangle 2"/>
-          <p:cNvSpPr>
-            <a:spLocks noChangeArrowheads="1"/>
-          </p:cNvSpPr>
+          <p:cNvPr id="2" name="Заголовок 1"/>
+          <p:cNvSpPr>
+            <a:spLocks noGrp="1"/>
+          </p:cNvSpPr>
+          <p:nvPr>
+            <p:ph type="title"/>
+          </p:nvPr>
+        </p:nvSpPr>
+        <p:spPr/>
+        <p:txBody>
+          <a:bodyPr/>
+          <a:lstStyle/>
+          <a:p>
+            <a:pPr algn="ctr"/>
+            <a:r>
+              <a:rPr lang="en-US" dirty="0" smtClean="0"/>
+              <a:t>DTO(</a:t>
+            </a:r>
+            <a:r>
+              <a:rPr lang="ru-RU" dirty="0" smtClean="0"/>
+              <a:t>Объект транспортировки данных</a:t>
+            </a:r>
+            <a:r>
+              <a:rPr lang="en-US" dirty="0" smtClean="0"/>
+              <a:t>)</a:t>
+            </a:r>
+            <a:endParaRPr lang="ru-RU" dirty="0"/>
+          </a:p>
+        </p:txBody>
+      </p:sp>
+      <p:sp>
+        <p:nvSpPr>
+          <p:cNvPr id="3" name="TextBox 2"/>
+          <p:cNvSpPr txBox="1"/>
           <p:nvPr/>
         </p:nvSpPr>
-        <p:spPr bwMode="auto">
+        <p:spPr>
           <a:xfrm>
-            <a:off x="1364566" y="618977"/>
-            <a:ext cx="17239278" cy="45719"/>
+            <a:off x="1883390" y="1690688"/>
+            <a:ext cx="9362365" cy="923330"/>
           </a:xfrm>
           <a:prstGeom prst="rect">
             <a:avLst/>
           </a:prstGeom>
           <a:noFill/>
-          <a:ln>
-            <a:noFill/>
-          </a:ln>
-          <a:effectLst/>
+        </p:spPr>
+        <p:txBody>
+          <a:bodyPr wrap="square" rtlCol="0">
+            <a:spAutoFit/>
+          </a:bodyPr>
+          <a:lstStyle/>
+          <a:p>
+            <a:r>
+              <a:rPr lang="ru-RU" dirty="0" smtClean="0"/>
+              <a:t>Название говорит само за себя, для транспортировки данных между слоями. Также служит контейнером для передачи и возврата объектов в методах. Может иметь методы преобразования данных.</a:t>
+            </a:r>
+            <a:endParaRPr lang="ru-RU" dirty="0"/>
+          </a:p>
+        </p:txBody>
+      </p:sp>
+      <p:pic>
+        <p:nvPicPr>
+          <p:cNvPr id="24578" name="Picture 2" descr="https://martinfowler.com/eaaCatalog/dtoSketch.gif"/>
+          <p:cNvPicPr>
+            <a:picLocks noChangeAspect="1" noChangeArrowheads="1"/>
+          </p:cNvPicPr>
+          <p:nvPr/>
+        </p:nvPicPr>
+        <p:blipFill>
+          <a:blip r:embed="rId3">
+            <a:extLst>
+              <a:ext uri="{28A0092B-C50C-407E-A947-70E740481C1C}">
+                <a14:useLocalDpi xmlns:a14="http://schemas.microsoft.com/office/drawing/2010/main" val="0"/>
+              </a:ext>
+            </a:extLst>
+          </a:blip>
+          <a:srcRect/>
+          <a:stretch>
+            <a:fillRect/>
+          </a:stretch>
+        </p:blipFill>
+        <p:spPr bwMode="auto">
+          <a:xfrm>
+            <a:off x="2557582" y="3313702"/>
+            <a:ext cx="7106067" cy="2554835"/>
+          </a:xfrm>
+          <a:prstGeom prst="rect">
+            <a:avLst/>
+          </a:prstGeom>
+          <a:noFill/>
           <a:extLst>
             <a:ext uri="{909E8E84-426E-40DD-AFC4-6F175D3DCCD1}">
               <a14:hiddenFill xmlns:a14="http://schemas.microsoft.com/office/drawing/2010/main">
                 <a:solidFill>
-                  <a:schemeClr val="accent1"/>
+                  <a:srgbClr val="FFFFFF"/>
                 </a:solidFill>
               </a14:hiddenFill>
             </a:ext>
-            <a:ext uri="{91240B29-F687-4F45-9708-019B960494DF}">
-              <a14:hiddenLine xmlns:a14="http://schemas.microsoft.com/office/drawing/2010/main" w="9525">
-                <a:solidFill>
-                  <a:schemeClr val="tx1"/>
-                </a:solidFill>
-                <a:miter lim="800000"/>
-                <a:headEnd/>
-                <a:tailEnd/>
-              </a14:hiddenLine>
-            </a:ext>
-            <a:ext uri="{AF507438-7753-43E0-B8FC-AC1667EBCBE1}">
-              <a14:hiddenEffects xmlns:a14="http://schemas.microsoft.com/office/drawing/2010/main">
-                <a:effectLst>
-                  <a:outerShdw dist="35921" dir="2700000" algn="ctr" rotWithShape="0">
-                    <a:schemeClr val="bg2"/>
-                  </a:outerShdw>
-                </a:effectLst>
-              </a14:hiddenEffects>
-            </a:ext>
           </a:extLst>
         </p:spPr>
-        <p:txBody>
-          <a:bodyPr vert="horz" wrap="square" lIns="91440" tIns="45720" rIns="91440" bIns="45720" numCol="1" anchor="ctr" anchorCtr="0" compatLnSpc="1">
-            <a:prstTxWarp prst="textNoShape">
-              <a:avLst/>
-            </a:prstTxWarp>
-            <a:spAutoFit/>
-          </a:bodyPr>
-          <a:lstStyle/>
-          <a:p>
-            <a:endParaRPr lang="ru-RU"/>
-          </a:p>
-        </p:txBody>
-      </p:sp>
-      <p:graphicFrame>
-        <p:nvGraphicFramePr>
-          <p:cNvPr id="3" name="Объект 2"/>
-          <p:cNvGraphicFramePr>
-            <a:graphicFrameLocks noChangeAspect="1"/>
-          </p:cNvGraphicFramePr>
-          <p:nvPr>
-            <p:extLst>
-              <p:ext uri="{D42A27DB-BD31-4B8C-83A1-F6EECF244321}">
-                <p14:modId xmlns:p14="http://schemas.microsoft.com/office/powerpoint/2010/main" val="1837065328"/>
-              </p:ext>
-            </p:extLst>
-          </p:nvPr>
-        </p:nvGraphicFramePr>
-        <p:xfrm>
-          <a:off x="1364565" y="618978"/>
-          <a:ext cx="8465473" cy="5513696"/>
-        </p:xfrm>
-        <a:graphic>
-          <a:graphicData uri="http://schemas.openxmlformats.org/presentationml/2006/ole">
-            <mc:AlternateContent xmlns:mc="http://schemas.openxmlformats.org/markup-compatibility/2006">
-              <mc:Choice xmlns:v="urn:schemas-microsoft-com:vml" Requires="v">
-                <p:oleObj spid="_x0000_s6153" r:id="rId3" imgW="5788800" imgH="3770552" progId="Visio.Drawing.11">
-                  <p:embed/>
-                </p:oleObj>
-              </mc:Choice>
-              <mc:Fallback>
-                <p:oleObj r:id="rId3" imgW="5788800" imgH="3770552" progId="Visio.Drawing.11">
-                  <p:embed/>
-                  <p:pic>
-                    <p:nvPicPr>
-                      <p:cNvPr id="0" name="Object 1"/>
-                      <p:cNvPicPr>
-                        <a:picLocks noChangeAspect="1" noChangeArrowheads="1"/>
-                      </p:cNvPicPr>
-                      <p:nvPr/>
-                    </p:nvPicPr>
-                    <p:blipFill>
-                      <a:blip r:embed="rId4">
-                        <a:extLst>
-                          <a:ext uri="{28A0092B-C50C-407E-A947-70E740481C1C}">
-                            <a14:useLocalDpi xmlns:a14="http://schemas.microsoft.com/office/drawing/2010/main" val="0"/>
-                          </a:ext>
-                        </a:extLst>
-                      </a:blip>
-                      <a:srcRect/>
-                      <a:stretch>
-                        <a:fillRect/>
-                      </a:stretch>
-                    </p:blipFill>
-                    <p:spPr bwMode="auto">
-                      <a:xfrm>
-                        <a:off x="1364565" y="618978"/>
-                        <a:ext cx="8465473" cy="5513696"/>
-                      </a:xfrm>
-                      <a:prstGeom prst="rect">
-                        <a:avLst/>
-                      </a:prstGeom>
-                      <a:noFill/>
-                    </p:spPr>
-                  </p:pic>
-                </p:oleObj>
-              </mc:Fallback>
-            </mc:AlternateContent>
-          </a:graphicData>
-        </a:graphic>
-      </p:graphicFrame>
+      </p:pic>
     </p:spTree>
     <p:extLst>
       <p:ext uri="{BB962C8B-B14F-4D97-AF65-F5344CB8AC3E}">
-        <p14:creationId xmlns:p14="http://schemas.microsoft.com/office/powerpoint/2010/main" val="2201045891"/>
+        <p14:creationId xmlns:p14="http://schemas.microsoft.com/office/powerpoint/2010/main" val="50257641"/>
       </p:ext>
     </p:extLst>
   </p:cSld>
@@ -5951,100 +6036,155 @@
       </p:grpSpPr>
       <p:sp>
         <p:nvSpPr>
-          <p:cNvPr id="3" name="Объект 2"/>
-          <p:cNvSpPr>
-            <a:spLocks noGrp="1"/>
-          </p:cNvSpPr>
-          <p:nvPr>
-            <p:ph idx="1"/>
-          </p:nvPr>
+          <p:cNvPr id="2" name="Заголовок 1"/>
+          <p:cNvSpPr txBox="1">
+            <a:spLocks/>
+          </p:cNvSpPr>
+          <p:nvPr/>
         </p:nvSpPr>
         <p:spPr>
           <a:xfrm>
-            <a:off x="838200" y="218364"/>
-            <a:ext cx="10515600" cy="5958599"/>
-          </a:xfrm>
-        </p:spPr>
-        <p:txBody>
-          <a:bodyPr>
-            <a:normAutofit/>
+            <a:off x="838200" y="365125"/>
+            <a:ext cx="10515600" cy="1325563"/>
+          </a:xfrm>
+          <a:prstGeom prst="rect">
+            <a:avLst/>
+          </a:prstGeom>
+        </p:spPr>
+        <p:txBody>
+          <a:bodyPr/>
+          <a:lstStyle>
+            <a:lvl1pPr algn="l" defTabSz="914400" rtl="0" eaLnBrk="1" latinLnBrk="0" hangingPunct="1">
+              <a:lnSpc>
+                <a:spcPct val="90000"/>
+              </a:lnSpc>
+              <a:spcBef>
+                <a:spcPct val="0"/>
+              </a:spcBef>
+              <a:buNone/>
+              <a:defRPr sz="4400" kern="1200">
+                <a:solidFill>
+                  <a:schemeClr val="tx1"/>
+                </a:solidFill>
+                <a:latin typeface="+mj-lt"/>
+                <a:ea typeface="+mj-ea"/>
+                <a:cs typeface="+mj-cs"/>
+              </a:defRPr>
+            </a:lvl1pPr>
+          </a:lstStyle>
+          <a:p>
+            <a:pPr algn="ctr"/>
+            <a:r>
+              <a:rPr lang="ru-RU" dirty="0" smtClean="0"/>
+              <a:t>Полезное</a:t>
+            </a:r>
+            <a:endParaRPr lang="ru-RU" dirty="0"/>
+          </a:p>
+        </p:txBody>
+      </p:sp>
+      <p:sp>
+        <p:nvSpPr>
+          <p:cNvPr id="3" name="TextBox 2"/>
+          <p:cNvSpPr txBox="1"/>
+          <p:nvPr/>
+        </p:nvSpPr>
+        <p:spPr>
+          <a:xfrm>
+            <a:off x="996287" y="1446663"/>
+            <a:ext cx="10740788" cy="923330"/>
+          </a:xfrm>
+          <a:prstGeom prst="rect">
+            <a:avLst/>
+          </a:prstGeom>
+          <a:noFill/>
+        </p:spPr>
+        <p:txBody>
+          <a:bodyPr wrap="square" rtlCol="0">
+            <a:spAutoFit/>
           </a:bodyPr>
           <a:lstStyle/>
           <a:p>
-            <a:pPr marL="0" indent="0">
-              <a:buNone/>
+            <a:pPr marL="285750" indent="-285750">
+              <a:buFont typeface="Arial" panose="020B0604020202020204" pitchFamily="34" charset="0"/>
+              <a:buChar char="•"/>
             </a:pPr>
             <a:r>
-              <a:rPr lang="ru-RU" sz="2400" dirty="0" smtClean="0"/>
-              <a:t>Мы построили начальную модель предметной области. Теперь можно начать писать варианты использования. С помощью вариантов использования можно описать функциональные требования к системе. </a:t>
-            </a:r>
-            <a:endParaRPr lang="en-US" sz="2400" dirty="0" smtClean="0"/>
-          </a:p>
-          <a:p>
-            <a:pPr marL="0" indent="0">
-              <a:buNone/>
+              <a:rPr lang="ru-RU" dirty="0" smtClean="0"/>
+              <a:t>Паттерны в картинках </a:t>
+            </a:r>
+            <a:r>
+              <a:rPr lang="en-US" dirty="0">
+                <a:hlinkClick r:id="rId2"/>
+              </a:rPr>
+              <a:t>https://</a:t>
+            </a:r>
+            <a:r>
+              <a:rPr lang="en-US" dirty="0" smtClean="0">
+                <a:hlinkClick r:id="rId2"/>
+              </a:rPr>
+              <a:t>github.com/domnikl/DesignPatternsPHP</a:t>
+            </a:r>
+            <a:endParaRPr lang="ru-RU" dirty="0" smtClean="0"/>
+          </a:p>
+          <a:p>
+            <a:pPr marL="285750" indent="-285750">
+              <a:buFont typeface="Arial" panose="020B0604020202020204" pitchFamily="34" charset="0"/>
+              <a:buChar char="•"/>
             </a:pPr>
             <a:r>
-              <a:rPr lang="ru-RU" sz="2400" dirty="0" smtClean="0"/>
-              <a:t>Варианты использования помогают ответить на вопросы: что пользователи пытаются сделать с помощью системы? Чем система может быть им полезна? То, что у них получится на самом деле, зависит от способа, которым пользователь взаимодействует с системой.</a:t>
-            </a:r>
-          </a:p>
-          <a:p>
-            <a:pPr marL="0" indent="0">
-              <a:buNone/>
+              <a:rPr lang="ru-RU" dirty="0" err="1" smtClean="0"/>
+              <a:t>Петтерны</a:t>
+            </a:r>
+            <a:r>
+              <a:rPr lang="ru-RU" dirty="0" smtClean="0"/>
+              <a:t> от дядюшки Боба (М. </a:t>
+            </a:r>
+            <a:r>
+              <a:rPr lang="ru-RU" dirty="0" err="1" smtClean="0"/>
+              <a:t>Фаулер</a:t>
+            </a:r>
+            <a:r>
+              <a:rPr lang="ru-RU" dirty="0" smtClean="0"/>
+              <a:t>) </a:t>
+            </a:r>
+            <a:r>
+              <a:rPr lang="en-US" dirty="0">
+                <a:hlinkClick r:id="rId3"/>
+              </a:rPr>
+              <a:t>https://</a:t>
+            </a:r>
+            <a:r>
+              <a:rPr lang="en-US" dirty="0" smtClean="0">
+                <a:hlinkClick r:id="rId3"/>
+              </a:rPr>
+              <a:t>martinfowler.com</a:t>
+            </a:r>
+            <a:endParaRPr lang="ru-RU" dirty="0" smtClean="0"/>
+          </a:p>
+          <a:p>
+            <a:pPr marL="285750" indent="-285750">
+              <a:buFont typeface="Arial" panose="020B0604020202020204" pitchFamily="34" charset="0"/>
+              <a:buChar char="•"/>
             </a:pPr>
             <a:r>
-              <a:rPr lang="ru-RU" sz="2400" dirty="0" smtClean="0"/>
-              <a:t>Функциональные требования – не единственный источник для составления вариантов использования. Весьма важно взаимодействие с заказчиком и конечными пользователями, а также составление прототипов интерфейсов.</a:t>
-            </a:r>
-            <a:endParaRPr lang="en-US" sz="2400" dirty="0" smtClean="0"/>
-          </a:p>
-          <a:p>
-            <a:pPr marL="457200" indent="-457200">
-              <a:buAutoNum type="arabicPeriod"/>
-            </a:pPr>
-            <a:endParaRPr lang="en-US" sz="2400" dirty="0" smtClean="0"/>
-          </a:p>
-          <a:p>
-            <a:pPr marL="457200" indent="-457200">
-              <a:buAutoNum type="arabicPeriod"/>
-            </a:pPr>
-            <a:endParaRPr lang="en-US" sz="2400" dirty="0" smtClean="0"/>
-          </a:p>
-          <a:p>
-            <a:pPr marL="457200" indent="-457200">
-              <a:buAutoNum type="arabicPeriod"/>
-            </a:pPr>
-            <a:endParaRPr lang="en-US" sz="2400" dirty="0" smtClean="0"/>
-          </a:p>
-          <a:p>
-            <a:pPr marL="457200" indent="-457200">
-              <a:buAutoNum type="arabicPeriod"/>
-            </a:pPr>
-            <a:endParaRPr lang="ru-RU" sz="2400" dirty="0" smtClean="0"/>
-          </a:p>
-          <a:p>
-            <a:pPr marL="0" indent="0">
-              <a:buNone/>
-            </a:pPr>
-            <a:endParaRPr lang="ru-RU" sz="2400" dirty="0">
-              <a:solidFill>
-                <a:srgbClr val="FF0000"/>
-              </a:solidFill>
-            </a:endParaRPr>
-          </a:p>
-          <a:p>
-            <a:pPr marL="0" indent="0">
-              <a:buNone/>
-            </a:pPr>
-            <a:endParaRPr lang="ru-RU" sz="2400" dirty="0"/>
+              <a:rPr lang="ru-RU" dirty="0" smtClean="0"/>
+              <a:t>Материал лекции </a:t>
+            </a:r>
+            <a:r>
+              <a:rPr lang="en-US" dirty="0"/>
+              <a:t>https://github.com/dimaxz/Lectures/tree/master/</a:t>
+            </a:r>
+            <a:r>
+              <a:rPr lang="ru-RU" dirty="0"/>
+              <a:t>Лекция%202.%20Паттерны</a:t>
+            </a:r>
           </a:p>
         </p:txBody>
       </p:sp>
     </p:spTree>
     <p:extLst>
       <p:ext uri="{BB962C8B-B14F-4D97-AF65-F5344CB8AC3E}">
-        <p14:creationId xmlns:p14="http://schemas.microsoft.com/office/powerpoint/2010/main" val="390298872"/>
+        <p14:creationId xmlns:p14="http://schemas.microsoft.com/office/powerpoint/2010/main" val="3255091261"/>
       </p:ext>
     </p:extLst>
   </p:cSld>
@@ -6080,934 +6220,130 @@
       </p:grpSpPr>
       <p:sp>
         <p:nvSpPr>
-          <p:cNvPr id="2" name="Rectangle 2"/>
-          <p:cNvSpPr>
-            <a:spLocks noChangeArrowheads="1"/>
+          <p:cNvPr id="2" name="Заголовок 1"/>
+          <p:cNvSpPr txBox="1">
+            <a:spLocks/>
           </p:cNvSpPr>
           <p:nvPr/>
         </p:nvSpPr>
-        <p:spPr bwMode="auto">
+        <p:spPr>
           <a:xfrm>
-            <a:off x="1364566" y="618977"/>
-            <a:ext cx="17239278" cy="45719"/>
+            <a:off x="838200" y="365125"/>
+            <a:ext cx="10515600" cy="1325563"/>
+          </a:xfrm>
+          <a:prstGeom prst="rect">
+            <a:avLst/>
+          </a:prstGeom>
+        </p:spPr>
+        <p:txBody>
+          <a:bodyPr/>
+          <a:lstStyle>
+            <a:lvl1pPr algn="l" defTabSz="914400" rtl="0" eaLnBrk="1" latinLnBrk="0" hangingPunct="1">
+              <a:lnSpc>
+                <a:spcPct val="90000"/>
+              </a:lnSpc>
+              <a:spcBef>
+                <a:spcPct val="0"/>
+              </a:spcBef>
+              <a:buNone/>
+              <a:defRPr sz="4400" kern="1200">
+                <a:solidFill>
+                  <a:schemeClr val="tx1"/>
+                </a:solidFill>
+                <a:latin typeface="+mj-lt"/>
+                <a:ea typeface="+mj-ea"/>
+                <a:cs typeface="+mj-cs"/>
+              </a:defRPr>
+            </a:lvl1pPr>
+          </a:lstStyle>
+          <a:p>
+            <a:pPr algn="ctr"/>
+            <a:r>
+              <a:rPr lang="ru-RU" dirty="0" smtClean="0"/>
+              <a:t>Задание</a:t>
+            </a:r>
+            <a:endParaRPr lang="ru-RU" dirty="0"/>
+          </a:p>
+        </p:txBody>
+      </p:sp>
+      <p:sp>
+        <p:nvSpPr>
+          <p:cNvPr id="3" name="TextBox 2"/>
+          <p:cNvSpPr txBox="1"/>
+          <p:nvPr/>
+        </p:nvSpPr>
+        <p:spPr>
+          <a:xfrm>
+            <a:off x="1091821" y="1801504"/>
+            <a:ext cx="10153934" cy="646331"/>
           </a:xfrm>
           <a:prstGeom prst="rect">
             <a:avLst/>
           </a:prstGeom>
           <a:noFill/>
-          <a:ln>
-            <a:noFill/>
-          </a:ln>
-          <a:effectLst/>
-          <a:extLst>
-            <a:ext uri="{909E8E84-426E-40DD-AFC4-6F175D3DCCD1}">
-              <a14:hiddenFill xmlns:a14="http://schemas.microsoft.com/office/drawing/2010/main">
-                <a:solidFill>
-                  <a:schemeClr val="accent1"/>
-                </a:solidFill>
-              </a14:hiddenFill>
-            </a:ext>
-            <a:ext uri="{91240B29-F687-4F45-9708-019B960494DF}">
-              <a14:hiddenLine xmlns:a14="http://schemas.microsoft.com/office/drawing/2010/main" w="9525">
-                <a:solidFill>
-                  <a:schemeClr val="tx1"/>
-                </a:solidFill>
-                <a:miter lim="800000"/>
-                <a:headEnd/>
-                <a:tailEnd/>
-              </a14:hiddenLine>
-            </a:ext>
-            <a:ext uri="{AF507438-7753-43E0-B8FC-AC1667EBCBE1}">
-              <a14:hiddenEffects xmlns:a14="http://schemas.microsoft.com/office/drawing/2010/main">
-                <a:effectLst>
-                  <a:outerShdw dist="35921" dir="2700000" algn="ctr" rotWithShape="0">
-                    <a:schemeClr val="bg2"/>
-                  </a:outerShdw>
-                </a:effectLst>
-              </a14:hiddenEffects>
-            </a:ext>
-          </a:extLst>
-        </p:spPr>
-        <p:txBody>
-          <a:bodyPr vert="horz" wrap="square" lIns="91440" tIns="45720" rIns="91440" bIns="45720" numCol="1" anchor="ctr" anchorCtr="0" compatLnSpc="1">
-            <a:prstTxWarp prst="textNoShape">
-              <a:avLst/>
-            </a:prstTxWarp>
+        </p:spPr>
+        <p:txBody>
+          <a:bodyPr wrap="square" rtlCol="0">
             <a:spAutoFit/>
           </a:bodyPr>
           <a:lstStyle/>
           <a:p>
-            <a:endParaRPr lang="ru-RU"/>
-          </a:p>
-        </p:txBody>
-      </p:sp>
-      <p:pic>
-        <p:nvPicPr>
-          <p:cNvPr id="3" name="Рисунок 2"/>
-          <p:cNvPicPr>
-            <a:picLocks noChangeAspect="1"/>
-          </p:cNvPicPr>
-          <p:nvPr/>
-        </p:nvPicPr>
-        <p:blipFill>
-          <a:blip r:embed="rId3"/>
-          <a:stretch>
-            <a:fillRect/>
-          </a:stretch>
-        </p:blipFill>
-        <p:spPr>
-          <a:xfrm>
-            <a:off x="2792950" y="163829"/>
-            <a:ext cx="6421388" cy="6361598"/>
-          </a:xfrm>
-          <a:prstGeom prst="rect">
-            <a:avLst/>
-          </a:prstGeom>
-        </p:spPr>
-      </p:pic>
+            <a:pPr algn="ctr"/>
+            <a:r>
+              <a:rPr lang="ru-RU" dirty="0" smtClean="0"/>
+              <a:t>Реализовать на </a:t>
+            </a:r>
+            <a:r>
+              <a:rPr lang="en-US" dirty="0" err="1" smtClean="0"/>
+              <a:t>php</a:t>
+            </a:r>
+            <a:r>
+              <a:rPr lang="en-US" dirty="0" smtClean="0"/>
+              <a:t> </a:t>
+            </a:r>
+            <a:r>
+              <a:rPr lang="ru-RU" dirty="0" smtClean="0"/>
+              <a:t>с применением паттернов  функционал заданный на Лекции 1.</a:t>
+            </a:r>
+          </a:p>
+          <a:p>
+            <a:pPr algn="ctr"/>
+            <a:r>
+              <a:rPr lang="ru-RU" dirty="0" err="1" smtClean="0"/>
+              <a:t>Мерж</a:t>
+            </a:r>
+            <a:r>
+              <a:rPr lang="ru-RU" dirty="0" smtClean="0"/>
+              <a:t> </a:t>
+            </a:r>
+            <a:r>
+              <a:rPr lang="ru-RU" dirty="0" err="1" smtClean="0"/>
+              <a:t>реквесты</a:t>
+            </a:r>
+            <a:r>
+              <a:rPr lang="ru-RU" dirty="0" smtClean="0"/>
+              <a:t> жду в </a:t>
+            </a:r>
+            <a:r>
+              <a:rPr lang="ru-RU" dirty="0" err="1" smtClean="0"/>
+              <a:t>репо</a:t>
+            </a:r>
+            <a:r>
+              <a:rPr lang="ru-RU" dirty="0" smtClean="0"/>
+              <a:t> </a:t>
+            </a:r>
+            <a:r>
+              <a:rPr lang="en-US" dirty="0"/>
+              <a:t>https://github.com/dimaxz/Lectures</a:t>
+            </a:r>
+            <a:endParaRPr lang="ru-RU" dirty="0"/>
+          </a:p>
+        </p:txBody>
+      </p:sp>
     </p:spTree>
     <p:extLst>
       <p:ext uri="{BB962C8B-B14F-4D97-AF65-F5344CB8AC3E}">
-        <p14:creationId xmlns:p14="http://schemas.microsoft.com/office/powerpoint/2010/main" val="795883705"/>
-      </p:ext>
-    </p:extLst>
-  </p:cSld>
-  <p:clrMapOvr>
-    <a:masterClrMapping/>
-  </p:clrMapOvr>
-  <p:timing>
-    <p:tnLst>
-      <p:par>
-        <p:cTn id="1" dur="indefinite" restart="never" nodeType="tmRoot"/>
-      </p:par>
-    </p:tnLst>
-  </p:timing>
-</p:sld>
-</file>
-
-<file path=ppt/slides/slide24.xml><?xml version="1.0" encoding="utf-8"?>
-<p:sld xmlns:a="http://schemas.openxmlformats.org/drawingml/2006/main" xmlns:r="http://schemas.openxmlformats.org/officeDocument/2006/relationships" xmlns:p="http://schemas.openxmlformats.org/presentationml/2006/main">
-  <p:cSld>
-    <p:spTree>
-      <p:nvGrpSpPr>
-        <p:cNvPr id="1" name=""/>
-        <p:cNvGrpSpPr/>
-        <p:nvPr/>
-      </p:nvGrpSpPr>
-      <p:grpSpPr>
-        <a:xfrm>
-          <a:off x="0" y="0"/>
-          <a:ext cx="0" cy="0"/>
-          <a:chOff x="0" y="0"/>
-          <a:chExt cx="0" cy="0"/>
-        </a:xfrm>
-      </p:grpSpPr>
-      <p:sp>
-        <p:nvSpPr>
-          <p:cNvPr id="3" name="Объект 2"/>
-          <p:cNvSpPr>
-            <a:spLocks noGrp="1"/>
-          </p:cNvSpPr>
-          <p:nvPr>
-            <p:ph idx="1"/>
-          </p:nvPr>
-        </p:nvSpPr>
-        <p:spPr>
-          <a:xfrm>
-            <a:off x="838200" y="218364"/>
-            <a:ext cx="10515600" cy="5958599"/>
-          </a:xfrm>
-        </p:spPr>
-        <p:txBody>
-          <a:bodyPr>
-            <a:normAutofit/>
-          </a:bodyPr>
-          <a:lstStyle/>
-          <a:p>
-            <a:pPr marL="0" indent="0">
-              <a:buNone/>
-            </a:pPr>
-            <a:r>
-              <a:rPr lang="ru-RU" sz="2400" b="1" dirty="0" smtClean="0"/>
-              <a:t>Нужно писать текст от первого лица.</a:t>
-            </a:r>
-          </a:p>
-          <a:p>
-            <a:pPr marL="0" indent="0">
-              <a:buNone/>
-            </a:pPr>
-            <a:r>
-              <a:rPr lang="ru-RU" sz="2400" dirty="0" smtClean="0"/>
-              <a:t>Такой вариант не правильный:</a:t>
-            </a:r>
-          </a:p>
-          <a:p>
-            <a:pPr marL="0" indent="0">
-              <a:buNone/>
-            </a:pPr>
-            <a:r>
-              <a:rPr lang="ru-RU" sz="2400" dirty="0" smtClean="0"/>
-              <a:t>Пользователям должна быть обеспечена возможность авторизоваться на сайте с помощью логина и пароля.</a:t>
-            </a:r>
-          </a:p>
-          <a:p>
-            <a:pPr marL="0" indent="0">
-              <a:buNone/>
-            </a:pPr>
-            <a:r>
-              <a:rPr lang="ru-RU" sz="2400" dirty="0" smtClean="0"/>
-              <a:t>Такой вариант плох тем, что в нем не видны участники (актеры).</a:t>
-            </a:r>
-          </a:p>
-          <a:p>
-            <a:pPr marL="0" indent="0">
-              <a:buNone/>
-            </a:pPr>
-            <a:endParaRPr lang="ru-RU" sz="2400" dirty="0" smtClean="0"/>
-          </a:p>
-          <a:p>
-            <a:pPr marL="0" indent="0">
-              <a:buNone/>
-            </a:pPr>
-            <a:r>
-              <a:rPr lang="ru-RU" sz="2400" dirty="0" smtClean="0"/>
-              <a:t>Лучше написать так:</a:t>
-            </a:r>
-          </a:p>
-          <a:p>
-            <a:pPr marL="0" indent="0">
-              <a:buNone/>
-            </a:pPr>
-            <a:r>
-              <a:rPr lang="ru-RU" sz="2400" dirty="0" smtClean="0"/>
-              <a:t>Пользователь вводит логин и пароль и затем нажимает кнопку Войти. Система ищет данные пользователя по логину и проверяет совпадение пароля. Затем система пускает пользователя.</a:t>
-            </a:r>
-          </a:p>
-          <a:p>
-            <a:pPr marL="0" indent="0">
-              <a:buNone/>
-            </a:pPr>
-            <a:endParaRPr lang="ru-RU" sz="2400" dirty="0" smtClean="0"/>
-          </a:p>
-          <a:p>
-            <a:pPr marL="0" indent="0">
-              <a:buNone/>
-            </a:pPr>
-            <a:r>
-              <a:rPr lang="ru-RU" sz="2400" dirty="0" smtClean="0"/>
-              <a:t>Здесь есть один недостаток. Важно описывать не только основной сценарий, но и альтернативный, т.е. что произойдет, если логин и пароль не будут найдены.</a:t>
-            </a:r>
-          </a:p>
-        </p:txBody>
-      </p:sp>
-    </p:spTree>
-    <p:extLst>
-      <p:ext uri="{BB962C8B-B14F-4D97-AF65-F5344CB8AC3E}">
-        <p14:creationId xmlns:p14="http://schemas.microsoft.com/office/powerpoint/2010/main" val="591496568"/>
-      </p:ext>
-    </p:extLst>
-  </p:cSld>
-  <p:clrMapOvr>
-    <a:masterClrMapping/>
-  </p:clrMapOvr>
-  <p:timing>
-    <p:tnLst>
-      <p:par>
-        <p:cTn id="1" dur="indefinite" restart="never" nodeType="tmRoot"/>
-      </p:par>
-    </p:tnLst>
-  </p:timing>
-</p:sld>
-</file>
-
-<file path=ppt/slides/slide25.xml><?xml version="1.0" encoding="utf-8"?>
-<p:sld xmlns:a="http://schemas.openxmlformats.org/drawingml/2006/main" xmlns:r="http://schemas.openxmlformats.org/officeDocument/2006/relationships" xmlns:p="http://schemas.openxmlformats.org/presentationml/2006/main">
-  <p:cSld>
-    <p:spTree>
-      <p:nvGrpSpPr>
-        <p:cNvPr id="1" name=""/>
-        <p:cNvGrpSpPr/>
-        <p:nvPr/>
-      </p:nvGrpSpPr>
-      <p:grpSpPr>
-        <a:xfrm>
-          <a:off x="0" y="0"/>
-          <a:ext cx="0" cy="0"/>
-          <a:chOff x="0" y="0"/>
-          <a:chExt cx="0" cy="0"/>
-        </a:xfrm>
-      </p:grpSpPr>
-      <p:sp>
-        <p:nvSpPr>
-          <p:cNvPr id="3" name="Объект 2"/>
-          <p:cNvSpPr>
-            <a:spLocks noGrp="1"/>
-          </p:cNvSpPr>
-          <p:nvPr>
-            <p:ph idx="1"/>
-          </p:nvPr>
-        </p:nvSpPr>
-        <p:spPr>
-          <a:xfrm>
-            <a:off x="838200" y="218364"/>
-            <a:ext cx="10515600" cy="5958599"/>
-          </a:xfrm>
-        </p:spPr>
-        <p:txBody>
-          <a:bodyPr>
-            <a:normAutofit fontScale="92500" lnSpcReduction="20000"/>
-          </a:bodyPr>
-          <a:lstStyle/>
-          <a:p>
-            <a:r>
-              <a:rPr lang="ru-RU" dirty="0"/>
-              <a:t>ОСНОВНОЙ СЦЕНАРИЙ.</a:t>
-            </a:r>
-          </a:p>
-          <a:p>
-            <a:r>
-              <a:rPr lang="ru-RU" dirty="0"/>
-              <a:t>Пользователь щелкает на кнопке Написать отзыв для текущей книги. Система показывает страницу для Написания отзыва. Пользователь вводит Отзыв, задает Рейтинг, выбирая из возможных пяти баллов, и нажимает кнопку отправить. Система проверяет, что Отзыв не слишком короткий и не слишком длинный и баллы входят в допустимый диапазон. Система показывает страницу с подтверждением и отзыв отправляется на проверку Модератору.</a:t>
-            </a:r>
-          </a:p>
-          <a:p>
-            <a:r>
-              <a:rPr lang="ru-RU" dirty="0"/>
-              <a:t>АЛЬТЕРНАТИВНЫЙ СЦЕНАРИЙ.</a:t>
-            </a:r>
-          </a:p>
-          <a:p>
-            <a:r>
-              <a:rPr lang="ru-RU" b="1" dirty="0"/>
-              <a:t>Пользователь не авторизован</a:t>
-            </a:r>
-            <a:r>
-              <a:rPr lang="en-US" b="1" dirty="0"/>
-              <a:t>. </a:t>
-            </a:r>
-            <a:r>
-              <a:rPr lang="ru-RU" dirty="0"/>
-              <a:t>Система перенаправляет пользователя на страницу Авторизации и если он авторизуется, то возвращает его на страницу написания отзыва.</a:t>
-            </a:r>
-          </a:p>
-          <a:p>
-            <a:r>
-              <a:rPr lang="ru-RU" b="1" dirty="0"/>
-              <a:t>Пользователь ввел слишком длинный текст (&gt; 1 </a:t>
-            </a:r>
-            <a:r>
-              <a:rPr lang="en-US" b="1" dirty="0"/>
-              <a:t>Mb</a:t>
-            </a:r>
-            <a:r>
-              <a:rPr lang="ru-RU" b="1" dirty="0"/>
-              <a:t>).</a:t>
-            </a:r>
-            <a:r>
-              <a:rPr lang="ru-RU" dirty="0"/>
-              <a:t> Система отвергает отзыв и выводит сообщение, объясняющие почему отзыв был отвергнут.</a:t>
-            </a:r>
-          </a:p>
-          <a:p>
-            <a:r>
-              <a:rPr lang="ru-RU" b="1" dirty="0"/>
-              <a:t>Пользователь слишком короткий (&lt; 10 символов)</a:t>
-            </a:r>
-            <a:r>
-              <a:rPr lang="ru-RU" dirty="0"/>
-              <a:t>. Система отвергает отзыв.</a:t>
-            </a:r>
-          </a:p>
-        </p:txBody>
-      </p:sp>
-    </p:spTree>
-    <p:extLst>
-      <p:ext uri="{BB962C8B-B14F-4D97-AF65-F5344CB8AC3E}">
-        <p14:creationId xmlns:p14="http://schemas.microsoft.com/office/powerpoint/2010/main" val="412973182"/>
-      </p:ext>
-    </p:extLst>
-  </p:cSld>
-  <p:clrMapOvr>
-    <a:masterClrMapping/>
-  </p:clrMapOvr>
-  <p:timing>
-    <p:tnLst>
-      <p:par>
-        <p:cTn id="1" dur="indefinite" restart="never" nodeType="tmRoot"/>
-      </p:par>
-    </p:tnLst>
-  </p:timing>
-</p:sld>
-</file>
-
-<file path=ppt/slides/slide26.xml><?xml version="1.0" encoding="utf-8"?>
-<p:sld xmlns:a="http://schemas.openxmlformats.org/drawingml/2006/main" xmlns:r="http://schemas.openxmlformats.org/officeDocument/2006/relationships" xmlns:p="http://schemas.openxmlformats.org/presentationml/2006/main">
-  <p:cSld>
-    <p:spTree>
-      <p:nvGrpSpPr>
-        <p:cNvPr id="1" name=""/>
-        <p:cNvGrpSpPr/>
-        <p:nvPr/>
-      </p:nvGrpSpPr>
-      <p:grpSpPr>
-        <a:xfrm>
-          <a:off x="0" y="0"/>
-          <a:ext cx="0" cy="0"/>
-          <a:chOff x="0" y="0"/>
-          <a:chExt cx="0" cy="0"/>
-        </a:xfrm>
-      </p:grpSpPr>
-      <p:sp>
-        <p:nvSpPr>
-          <p:cNvPr id="2" name="Rectangle 2"/>
-          <p:cNvSpPr>
-            <a:spLocks noChangeArrowheads="1"/>
-          </p:cNvSpPr>
-          <p:nvPr/>
-        </p:nvSpPr>
-        <p:spPr bwMode="auto">
-          <a:xfrm>
-            <a:off x="1364566" y="618977"/>
-            <a:ext cx="17239278" cy="45719"/>
-          </a:xfrm>
-          <a:prstGeom prst="rect">
-            <a:avLst/>
-          </a:prstGeom>
-          <a:noFill/>
-          <a:ln>
-            <a:noFill/>
-          </a:ln>
-          <a:effectLst/>
-          <a:extLst>
-            <a:ext uri="{909E8E84-426E-40DD-AFC4-6F175D3DCCD1}">
-              <a14:hiddenFill xmlns:a14="http://schemas.microsoft.com/office/drawing/2010/main">
-                <a:solidFill>
-                  <a:schemeClr val="accent1"/>
-                </a:solidFill>
-              </a14:hiddenFill>
-            </a:ext>
-            <a:ext uri="{91240B29-F687-4F45-9708-019B960494DF}">
-              <a14:hiddenLine xmlns:a14="http://schemas.microsoft.com/office/drawing/2010/main" w="9525">
-                <a:solidFill>
-                  <a:schemeClr val="tx1"/>
-                </a:solidFill>
-                <a:miter lim="800000"/>
-                <a:headEnd/>
-                <a:tailEnd/>
-              </a14:hiddenLine>
-            </a:ext>
-            <a:ext uri="{AF507438-7753-43E0-B8FC-AC1667EBCBE1}">
-              <a14:hiddenEffects xmlns:a14="http://schemas.microsoft.com/office/drawing/2010/main">
-                <a:effectLst>
-                  <a:outerShdw dist="35921" dir="2700000" algn="ctr" rotWithShape="0">
-                    <a:schemeClr val="bg2"/>
-                  </a:outerShdw>
-                </a:effectLst>
-              </a14:hiddenEffects>
-            </a:ext>
-          </a:extLst>
-        </p:spPr>
-        <p:txBody>
-          <a:bodyPr vert="horz" wrap="square" lIns="91440" tIns="45720" rIns="91440" bIns="45720" numCol="1" anchor="ctr" anchorCtr="0" compatLnSpc="1">
-            <a:prstTxWarp prst="textNoShape">
-              <a:avLst/>
-            </a:prstTxWarp>
-            <a:spAutoFit/>
-          </a:bodyPr>
-          <a:lstStyle/>
-          <a:p>
-            <a:endParaRPr lang="ru-RU"/>
-          </a:p>
-        </p:txBody>
-      </p:sp>
-      <p:pic>
-        <p:nvPicPr>
-          <p:cNvPr id="12290" name="Picture 2"/>
-          <p:cNvPicPr>
-            <a:picLocks noChangeAspect="1" noChangeArrowheads="1"/>
-          </p:cNvPicPr>
-          <p:nvPr/>
-        </p:nvPicPr>
-        <p:blipFill>
-          <a:blip r:embed="rId3">
-            <a:extLst>
-              <a:ext uri="{28A0092B-C50C-407E-A947-70E740481C1C}">
-                <a14:useLocalDpi xmlns:a14="http://schemas.microsoft.com/office/drawing/2010/main" val="0"/>
-              </a:ext>
-            </a:extLst>
-          </a:blip>
-          <a:srcRect/>
-          <a:stretch>
-            <a:fillRect/>
-          </a:stretch>
-        </p:blipFill>
-        <p:spPr bwMode="auto">
-          <a:xfrm>
-            <a:off x="2719828" y="383002"/>
-            <a:ext cx="6002142" cy="5941287"/>
-          </a:xfrm>
-          <a:prstGeom prst="rect">
-            <a:avLst/>
-          </a:prstGeom>
-          <a:noFill/>
-          <a:ln>
-            <a:noFill/>
-          </a:ln>
-          <a:extLst>
-            <a:ext uri="{909E8E84-426E-40DD-AFC4-6F175D3DCCD1}">
-              <a14:hiddenFill xmlns:a14="http://schemas.microsoft.com/office/drawing/2010/main">
-                <a:solidFill>
-                  <a:srgbClr val="FFFFFF"/>
-                </a:solidFill>
-              </a14:hiddenFill>
-            </a:ext>
-            <a:ext uri="{91240B29-F687-4F45-9708-019B960494DF}">
-              <a14:hiddenLine xmlns:a14="http://schemas.microsoft.com/office/drawing/2010/main" w="9525">
-                <a:solidFill>
-                  <a:srgbClr val="000000"/>
-                </a:solidFill>
-                <a:miter lim="800000"/>
-                <a:headEnd/>
-                <a:tailEnd/>
-              </a14:hiddenLine>
-            </a:ext>
-          </a:extLst>
-        </p:spPr>
-      </p:pic>
-    </p:spTree>
-    <p:extLst>
-      <p:ext uri="{BB962C8B-B14F-4D97-AF65-F5344CB8AC3E}">
-        <p14:creationId xmlns:p14="http://schemas.microsoft.com/office/powerpoint/2010/main" val="1190175582"/>
-      </p:ext>
-    </p:extLst>
-  </p:cSld>
-  <p:clrMapOvr>
-    <a:masterClrMapping/>
-  </p:clrMapOvr>
-  <p:timing>
-    <p:tnLst>
-      <p:par>
-        <p:cTn id="1" dur="indefinite" restart="never" nodeType="tmRoot"/>
-      </p:par>
-    </p:tnLst>
-  </p:timing>
-</p:sld>
-</file>
-
-<file path=ppt/slides/slide27.xml><?xml version="1.0" encoding="utf-8"?>
-<p:sld xmlns:a="http://schemas.openxmlformats.org/drawingml/2006/main" xmlns:r="http://schemas.openxmlformats.org/officeDocument/2006/relationships" xmlns:p="http://schemas.openxmlformats.org/presentationml/2006/main">
-  <p:cSld>
-    <p:spTree>
-      <p:nvGrpSpPr>
-        <p:cNvPr id="1" name=""/>
-        <p:cNvGrpSpPr/>
-        <p:nvPr/>
-      </p:nvGrpSpPr>
-      <p:grpSpPr>
-        <a:xfrm>
-          <a:off x="0" y="0"/>
-          <a:ext cx="0" cy="0"/>
-          <a:chOff x="0" y="0"/>
-          <a:chExt cx="0" cy="0"/>
-        </a:xfrm>
-      </p:grpSpPr>
-      <p:sp>
-        <p:nvSpPr>
-          <p:cNvPr id="2" name="Rectangle 2"/>
-          <p:cNvSpPr>
-            <a:spLocks noChangeArrowheads="1"/>
-          </p:cNvSpPr>
-          <p:nvPr/>
-        </p:nvSpPr>
-        <p:spPr bwMode="auto">
-          <a:xfrm>
-            <a:off x="1364566" y="618977"/>
-            <a:ext cx="17239278" cy="45719"/>
-          </a:xfrm>
-          <a:prstGeom prst="rect">
-            <a:avLst/>
-          </a:prstGeom>
-          <a:noFill/>
-          <a:ln>
-            <a:noFill/>
-          </a:ln>
-          <a:effectLst/>
-          <a:extLst>
-            <a:ext uri="{909E8E84-426E-40DD-AFC4-6F175D3DCCD1}">
-              <a14:hiddenFill xmlns:a14="http://schemas.microsoft.com/office/drawing/2010/main">
-                <a:solidFill>
-                  <a:schemeClr val="accent1"/>
-                </a:solidFill>
-              </a14:hiddenFill>
-            </a:ext>
-            <a:ext uri="{91240B29-F687-4F45-9708-019B960494DF}">
-              <a14:hiddenLine xmlns:a14="http://schemas.microsoft.com/office/drawing/2010/main" w="9525">
-                <a:solidFill>
-                  <a:schemeClr val="tx1"/>
-                </a:solidFill>
-                <a:miter lim="800000"/>
-                <a:headEnd/>
-                <a:tailEnd/>
-              </a14:hiddenLine>
-            </a:ext>
-            <a:ext uri="{AF507438-7753-43E0-B8FC-AC1667EBCBE1}">
-              <a14:hiddenEffects xmlns:a14="http://schemas.microsoft.com/office/drawing/2010/main">
-                <a:effectLst>
-                  <a:outerShdw dist="35921" dir="2700000" algn="ctr" rotWithShape="0">
-                    <a:schemeClr val="bg2"/>
-                  </a:outerShdw>
-                </a:effectLst>
-              </a14:hiddenEffects>
-            </a:ext>
-          </a:extLst>
-        </p:spPr>
-        <p:txBody>
-          <a:bodyPr vert="horz" wrap="square" lIns="91440" tIns="45720" rIns="91440" bIns="45720" numCol="1" anchor="ctr" anchorCtr="0" compatLnSpc="1">
-            <a:prstTxWarp prst="textNoShape">
-              <a:avLst/>
-            </a:prstTxWarp>
-            <a:spAutoFit/>
-          </a:bodyPr>
-          <a:lstStyle/>
-          <a:p>
-            <a:endParaRPr lang="ru-RU"/>
-          </a:p>
-        </p:txBody>
-      </p:sp>
-      <p:pic>
-        <p:nvPicPr>
-          <p:cNvPr id="13314" name="Picture 2"/>
-          <p:cNvPicPr>
-            <a:picLocks noChangeAspect="1" noChangeArrowheads="1"/>
-          </p:cNvPicPr>
-          <p:nvPr/>
-        </p:nvPicPr>
-        <p:blipFill>
-          <a:blip r:embed="rId3">
-            <a:extLst>
-              <a:ext uri="{28A0092B-C50C-407E-A947-70E740481C1C}">
-                <a14:useLocalDpi xmlns:a14="http://schemas.microsoft.com/office/drawing/2010/main" val="0"/>
-              </a:ext>
-            </a:extLst>
-          </a:blip>
-          <a:srcRect/>
-          <a:stretch>
-            <a:fillRect/>
-          </a:stretch>
-        </p:blipFill>
-        <p:spPr bwMode="auto">
-          <a:xfrm>
-            <a:off x="2172774" y="618977"/>
-            <a:ext cx="6295976" cy="5373703"/>
-          </a:xfrm>
-          <a:prstGeom prst="rect">
-            <a:avLst/>
-          </a:prstGeom>
-          <a:noFill/>
-          <a:ln>
-            <a:noFill/>
-          </a:ln>
-          <a:extLst>
-            <a:ext uri="{909E8E84-426E-40DD-AFC4-6F175D3DCCD1}">
-              <a14:hiddenFill xmlns:a14="http://schemas.microsoft.com/office/drawing/2010/main">
-                <a:solidFill>
-                  <a:srgbClr val="FFFFFF"/>
-                </a:solidFill>
-              </a14:hiddenFill>
-            </a:ext>
-            <a:ext uri="{91240B29-F687-4F45-9708-019B960494DF}">
-              <a14:hiddenLine xmlns:a14="http://schemas.microsoft.com/office/drawing/2010/main" w="9525">
-                <a:solidFill>
-                  <a:srgbClr val="000000"/>
-                </a:solidFill>
-                <a:miter lim="800000"/>
-                <a:headEnd/>
-                <a:tailEnd/>
-              </a14:hiddenLine>
-            </a:ext>
-          </a:extLst>
-        </p:spPr>
-      </p:pic>
-    </p:spTree>
-    <p:extLst>
-      <p:ext uri="{BB962C8B-B14F-4D97-AF65-F5344CB8AC3E}">
-        <p14:creationId xmlns:p14="http://schemas.microsoft.com/office/powerpoint/2010/main" val="165044978"/>
-      </p:ext>
-    </p:extLst>
-  </p:cSld>
-  <p:clrMapOvr>
-    <a:masterClrMapping/>
-  </p:clrMapOvr>
-  <p:timing>
-    <p:tnLst>
-      <p:par>
-        <p:cTn id="1" dur="indefinite" restart="never" nodeType="tmRoot"/>
-      </p:par>
-    </p:tnLst>
-  </p:timing>
-</p:sld>
-</file>
-
-<file path=ppt/slides/slide28.xml><?xml version="1.0" encoding="utf-8"?>
-<p:sld xmlns:a="http://schemas.openxmlformats.org/drawingml/2006/main" xmlns:r="http://schemas.openxmlformats.org/officeDocument/2006/relationships" xmlns:p="http://schemas.openxmlformats.org/presentationml/2006/main">
-  <p:cSld>
-    <p:spTree>
-      <p:nvGrpSpPr>
-        <p:cNvPr id="1" name=""/>
-        <p:cNvGrpSpPr/>
-        <p:nvPr/>
-      </p:nvGrpSpPr>
-      <p:grpSpPr>
-        <a:xfrm>
-          <a:off x="0" y="0"/>
-          <a:ext cx="0" cy="0"/>
-          <a:chOff x="0" y="0"/>
-          <a:chExt cx="0" cy="0"/>
-        </a:xfrm>
-      </p:grpSpPr>
-      <p:sp>
-        <p:nvSpPr>
-          <p:cNvPr id="2" name="Заголовок 1"/>
-          <p:cNvSpPr>
-            <a:spLocks noGrp="1"/>
-          </p:cNvSpPr>
-          <p:nvPr>
-            <p:ph type="ctrTitle"/>
-          </p:nvPr>
-        </p:nvSpPr>
-        <p:spPr/>
-        <p:txBody>
-          <a:bodyPr>
-            <a:normAutofit/>
-          </a:bodyPr>
-          <a:lstStyle/>
-          <a:p>
-            <a:r>
-              <a:rPr lang="ru-RU" dirty="0"/>
-              <a:t>Создание диаграммы классов</a:t>
-            </a:r>
-            <a:endParaRPr lang="ru-RU" b="1" dirty="0"/>
-          </a:p>
-        </p:txBody>
-      </p:sp>
-      <p:sp>
-        <p:nvSpPr>
-          <p:cNvPr id="3" name="Подзаголовок 2"/>
-          <p:cNvSpPr>
-            <a:spLocks noGrp="1"/>
-          </p:cNvSpPr>
-          <p:nvPr>
-            <p:ph type="subTitle" idx="1"/>
-          </p:nvPr>
-        </p:nvSpPr>
-        <p:spPr/>
-        <p:txBody>
-          <a:bodyPr/>
-          <a:lstStyle/>
-          <a:p>
-            <a:r>
-              <a:rPr lang="ru-RU" b="1" dirty="0"/>
-              <a:t>Диаграмма классов</a:t>
-            </a:r>
-            <a:r>
-              <a:rPr lang="ru-RU" dirty="0"/>
-              <a:t> является типом </a:t>
-            </a:r>
-            <a:r>
-              <a:rPr lang="ru-RU" b="1" dirty="0"/>
-              <a:t>диаграммы статической структуры</a:t>
-            </a:r>
-            <a:r>
-              <a:rPr lang="ru-RU" dirty="0"/>
-              <a:t>. Она описывает структуру системы, показывая её классы, их атрибуты и операторы, и также взаимосвязи этих </a:t>
-            </a:r>
-            <a:r>
-              <a:rPr lang="ru-RU" dirty="0" smtClean="0"/>
-              <a:t>классов</a:t>
-            </a:r>
-            <a:endParaRPr lang="en-US" dirty="0" smtClean="0"/>
-          </a:p>
-          <a:p>
-            <a:endParaRPr lang="ru-RU" dirty="0"/>
-          </a:p>
-        </p:txBody>
-      </p:sp>
-    </p:spTree>
-    <p:extLst>
-      <p:ext uri="{BB962C8B-B14F-4D97-AF65-F5344CB8AC3E}">
-        <p14:creationId xmlns:p14="http://schemas.microsoft.com/office/powerpoint/2010/main" val="1332516047"/>
-      </p:ext>
-    </p:extLst>
-  </p:cSld>
-  <p:clrMapOvr>
-    <a:masterClrMapping/>
-  </p:clrMapOvr>
-  <p:timing>
-    <p:tnLst>
-      <p:par>
-        <p:cTn id="1" dur="indefinite" restart="never" nodeType="tmRoot"/>
-      </p:par>
-    </p:tnLst>
-  </p:timing>
-</p:sld>
-</file>
-
-<file path=ppt/slides/slide29.xml><?xml version="1.0" encoding="utf-8"?>
-<p:sld xmlns:a="http://schemas.openxmlformats.org/drawingml/2006/main" xmlns:r="http://schemas.openxmlformats.org/officeDocument/2006/relationships" xmlns:p="http://schemas.openxmlformats.org/presentationml/2006/main">
-  <p:cSld>
-    <p:spTree>
-      <p:nvGrpSpPr>
-        <p:cNvPr id="1" name=""/>
-        <p:cNvGrpSpPr/>
-        <p:nvPr/>
-      </p:nvGrpSpPr>
-      <p:grpSpPr>
-        <a:xfrm>
-          <a:off x="0" y="0"/>
-          <a:ext cx="0" cy="0"/>
-          <a:chOff x="0" y="0"/>
-          <a:chExt cx="0" cy="0"/>
-        </a:xfrm>
-      </p:grpSpPr>
-      <p:sp>
-        <p:nvSpPr>
-          <p:cNvPr id="3" name="Объект 2"/>
-          <p:cNvSpPr>
-            <a:spLocks noGrp="1"/>
-          </p:cNvSpPr>
-          <p:nvPr>
-            <p:ph idx="1"/>
-          </p:nvPr>
-        </p:nvSpPr>
-        <p:spPr>
-          <a:xfrm>
-            <a:off x="838200" y="218364"/>
-            <a:ext cx="10515600" cy="5958599"/>
-          </a:xfrm>
-        </p:spPr>
-        <p:txBody>
-          <a:bodyPr>
-            <a:normAutofit/>
-          </a:bodyPr>
-          <a:lstStyle/>
-          <a:p>
-            <a:pPr marL="0" indent="0" fontAlgn="base">
-              <a:buNone/>
-            </a:pPr>
-            <a:r>
-              <a:rPr lang="ru-RU" b="1" cap="all"/>
-              <a:t>ГЕНЕРАЛИЗАЦИЯ </a:t>
-            </a:r>
-            <a:r>
-              <a:rPr lang="ru-RU" b="1" cap="all" smtClean="0"/>
-              <a:t>(ОБОБЩЕНИЕ)</a:t>
-            </a:r>
-            <a:endParaRPr lang="ru-RU" b="1" cap="all" dirty="0"/>
-          </a:p>
-          <a:p>
-            <a:pPr marL="0" indent="0" fontAlgn="base">
-              <a:buNone/>
-            </a:pPr>
-            <a:r>
-              <a:rPr lang="ru-RU" dirty="0"/>
-              <a:t>Генерализация показывает, что один из двух связанных классов (</a:t>
-            </a:r>
-            <a:r>
-              <a:rPr lang="ru-RU" i="1" dirty="0"/>
-              <a:t>подтип</a:t>
-            </a:r>
-            <a:r>
-              <a:rPr lang="ru-RU" dirty="0"/>
-              <a:t>), является более частной формой другого (</a:t>
-            </a:r>
-            <a:r>
-              <a:rPr lang="ru-RU" i="1" dirty="0" err="1"/>
-              <a:t>супертип</a:t>
-            </a:r>
-            <a:r>
-              <a:rPr lang="ru-RU" dirty="0"/>
-              <a:t>), который называется </a:t>
-            </a:r>
-            <a:r>
-              <a:rPr lang="ru-RU" b="1" dirty="0" smtClean="0"/>
-              <a:t>обобщением</a:t>
-            </a:r>
-            <a:r>
-              <a:rPr lang="ru-RU" dirty="0"/>
-              <a:t> первого.</a:t>
-            </a:r>
-          </a:p>
-        </p:txBody>
-      </p:sp>
-      <p:pic>
-        <p:nvPicPr>
-          <p:cNvPr id="14338" name="Picture 2" descr="ÐÐ°ÑÐ»ÐµÐ´Ð¾Ð²Ð°Ð½Ð¸Ðµ Ð² UML"/>
-          <p:cNvPicPr>
-            <a:picLocks noChangeAspect="1" noChangeArrowheads="1"/>
-          </p:cNvPicPr>
-          <p:nvPr/>
-        </p:nvPicPr>
-        <p:blipFill>
-          <a:blip r:embed="rId2">
-            <a:extLst>
-              <a:ext uri="{28A0092B-C50C-407E-A947-70E740481C1C}">
-                <a14:useLocalDpi xmlns:a14="http://schemas.microsoft.com/office/drawing/2010/main" val="0"/>
-              </a:ext>
-            </a:extLst>
-          </a:blip>
-          <a:srcRect/>
-          <a:stretch>
-            <a:fillRect/>
-          </a:stretch>
-        </p:blipFill>
-        <p:spPr bwMode="auto">
-          <a:xfrm>
-            <a:off x="1329283" y="2857524"/>
-            <a:ext cx="1741464" cy="2814489"/>
-          </a:xfrm>
-          <a:prstGeom prst="rect">
-            <a:avLst/>
-          </a:prstGeom>
-          <a:noFill/>
-          <a:extLst>
-            <a:ext uri="{909E8E84-426E-40DD-AFC4-6F175D3DCCD1}">
-              <a14:hiddenFill xmlns:a14="http://schemas.microsoft.com/office/drawing/2010/main">
-                <a:solidFill>
-                  <a:srgbClr val="FFFFFF"/>
-                </a:solidFill>
-              </a14:hiddenFill>
-            </a:ext>
-          </a:extLst>
-        </p:spPr>
-      </p:pic>
-      <p:pic>
-        <p:nvPicPr>
-          <p:cNvPr id="2" name="Рисунок 1"/>
-          <p:cNvPicPr>
-            <a:picLocks noChangeAspect="1"/>
-          </p:cNvPicPr>
-          <p:nvPr/>
-        </p:nvPicPr>
-        <p:blipFill>
-          <a:blip r:embed="rId3"/>
-          <a:stretch>
-            <a:fillRect/>
-          </a:stretch>
-        </p:blipFill>
-        <p:spPr>
-          <a:xfrm>
-            <a:off x="4676774" y="2424112"/>
-            <a:ext cx="4822067" cy="3414282"/>
-          </a:xfrm>
-          <a:prstGeom prst="rect">
-            <a:avLst/>
-          </a:prstGeom>
-        </p:spPr>
-      </p:pic>
-    </p:spTree>
-    <p:extLst>
-      <p:ext uri="{BB962C8B-B14F-4D97-AF65-F5344CB8AC3E}">
-        <p14:creationId xmlns:p14="http://schemas.microsoft.com/office/powerpoint/2010/main" val="2912714671"/>
+        <p14:creationId xmlns:p14="http://schemas.microsoft.com/office/powerpoint/2010/main" val="1763097575"/>
       </p:ext>
     </p:extLst>
   </p:cSld>
@@ -7043,171 +6379,79 @@
       </p:grpSpPr>
       <p:sp>
         <p:nvSpPr>
-          <p:cNvPr id="2" name="Заголовок 1"/>
-          <p:cNvSpPr>
-            <a:spLocks noGrp="1"/>
-          </p:cNvSpPr>
-          <p:nvPr>
-            <p:ph type="title"/>
-          </p:nvPr>
-        </p:nvSpPr>
-        <p:spPr/>
-        <p:txBody>
-          <a:bodyPr/>
-          <a:lstStyle/>
-          <a:p>
-            <a:pPr algn="ctr"/>
+          <p:cNvPr id="3" name="Объект 2"/>
+          <p:cNvSpPr>
+            <a:spLocks noGrp="1"/>
+          </p:cNvSpPr>
+          <p:nvPr>
+            <p:ph idx="1"/>
+          </p:nvPr>
+        </p:nvSpPr>
+        <p:spPr>
+          <a:xfrm>
+            <a:off x="838200" y="395785"/>
+            <a:ext cx="10515600" cy="1910687"/>
+          </a:xfrm>
+        </p:spPr>
+        <p:txBody>
+          <a:bodyPr>
+            <a:normAutofit/>
+          </a:bodyPr>
+          <a:lstStyle/>
+          <a:p>
+            <a:pPr marL="457200" lvl="1" indent="0">
+              <a:buNone/>
+            </a:pPr>
             <a:r>
               <a:rPr lang="ru-RU" dirty="0" smtClean="0"/>
-              <a:t>основные </a:t>
-            </a:r>
-            <a:r>
-              <a:rPr lang="ru-RU" dirty="0"/>
-              <a:t>этапы </a:t>
-            </a:r>
-            <a:r>
-              <a:rPr lang="ru-RU" dirty="0" smtClean="0"/>
-              <a:t>анализа</a:t>
-            </a:r>
-            <a:endParaRPr lang="ru-RU" dirty="0"/>
-          </a:p>
-        </p:txBody>
-      </p:sp>
-      <p:sp>
-        <p:nvSpPr>
-          <p:cNvPr id="3" name="Объект 2"/>
-          <p:cNvSpPr>
-            <a:spLocks noGrp="1"/>
-          </p:cNvSpPr>
-          <p:nvPr>
-            <p:ph idx="1"/>
-          </p:nvPr>
-        </p:nvSpPr>
-        <p:spPr/>
-        <p:txBody>
-          <a:bodyPr/>
-          <a:lstStyle/>
-          <a:p>
-            <a:pPr marL="514350" indent="-514350">
-              <a:buFont typeface="+mj-lt"/>
-              <a:buAutoNum type="arabicPeriod"/>
+              <a:t>Хорошая архитектура делает систему легкой в освоении, простой в разработке, сопровождении и развертывании. Конечная ее цель – минимизировать затраты на протяжения всего срока службы системы и максимизировать продуктивность программиста.</a:t>
+            </a:r>
+          </a:p>
+          <a:p>
+            <a:pPr marL="457200" lvl="1" indent="0" algn="r">
+              <a:buNone/>
             </a:pPr>
             <a:r>
-              <a:rPr lang="ru-RU" dirty="0"/>
-              <a:t>Любой проект начинается с анализа </a:t>
-            </a:r>
-            <a:r>
-              <a:rPr lang="ru-RU" dirty="0" smtClean="0"/>
-              <a:t>требований</a:t>
-            </a:r>
-            <a:endParaRPr lang="ru-RU" dirty="0" smtClean="0">
-              <a:effectLst/>
-            </a:endParaRPr>
-          </a:p>
-          <a:p>
-            <a:pPr lvl="1"/>
-            <a:r>
-              <a:rPr lang="ru-RU" dirty="0"/>
-              <a:t>Функциональные </a:t>
-            </a:r>
-            <a:r>
-              <a:rPr lang="ru-RU" dirty="0" smtClean="0"/>
-              <a:t>требования</a:t>
-            </a:r>
-          </a:p>
-          <a:p>
-            <a:pPr lvl="1"/>
-            <a:r>
-              <a:rPr lang="ru-RU" dirty="0"/>
-              <a:t>Требования к модели предметной </a:t>
-            </a:r>
-            <a:r>
-              <a:rPr lang="ru-RU" dirty="0" smtClean="0"/>
-              <a:t>области</a:t>
-            </a:r>
-            <a:endParaRPr lang="ru-RU" dirty="0" smtClean="0">
-              <a:effectLst/>
-            </a:endParaRPr>
-          </a:p>
-          <a:p>
-            <a:pPr lvl="1"/>
-            <a:r>
-              <a:rPr lang="ru-RU" dirty="0"/>
-              <a:t>Поведенческие </a:t>
-            </a:r>
-            <a:r>
-              <a:rPr lang="ru-RU" dirty="0" smtClean="0"/>
-              <a:t>требования</a:t>
-            </a:r>
-          </a:p>
-          <a:p>
-            <a:pPr marL="514350" indent="-514350">
-              <a:buAutoNum type="arabicPeriod" startAt="2"/>
-            </a:pPr>
-            <a:r>
-              <a:rPr lang="ru-RU" dirty="0" smtClean="0"/>
-              <a:t>Предварительное проектирование</a:t>
-            </a:r>
-          </a:p>
-          <a:p>
-            <a:pPr lvl="1"/>
-            <a:r>
-              <a:rPr lang="ru-RU" dirty="0"/>
-              <a:t>Робастный анализ </a:t>
-            </a:r>
-            <a:endParaRPr lang="ru-RU" dirty="0" smtClean="0"/>
-          </a:p>
-          <a:p>
-            <a:pPr lvl="1"/>
-            <a:r>
-              <a:rPr lang="ru-RU" dirty="0" smtClean="0"/>
-              <a:t>Создание модели </a:t>
-            </a:r>
-            <a:r>
-              <a:rPr lang="ru-RU" dirty="0"/>
-              <a:t>предметной </a:t>
-            </a:r>
-            <a:r>
-              <a:rPr lang="ru-RU" dirty="0" smtClean="0"/>
-              <a:t>области</a:t>
-            </a:r>
-          </a:p>
-          <a:p>
-            <a:pPr lvl="1"/>
-            <a:r>
-              <a:rPr lang="ru-RU" dirty="0" smtClean="0"/>
-              <a:t>Перечисление всех связующих логических </a:t>
-            </a:r>
-            <a:r>
-              <a:rPr lang="ru-RU" dirty="0"/>
-              <a:t>функции (</a:t>
-            </a:r>
-            <a:r>
-              <a:rPr lang="ru-RU" dirty="0" smtClean="0"/>
-              <a:t>контроллеров)</a:t>
-            </a:r>
-          </a:p>
-          <a:p>
-            <a:pPr lvl="1"/>
-            <a:r>
-              <a:rPr lang="ru-RU" dirty="0" smtClean="0"/>
-              <a:t>Варианты </a:t>
-            </a:r>
-            <a:r>
-              <a:rPr lang="ru-RU" dirty="0"/>
-              <a:t>использования</a:t>
-            </a:r>
-          </a:p>
-          <a:p>
-            <a:pPr lvl="1"/>
-            <a:endParaRPr lang="ru-RU" dirty="0"/>
-          </a:p>
-        </p:txBody>
-      </p:sp>
+              <a:rPr lang="ru-RU" i="1" dirty="0" smtClean="0"/>
+              <a:t>Роберт Мартин</a:t>
+            </a:r>
+            <a:endParaRPr lang="ru-RU" i="1" dirty="0"/>
+          </a:p>
+        </p:txBody>
+      </p:sp>
+      <p:pic>
+        <p:nvPicPr>
+          <p:cNvPr id="2" name="Рисунок 1"/>
+          <p:cNvPicPr>
+            <a:picLocks noChangeAspect="1"/>
+          </p:cNvPicPr>
+          <p:nvPr/>
+        </p:nvPicPr>
+        <p:blipFill rotWithShape="1">
+          <a:blip r:embed="rId2">
+            <a:extLst>
+              <a:ext uri="{28A0092B-C50C-407E-A947-70E740481C1C}">
+                <a14:useLocalDpi xmlns:a14="http://schemas.microsoft.com/office/drawing/2010/main" val="0"/>
+              </a:ext>
+            </a:extLst>
+          </a:blip>
+          <a:srcRect t="18539" b="13531"/>
+          <a:stretch/>
+        </p:blipFill>
+        <p:spPr>
+          <a:xfrm>
+            <a:off x="2921000" y="2306472"/>
+            <a:ext cx="6350000" cy="4313583"/>
+          </a:xfrm>
+          <a:prstGeom prst="rect">
+            <a:avLst/>
+          </a:prstGeom>
+        </p:spPr>
+      </p:pic>
     </p:spTree>
     <p:extLst>
       <p:ext uri="{BB962C8B-B14F-4D97-AF65-F5344CB8AC3E}">
-        <p14:creationId xmlns:p14="http://schemas.microsoft.com/office/powerpoint/2010/main" val="3785808841"/>
+        <p14:creationId xmlns:p14="http://schemas.microsoft.com/office/powerpoint/2010/main" val="3915889212"/>
       </p:ext>
     </p:extLst>
   </p:cSld>
@@ -7221,1560 +6465,6 @@
       </p:par>
     </p:tnLst>
   </p:timing>
-</p:sld>
-</file>
-
-<file path=ppt/slides/slide30.xml><?xml version="1.0" encoding="utf-8"?>
-<p:sld xmlns:a="http://schemas.openxmlformats.org/drawingml/2006/main" xmlns:r="http://schemas.openxmlformats.org/officeDocument/2006/relationships" xmlns:p="http://schemas.openxmlformats.org/presentationml/2006/main">
-  <p:cSld>
-    <p:spTree>
-      <p:nvGrpSpPr>
-        <p:cNvPr id="1" name=""/>
-        <p:cNvGrpSpPr/>
-        <p:nvPr/>
-      </p:nvGrpSpPr>
-      <p:grpSpPr>
-        <a:xfrm>
-          <a:off x="0" y="0"/>
-          <a:ext cx="0" cy="0"/>
-          <a:chOff x="0" y="0"/>
-          <a:chExt cx="0" cy="0"/>
-        </a:xfrm>
-      </p:grpSpPr>
-      <p:sp>
-        <p:nvSpPr>
-          <p:cNvPr id="3" name="Объект 2"/>
-          <p:cNvSpPr>
-            <a:spLocks noGrp="1"/>
-          </p:cNvSpPr>
-          <p:nvPr>
-            <p:ph idx="1"/>
-          </p:nvPr>
-        </p:nvSpPr>
-        <p:spPr>
-          <a:xfrm>
-            <a:off x="838200" y="218364"/>
-            <a:ext cx="5139519" cy="4735773"/>
-          </a:xfrm>
-        </p:spPr>
-        <p:txBody>
-          <a:bodyPr>
-            <a:normAutofit/>
-          </a:bodyPr>
-          <a:lstStyle/>
-          <a:p>
-            <a:pPr marL="0" indent="0" fontAlgn="base">
-              <a:buNone/>
-            </a:pPr>
-            <a:r>
-              <a:rPr lang="ru-RU" b="1" cap="all" dirty="0"/>
-              <a:t>АГРЕГАЦИЯ</a:t>
-            </a:r>
-          </a:p>
-          <a:p>
-            <a:pPr marL="0" indent="0" fontAlgn="base">
-              <a:buNone/>
-            </a:pPr>
-            <a:r>
-              <a:rPr lang="ru-RU" dirty="0" smtClean="0"/>
-              <a:t>Агрегация </a:t>
-            </a:r>
-            <a:r>
-              <a:rPr lang="ru-RU" dirty="0"/>
-              <a:t>– </a:t>
-            </a:r>
-            <a:r>
-              <a:rPr lang="ru-RU" b="1" dirty="0"/>
-              <a:t>«</a:t>
-            </a:r>
-            <a:r>
-              <a:rPr lang="ru-RU" b="1" dirty="0" err="1"/>
-              <a:t>has</a:t>
-            </a:r>
-            <a:r>
-              <a:rPr lang="ru-RU" b="1" dirty="0"/>
-              <a:t> a»</a:t>
-            </a:r>
-            <a:r>
-              <a:rPr lang="ru-RU" dirty="0"/>
-              <a:t> (быть частью) случай ассоциации. Агрегация применяется когда один класс должен быть контейнером других классов. Причем время существования содержащихся классов никак не зависит от времени существования класса контейнера.</a:t>
-            </a:r>
-          </a:p>
-        </p:txBody>
-      </p:sp>
-      <p:pic>
-        <p:nvPicPr>
-          <p:cNvPr id="17410" name="Picture 2" descr="ÐÐ³ÑÐµÐ³Ð°ÑÐ¸Ñ"/>
-          <p:cNvPicPr>
-            <a:picLocks noChangeAspect="1" noChangeArrowheads="1"/>
-          </p:cNvPicPr>
-          <p:nvPr/>
-        </p:nvPicPr>
-        <p:blipFill>
-          <a:blip r:embed="rId2">
-            <a:extLst>
-              <a:ext uri="{28A0092B-C50C-407E-A947-70E740481C1C}">
-                <a14:useLocalDpi xmlns:a14="http://schemas.microsoft.com/office/drawing/2010/main" val="0"/>
-              </a:ext>
-            </a:extLst>
-          </a:blip>
-          <a:srcRect/>
-          <a:stretch>
-            <a:fillRect/>
-          </a:stretch>
-        </p:blipFill>
-        <p:spPr bwMode="auto">
-          <a:xfrm>
-            <a:off x="3407959" y="4415946"/>
-            <a:ext cx="1225394" cy="2277383"/>
-          </a:xfrm>
-          <a:prstGeom prst="rect">
-            <a:avLst/>
-          </a:prstGeom>
-          <a:noFill/>
-          <a:extLst>
-            <a:ext uri="{909E8E84-426E-40DD-AFC4-6F175D3DCCD1}">
-              <a14:hiddenFill xmlns:a14="http://schemas.microsoft.com/office/drawing/2010/main">
-                <a:solidFill>
-                  <a:srgbClr val="FFFFFF"/>
-                </a:solidFill>
-              </a14:hiddenFill>
-            </a:ext>
-          </a:extLst>
-        </p:spPr>
-      </p:pic>
-      <p:pic>
-        <p:nvPicPr>
-          <p:cNvPr id="4" name="Рисунок 3"/>
-          <p:cNvPicPr>
-            <a:picLocks noChangeAspect="1"/>
-          </p:cNvPicPr>
-          <p:nvPr/>
-        </p:nvPicPr>
-        <p:blipFill>
-          <a:blip r:embed="rId3"/>
-          <a:stretch>
-            <a:fillRect/>
-          </a:stretch>
-        </p:blipFill>
-        <p:spPr>
-          <a:xfrm>
-            <a:off x="6328348" y="714684"/>
-            <a:ext cx="5523098" cy="5241666"/>
-          </a:xfrm>
-          <a:prstGeom prst="rect">
-            <a:avLst/>
-          </a:prstGeom>
-        </p:spPr>
-      </p:pic>
-    </p:spTree>
-    <p:extLst>
-      <p:ext uri="{BB962C8B-B14F-4D97-AF65-F5344CB8AC3E}">
-        <p14:creationId xmlns:p14="http://schemas.microsoft.com/office/powerpoint/2010/main" val="1357835683"/>
-      </p:ext>
-    </p:extLst>
-  </p:cSld>
-  <p:clrMapOvr>
-    <a:masterClrMapping/>
-  </p:clrMapOvr>
-  <p:timing>
-    <p:tnLst>
-      <p:par>
-        <p:cTn id="1" dur="indefinite" restart="never" nodeType="tmRoot"/>
-      </p:par>
-    </p:tnLst>
-  </p:timing>
-</p:sld>
-</file>
-
-<file path=ppt/slides/slide31.xml><?xml version="1.0" encoding="utf-8"?>
-<p:sld xmlns:a="http://schemas.openxmlformats.org/drawingml/2006/main" xmlns:r="http://schemas.openxmlformats.org/officeDocument/2006/relationships" xmlns:p="http://schemas.openxmlformats.org/presentationml/2006/main">
-  <p:cSld>
-    <p:spTree>
-      <p:nvGrpSpPr>
-        <p:cNvPr id="1" name=""/>
-        <p:cNvGrpSpPr/>
-        <p:nvPr/>
-      </p:nvGrpSpPr>
-      <p:grpSpPr>
-        <a:xfrm>
-          <a:off x="0" y="0"/>
-          <a:ext cx="0" cy="0"/>
-          <a:chOff x="0" y="0"/>
-          <a:chExt cx="0" cy="0"/>
-        </a:xfrm>
-      </p:grpSpPr>
-      <p:sp>
-        <p:nvSpPr>
-          <p:cNvPr id="3" name="Объект 2"/>
-          <p:cNvSpPr>
-            <a:spLocks noGrp="1"/>
-          </p:cNvSpPr>
-          <p:nvPr>
-            <p:ph idx="1"/>
-          </p:nvPr>
-        </p:nvSpPr>
-        <p:spPr>
-          <a:xfrm>
-            <a:off x="838200" y="218364"/>
-            <a:ext cx="5139519" cy="4735773"/>
-          </a:xfrm>
-        </p:spPr>
-        <p:txBody>
-          <a:bodyPr>
-            <a:normAutofit lnSpcReduction="10000"/>
-          </a:bodyPr>
-          <a:lstStyle/>
-          <a:p>
-            <a:pPr marL="0" indent="0" fontAlgn="base">
-              <a:buNone/>
-            </a:pPr>
-            <a:r>
-              <a:rPr lang="ru-RU" b="1" cap="all" dirty="0"/>
-              <a:t>КОМПОЗИЦИЯ</a:t>
-            </a:r>
-          </a:p>
-          <a:p>
-            <a:pPr marL="0" indent="0" fontAlgn="base">
-              <a:buNone/>
-            </a:pPr>
-            <a:r>
-              <a:rPr lang="ru-RU" dirty="0"/>
-              <a:t>Еще один </a:t>
-            </a:r>
-            <a:r>
-              <a:rPr lang="ru-RU" b="1" dirty="0"/>
-              <a:t>«</a:t>
-            </a:r>
-            <a:r>
-              <a:rPr lang="ru-RU" b="1" dirty="0" err="1"/>
-              <a:t>has</a:t>
-            </a:r>
-            <a:r>
-              <a:rPr lang="ru-RU" b="1" dirty="0"/>
-              <a:t> a»</a:t>
-            </a:r>
-            <a:r>
-              <a:rPr lang="ru-RU" dirty="0"/>
-              <a:t> случай ассоциации, но более строгий. В отличии от агрегации, композиция имеет жёсткую зависимость времени существования экземпляров класса контейнера и экземпляров содержащихся классов. Если контейнер будет уничтожен, то всё его содержимое будет уничтожено также.</a:t>
-            </a:r>
-          </a:p>
-        </p:txBody>
-      </p:sp>
-      <p:pic>
-        <p:nvPicPr>
-          <p:cNvPr id="18434" name="Picture 2" descr="ÐÐ¾Ð¼Ð¿Ð¾Ð·Ð¸ÑÐ¸Ñ"/>
-          <p:cNvPicPr>
-            <a:picLocks noChangeAspect="1" noChangeArrowheads="1"/>
-          </p:cNvPicPr>
-          <p:nvPr/>
-        </p:nvPicPr>
-        <p:blipFill>
-          <a:blip r:embed="rId2">
-            <a:extLst>
-              <a:ext uri="{28A0092B-C50C-407E-A947-70E740481C1C}">
-                <a14:useLocalDpi xmlns:a14="http://schemas.microsoft.com/office/drawing/2010/main" val="0"/>
-              </a:ext>
-            </a:extLst>
-          </a:blip>
-          <a:srcRect/>
-          <a:stretch>
-            <a:fillRect/>
-          </a:stretch>
-        </p:blipFill>
-        <p:spPr bwMode="auto">
-          <a:xfrm>
-            <a:off x="3407959" y="4651020"/>
-            <a:ext cx="923925" cy="1971676"/>
-          </a:xfrm>
-          <a:prstGeom prst="rect">
-            <a:avLst/>
-          </a:prstGeom>
-          <a:noFill/>
-          <a:extLst>
-            <a:ext uri="{909E8E84-426E-40DD-AFC4-6F175D3DCCD1}">
-              <a14:hiddenFill xmlns:a14="http://schemas.microsoft.com/office/drawing/2010/main">
-                <a:solidFill>
-                  <a:srgbClr val="FFFFFF"/>
-                </a:solidFill>
-              </a14:hiddenFill>
-            </a:ext>
-          </a:extLst>
-        </p:spPr>
-      </p:pic>
-      <p:pic>
-        <p:nvPicPr>
-          <p:cNvPr id="2" name="Рисунок 1"/>
-          <p:cNvPicPr>
-            <a:picLocks noChangeAspect="1"/>
-          </p:cNvPicPr>
-          <p:nvPr/>
-        </p:nvPicPr>
-        <p:blipFill>
-          <a:blip r:embed="rId3"/>
-          <a:stretch>
-            <a:fillRect/>
-          </a:stretch>
-        </p:blipFill>
-        <p:spPr>
-          <a:xfrm>
-            <a:off x="6452618" y="120023"/>
-            <a:ext cx="5281301" cy="5407319"/>
-          </a:xfrm>
-          <a:prstGeom prst="rect">
-            <a:avLst/>
-          </a:prstGeom>
-        </p:spPr>
-      </p:pic>
-    </p:spTree>
-    <p:extLst>
-      <p:ext uri="{BB962C8B-B14F-4D97-AF65-F5344CB8AC3E}">
-        <p14:creationId xmlns:p14="http://schemas.microsoft.com/office/powerpoint/2010/main" val="418257686"/>
-      </p:ext>
-    </p:extLst>
-  </p:cSld>
-  <p:clrMapOvr>
-    <a:masterClrMapping/>
-  </p:clrMapOvr>
-  <p:timing>
-    <p:tnLst>
-      <p:par>
-        <p:cTn id="1" dur="indefinite" restart="never" nodeType="tmRoot"/>
-      </p:par>
-    </p:tnLst>
-  </p:timing>
-</p:sld>
-</file>
-
-<file path=ppt/slides/slide32.xml><?xml version="1.0" encoding="utf-8"?>
-<p:sld xmlns:a="http://schemas.openxmlformats.org/drawingml/2006/main" xmlns:r="http://schemas.openxmlformats.org/officeDocument/2006/relationships" xmlns:p="http://schemas.openxmlformats.org/presentationml/2006/main">
-  <p:cSld>
-    <p:spTree>
-      <p:nvGrpSpPr>
-        <p:cNvPr id="1" name=""/>
-        <p:cNvGrpSpPr/>
-        <p:nvPr/>
-      </p:nvGrpSpPr>
-      <p:grpSpPr>
-        <a:xfrm>
-          <a:off x="0" y="0"/>
-          <a:ext cx="0" cy="0"/>
-          <a:chOff x="0" y="0"/>
-          <a:chExt cx="0" cy="0"/>
-        </a:xfrm>
-      </p:grpSpPr>
-      <p:sp>
-        <p:nvSpPr>
-          <p:cNvPr id="3" name="Объект 2"/>
-          <p:cNvSpPr>
-            <a:spLocks noGrp="1"/>
-          </p:cNvSpPr>
-          <p:nvPr>
-            <p:ph idx="1"/>
-          </p:nvPr>
-        </p:nvSpPr>
-        <p:spPr>
-          <a:xfrm>
-            <a:off x="838200" y="218365"/>
-            <a:ext cx="11035352" cy="1501254"/>
-          </a:xfrm>
-        </p:spPr>
-        <p:txBody>
-          <a:bodyPr>
-            <a:normAutofit/>
-          </a:bodyPr>
-          <a:lstStyle/>
-          <a:p>
-            <a:pPr marL="0" indent="0" fontAlgn="base">
-              <a:buNone/>
-            </a:pPr>
-            <a:r>
-              <a:rPr lang="ru-RU" b="1" cap="all" dirty="0"/>
-              <a:t>НАПРАВЛЕННАЯ АССОЦИАЦИЯ (MESSAGE / DIRECTED ASSOCIATION)</a:t>
-            </a:r>
-          </a:p>
-          <a:p>
-            <a:pPr marL="0" indent="0" fontAlgn="base">
-              <a:buNone/>
-            </a:pPr>
-            <a:r>
-              <a:rPr lang="ru-RU" dirty="0"/>
-              <a:t>Сообщение используется когда один класс “общается” с другим при помощи </a:t>
-            </a:r>
-            <a:r>
-              <a:rPr lang="ru-RU" dirty="0" err="1"/>
-              <a:t>инстанцирования</a:t>
-            </a:r>
-            <a:r>
-              <a:rPr lang="ru-RU" dirty="0"/>
-              <a:t>.</a:t>
-            </a:r>
-          </a:p>
-        </p:txBody>
-      </p:sp>
-      <p:pic>
-        <p:nvPicPr>
-          <p:cNvPr id="19458" name="Picture 2" descr="Message"/>
-          <p:cNvPicPr>
-            <a:picLocks noChangeAspect="1" noChangeArrowheads="1"/>
-          </p:cNvPicPr>
-          <p:nvPr/>
-        </p:nvPicPr>
-        <p:blipFill>
-          <a:blip r:embed="rId2">
-            <a:extLst>
-              <a:ext uri="{28A0092B-C50C-407E-A947-70E740481C1C}">
-                <a14:useLocalDpi xmlns:a14="http://schemas.microsoft.com/office/drawing/2010/main" val="0"/>
-              </a:ext>
-            </a:extLst>
-          </a:blip>
-          <a:srcRect/>
-          <a:stretch>
-            <a:fillRect/>
-          </a:stretch>
-        </p:blipFill>
-        <p:spPr bwMode="auto">
-          <a:xfrm>
-            <a:off x="1717450" y="2830796"/>
-            <a:ext cx="1066800" cy="1933576"/>
-          </a:xfrm>
-          <a:prstGeom prst="rect">
-            <a:avLst/>
-          </a:prstGeom>
-          <a:noFill/>
-          <a:extLst>
-            <a:ext uri="{909E8E84-426E-40DD-AFC4-6F175D3DCCD1}">
-              <a14:hiddenFill xmlns:a14="http://schemas.microsoft.com/office/drawing/2010/main">
-                <a:solidFill>
-                  <a:srgbClr val="FFFFFF"/>
-                </a:solidFill>
-              </a14:hiddenFill>
-            </a:ext>
-          </a:extLst>
-        </p:spPr>
-      </p:pic>
-      <p:pic>
-        <p:nvPicPr>
-          <p:cNvPr id="4" name="Рисунок 3"/>
-          <p:cNvPicPr>
-            <a:picLocks noChangeAspect="1"/>
-          </p:cNvPicPr>
-          <p:nvPr/>
-        </p:nvPicPr>
-        <p:blipFill>
-          <a:blip r:embed="rId3"/>
-          <a:stretch>
-            <a:fillRect/>
-          </a:stretch>
-        </p:blipFill>
-        <p:spPr>
-          <a:xfrm>
-            <a:off x="4989608" y="1719619"/>
-            <a:ext cx="6406274" cy="4744539"/>
-          </a:xfrm>
-          <a:prstGeom prst="rect">
-            <a:avLst/>
-          </a:prstGeom>
-        </p:spPr>
-      </p:pic>
-    </p:spTree>
-    <p:extLst>
-      <p:ext uri="{BB962C8B-B14F-4D97-AF65-F5344CB8AC3E}">
-        <p14:creationId xmlns:p14="http://schemas.microsoft.com/office/powerpoint/2010/main" val="1331390776"/>
-      </p:ext>
-    </p:extLst>
-  </p:cSld>
-  <p:clrMapOvr>
-    <a:masterClrMapping/>
-  </p:clrMapOvr>
-  <p:timing>
-    <p:tnLst>
-      <p:par>
-        <p:cTn id="1" dur="indefinite" restart="never" nodeType="tmRoot"/>
-      </p:par>
-    </p:tnLst>
-  </p:timing>
-</p:sld>
-</file>
-
-<file path=ppt/slides/slide33.xml><?xml version="1.0" encoding="utf-8"?>
-<p:sld xmlns:a="http://schemas.openxmlformats.org/drawingml/2006/main" xmlns:r="http://schemas.openxmlformats.org/officeDocument/2006/relationships" xmlns:p="http://schemas.openxmlformats.org/presentationml/2006/main">
-  <p:cSld>
-    <p:spTree>
-      <p:nvGrpSpPr>
-        <p:cNvPr id="1" name=""/>
-        <p:cNvGrpSpPr/>
-        <p:nvPr/>
-      </p:nvGrpSpPr>
-      <p:grpSpPr>
-        <a:xfrm>
-          <a:off x="0" y="0"/>
-          <a:ext cx="0" cy="0"/>
-          <a:chOff x="0" y="0"/>
-          <a:chExt cx="0" cy="0"/>
-        </a:xfrm>
-      </p:grpSpPr>
-      <p:sp>
-        <p:nvSpPr>
-          <p:cNvPr id="3" name="Объект 2"/>
-          <p:cNvSpPr>
-            <a:spLocks noGrp="1"/>
-          </p:cNvSpPr>
-          <p:nvPr>
-            <p:ph idx="1"/>
-          </p:nvPr>
-        </p:nvSpPr>
-        <p:spPr>
-          <a:xfrm>
-            <a:off x="838200" y="218365"/>
-            <a:ext cx="11035352" cy="1501254"/>
-          </a:xfrm>
-        </p:spPr>
-        <p:txBody>
-          <a:bodyPr>
-            <a:normAutofit/>
-          </a:bodyPr>
-          <a:lstStyle/>
-          <a:p>
-            <a:pPr marL="0" indent="0" fontAlgn="base">
-              <a:buNone/>
-            </a:pPr>
-            <a:r>
-              <a:rPr lang="ru-RU" dirty="0"/>
-              <a:t>Так же направленная ассоциация может быть двухсторонней, например:</a:t>
-            </a:r>
-          </a:p>
-        </p:txBody>
-      </p:sp>
-      <p:pic>
-        <p:nvPicPr>
-          <p:cNvPr id="20482" name="Picture 2" descr="Both"/>
-          <p:cNvPicPr>
-            <a:picLocks noChangeAspect="1" noChangeArrowheads="1"/>
-          </p:cNvPicPr>
-          <p:nvPr/>
-        </p:nvPicPr>
-        <p:blipFill>
-          <a:blip r:embed="rId2">
-            <a:extLst>
-              <a:ext uri="{28A0092B-C50C-407E-A947-70E740481C1C}">
-                <a14:useLocalDpi xmlns:a14="http://schemas.microsoft.com/office/drawing/2010/main" val="0"/>
-              </a:ext>
-            </a:extLst>
-          </a:blip>
-          <a:srcRect/>
-          <a:stretch>
-            <a:fillRect/>
-          </a:stretch>
-        </p:blipFill>
-        <p:spPr bwMode="auto">
-          <a:xfrm>
-            <a:off x="1957080" y="2412786"/>
-            <a:ext cx="1076325" cy="1981201"/>
-          </a:xfrm>
-          <a:prstGeom prst="rect">
-            <a:avLst/>
-          </a:prstGeom>
-          <a:noFill/>
-          <a:extLst>
-            <a:ext uri="{909E8E84-426E-40DD-AFC4-6F175D3DCCD1}">
-              <a14:hiddenFill xmlns:a14="http://schemas.microsoft.com/office/drawing/2010/main">
-                <a:solidFill>
-                  <a:srgbClr val="FFFFFF"/>
-                </a:solidFill>
-              </a14:hiddenFill>
-            </a:ext>
-          </a:extLst>
-        </p:spPr>
-      </p:pic>
-      <p:pic>
-        <p:nvPicPr>
-          <p:cNvPr id="2" name="Рисунок 1"/>
-          <p:cNvPicPr>
-            <a:picLocks noChangeAspect="1"/>
-          </p:cNvPicPr>
-          <p:nvPr/>
-        </p:nvPicPr>
-        <p:blipFill>
-          <a:blip r:embed="rId3"/>
-          <a:stretch>
-            <a:fillRect/>
-          </a:stretch>
-        </p:blipFill>
-        <p:spPr>
-          <a:xfrm>
-            <a:off x="5048036" y="1611644"/>
-            <a:ext cx="6174207" cy="4256893"/>
-          </a:xfrm>
-          <a:prstGeom prst="rect">
-            <a:avLst/>
-          </a:prstGeom>
-        </p:spPr>
-      </p:pic>
-    </p:spTree>
-    <p:extLst>
-      <p:ext uri="{BB962C8B-B14F-4D97-AF65-F5344CB8AC3E}">
-        <p14:creationId xmlns:p14="http://schemas.microsoft.com/office/powerpoint/2010/main" val="2076661214"/>
-      </p:ext>
-    </p:extLst>
-  </p:cSld>
-  <p:clrMapOvr>
-    <a:masterClrMapping/>
-  </p:clrMapOvr>
-  <p:timing>
-    <p:tnLst>
-      <p:par>
-        <p:cTn id="1" dur="indefinite" restart="never" nodeType="tmRoot"/>
-      </p:par>
-    </p:tnLst>
-  </p:timing>
-</p:sld>
-</file>
-
-<file path=ppt/slides/slide34.xml><?xml version="1.0" encoding="utf-8"?>
-<p:sld xmlns:a="http://schemas.openxmlformats.org/drawingml/2006/main" xmlns:r="http://schemas.openxmlformats.org/officeDocument/2006/relationships" xmlns:p="http://schemas.openxmlformats.org/presentationml/2006/main">
-  <p:cSld>
-    <p:spTree>
-      <p:nvGrpSpPr>
-        <p:cNvPr id="1" name=""/>
-        <p:cNvGrpSpPr/>
-        <p:nvPr/>
-      </p:nvGrpSpPr>
-      <p:grpSpPr>
-        <a:xfrm>
-          <a:off x="0" y="0"/>
-          <a:ext cx="0" cy="0"/>
-          <a:chOff x="0" y="0"/>
-          <a:chExt cx="0" cy="0"/>
-        </a:xfrm>
-      </p:grpSpPr>
-      <p:pic>
-        <p:nvPicPr>
-          <p:cNvPr id="21506" name="Picture 2" descr="https://habrastorage.org/webt/8h/0j/1o/8h0j1oxzoi02hruqvkmw7ercvqi.png"/>
-          <p:cNvPicPr>
-            <a:picLocks noChangeAspect="1" noChangeArrowheads="1"/>
-          </p:cNvPicPr>
-          <p:nvPr/>
-        </p:nvPicPr>
-        <p:blipFill>
-          <a:blip r:embed="rId2">
-            <a:extLst>
-              <a:ext uri="{28A0092B-C50C-407E-A947-70E740481C1C}">
-                <a14:useLocalDpi xmlns:a14="http://schemas.microsoft.com/office/drawing/2010/main" val="0"/>
-              </a:ext>
-            </a:extLst>
-          </a:blip>
-          <a:srcRect/>
-          <a:stretch>
-            <a:fillRect/>
-          </a:stretch>
-        </p:blipFill>
-        <p:spPr bwMode="auto">
-          <a:xfrm>
-            <a:off x="2270977" y="643694"/>
-            <a:ext cx="7432580" cy="5824187"/>
-          </a:xfrm>
-          <a:prstGeom prst="rect">
-            <a:avLst/>
-          </a:prstGeom>
-          <a:noFill/>
-          <a:extLst>
-            <a:ext uri="{909E8E84-426E-40DD-AFC4-6F175D3DCCD1}">
-              <a14:hiddenFill xmlns:a14="http://schemas.microsoft.com/office/drawing/2010/main">
-                <a:solidFill>
-                  <a:srgbClr val="FFFFFF"/>
-                </a:solidFill>
-              </a14:hiddenFill>
-            </a:ext>
-          </a:extLst>
-        </p:spPr>
-      </p:pic>
-    </p:spTree>
-    <p:extLst>
-      <p:ext uri="{BB962C8B-B14F-4D97-AF65-F5344CB8AC3E}">
-        <p14:creationId xmlns:p14="http://schemas.microsoft.com/office/powerpoint/2010/main" val="3733539584"/>
-      </p:ext>
-    </p:extLst>
-  </p:cSld>
-  <p:clrMapOvr>
-    <a:masterClrMapping/>
-  </p:clrMapOvr>
-  <p:timing>
-    <p:tnLst>
-      <p:par>
-        <p:cTn id="1" dur="indefinite" restart="never" nodeType="tmRoot"/>
-      </p:par>
-    </p:tnLst>
-  </p:timing>
-</p:sld>
-</file>
-
-<file path=ppt/slides/slide35.xml><?xml version="1.0" encoding="utf-8"?>
-<p:sld xmlns:a="http://schemas.openxmlformats.org/drawingml/2006/main" xmlns:r="http://schemas.openxmlformats.org/officeDocument/2006/relationships" xmlns:p="http://schemas.openxmlformats.org/presentationml/2006/main">
-  <p:cSld>
-    <p:spTree>
-      <p:nvGrpSpPr>
-        <p:cNvPr id="1" name=""/>
-        <p:cNvGrpSpPr/>
-        <p:nvPr/>
-      </p:nvGrpSpPr>
-      <p:grpSpPr>
-        <a:xfrm>
-          <a:off x="0" y="0"/>
-          <a:ext cx="0" cy="0"/>
-          <a:chOff x="0" y="0"/>
-          <a:chExt cx="0" cy="0"/>
-        </a:xfrm>
-      </p:grpSpPr>
-      <p:sp>
-        <p:nvSpPr>
-          <p:cNvPr id="2" name="Заголовок 1"/>
-          <p:cNvSpPr>
-            <a:spLocks noGrp="1"/>
-          </p:cNvSpPr>
-          <p:nvPr>
-            <p:ph type="ctrTitle"/>
-          </p:nvPr>
-        </p:nvSpPr>
-        <p:spPr/>
-        <p:txBody>
-          <a:bodyPr>
-            <a:normAutofit/>
-          </a:bodyPr>
-          <a:lstStyle/>
-          <a:p>
-            <a:r>
-              <a:rPr lang="ru-RU" dirty="0"/>
-              <a:t>Создание </a:t>
-            </a:r>
-            <a:r>
-              <a:rPr lang="ru-RU" dirty="0" smtClean="0"/>
-              <a:t>схемы базы данных</a:t>
-            </a:r>
-            <a:endParaRPr lang="ru-RU" b="1" dirty="0"/>
-          </a:p>
-        </p:txBody>
-      </p:sp>
-      <p:sp>
-        <p:nvSpPr>
-          <p:cNvPr id="3" name="Подзаголовок 2"/>
-          <p:cNvSpPr>
-            <a:spLocks noGrp="1"/>
-          </p:cNvSpPr>
-          <p:nvPr>
-            <p:ph type="subTitle" idx="1"/>
-          </p:nvPr>
-        </p:nvSpPr>
-        <p:spPr/>
-        <p:txBody>
-          <a:bodyPr/>
-          <a:lstStyle/>
-          <a:p>
-            <a:endParaRPr lang="ru-RU" dirty="0"/>
-          </a:p>
-        </p:txBody>
-      </p:sp>
-    </p:spTree>
-    <p:extLst>
-      <p:ext uri="{BB962C8B-B14F-4D97-AF65-F5344CB8AC3E}">
-        <p14:creationId xmlns:p14="http://schemas.microsoft.com/office/powerpoint/2010/main" val="2779180421"/>
-      </p:ext>
-    </p:extLst>
-  </p:cSld>
-  <p:clrMapOvr>
-    <a:masterClrMapping/>
-  </p:clrMapOvr>
-  <p:timing>
-    <p:tnLst>
-      <p:par>
-        <p:cTn id="1" dur="indefinite" restart="never" nodeType="tmRoot"/>
-      </p:par>
-    </p:tnLst>
-  </p:timing>
-</p:sld>
-</file>
-
-<file path=ppt/slides/slide36.xml><?xml version="1.0" encoding="utf-8"?>
-<p:sld xmlns:a="http://schemas.openxmlformats.org/drawingml/2006/main" xmlns:r="http://schemas.openxmlformats.org/officeDocument/2006/relationships" xmlns:p="http://schemas.openxmlformats.org/presentationml/2006/main">
-  <p:cSld>
-    <p:spTree>
-      <p:nvGrpSpPr>
-        <p:cNvPr id="1" name=""/>
-        <p:cNvGrpSpPr/>
-        <p:nvPr/>
-      </p:nvGrpSpPr>
-      <p:grpSpPr>
-        <a:xfrm>
-          <a:off x="0" y="0"/>
-          <a:ext cx="0" cy="0"/>
-          <a:chOff x="0" y="0"/>
-          <a:chExt cx="0" cy="0"/>
-        </a:xfrm>
-      </p:grpSpPr>
-      <p:pic>
-        <p:nvPicPr>
-          <p:cNvPr id="22530" name="Picture 2" descr="ÐÑÐ¸Ð¼ÐµÑ ÑÑ-ÐµÐ¼Ñ Ð´Ð°Ð½Ð½ÑÑ- MySQL Workbench"/>
-          <p:cNvPicPr>
-            <a:picLocks noChangeAspect="1" noChangeArrowheads="1"/>
-          </p:cNvPicPr>
-          <p:nvPr/>
-        </p:nvPicPr>
-        <p:blipFill>
-          <a:blip r:embed="rId2">
-            <a:extLst>
-              <a:ext uri="{28A0092B-C50C-407E-A947-70E740481C1C}">
-                <a14:useLocalDpi xmlns:a14="http://schemas.microsoft.com/office/drawing/2010/main" val="0"/>
-              </a:ext>
-            </a:extLst>
-          </a:blip>
-          <a:srcRect/>
-          <a:stretch>
-            <a:fillRect/>
-          </a:stretch>
-        </p:blipFill>
-        <p:spPr bwMode="auto">
-          <a:xfrm>
-            <a:off x="1929785" y="663600"/>
-            <a:ext cx="6627362" cy="4520992"/>
-          </a:xfrm>
-          <a:prstGeom prst="rect">
-            <a:avLst/>
-          </a:prstGeom>
-          <a:noFill/>
-          <a:extLst>
-            <a:ext uri="{909E8E84-426E-40DD-AFC4-6F175D3DCCD1}">
-              <a14:hiddenFill xmlns:a14="http://schemas.microsoft.com/office/drawing/2010/main">
-                <a:solidFill>
-                  <a:srgbClr val="FFFFFF"/>
-                </a:solidFill>
-              </a14:hiddenFill>
-            </a:ext>
-          </a:extLst>
-        </p:spPr>
-      </p:pic>
-      <p:sp>
-        <p:nvSpPr>
-          <p:cNvPr id="2" name="Прямоугольник 1"/>
-          <p:cNvSpPr/>
-          <p:nvPr/>
-        </p:nvSpPr>
-        <p:spPr>
-          <a:xfrm>
-            <a:off x="1260143" y="5396635"/>
-            <a:ext cx="10326806" cy="923330"/>
-          </a:xfrm>
-          <a:prstGeom prst="rect">
-            <a:avLst/>
-          </a:prstGeom>
-        </p:spPr>
-        <p:txBody>
-          <a:bodyPr wrap="square">
-            <a:spAutoFit/>
-          </a:bodyPr>
-          <a:lstStyle/>
-          <a:p>
-            <a:pPr marL="285750" indent="-285750">
-              <a:buFont typeface="Arial" panose="020B0604020202020204" pitchFamily="34" charset="0"/>
-              <a:buChar char="•"/>
-            </a:pPr>
-            <a:r>
-              <a:rPr lang="ru-RU" dirty="0"/>
-              <a:t>При проектировании таблиц за основу берутся модели предметной области</a:t>
-            </a:r>
-          </a:p>
-          <a:p>
-            <a:pPr marL="285750" indent="-285750">
-              <a:buFont typeface="Arial" panose="020B0604020202020204" pitchFamily="34" charset="0"/>
-              <a:buChar char="•"/>
-            </a:pPr>
-            <a:r>
-              <a:rPr lang="ru-RU" dirty="0"/>
-              <a:t>Связи между таблицами – ассоциации между </a:t>
-            </a:r>
-            <a:r>
-              <a:rPr lang="ru-RU" dirty="0" smtClean="0"/>
-              <a:t>моделями</a:t>
-            </a:r>
-          </a:p>
-          <a:p>
-            <a:pPr marL="285750" indent="-285750">
-              <a:buFont typeface="Arial" panose="020B0604020202020204" pitchFamily="34" charset="0"/>
-              <a:buChar char="•"/>
-            </a:pPr>
-            <a:r>
-              <a:rPr lang="ru-RU" dirty="0" smtClean="0"/>
-              <a:t>Используем внешние ключи и индексы</a:t>
-            </a:r>
-            <a:endParaRPr lang="ru-RU" dirty="0"/>
-          </a:p>
-        </p:txBody>
-      </p:sp>
-    </p:spTree>
-    <p:extLst>
-      <p:ext uri="{BB962C8B-B14F-4D97-AF65-F5344CB8AC3E}">
-        <p14:creationId xmlns:p14="http://schemas.microsoft.com/office/powerpoint/2010/main" val="109802497"/>
-      </p:ext>
-    </p:extLst>
-  </p:cSld>
-  <p:clrMapOvr>
-    <a:masterClrMapping/>
-  </p:clrMapOvr>
-  <p:timing>
-    <p:tnLst>
-      <p:par>
-        <p:cTn id="1" dur="indefinite" restart="never" nodeType="tmRoot"/>
-      </p:par>
-    </p:tnLst>
-  </p:timing>
-</p:sld>
-</file>
-
-<file path=ppt/slides/slide37.xml><?xml version="1.0" encoding="utf-8"?>
-<p:sld xmlns:a="http://schemas.openxmlformats.org/drawingml/2006/main" xmlns:r="http://schemas.openxmlformats.org/officeDocument/2006/relationships" xmlns:p="http://schemas.openxmlformats.org/presentationml/2006/main">
-  <p:cSld>
-    <p:spTree>
-      <p:nvGrpSpPr>
-        <p:cNvPr id="1" name=""/>
-        <p:cNvGrpSpPr/>
-        <p:nvPr/>
-      </p:nvGrpSpPr>
-      <p:grpSpPr>
-        <a:xfrm>
-          <a:off x="0" y="0"/>
-          <a:ext cx="0" cy="0"/>
-          <a:chOff x="0" y="0"/>
-          <a:chExt cx="0" cy="0"/>
-        </a:xfrm>
-      </p:grpSpPr>
-      <p:sp>
-        <p:nvSpPr>
-          <p:cNvPr id="3" name="Объект 2"/>
-          <p:cNvSpPr>
-            <a:spLocks noGrp="1"/>
-          </p:cNvSpPr>
-          <p:nvPr>
-            <p:ph idx="1"/>
-          </p:nvPr>
-        </p:nvSpPr>
-        <p:spPr>
-          <a:xfrm>
-            <a:off x="838200" y="218364"/>
-            <a:ext cx="4825621" cy="5958599"/>
-          </a:xfrm>
-        </p:spPr>
-        <p:txBody>
-          <a:bodyPr>
-            <a:normAutofit/>
-          </a:bodyPr>
-          <a:lstStyle/>
-          <a:p>
-            <a:pPr marL="0" indent="0">
-              <a:buNone/>
-            </a:pPr>
-            <a:r>
-              <a:rPr lang="ru-RU" dirty="0" smtClean="0"/>
-              <a:t>1. Сбор требований, планирование </a:t>
-            </a:r>
-          </a:p>
-          <a:p>
-            <a:pPr marL="514350" indent="-514350">
-              <a:buAutoNum type="arabicPeriod"/>
-            </a:pPr>
-            <a:endParaRPr lang="ru-RU" dirty="0"/>
-          </a:p>
-          <a:p>
-            <a:pPr marL="514350" indent="-514350">
-              <a:buAutoNum type="arabicPeriod"/>
-            </a:pPr>
-            <a:endParaRPr lang="ru-RU" dirty="0" smtClean="0"/>
-          </a:p>
-          <a:p>
-            <a:pPr marL="0" indent="0">
-              <a:buNone/>
-            </a:pPr>
-            <a:endParaRPr lang="ru-RU" dirty="0" smtClean="0"/>
-          </a:p>
-          <a:p>
-            <a:pPr marL="0" indent="0">
-              <a:buNone/>
-            </a:pPr>
-            <a:endParaRPr lang="ru-RU" dirty="0"/>
-          </a:p>
-          <a:p>
-            <a:pPr marL="0" indent="0">
-              <a:buNone/>
-            </a:pPr>
-            <a:r>
-              <a:rPr lang="ru-RU" dirty="0" smtClean="0"/>
-              <a:t>2.  Моделируем предметную область</a:t>
-            </a:r>
-            <a:endParaRPr lang="ru-RU" dirty="0"/>
-          </a:p>
-        </p:txBody>
-      </p:sp>
-      <p:pic>
-        <p:nvPicPr>
-          <p:cNvPr id="4" name="Picture 2"/>
-          <p:cNvPicPr>
-            <a:picLocks noChangeAspect="1" noChangeArrowheads="1"/>
-          </p:cNvPicPr>
-          <p:nvPr/>
-        </p:nvPicPr>
-        <p:blipFill>
-          <a:blip r:embed="rId3">
-            <a:extLst>
-              <a:ext uri="{28A0092B-C50C-407E-A947-70E740481C1C}">
-                <a14:useLocalDpi xmlns:a14="http://schemas.microsoft.com/office/drawing/2010/main" val="0"/>
-              </a:ext>
-            </a:extLst>
-          </a:blip>
-          <a:srcRect/>
-          <a:stretch>
-            <a:fillRect/>
-          </a:stretch>
-        </p:blipFill>
-        <p:spPr bwMode="auto">
-          <a:xfrm>
-            <a:off x="3135004" y="769035"/>
-            <a:ext cx="2404173" cy="1983749"/>
-          </a:xfrm>
-          <a:prstGeom prst="rect">
-            <a:avLst/>
-          </a:prstGeom>
-          <a:noFill/>
-          <a:ln>
-            <a:noFill/>
-          </a:ln>
-          <a:extLst>
-            <a:ext uri="{909E8E84-426E-40DD-AFC4-6F175D3DCCD1}">
-              <a14:hiddenFill xmlns:a14="http://schemas.microsoft.com/office/drawing/2010/main">
-                <a:solidFill>
-                  <a:srgbClr val="FFFFFF"/>
-                </a:solidFill>
-              </a14:hiddenFill>
-            </a:ext>
-            <a:ext uri="{91240B29-F687-4F45-9708-019B960494DF}">
-              <a14:hiddenLine xmlns:a14="http://schemas.microsoft.com/office/drawing/2010/main" w="9525">
-                <a:solidFill>
-                  <a:srgbClr val="000000"/>
-                </a:solidFill>
-                <a:miter lim="800000"/>
-                <a:headEnd/>
-                <a:tailEnd/>
-              </a14:hiddenLine>
-            </a:ext>
-          </a:extLst>
-        </p:spPr>
-      </p:pic>
-      <p:pic>
-        <p:nvPicPr>
-          <p:cNvPr id="5" name="Picture 2"/>
-          <p:cNvPicPr>
-            <a:picLocks noChangeAspect="1" noChangeArrowheads="1"/>
-          </p:cNvPicPr>
-          <p:nvPr/>
-        </p:nvPicPr>
-        <p:blipFill>
-          <a:blip r:embed="rId4">
-            <a:extLst>
-              <a:ext uri="{28A0092B-C50C-407E-A947-70E740481C1C}">
-                <a14:useLocalDpi xmlns:a14="http://schemas.microsoft.com/office/drawing/2010/main" val="0"/>
-              </a:ext>
-            </a:extLst>
-          </a:blip>
-          <a:srcRect/>
-          <a:stretch>
-            <a:fillRect/>
-          </a:stretch>
-        </p:blipFill>
-        <p:spPr bwMode="auto">
-          <a:xfrm>
-            <a:off x="2202193" y="3905274"/>
-            <a:ext cx="3336984" cy="2545457"/>
-          </a:xfrm>
-          <a:prstGeom prst="rect">
-            <a:avLst/>
-          </a:prstGeom>
-          <a:noFill/>
-          <a:ln>
-            <a:noFill/>
-          </a:ln>
-          <a:extLst>
-            <a:ext uri="{909E8E84-426E-40DD-AFC4-6F175D3DCCD1}">
-              <a14:hiddenFill xmlns:a14="http://schemas.microsoft.com/office/drawing/2010/main">
-                <a:solidFill>
-                  <a:srgbClr val="FFFFFF"/>
-                </a:solidFill>
-              </a14:hiddenFill>
-            </a:ext>
-            <a:ext uri="{91240B29-F687-4F45-9708-019B960494DF}">
-              <a14:hiddenLine xmlns:a14="http://schemas.microsoft.com/office/drawing/2010/main" w="9525">
-                <a:solidFill>
-                  <a:srgbClr val="000000"/>
-                </a:solidFill>
-                <a:miter lim="800000"/>
-                <a:headEnd/>
-                <a:tailEnd/>
-              </a14:hiddenLine>
-            </a:ext>
-          </a:extLst>
-        </p:spPr>
-      </p:pic>
-      <p:sp>
-        <p:nvSpPr>
-          <p:cNvPr id="6" name="Объект 2"/>
-          <p:cNvSpPr txBox="1">
-            <a:spLocks/>
-          </p:cNvSpPr>
-          <p:nvPr/>
-        </p:nvSpPr>
-        <p:spPr>
-          <a:xfrm>
-            <a:off x="5999328" y="218364"/>
-            <a:ext cx="4825621" cy="5958599"/>
-          </a:xfrm>
-          <a:prstGeom prst="rect">
-            <a:avLst/>
-          </a:prstGeom>
-        </p:spPr>
-        <p:txBody>
-          <a:bodyPr vert="horz" lIns="91440" tIns="45720" rIns="91440" bIns="45720" rtlCol="0">
-            <a:normAutofit/>
-          </a:bodyPr>
-          <a:lstStyle>
-            <a:lvl1pPr marL="228600" indent="-228600" algn="l" defTabSz="914400" rtl="0" eaLnBrk="1" latinLnBrk="0" hangingPunct="1">
-              <a:lnSpc>
-                <a:spcPct val="90000"/>
-              </a:lnSpc>
-              <a:spcBef>
-                <a:spcPts val="1000"/>
-              </a:spcBef>
-              <a:buFont typeface="Arial" panose="020B0604020202020204" pitchFamily="34" charset="0"/>
-              <a:buChar char="•"/>
-              <a:defRPr sz="2800" kern="1200">
-                <a:solidFill>
-                  <a:schemeClr val="tx1"/>
-                </a:solidFill>
-                <a:latin typeface="+mn-lt"/>
-                <a:ea typeface="+mn-ea"/>
-                <a:cs typeface="+mn-cs"/>
-              </a:defRPr>
-            </a:lvl1pPr>
-            <a:lvl2pPr marL="685800" indent="-228600" algn="l" defTabSz="914400" rtl="0" eaLnBrk="1" latinLnBrk="0" hangingPunct="1">
-              <a:lnSpc>
-                <a:spcPct val="90000"/>
-              </a:lnSpc>
-              <a:spcBef>
-                <a:spcPts val="500"/>
-              </a:spcBef>
-              <a:buFont typeface="Arial" panose="020B0604020202020204" pitchFamily="34" charset="0"/>
-              <a:buChar char="•"/>
-              <a:defRPr sz="2400" kern="1200">
-                <a:solidFill>
-                  <a:schemeClr val="tx1"/>
-                </a:solidFill>
-                <a:latin typeface="+mn-lt"/>
-                <a:ea typeface="+mn-ea"/>
-                <a:cs typeface="+mn-cs"/>
-              </a:defRPr>
-            </a:lvl2pPr>
-            <a:lvl3pPr marL="1143000" indent="-228600" algn="l" defTabSz="914400" rtl="0" eaLnBrk="1" latinLnBrk="0" hangingPunct="1">
-              <a:lnSpc>
-                <a:spcPct val="90000"/>
-              </a:lnSpc>
-              <a:spcBef>
-                <a:spcPts val="500"/>
-              </a:spcBef>
-              <a:buFont typeface="Arial" panose="020B0604020202020204" pitchFamily="34" charset="0"/>
-              <a:buChar char="•"/>
-              <a:defRPr sz="2000" kern="1200">
-                <a:solidFill>
-                  <a:schemeClr val="tx1"/>
-                </a:solidFill>
-                <a:latin typeface="+mn-lt"/>
-                <a:ea typeface="+mn-ea"/>
-                <a:cs typeface="+mn-cs"/>
-              </a:defRPr>
-            </a:lvl3pPr>
-            <a:lvl4pPr marL="1600200" indent="-228600" algn="l" defTabSz="914400" rtl="0" eaLnBrk="1" latinLnBrk="0" hangingPunct="1">
-              <a:lnSpc>
-                <a:spcPct val="90000"/>
-              </a:lnSpc>
-              <a:spcBef>
-                <a:spcPts val="500"/>
-              </a:spcBef>
-              <a:buFont typeface="Arial" panose="020B0604020202020204" pitchFamily="34" charset="0"/>
-              <a:buChar char="•"/>
-              <a:defRPr sz="1800" kern="1200">
-                <a:solidFill>
-                  <a:schemeClr val="tx1"/>
-                </a:solidFill>
-                <a:latin typeface="+mn-lt"/>
-                <a:ea typeface="+mn-ea"/>
-                <a:cs typeface="+mn-cs"/>
-              </a:defRPr>
-            </a:lvl4pPr>
-            <a:lvl5pPr marL="2057400" indent="-228600" algn="l" defTabSz="914400" rtl="0" eaLnBrk="1" latinLnBrk="0" hangingPunct="1">
-              <a:lnSpc>
-                <a:spcPct val="90000"/>
-              </a:lnSpc>
-              <a:spcBef>
-                <a:spcPts val="500"/>
-              </a:spcBef>
-              <a:buFont typeface="Arial" panose="020B0604020202020204" pitchFamily="34" charset="0"/>
-              <a:buChar char="•"/>
-              <a:defRPr sz="1800" kern="1200">
-                <a:solidFill>
-                  <a:schemeClr val="tx1"/>
-                </a:solidFill>
-                <a:latin typeface="+mn-lt"/>
-                <a:ea typeface="+mn-ea"/>
-                <a:cs typeface="+mn-cs"/>
-              </a:defRPr>
-            </a:lvl5pPr>
-            <a:lvl6pPr marL="2514600" indent="-228600" algn="l" defTabSz="914400" rtl="0" eaLnBrk="1" latinLnBrk="0" hangingPunct="1">
-              <a:lnSpc>
-                <a:spcPct val="90000"/>
-              </a:lnSpc>
-              <a:spcBef>
-                <a:spcPts val="500"/>
-              </a:spcBef>
-              <a:buFont typeface="Arial" panose="020B0604020202020204" pitchFamily="34" charset="0"/>
-              <a:buChar char="•"/>
-              <a:defRPr sz="1800" kern="1200">
-                <a:solidFill>
-                  <a:schemeClr val="tx1"/>
-                </a:solidFill>
-                <a:latin typeface="+mn-lt"/>
-                <a:ea typeface="+mn-ea"/>
-                <a:cs typeface="+mn-cs"/>
-              </a:defRPr>
-            </a:lvl6pPr>
-            <a:lvl7pPr marL="2971800" indent="-228600" algn="l" defTabSz="914400" rtl="0" eaLnBrk="1" latinLnBrk="0" hangingPunct="1">
-              <a:lnSpc>
-                <a:spcPct val="90000"/>
-              </a:lnSpc>
-              <a:spcBef>
-                <a:spcPts val="500"/>
-              </a:spcBef>
-              <a:buFont typeface="Arial" panose="020B0604020202020204" pitchFamily="34" charset="0"/>
-              <a:buChar char="•"/>
-              <a:defRPr sz="1800" kern="1200">
-                <a:solidFill>
-                  <a:schemeClr val="tx1"/>
-                </a:solidFill>
-                <a:latin typeface="+mn-lt"/>
-                <a:ea typeface="+mn-ea"/>
-                <a:cs typeface="+mn-cs"/>
-              </a:defRPr>
-            </a:lvl7pPr>
-            <a:lvl8pPr marL="3429000" indent="-228600" algn="l" defTabSz="914400" rtl="0" eaLnBrk="1" latinLnBrk="0" hangingPunct="1">
-              <a:lnSpc>
-                <a:spcPct val="90000"/>
-              </a:lnSpc>
-              <a:spcBef>
-                <a:spcPts val="500"/>
-              </a:spcBef>
-              <a:buFont typeface="Arial" panose="020B0604020202020204" pitchFamily="34" charset="0"/>
-              <a:buChar char="•"/>
-              <a:defRPr sz="1800" kern="1200">
-                <a:solidFill>
-                  <a:schemeClr val="tx1"/>
-                </a:solidFill>
-                <a:latin typeface="+mn-lt"/>
-                <a:ea typeface="+mn-ea"/>
-                <a:cs typeface="+mn-cs"/>
-              </a:defRPr>
-            </a:lvl8pPr>
-            <a:lvl9pPr marL="3886200" indent="-228600" algn="l" defTabSz="914400" rtl="0" eaLnBrk="1" latinLnBrk="0" hangingPunct="1">
-              <a:lnSpc>
-                <a:spcPct val="90000"/>
-              </a:lnSpc>
-              <a:spcBef>
-                <a:spcPts val="500"/>
-              </a:spcBef>
-              <a:buFont typeface="Arial" panose="020B0604020202020204" pitchFamily="34" charset="0"/>
-              <a:buChar char="•"/>
-              <a:defRPr sz="1800" kern="1200">
-                <a:solidFill>
-                  <a:schemeClr val="tx1"/>
-                </a:solidFill>
-                <a:latin typeface="+mn-lt"/>
-                <a:ea typeface="+mn-ea"/>
-                <a:cs typeface="+mn-cs"/>
-              </a:defRPr>
-            </a:lvl9pPr>
-          </a:lstStyle>
-          <a:p>
-            <a:pPr marL="0" indent="0">
-              <a:buFont typeface="Arial" panose="020B0604020202020204" pitchFamily="34" charset="0"/>
-              <a:buNone/>
-            </a:pPr>
-            <a:r>
-              <a:rPr lang="ru-RU" dirty="0"/>
-              <a:t>3</a:t>
-            </a:r>
-            <a:r>
-              <a:rPr lang="ru-RU" dirty="0" smtClean="0"/>
-              <a:t>. Моделирование вариантов</a:t>
-            </a:r>
-          </a:p>
-          <a:p>
-            <a:pPr marL="0" indent="0">
-              <a:buFont typeface="Arial" panose="020B0604020202020204" pitchFamily="34" charset="0"/>
-              <a:buNone/>
-            </a:pPr>
-            <a:r>
-              <a:rPr lang="ru-RU" dirty="0" smtClean="0"/>
-              <a:t>использования</a:t>
-            </a:r>
-          </a:p>
-          <a:p>
-            <a:pPr marL="514350" indent="-514350">
-              <a:buFont typeface="Arial" panose="020B0604020202020204" pitchFamily="34" charset="0"/>
-              <a:buAutoNum type="arabicPeriod"/>
-            </a:pPr>
-            <a:endParaRPr lang="ru-RU" dirty="0" smtClean="0"/>
-          </a:p>
-          <a:p>
-            <a:pPr marL="514350" indent="-514350">
-              <a:buFont typeface="Arial" panose="020B0604020202020204" pitchFamily="34" charset="0"/>
-              <a:buAutoNum type="arabicPeriod"/>
-            </a:pPr>
-            <a:endParaRPr lang="ru-RU" dirty="0" smtClean="0"/>
-          </a:p>
-          <a:p>
-            <a:pPr marL="0" indent="0">
-              <a:buFont typeface="Arial" panose="020B0604020202020204" pitchFamily="34" charset="0"/>
-              <a:buNone/>
-            </a:pPr>
-            <a:endParaRPr lang="ru-RU" dirty="0" smtClean="0"/>
-          </a:p>
-          <a:p>
-            <a:pPr marL="0" indent="0">
-              <a:buFont typeface="Arial" panose="020B0604020202020204" pitchFamily="34" charset="0"/>
-              <a:buNone/>
-            </a:pPr>
-            <a:endParaRPr lang="ru-RU" dirty="0" smtClean="0"/>
-          </a:p>
-          <a:p>
-            <a:pPr marL="0" indent="0">
-              <a:buFont typeface="Arial" panose="020B0604020202020204" pitchFamily="34" charset="0"/>
-              <a:buNone/>
-            </a:pPr>
-            <a:endParaRPr lang="ru-RU" dirty="0" smtClean="0"/>
-          </a:p>
-          <a:p>
-            <a:pPr marL="0" indent="0">
-              <a:buFont typeface="Arial" panose="020B0604020202020204" pitchFamily="34" charset="0"/>
-              <a:buNone/>
-            </a:pPr>
-            <a:r>
-              <a:rPr lang="ru-RU" dirty="0"/>
-              <a:t>4</a:t>
-            </a:r>
-            <a:r>
-              <a:rPr lang="ru-RU" dirty="0" smtClean="0"/>
-              <a:t>.  Создание диаграммы классов</a:t>
-            </a:r>
-            <a:endParaRPr lang="ru-RU" dirty="0"/>
-          </a:p>
-        </p:txBody>
-      </p:sp>
-      <p:pic>
-        <p:nvPicPr>
-          <p:cNvPr id="7" name="Рисунок 6"/>
-          <p:cNvPicPr>
-            <a:picLocks noChangeAspect="1"/>
-          </p:cNvPicPr>
-          <p:nvPr/>
-        </p:nvPicPr>
-        <p:blipFill>
-          <a:blip r:embed="rId5"/>
-          <a:stretch>
-            <a:fillRect/>
-          </a:stretch>
-        </p:blipFill>
-        <p:spPr>
-          <a:xfrm>
-            <a:off x="8838909" y="618910"/>
-            <a:ext cx="2993701" cy="2965826"/>
-          </a:xfrm>
-          <a:prstGeom prst="rect">
-            <a:avLst/>
-          </a:prstGeom>
-        </p:spPr>
-      </p:pic>
-      <p:pic>
-        <p:nvPicPr>
-          <p:cNvPr id="8" name="Picture 2" descr="https://habrastorage.org/webt/8h/0j/1o/8h0j1oxzoi02hruqvkmw7ercvqi.png"/>
-          <p:cNvPicPr>
-            <a:picLocks noChangeAspect="1" noChangeArrowheads="1"/>
-          </p:cNvPicPr>
-          <p:nvPr/>
-        </p:nvPicPr>
-        <p:blipFill>
-          <a:blip r:embed="rId6" cstate="print">
-            <a:extLst>
-              <a:ext uri="{28A0092B-C50C-407E-A947-70E740481C1C}">
-                <a14:useLocalDpi xmlns:a14="http://schemas.microsoft.com/office/drawing/2010/main" val="0"/>
-              </a:ext>
-            </a:extLst>
-          </a:blip>
-          <a:srcRect/>
-          <a:stretch>
-            <a:fillRect/>
-          </a:stretch>
-        </p:blipFill>
-        <p:spPr bwMode="auto">
-          <a:xfrm>
-            <a:off x="8071275" y="4412367"/>
-            <a:ext cx="2601274" cy="2038364"/>
-          </a:xfrm>
-          <a:prstGeom prst="rect">
-            <a:avLst/>
-          </a:prstGeom>
-          <a:noFill/>
-          <a:extLst>
-            <a:ext uri="{909E8E84-426E-40DD-AFC4-6F175D3DCCD1}">
-              <a14:hiddenFill xmlns:a14="http://schemas.microsoft.com/office/drawing/2010/main">
-                <a:solidFill>
-                  <a:srgbClr val="FFFFFF"/>
-                </a:solidFill>
-              </a14:hiddenFill>
-            </a:ext>
-          </a:extLst>
-        </p:spPr>
-      </p:pic>
-    </p:spTree>
-    <p:extLst>
-      <p:ext uri="{BB962C8B-B14F-4D97-AF65-F5344CB8AC3E}">
-        <p14:creationId xmlns:p14="http://schemas.microsoft.com/office/powerpoint/2010/main" val="2210153509"/>
-      </p:ext>
-    </p:extLst>
-  </p:cSld>
-  <p:clrMapOvr>
-    <a:masterClrMapping/>
-  </p:clrMapOvr>
-  <p:timing>
-    <p:tnLst>
-      <p:par>
-        <p:cTn id="1" dur="indefinite" restart="never" nodeType="tmRoot"/>
-      </p:par>
-    </p:tnLst>
-  </p:timing>
-</p:sld>
-</file>
-
-<file path=ppt/slides/slide38.xml><?xml version="1.0" encoding="utf-8"?>
-<p:sld xmlns:a="http://schemas.openxmlformats.org/drawingml/2006/main" xmlns:r="http://schemas.openxmlformats.org/officeDocument/2006/relationships" xmlns:p="http://schemas.openxmlformats.org/presentationml/2006/main">
-  <p:cSld>
-    <p:spTree>
-      <p:nvGrpSpPr>
-        <p:cNvPr id="1" name=""/>
-        <p:cNvGrpSpPr/>
-        <p:nvPr/>
-      </p:nvGrpSpPr>
-      <p:grpSpPr>
-        <a:xfrm>
-          <a:off x="0" y="0"/>
-          <a:ext cx="0" cy="0"/>
-          <a:chOff x="0" y="0"/>
-          <a:chExt cx="0" cy="0"/>
-        </a:xfrm>
-      </p:grpSpPr>
-      <p:sp>
-        <p:nvSpPr>
-          <p:cNvPr id="2" name="Заголовок 1"/>
-          <p:cNvSpPr>
-            <a:spLocks noGrp="1"/>
-          </p:cNvSpPr>
-          <p:nvPr>
-            <p:ph type="title"/>
-          </p:nvPr>
-        </p:nvSpPr>
-        <p:spPr/>
-        <p:txBody>
-          <a:bodyPr/>
-          <a:lstStyle/>
-          <a:p>
-            <a:r>
-              <a:rPr lang="ru-RU" dirty="0" smtClean="0"/>
-              <a:t>Ссылки по теме</a:t>
-            </a:r>
-            <a:endParaRPr lang="ru-RU" dirty="0"/>
-          </a:p>
-        </p:txBody>
-      </p:sp>
-      <p:sp>
-        <p:nvSpPr>
-          <p:cNvPr id="3" name="Объект 2"/>
-          <p:cNvSpPr>
-            <a:spLocks noGrp="1"/>
-          </p:cNvSpPr>
-          <p:nvPr>
-            <p:ph idx="1"/>
-          </p:nvPr>
-        </p:nvSpPr>
-        <p:spPr/>
-        <p:txBody>
-          <a:bodyPr/>
-          <a:lstStyle/>
-          <a:p>
-            <a:r>
-              <a:rPr lang="en-US" dirty="0" smtClean="0"/>
-              <a:t>UML </a:t>
-            </a:r>
-            <a:r>
-              <a:rPr lang="en-US" u="sng" dirty="0">
-                <a:hlinkClick r:id="rId2"/>
-              </a:rPr>
-              <a:t>http://</a:t>
-            </a:r>
-            <a:r>
-              <a:rPr lang="en-US" u="sng" dirty="0" smtClean="0">
-                <a:hlinkClick r:id="rId2"/>
-              </a:rPr>
-              <a:t>larin.in/archives/26</a:t>
-            </a:r>
-            <a:endParaRPr lang="en-US" u="sng" dirty="0" smtClean="0"/>
-          </a:p>
-          <a:p>
-            <a:r>
-              <a:rPr lang="ru-RU" u="sng" dirty="0" smtClean="0"/>
-              <a:t>Учебные материалы </a:t>
-            </a:r>
-            <a:r>
-              <a:rPr lang="en-US" u="sng" dirty="0">
-                <a:hlinkClick r:id="rId3"/>
-              </a:rPr>
-              <a:t>https://</a:t>
-            </a:r>
-            <a:r>
-              <a:rPr lang="en-US" u="sng" dirty="0" smtClean="0">
-                <a:hlinkClick r:id="rId3"/>
-              </a:rPr>
-              <a:t>github.com/dimaxz/Lectures</a:t>
-            </a:r>
-            <a:endParaRPr lang="ru-RU" u="sng" dirty="0" smtClean="0"/>
-          </a:p>
-          <a:p>
-            <a:endParaRPr lang="ru-RU" dirty="0"/>
-          </a:p>
-        </p:txBody>
-      </p:sp>
-    </p:spTree>
-    <p:extLst>
-      <p:ext uri="{BB962C8B-B14F-4D97-AF65-F5344CB8AC3E}">
-        <p14:creationId xmlns:p14="http://schemas.microsoft.com/office/powerpoint/2010/main" val="2935022202"/>
-      </p:ext>
-    </p:extLst>
-  </p:cSld>
-  <p:clrMapOvr>
-    <a:masterClrMapping/>
-  </p:clrMapOvr>
 </p:sld>
 </file>
 
@@ -8797,275 +6487,41 @@
       </p:grpSpPr>
       <p:sp>
         <p:nvSpPr>
-          <p:cNvPr id="4" name="Объект 2"/>
-          <p:cNvSpPr txBox="1">
-            <a:spLocks/>
-          </p:cNvSpPr>
-          <p:nvPr/>
+          <p:cNvPr id="2" name="Заголовок 1"/>
+          <p:cNvSpPr>
+            <a:spLocks noGrp="1"/>
+          </p:cNvSpPr>
+          <p:nvPr>
+            <p:ph type="title"/>
+          </p:nvPr>
         </p:nvSpPr>
         <p:spPr>
           <a:xfrm>
-            <a:off x="838200" y="354842"/>
-            <a:ext cx="10515600" cy="5822121"/>
-          </a:xfrm>
-          <a:prstGeom prst="rect">
-            <a:avLst/>
-          </a:prstGeom>
-        </p:spPr>
-        <p:txBody>
-          <a:bodyPr/>
-          <a:lstStyle>
-            <a:lvl1pPr marL="228600" indent="-228600" algn="l" defTabSz="914400" rtl="0" eaLnBrk="1" latinLnBrk="0" hangingPunct="1">
-              <a:lnSpc>
-                <a:spcPct val="90000"/>
-              </a:lnSpc>
-              <a:spcBef>
-                <a:spcPts val="1000"/>
-              </a:spcBef>
-              <a:buFont typeface="Arial" panose="020B0604020202020204" pitchFamily="34" charset="0"/>
-              <a:buChar char="•"/>
-              <a:defRPr sz="2800" kern="1200">
-                <a:solidFill>
-                  <a:schemeClr val="tx1"/>
-                </a:solidFill>
-                <a:latin typeface="+mn-lt"/>
-                <a:ea typeface="+mn-ea"/>
-                <a:cs typeface="+mn-cs"/>
-              </a:defRPr>
-            </a:lvl1pPr>
-            <a:lvl2pPr marL="685800" indent="-228600" algn="l" defTabSz="914400" rtl="0" eaLnBrk="1" latinLnBrk="0" hangingPunct="1">
-              <a:lnSpc>
-                <a:spcPct val="90000"/>
-              </a:lnSpc>
-              <a:spcBef>
-                <a:spcPts val="500"/>
-              </a:spcBef>
-              <a:buFont typeface="Arial" panose="020B0604020202020204" pitchFamily="34" charset="0"/>
-              <a:buChar char="•"/>
-              <a:defRPr sz="2400" kern="1200">
-                <a:solidFill>
-                  <a:schemeClr val="tx1"/>
-                </a:solidFill>
-                <a:latin typeface="+mn-lt"/>
-                <a:ea typeface="+mn-ea"/>
-                <a:cs typeface="+mn-cs"/>
-              </a:defRPr>
-            </a:lvl2pPr>
-            <a:lvl3pPr marL="1143000" indent="-228600" algn="l" defTabSz="914400" rtl="0" eaLnBrk="1" latinLnBrk="0" hangingPunct="1">
-              <a:lnSpc>
-                <a:spcPct val="90000"/>
-              </a:lnSpc>
-              <a:spcBef>
-                <a:spcPts val="500"/>
-              </a:spcBef>
-              <a:buFont typeface="Arial" panose="020B0604020202020204" pitchFamily="34" charset="0"/>
-              <a:buChar char="•"/>
-              <a:defRPr sz="2000" kern="1200">
-                <a:solidFill>
-                  <a:schemeClr val="tx1"/>
-                </a:solidFill>
-                <a:latin typeface="+mn-lt"/>
-                <a:ea typeface="+mn-ea"/>
-                <a:cs typeface="+mn-cs"/>
-              </a:defRPr>
-            </a:lvl3pPr>
-            <a:lvl4pPr marL="1600200" indent="-228600" algn="l" defTabSz="914400" rtl="0" eaLnBrk="1" latinLnBrk="0" hangingPunct="1">
-              <a:lnSpc>
-                <a:spcPct val="90000"/>
-              </a:lnSpc>
-              <a:spcBef>
-                <a:spcPts val="500"/>
-              </a:spcBef>
-              <a:buFont typeface="Arial" panose="020B0604020202020204" pitchFamily="34" charset="0"/>
-              <a:buChar char="•"/>
-              <a:defRPr sz="1800" kern="1200">
-                <a:solidFill>
-                  <a:schemeClr val="tx1"/>
-                </a:solidFill>
-                <a:latin typeface="+mn-lt"/>
-                <a:ea typeface="+mn-ea"/>
-                <a:cs typeface="+mn-cs"/>
-              </a:defRPr>
-            </a:lvl4pPr>
-            <a:lvl5pPr marL="2057400" indent="-228600" algn="l" defTabSz="914400" rtl="0" eaLnBrk="1" latinLnBrk="0" hangingPunct="1">
-              <a:lnSpc>
-                <a:spcPct val="90000"/>
-              </a:lnSpc>
-              <a:spcBef>
-                <a:spcPts val="500"/>
-              </a:spcBef>
-              <a:buFont typeface="Arial" panose="020B0604020202020204" pitchFamily="34" charset="0"/>
-              <a:buChar char="•"/>
-              <a:defRPr sz="1800" kern="1200">
-                <a:solidFill>
-                  <a:schemeClr val="tx1"/>
-                </a:solidFill>
-                <a:latin typeface="+mn-lt"/>
-                <a:ea typeface="+mn-ea"/>
-                <a:cs typeface="+mn-cs"/>
-              </a:defRPr>
-            </a:lvl5pPr>
-            <a:lvl6pPr marL="2514600" indent="-228600" algn="l" defTabSz="914400" rtl="0" eaLnBrk="1" latinLnBrk="0" hangingPunct="1">
-              <a:lnSpc>
-                <a:spcPct val="90000"/>
-              </a:lnSpc>
-              <a:spcBef>
-                <a:spcPts val="500"/>
-              </a:spcBef>
-              <a:buFont typeface="Arial" panose="020B0604020202020204" pitchFamily="34" charset="0"/>
-              <a:buChar char="•"/>
-              <a:defRPr sz="1800" kern="1200">
-                <a:solidFill>
-                  <a:schemeClr val="tx1"/>
-                </a:solidFill>
-                <a:latin typeface="+mn-lt"/>
-                <a:ea typeface="+mn-ea"/>
-                <a:cs typeface="+mn-cs"/>
-              </a:defRPr>
-            </a:lvl6pPr>
-            <a:lvl7pPr marL="2971800" indent="-228600" algn="l" defTabSz="914400" rtl="0" eaLnBrk="1" latinLnBrk="0" hangingPunct="1">
-              <a:lnSpc>
-                <a:spcPct val="90000"/>
-              </a:lnSpc>
-              <a:spcBef>
-                <a:spcPts val="500"/>
-              </a:spcBef>
-              <a:buFont typeface="Arial" panose="020B0604020202020204" pitchFamily="34" charset="0"/>
-              <a:buChar char="•"/>
-              <a:defRPr sz="1800" kern="1200">
-                <a:solidFill>
-                  <a:schemeClr val="tx1"/>
-                </a:solidFill>
-                <a:latin typeface="+mn-lt"/>
-                <a:ea typeface="+mn-ea"/>
-                <a:cs typeface="+mn-cs"/>
-              </a:defRPr>
-            </a:lvl7pPr>
-            <a:lvl8pPr marL="3429000" indent="-228600" algn="l" defTabSz="914400" rtl="0" eaLnBrk="1" latinLnBrk="0" hangingPunct="1">
-              <a:lnSpc>
-                <a:spcPct val="90000"/>
-              </a:lnSpc>
-              <a:spcBef>
-                <a:spcPts val="500"/>
-              </a:spcBef>
-              <a:buFont typeface="Arial" panose="020B0604020202020204" pitchFamily="34" charset="0"/>
-              <a:buChar char="•"/>
-              <a:defRPr sz="1800" kern="1200">
-                <a:solidFill>
-                  <a:schemeClr val="tx1"/>
-                </a:solidFill>
-                <a:latin typeface="+mn-lt"/>
-                <a:ea typeface="+mn-ea"/>
-                <a:cs typeface="+mn-cs"/>
-              </a:defRPr>
-            </a:lvl8pPr>
-            <a:lvl9pPr marL="3886200" indent="-228600" algn="l" defTabSz="914400" rtl="0" eaLnBrk="1" latinLnBrk="0" hangingPunct="1">
-              <a:lnSpc>
-                <a:spcPct val="90000"/>
-              </a:lnSpc>
-              <a:spcBef>
-                <a:spcPts val="500"/>
-              </a:spcBef>
-              <a:buFont typeface="Arial" panose="020B0604020202020204" pitchFamily="34" charset="0"/>
-              <a:buChar char="•"/>
-              <a:defRPr sz="1800" kern="1200">
-                <a:solidFill>
-                  <a:schemeClr val="tx1"/>
-                </a:solidFill>
-                <a:latin typeface="+mn-lt"/>
-                <a:ea typeface="+mn-ea"/>
-                <a:cs typeface="+mn-cs"/>
-              </a:defRPr>
-            </a:lvl9pPr>
-          </a:lstStyle>
-          <a:p>
-            <a:pPr marL="0" indent="0">
-              <a:buNone/>
-            </a:pPr>
-            <a:r>
-              <a:rPr lang="en-US" dirty="0" smtClean="0"/>
-              <a:t>3. </a:t>
-            </a:r>
-            <a:r>
-              <a:rPr lang="ru-RU" dirty="0"/>
-              <a:t>Детальное </a:t>
-            </a:r>
+            <a:off x="838200" y="2494176"/>
+            <a:ext cx="10515600" cy="1325563"/>
+          </a:xfrm>
+        </p:spPr>
+        <p:txBody>
+          <a:bodyPr/>
+          <a:lstStyle/>
+          <a:p>
+            <a:pPr algn="ctr"/>
             <a:r>
               <a:rPr lang="ru-RU" dirty="0" smtClean="0"/>
-              <a:t>проектирование</a:t>
-            </a:r>
-            <a:endParaRPr lang="en-US" dirty="0" smtClean="0"/>
-          </a:p>
-          <a:p>
-            <a:pPr lvl="1"/>
-            <a:r>
-              <a:rPr lang="ru-RU" dirty="0"/>
-              <a:t>Диаграммы последовательностей. </a:t>
-            </a:r>
-            <a:endParaRPr lang="en-US" dirty="0" smtClean="0"/>
-          </a:p>
-          <a:p>
-            <a:pPr lvl="1"/>
-            <a:r>
-              <a:rPr lang="ru-RU" dirty="0"/>
-              <a:t>Модель предметной области </a:t>
-            </a:r>
-            <a:endParaRPr lang="en-US" dirty="0" smtClean="0"/>
-          </a:p>
-          <a:p>
-            <a:pPr lvl="1"/>
+              <a:t>Примеры</a:t>
+            </a:r>
             <a:r>
               <a:rPr lang="ru-RU" dirty="0" smtClean="0"/>
-              <a:t>Диаграммы классов</a:t>
-            </a:r>
-          </a:p>
-          <a:p>
-            <a:pPr marL="0" indent="0">
-              <a:buNone/>
-            </a:pPr>
-            <a:r>
-              <a:rPr lang="en-US" dirty="0" smtClean="0"/>
-              <a:t>4.  </a:t>
-            </a:r>
-            <a:r>
-              <a:rPr lang="ru-RU" dirty="0" smtClean="0"/>
-              <a:t>Реализация.</a:t>
-            </a:r>
-            <a:endParaRPr lang="en-US" dirty="0" smtClean="0"/>
-          </a:p>
-          <a:p>
-            <a:pPr lvl="1"/>
-            <a:r>
-              <a:rPr lang="ru-RU" dirty="0"/>
-              <a:t>Кодирование/юнит </a:t>
-            </a:r>
-            <a:r>
-              <a:rPr lang="ru-RU" dirty="0" smtClean="0"/>
-              <a:t>тестирование</a:t>
-            </a:r>
-            <a:endParaRPr lang="en-US" dirty="0" smtClean="0"/>
-          </a:p>
-          <a:p>
-            <a:pPr lvl="1"/>
-            <a:r>
-              <a:rPr lang="ru-RU" dirty="0" smtClean="0"/>
-              <a:t>Интеграция</a:t>
-            </a:r>
-            <a:endParaRPr lang="en-US" dirty="0" smtClean="0"/>
-          </a:p>
-          <a:p>
-            <a:pPr lvl="1"/>
-            <a:r>
-              <a:rPr lang="ru-RU" dirty="0"/>
-              <a:t>Производится обзор исходного кода и обновление модели</a:t>
-            </a:r>
+              <a:t> архитектурных решений</a:t>
+            </a:r>
+            <a:endParaRPr lang="ru-RU" dirty="0"/>
           </a:p>
         </p:txBody>
       </p:sp>
     </p:spTree>
     <p:extLst>
       <p:ext uri="{BB962C8B-B14F-4D97-AF65-F5344CB8AC3E}">
-        <p14:creationId xmlns:p14="http://schemas.microsoft.com/office/powerpoint/2010/main" val="4170352198"/>
+        <p14:creationId xmlns:p14="http://schemas.microsoft.com/office/powerpoint/2010/main" val="3785808841"/>
       </p:ext>
     </p:extLst>
   </p:cSld>
@@ -9101,365 +6557,77 @@
       </p:grpSpPr>
       <p:sp>
         <p:nvSpPr>
-          <p:cNvPr id="4" name="Объект 2"/>
-          <p:cNvSpPr txBox="1">
-            <a:spLocks/>
-          </p:cNvSpPr>
+          <p:cNvPr id="2" name="Заголовок 1"/>
+          <p:cNvSpPr>
+            <a:spLocks noGrp="1"/>
+          </p:cNvSpPr>
+          <p:nvPr>
+            <p:ph type="title"/>
+          </p:nvPr>
+        </p:nvSpPr>
+        <p:spPr/>
+        <p:txBody>
+          <a:bodyPr/>
+          <a:lstStyle/>
+          <a:p>
+            <a:pPr algn="ctr"/>
+            <a:r>
+              <a:rPr lang="ru-RU" dirty="0" smtClean="0"/>
+              <a:t>Классический</a:t>
+            </a:r>
+            <a:r>
+              <a:rPr lang="en-US" dirty="0" smtClean="0"/>
+              <a:t> MVC</a:t>
+            </a:r>
+            <a:endParaRPr lang="ru-RU" dirty="0"/>
+          </a:p>
+        </p:txBody>
+      </p:sp>
+      <p:pic>
+        <p:nvPicPr>
+          <p:cNvPr id="7170" name="Picture 2" descr="https://martinfowler.com/eaaCatalog/mvc-sketch.gif"/>
+          <p:cNvPicPr>
+            <a:picLocks noChangeAspect="1" noChangeArrowheads="1"/>
+          </p:cNvPicPr>
           <p:nvPr/>
-        </p:nvSpPr>
-        <p:spPr>
+        </p:nvPicPr>
+        <p:blipFill>
+          <a:blip r:embed="rId2">
+            <a:extLst>
+              <a:ext uri="{28A0092B-C50C-407E-A947-70E740481C1C}">
+                <a14:useLocalDpi xmlns:a14="http://schemas.microsoft.com/office/drawing/2010/main" val="0"/>
+              </a:ext>
+            </a:extLst>
+          </a:blip>
+          <a:srcRect/>
+          <a:stretch>
+            <a:fillRect/>
+          </a:stretch>
+        </p:blipFill>
+        <p:spPr bwMode="auto">
           <a:xfrm>
-            <a:off x="838200" y="354842"/>
-            <a:ext cx="10515600" cy="5822121"/>
+            <a:off x="4027724" y="2423568"/>
+            <a:ext cx="3738036" cy="2748934"/>
           </a:xfrm>
           <a:prstGeom prst="rect">
             <a:avLst/>
           </a:prstGeom>
-        </p:spPr>
-        <p:txBody>
-          <a:bodyPr/>
-          <a:lstStyle>
-            <a:lvl1pPr marL="228600" indent="-228600" algn="l" defTabSz="914400" rtl="0" eaLnBrk="1" latinLnBrk="0" hangingPunct="1">
-              <a:lnSpc>
-                <a:spcPct val="90000"/>
-              </a:lnSpc>
-              <a:spcBef>
-                <a:spcPts val="1000"/>
-              </a:spcBef>
-              <a:buFont typeface="Arial" panose="020B0604020202020204" pitchFamily="34" charset="0"/>
-              <a:buChar char="•"/>
-              <a:defRPr sz="2800" kern="1200">
+          <a:noFill/>
+          <a:extLst>
+            <a:ext uri="{909E8E84-426E-40DD-AFC4-6F175D3DCCD1}">
+              <a14:hiddenFill xmlns:a14="http://schemas.microsoft.com/office/drawing/2010/main">
                 <a:solidFill>
-                  <a:schemeClr val="tx1"/>
+                  <a:srgbClr val="FFFFFF"/>
                 </a:solidFill>
-                <a:latin typeface="+mn-lt"/>
-                <a:ea typeface="+mn-ea"/>
-                <a:cs typeface="+mn-cs"/>
-              </a:defRPr>
-            </a:lvl1pPr>
-            <a:lvl2pPr marL="685800" indent="-228600" algn="l" defTabSz="914400" rtl="0" eaLnBrk="1" latinLnBrk="0" hangingPunct="1">
-              <a:lnSpc>
-                <a:spcPct val="90000"/>
-              </a:lnSpc>
-              <a:spcBef>
-                <a:spcPts val="500"/>
-              </a:spcBef>
-              <a:buFont typeface="Arial" panose="020B0604020202020204" pitchFamily="34" charset="0"/>
-              <a:buChar char="•"/>
-              <a:defRPr sz="2400" kern="1200">
-                <a:solidFill>
-                  <a:schemeClr val="tx1"/>
-                </a:solidFill>
-                <a:latin typeface="+mn-lt"/>
-                <a:ea typeface="+mn-ea"/>
-                <a:cs typeface="+mn-cs"/>
-              </a:defRPr>
-            </a:lvl2pPr>
-            <a:lvl3pPr marL="1143000" indent="-228600" algn="l" defTabSz="914400" rtl="0" eaLnBrk="1" latinLnBrk="0" hangingPunct="1">
-              <a:lnSpc>
-                <a:spcPct val="90000"/>
-              </a:lnSpc>
-              <a:spcBef>
-                <a:spcPts val="500"/>
-              </a:spcBef>
-              <a:buFont typeface="Arial" panose="020B0604020202020204" pitchFamily="34" charset="0"/>
-              <a:buChar char="•"/>
-              <a:defRPr sz="2000" kern="1200">
-                <a:solidFill>
-                  <a:schemeClr val="tx1"/>
-                </a:solidFill>
-                <a:latin typeface="+mn-lt"/>
-                <a:ea typeface="+mn-ea"/>
-                <a:cs typeface="+mn-cs"/>
-              </a:defRPr>
-            </a:lvl3pPr>
-            <a:lvl4pPr marL="1600200" indent="-228600" algn="l" defTabSz="914400" rtl="0" eaLnBrk="1" latinLnBrk="0" hangingPunct="1">
-              <a:lnSpc>
-                <a:spcPct val="90000"/>
-              </a:lnSpc>
-              <a:spcBef>
-                <a:spcPts val="500"/>
-              </a:spcBef>
-              <a:buFont typeface="Arial" panose="020B0604020202020204" pitchFamily="34" charset="0"/>
-              <a:buChar char="•"/>
-              <a:defRPr sz="1800" kern="1200">
-                <a:solidFill>
-                  <a:schemeClr val="tx1"/>
-                </a:solidFill>
-                <a:latin typeface="+mn-lt"/>
-                <a:ea typeface="+mn-ea"/>
-                <a:cs typeface="+mn-cs"/>
-              </a:defRPr>
-            </a:lvl4pPr>
-            <a:lvl5pPr marL="2057400" indent="-228600" algn="l" defTabSz="914400" rtl="0" eaLnBrk="1" latinLnBrk="0" hangingPunct="1">
-              <a:lnSpc>
-                <a:spcPct val="90000"/>
-              </a:lnSpc>
-              <a:spcBef>
-                <a:spcPts val="500"/>
-              </a:spcBef>
-              <a:buFont typeface="Arial" panose="020B0604020202020204" pitchFamily="34" charset="0"/>
-              <a:buChar char="•"/>
-              <a:defRPr sz="1800" kern="1200">
-                <a:solidFill>
-                  <a:schemeClr val="tx1"/>
-                </a:solidFill>
-                <a:latin typeface="+mn-lt"/>
-                <a:ea typeface="+mn-ea"/>
-                <a:cs typeface="+mn-cs"/>
-              </a:defRPr>
-            </a:lvl5pPr>
-            <a:lvl6pPr marL="2514600" indent="-228600" algn="l" defTabSz="914400" rtl="0" eaLnBrk="1" latinLnBrk="0" hangingPunct="1">
-              <a:lnSpc>
-                <a:spcPct val="90000"/>
-              </a:lnSpc>
-              <a:spcBef>
-                <a:spcPts val="500"/>
-              </a:spcBef>
-              <a:buFont typeface="Arial" panose="020B0604020202020204" pitchFamily="34" charset="0"/>
-              <a:buChar char="•"/>
-              <a:defRPr sz="1800" kern="1200">
-                <a:solidFill>
-                  <a:schemeClr val="tx1"/>
-                </a:solidFill>
-                <a:latin typeface="+mn-lt"/>
-                <a:ea typeface="+mn-ea"/>
-                <a:cs typeface="+mn-cs"/>
-              </a:defRPr>
-            </a:lvl6pPr>
-            <a:lvl7pPr marL="2971800" indent="-228600" algn="l" defTabSz="914400" rtl="0" eaLnBrk="1" latinLnBrk="0" hangingPunct="1">
-              <a:lnSpc>
-                <a:spcPct val="90000"/>
-              </a:lnSpc>
-              <a:spcBef>
-                <a:spcPts val="500"/>
-              </a:spcBef>
-              <a:buFont typeface="Arial" panose="020B0604020202020204" pitchFamily="34" charset="0"/>
-              <a:buChar char="•"/>
-              <a:defRPr sz="1800" kern="1200">
-                <a:solidFill>
-                  <a:schemeClr val="tx1"/>
-                </a:solidFill>
-                <a:latin typeface="+mn-lt"/>
-                <a:ea typeface="+mn-ea"/>
-                <a:cs typeface="+mn-cs"/>
-              </a:defRPr>
-            </a:lvl7pPr>
-            <a:lvl8pPr marL="3429000" indent="-228600" algn="l" defTabSz="914400" rtl="0" eaLnBrk="1" latinLnBrk="0" hangingPunct="1">
-              <a:lnSpc>
-                <a:spcPct val="90000"/>
-              </a:lnSpc>
-              <a:spcBef>
-                <a:spcPts val="500"/>
-              </a:spcBef>
-              <a:buFont typeface="Arial" panose="020B0604020202020204" pitchFamily="34" charset="0"/>
-              <a:buChar char="•"/>
-              <a:defRPr sz="1800" kern="1200">
-                <a:solidFill>
-                  <a:schemeClr val="tx1"/>
-                </a:solidFill>
-                <a:latin typeface="+mn-lt"/>
-                <a:ea typeface="+mn-ea"/>
-                <a:cs typeface="+mn-cs"/>
-              </a:defRPr>
-            </a:lvl8pPr>
-            <a:lvl9pPr marL="3886200" indent="-228600" algn="l" defTabSz="914400" rtl="0" eaLnBrk="1" latinLnBrk="0" hangingPunct="1">
-              <a:lnSpc>
-                <a:spcPct val="90000"/>
-              </a:lnSpc>
-              <a:spcBef>
-                <a:spcPts val="500"/>
-              </a:spcBef>
-              <a:buFont typeface="Arial" panose="020B0604020202020204" pitchFamily="34" charset="0"/>
-              <a:buChar char="•"/>
-              <a:defRPr sz="1800" kern="1200">
-                <a:solidFill>
-                  <a:schemeClr val="tx1"/>
-                </a:solidFill>
-                <a:latin typeface="+mn-lt"/>
-                <a:ea typeface="+mn-ea"/>
-                <a:cs typeface="+mn-cs"/>
-              </a:defRPr>
-            </a:lvl9pPr>
-          </a:lstStyle>
-          <a:p>
-            <a:pPr marL="0" indent="0">
-              <a:buNone/>
-            </a:pPr>
-            <a:r>
-              <a:rPr lang="ru-RU" sz="2400" b="1" dirty="0" smtClean="0"/>
-              <a:t>UML (</a:t>
-            </a:r>
-            <a:r>
-              <a:rPr lang="ru-RU" sz="2400" b="1" dirty="0" err="1" smtClean="0"/>
-              <a:t>Unified</a:t>
-            </a:r>
-            <a:r>
-              <a:rPr lang="ru-RU" sz="2400" b="1" dirty="0" smtClean="0"/>
-              <a:t> </a:t>
-            </a:r>
-            <a:r>
-              <a:rPr lang="ru-RU" sz="2400" b="1" dirty="0" err="1" smtClean="0"/>
-              <a:t>Modeling</a:t>
-            </a:r>
-            <a:r>
-              <a:rPr lang="ru-RU" sz="2400" b="1" dirty="0" smtClean="0"/>
-              <a:t> </a:t>
-            </a:r>
-            <a:r>
-              <a:rPr lang="ru-RU" sz="2400" b="1" dirty="0" err="1" smtClean="0"/>
-              <a:t>Language</a:t>
-            </a:r>
-            <a:r>
-              <a:rPr lang="ru-RU" sz="2400" b="1" dirty="0" smtClean="0"/>
-              <a:t>) </a:t>
-            </a:r>
-            <a:r>
-              <a:rPr lang="ru-RU" sz="2400" dirty="0" smtClean="0"/>
-              <a:t>- унифицированный язык моделирования – это язык графического описания для объектного моделирования в области разработки программного обеспечения. UML является языком широкого профиля, это открытый стандарт, использующий графические обозначения для создания абстрактной модели системы, называемой UML моделью. UML был создан для определения, визуализации, проектирования и документирования в основном программных систем.</a:t>
-            </a:r>
-            <a:endParaRPr lang="en-US" sz="2400" dirty="0" smtClean="0"/>
-          </a:p>
-          <a:p>
-            <a:pPr fontAlgn="base"/>
-            <a:r>
-              <a:rPr lang="ru-RU" sz="2400" dirty="0"/>
-              <a:t>Диаграмма </a:t>
-            </a:r>
-            <a:r>
-              <a:rPr lang="ru-RU" sz="2400" dirty="0" smtClean="0"/>
-              <a:t>активности;</a:t>
-            </a:r>
-            <a:r>
-              <a:rPr lang="en-US" sz="2400" dirty="0" smtClean="0"/>
-              <a:t> </a:t>
-            </a:r>
-            <a:r>
-              <a:rPr lang="ru-RU" sz="2400" dirty="0" smtClean="0"/>
-              <a:t>Диаграмма классов;</a:t>
-            </a:r>
-            <a:r>
-              <a:rPr lang="en-US" sz="2400" dirty="0" smtClean="0"/>
-              <a:t> </a:t>
-            </a:r>
-            <a:r>
-              <a:rPr lang="ru-RU" sz="2400" dirty="0" smtClean="0"/>
-              <a:t>Диаграмма связей;</a:t>
-            </a:r>
-            <a:r>
-              <a:rPr lang="en-US" sz="2400" dirty="0" smtClean="0"/>
-              <a:t> </a:t>
-            </a:r>
-            <a:r>
-              <a:rPr lang="ru-RU" sz="2400" dirty="0" smtClean="0"/>
-              <a:t>Диаграмма компонентов;</a:t>
-            </a:r>
-            <a:endParaRPr lang="en-US" sz="2400" dirty="0" smtClean="0"/>
-          </a:p>
-          <a:p>
-            <a:pPr fontAlgn="base"/>
-            <a:r>
-              <a:rPr lang="ru-RU" sz="2400" dirty="0" smtClean="0"/>
-              <a:t>Диаграмма развертывания;</a:t>
-            </a:r>
-            <a:r>
-              <a:rPr lang="en-US" sz="2400" dirty="0" smtClean="0"/>
-              <a:t> </a:t>
-            </a:r>
-            <a:r>
-              <a:rPr lang="ru-RU" sz="2400" dirty="0" smtClean="0"/>
-              <a:t>Диаграмма </a:t>
-            </a:r>
-            <a:r>
-              <a:rPr lang="ru-RU" sz="2400" dirty="0"/>
-              <a:t>обзора </a:t>
-            </a:r>
-            <a:r>
-              <a:rPr lang="ru-RU" sz="2400" dirty="0" smtClean="0"/>
-              <a:t>взаимодействий;</a:t>
-            </a:r>
-            <a:r>
-              <a:rPr lang="en-US" sz="2400" dirty="0" smtClean="0"/>
-              <a:t> </a:t>
-            </a:r>
-            <a:r>
-              <a:rPr lang="ru-RU" sz="2400" dirty="0" smtClean="0"/>
-              <a:t>Диаграмма объектов;</a:t>
-            </a:r>
-            <a:r>
-              <a:rPr lang="en-US" sz="2400" dirty="0" smtClean="0"/>
-              <a:t> </a:t>
-            </a:r>
-            <a:r>
-              <a:rPr lang="ru-RU" sz="2400" dirty="0" smtClean="0"/>
-              <a:t>Диаграмма </a:t>
-            </a:r>
-            <a:r>
-              <a:rPr lang="ru-RU" sz="2400" dirty="0"/>
-              <a:t>пакетов;</a:t>
-            </a:r>
-          </a:p>
-          <a:p>
-            <a:pPr fontAlgn="base"/>
-            <a:r>
-              <a:rPr lang="ru-RU" sz="2400" dirty="0" smtClean="0"/>
-              <a:t>Циклограмма;</a:t>
-            </a:r>
-            <a:r>
-              <a:rPr lang="en-US" sz="2400" dirty="0" smtClean="0"/>
-              <a:t> </a:t>
-            </a:r>
-            <a:r>
-              <a:rPr lang="ru-RU" sz="2400" dirty="0" smtClean="0"/>
-              <a:t>Диаграмма </a:t>
-            </a:r>
-            <a:r>
-              <a:rPr lang="ru-RU" sz="2400" dirty="0"/>
-              <a:t>машин </a:t>
-            </a:r>
-            <a:r>
-              <a:rPr lang="ru-RU" sz="2400" dirty="0" smtClean="0"/>
-              <a:t>состояния;</a:t>
-            </a:r>
-            <a:r>
-              <a:rPr lang="en-US" sz="2400" dirty="0" smtClean="0"/>
-              <a:t> </a:t>
-            </a:r>
-            <a:r>
-              <a:rPr lang="ru-RU" sz="2400" dirty="0" smtClean="0"/>
-              <a:t>Диаграмма синхронизации;</a:t>
-            </a:r>
-            <a:r>
-              <a:rPr lang="en-US" sz="2400" dirty="0" smtClean="0"/>
-              <a:t> </a:t>
-            </a:r>
-            <a:r>
-              <a:rPr lang="ru-RU" sz="2400" dirty="0" smtClean="0"/>
-              <a:t>Диаграмма </a:t>
-            </a:r>
-            <a:r>
-              <a:rPr lang="ru-RU" sz="2400" dirty="0"/>
-              <a:t>прецедентов.</a:t>
-            </a:r>
-          </a:p>
-          <a:p>
-            <a:pPr marL="0" indent="0">
-              <a:buNone/>
-            </a:pPr>
-            <a:endParaRPr lang="ru-RU" sz="2400" dirty="0" smtClean="0"/>
-          </a:p>
-          <a:p>
-            <a:pPr marL="0" indent="0">
-              <a:buNone/>
-            </a:pPr>
-            <a:endParaRPr lang="ru-RU" sz="2400" dirty="0"/>
-          </a:p>
-        </p:txBody>
-      </p:sp>
+              </a14:hiddenFill>
+            </a:ext>
+          </a:extLst>
+        </p:spPr>
+      </p:pic>
     </p:spTree>
     <p:extLst>
       <p:ext uri="{BB962C8B-B14F-4D97-AF65-F5344CB8AC3E}">
-        <p14:creationId xmlns:p14="http://schemas.microsoft.com/office/powerpoint/2010/main" val="3431777169"/>
+        <p14:creationId xmlns:p14="http://schemas.microsoft.com/office/powerpoint/2010/main" val="823825287"/>
       </p:ext>
     </p:extLst>
   </p:cSld>
@@ -9500,46 +6668,162 @@
             <a:spLocks noGrp="1"/>
           </p:cNvSpPr>
           <p:nvPr>
-            <p:ph type="ctrTitle"/>
+            <p:ph type="title"/>
           </p:nvPr>
         </p:nvSpPr>
         <p:spPr/>
         <p:txBody>
-          <a:bodyPr>
-            <a:normAutofit fontScale="90000"/>
+          <a:bodyPr/>
+          <a:lstStyle/>
+          <a:p>
+            <a:pPr algn="ctr"/>
+            <a:r>
+              <a:rPr lang="ru-RU" dirty="0"/>
+              <a:t>Разделение на </a:t>
+            </a:r>
+            <a:r>
+              <a:rPr lang="ru-RU" dirty="0" smtClean="0"/>
+              <a:t>слои</a:t>
+            </a:r>
+            <a:endParaRPr lang="ru-RU" dirty="0"/>
+          </a:p>
+        </p:txBody>
+      </p:sp>
+      <p:pic>
+        <p:nvPicPr>
+          <p:cNvPr id="7170" name="Picture 2" descr="https://martinfowler.com/eaaCatalog/mvc-sketch.gif"/>
+          <p:cNvPicPr>
+            <a:picLocks noChangeAspect="1" noChangeArrowheads="1"/>
+          </p:cNvPicPr>
+          <p:nvPr/>
+        </p:nvPicPr>
+        <p:blipFill>
+          <a:blip r:embed="rId2">
+            <a:extLst>
+              <a:ext uri="{28A0092B-C50C-407E-A947-70E740481C1C}">
+                <a14:useLocalDpi xmlns:a14="http://schemas.microsoft.com/office/drawing/2010/main" val="0"/>
+              </a:ext>
+            </a:extLst>
+          </a:blip>
+          <a:srcRect/>
+          <a:stretch>
+            <a:fillRect/>
+          </a:stretch>
+        </p:blipFill>
+        <p:spPr bwMode="auto">
+          <a:xfrm>
+            <a:off x="4055019" y="1955750"/>
+            <a:ext cx="3738036" cy="2748934"/>
+          </a:xfrm>
+          <a:prstGeom prst="rect">
+            <a:avLst/>
+          </a:prstGeom>
+          <a:noFill/>
+          <a:extLst>
+            <a:ext uri="{909E8E84-426E-40DD-AFC4-6F175D3DCCD1}">
+              <a14:hiddenFill xmlns:a14="http://schemas.microsoft.com/office/drawing/2010/main">
+                <a:solidFill>
+                  <a:srgbClr val="FFFFFF"/>
+                </a:solidFill>
+              </a14:hiddenFill>
+            </a:ext>
+          </a:extLst>
+        </p:spPr>
+      </p:pic>
+      <p:cxnSp>
+        <p:nvCxnSpPr>
+          <p:cNvPr id="4" name="Прямая соединительная линия 3"/>
+          <p:cNvCxnSpPr/>
+          <p:nvPr/>
+        </p:nvCxnSpPr>
+        <p:spPr>
+          <a:xfrm flipV="1">
+            <a:off x="1631817" y="3197527"/>
+            <a:ext cx="8584441" cy="27295"/>
+          </a:xfrm>
+          <a:prstGeom prst="line">
+            <a:avLst/>
+          </a:prstGeom>
+        </p:spPr>
+        <p:style>
+          <a:lnRef idx="1">
+            <a:schemeClr val="accent1"/>
+          </a:lnRef>
+          <a:fillRef idx="0">
+            <a:schemeClr val="accent1"/>
+          </a:fillRef>
+          <a:effectRef idx="0">
+            <a:schemeClr val="accent1"/>
+          </a:effectRef>
+          <a:fontRef idx="minor">
+            <a:schemeClr val="tx1"/>
+          </a:fontRef>
+        </p:style>
+      </p:cxnSp>
+      <p:sp>
+        <p:nvSpPr>
+          <p:cNvPr id="5" name="TextBox 4"/>
+          <p:cNvSpPr txBox="1"/>
+          <p:nvPr/>
+        </p:nvSpPr>
+        <p:spPr>
+          <a:xfrm rot="16200000">
+            <a:off x="97853" y="1592387"/>
+            <a:ext cx="2511585" cy="461665"/>
+          </a:xfrm>
+          <a:prstGeom prst="rect">
+            <a:avLst/>
+          </a:prstGeom>
+          <a:noFill/>
+        </p:spPr>
+        <p:txBody>
+          <a:bodyPr wrap="none" rtlCol="0">
+            <a:spAutoFit/>
           </a:bodyPr>
           <a:lstStyle/>
           <a:p>
             <a:r>
-              <a:rPr lang="ru-RU" b="1" dirty="0"/>
-              <a:t>Анализ требований и моделирование предметной области</a:t>
-            </a:r>
-          </a:p>
-        </p:txBody>
-      </p:sp>
-      <p:sp>
-        <p:nvSpPr>
-          <p:cNvPr id="3" name="Подзаголовок 2"/>
-          <p:cNvSpPr>
-            <a:spLocks noGrp="1"/>
-          </p:cNvSpPr>
-          <p:nvPr>
-            <p:ph type="subTitle" idx="1"/>
-          </p:nvPr>
-        </p:nvSpPr>
-        <p:spPr/>
-        <p:txBody>
-          <a:bodyPr/>
-          <a:lstStyle/>
-          <a:p>
-            <a:endParaRPr lang="ru-RU" dirty="0"/>
+              <a:rPr lang="en-US" sz="2400" dirty="0" smtClean="0"/>
+              <a:t>Presentation Layer</a:t>
+            </a:r>
+            <a:endParaRPr lang="ru-RU" sz="2400" dirty="0"/>
+          </a:p>
+        </p:txBody>
+      </p:sp>
+      <p:sp>
+        <p:nvSpPr>
+          <p:cNvPr id="7" name="TextBox 6"/>
+          <p:cNvSpPr txBox="1"/>
+          <p:nvPr/>
+        </p:nvSpPr>
+        <p:spPr>
+          <a:xfrm rot="16200000">
+            <a:off x="404442" y="4152712"/>
+            <a:ext cx="1898405" cy="461665"/>
+          </a:xfrm>
+          <a:prstGeom prst="rect">
+            <a:avLst/>
+          </a:prstGeom>
+          <a:noFill/>
+        </p:spPr>
+        <p:txBody>
+          <a:bodyPr wrap="none" rtlCol="0">
+            <a:spAutoFit/>
+          </a:bodyPr>
+          <a:lstStyle/>
+          <a:p>
+            <a:r>
+              <a:rPr lang="en-US" sz="2400" dirty="0" smtClean="0"/>
+              <a:t>Domain Layer</a:t>
+            </a:r>
+            <a:endParaRPr lang="ru-RU" sz="2400" dirty="0"/>
           </a:p>
         </p:txBody>
       </p:sp>
     </p:spTree>
     <p:extLst>
       <p:ext uri="{BB962C8B-B14F-4D97-AF65-F5344CB8AC3E}">
-        <p14:creationId xmlns:p14="http://schemas.microsoft.com/office/powerpoint/2010/main" val="1749700527"/>
+        <p14:creationId xmlns:p14="http://schemas.microsoft.com/office/powerpoint/2010/main" val="2449931128"/>
       </p:ext>
     </p:extLst>
   </p:cSld>
@@ -9575,138 +6859,385 @@
       </p:grpSpPr>
       <p:sp>
         <p:nvSpPr>
-          <p:cNvPr id="2" name="Rectangle 2"/>
-          <p:cNvSpPr>
-            <a:spLocks noChangeArrowheads="1"/>
-          </p:cNvSpPr>
+          <p:cNvPr id="2" name="Заголовок 1"/>
+          <p:cNvSpPr>
+            <a:spLocks noGrp="1"/>
+          </p:cNvSpPr>
+          <p:nvPr>
+            <p:ph type="title"/>
+          </p:nvPr>
+        </p:nvSpPr>
+        <p:spPr/>
+        <p:txBody>
+          <a:bodyPr/>
+          <a:lstStyle/>
+          <a:p>
+            <a:pPr algn="ctr"/>
+            <a:r>
+              <a:rPr lang="ru-RU" dirty="0"/>
+              <a:t>Еще больше слоев</a:t>
+            </a:r>
+            <a:endParaRPr lang="ru-RU" dirty="0"/>
+          </a:p>
+        </p:txBody>
+      </p:sp>
+      <p:pic>
+        <p:nvPicPr>
+          <p:cNvPr id="7170" name="Picture 2" descr="https://martinfowler.com/eaaCatalog/mvc-sketch.gif"/>
+          <p:cNvPicPr>
+            <a:picLocks noChangeAspect="1" noChangeArrowheads="1"/>
+          </p:cNvPicPr>
           <p:nvPr/>
-        </p:nvSpPr>
+        </p:nvPicPr>
+        <p:blipFill>
+          <a:blip r:embed="rId2">
+            <a:extLst>
+              <a:ext uri="{28A0092B-C50C-407E-A947-70E740481C1C}">
+                <a14:useLocalDpi xmlns:a14="http://schemas.microsoft.com/office/drawing/2010/main" val="0"/>
+              </a:ext>
+            </a:extLst>
+          </a:blip>
+          <a:srcRect/>
+          <a:stretch>
+            <a:fillRect/>
+          </a:stretch>
+        </p:blipFill>
         <p:spPr bwMode="auto">
           <a:xfrm>
-            <a:off x="2138289" y="365760"/>
-            <a:ext cx="19824523" cy="45719"/>
+            <a:off x="4027724" y="2423568"/>
+            <a:ext cx="3738036" cy="2748934"/>
           </a:xfrm>
           <a:prstGeom prst="rect">
             <a:avLst/>
           </a:prstGeom>
           <a:noFill/>
-          <a:ln>
-            <a:noFill/>
-          </a:ln>
-          <a:effectLst/>
           <a:extLst>
             <a:ext uri="{909E8E84-426E-40DD-AFC4-6F175D3DCCD1}">
               <a14:hiddenFill xmlns:a14="http://schemas.microsoft.com/office/drawing/2010/main">
                 <a:solidFill>
-                  <a:schemeClr val="accent1"/>
+                  <a:srgbClr val="FFFFFF"/>
                 </a:solidFill>
               </a14:hiddenFill>
             </a:ext>
-            <a:ext uri="{91240B29-F687-4F45-9708-019B960494DF}">
-              <a14:hiddenLine xmlns:a14="http://schemas.microsoft.com/office/drawing/2010/main" w="9525">
-                <a:solidFill>
-                  <a:schemeClr val="tx1"/>
-                </a:solidFill>
-                <a:miter lim="800000"/>
-                <a:headEnd/>
-                <a:tailEnd/>
-              </a14:hiddenLine>
-            </a:ext>
-            <a:ext uri="{AF507438-7753-43E0-B8FC-AC1667EBCBE1}">
-              <a14:hiddenEffects xmlns:a14="http://schemas.microsoft.com/office/drawing/2010/main">
-                <a:effectLst>
-                  <a:outerShdw dist="35921" dir="2700000" algn="ctr" rotWithShape="0">
-                    <a:schemeClr val="bg2"/>
-                  </a:outerShdw>
-                </a:effectLst>
-              </a14:hiddenEffects>
-            </a:ext>
           </a:extLst>
         </p:spPr>
-        <p:txBody>
-          <a:bodyPr vert="horz" wrap="square" lIns="91440" tIns="45720" rIns="91440" bIns="45720" numCol="1" anchor="ctr" anchorCtr="0" compatLnSpc="1">
-            <a:prstTxWarp prst="textNoShape">
-              <a:avLst/>
-            </a:prstTxWarp>
+      </p:pic>
+      <p:cxnSp>
+        <p:nvCxnSpPr>
+          <p:cNvPr id="4" name="Прямая соединительная линия 3"/>
+          <p:cNvCxnSpPr/>
+          <p:nvPr/>
+        </p:nvCxnSpPr>
+        <p:spPr>
+          <a:xfrm flipV="1">
+            <a:off x="1631817" y="3675204"/>
+            <a:ext cx="8584441" cy="27295"/>
+          </a:xfrm>
+          <a:prstGeom prst="line">
+            <a:avLst/>
+          </a:prstGeom>
+        </p:spPr>
+        <p:style>
+          <a:lnRef idx="1">
+            <a:schemeClr val="accent1"/>
+          </a:lnRef>
+          <a:fillRef idx="0">
+            <a:schemeClr val="accent1"/>
+          </a:fillRef>
+          <a:effectRef idx="0">
+            <a:schemeClr val="accent1"/>
+          </a:effectRef>
+          <a:fontRef idx="minor">
+            <a:schemeClr val="tx1"/>
+          </a:fontRef>
+        </p:style>
+      </p:cxnSp>
+      <p:sp>
+        <p:nvSpPr>
+          <p:cNvPr id="8" name="TextBox 7"/>
+          <p:cNvSpPr txBox="1"/>
+          <p:nvPr/>
+        </p:nvSpPr>
+        <p:spPr>
+          <a:xfrm rot="16200000">
+            <a:off x="-83305" y="2008069"/>
+            <a:ext cx="1843005" cy="830997"/>
+          </a:xfrm>
+          <a:prstGeom prst="rect">
+            <a:avLst/>
+          </a:prstGeom>
+          <a:noFill/>
+        </p:spPr>
+        <p:txBody>
+          <a:bodyPr wrap="none" rtlCol="0">
             <a:spAutoFit/>
           </a:bodyPr>
           <a:lstStyle/>
           <a:p>
+            <a:pPr algn="ctr"/>
+            <a:r>
+              <a:rPr lang="en-US" sz="2400" dirty="0" smtClean="0"/>
+              <a:t>Presentation </a:t>
+            </a:r>
+          </a:p>
+          <a:p>
+            <a:pPr algn="ctr"/>
+            <a:r>
+              <a:rPr lang="en-US" sz="2400" dirty="0" smtClean="0"/>
+              <a:t>Layer</a:t>
+            </a:r>
+            <a:endParaRPr lang="ru-RU" sz="2400" dirty="0"/>
+          </a:p>
+        </p:txBody>
+      </p:sp>
+      <p:sp>
+        <p:nvSpPr>
+          <p:cNvPr id="9" name="TextBox 8"/>
+          <p:cNvSpPr txBox="1"/>
+          <p:nvPr/>
+        </p:nvSpPr>
+        <p:spPr>
+          <a:xfrm rot="16200000">
+            <a:off x="241441" y="4171922"/>
+            <a:ext cx="1229824" cy="830997"/>
+          </a:xfrm>
+          <a:prstGeom prst="rect">
+            <a:avLst/>
+          </a:prstGeom>
+          <a:noFill/>
+        </p:spPr>
+        <p:txBody>
+          <a:bodyPr wrap="none" rtlCol="0">
+            <a:spAutoFit/>
+          </a:bodyPr>
+          <a:lstStyle/>
+          <a:p>
+            <a:pPr algn="ctr"/>
+            <a:r>
+              <a:rPr lang="en-US" sz="2400" dirty="0" smtClean="0"/>
+              <a:t>Domain </a:t>
+            </a:r>
+          </a:p>
+          <a:p>
+            <a:pPr algn="ctr"/>
+            <a:r>
+              <a:rPr lang="en-US" sz="2400" dirty="0" smtClean="0"/>
+              <a:t>Layer</a:t>
+            </a:r>
+            <a:endParaRPr lang="ru-RU" sz="2400" dirty="0"/>
+          </a:p>
+        </p:txBody>
+      </p:sp>
+      <p:cxnSp>
+        <p:nvCxnSpPr>
+          <p:cNvPr id="11" name="Прямая соединительная линия 10"/>
+          <p:cNvCxnSpPr/>
+          <p:nvPr/>
+        </p:nvCxnSpPr>
+        <p:spPr>
+          <a:xfrm flipV="1">
+            <a:off x="1604521" y="5145207"/>
+            <a:ext cx="8584441" cy="27295"/>
+          </a:xfrm>
+          <a:prstGeom prst="line">
+            <a:avLst/>
+          </a:prstGeom>
+        </p:spPr>
+        <p:style>
+          <a:lnRef idx="1">
+            <a:schemeClr val="accent1"/>
+          </a:lnRef>
+          <a:fillRef idx="0">
+            <a:schemeClr val="accent1"/>
+          </a:fillRef>
+          <a:effectRef idx="0">
+            <a:schemeClr val="accent1"/>
+          </a:effectRef>
+          <a:fontRef idx="minor">
+            <a:schemeClr val="tx1"/>
+          </a:fontRef>
+        </p:style>
+      </p:cxnSp>
+      <p:cxnSp>
+        <p:nvCxnSpPr>
+          <p:cNvPr id="12" name="Прямая соединительная линия 11"/>
+          <p:cNvCxnSpPr/>
+          <p:nvPr/>
+        </p:nvCxnSpPr>
+        <p:spPr>
+          <a:xfrm flipV="1">
+            <a:off x="1631816" y="6587915"/>
+            <a:ext cx="8584441" cy="27295"/>
+          </a:xfrm>
+          <a:prstGeom prst="line">
+            <a:avLst/>
+          </a:prstGeom>
+        </p:spPr>
+        <p:style>
+          <a:lnRef idx="1">
+            <a:schemeClr val="accent1"/>
+          </a:lnRef>
+          <a:fillRef idx="0">
+            <a:schemeClr val="accent1"/>
+          </a:fillRef>
+          <a:effectRef idx="0">
+            <a:schemeClr val="accent1"/>
+          </a:effectRef>
+          <a:fontRef idx="minor">
+            <a:schemeClr val="tx1"/>
+          </a:fontRef>
+        </p:style>
+      </p:cxnSp>
+      <p:sp>
+        <p:nvSpPr>
+          <p:cNvPr id="13" name="TextBox 12"/>
+          <p:cNvSpPr txBox="1"/>
+          <p:nvPr/>
+        </p:nvSpPr>
+        <p:spPr>
+          <a:xfrm rot="16200000">
+            <a:off x="411575" y="5401747"/>
+            <a:ext cx="853247" cy="830997"/>
+          </a:xfrm>
+          <a:prstGeom prst="rect">
+            <a:avLst/>
+          </a:prstGeom>
+          <a:noFill/>
+        </p:spPr>
+        <p:txBody>
+          <a:bodyPr wrap="none" rtlCol="0">
+            <a:spAutoFit/>
+          </a:bodyPr>
+          <a:lstStyle/>
+          <a:p>
+            <a:pPr algn="ctr"/>
+            <a:r>
+              <a:rPr lang="en-US" sz="2400" dirty="0" smtClean="0"/>
+              <a:t>Data </a:t>
+            </a:r>
+          </a:p>
+          <a:p>
+            <a:pPr algn="ctr"/>
+            <a:r>
+              <a:rPr lang="en-US" sz="2400" dirty="0" smtClean="0"/>
+              <a:t>Layer</a:t>
+            </a:r>
+            <a:endParaRPr lang="ru-RU" sz="2400" dirty="0"/>
+          </a:p>
+        </p:txBody>
+      </p:sp>
+      <p:sp>
+        <p:nvSpPr>
+          <p:cNvPr id="6" name="Цилиндр 5"/>
+          <p:cNvSpPr/>
+          <p:nvPr/>
+        </p:nvSpPr>
+        <p:spPr>
+          <a:xfrm>
+            <a:off x="4982341" y="5390622"/>
+            <a:ext cx="1828800" cy="1033516"/>
+          </a:xfrm>
+          <a:prstGeom prst="can">
+            <a:avLst/>
+          </a:prstGeom>
+        </p:spPr>
+        <p:style>
+          <a:lnRef idx="2">
+            <a:schemeClr val="accent1">
+              <a:shade val="50000"/>
+            </a:schemeClr>
+          </a:lnRef>
+          <a:fillRef idx="1">
+            <a:schemeClr val="accent1"/>
+          </a:fillRef>
+          <a:effectRef idx="0">
+            <a:schemeClr val="accent1"/>
+          </a:effectRef>
+          <a:fontRef idx="minor">
+            <a:schemeClr val="lt1"/>
+          </a:fontRef>
+        </p:style>
+        <p:txBody>
+          <a:bodyPr rtlCol="0" anchor="ctr"/>
+          <a:lstStyle/>
+          <a:p>
+            <a:pPr algn="ctr"/>
             <a:endParaRPr lang="ru-RU"/>
           </a:p>
         </p:txBody>
       </p:sp>
-      <p:graphicFrame>
-        <p:nvGraphicFramePr>
-          <p:cNvPr id="3" name="Объект 2"/>
-          <p:cNvGraphicFramePr>
-            <a:graphicFrameLocks noChangeAspect="1"/>
-          </p:cNvGraphicFramePr>
-          <p:nvPr>
-            <p:extLst>
-              <p:ext uri="{D42A27DB-BD31-4B8C-83A1-F6EECF244321}">
-                <p14:modId xmlns:p14="http://schemas.microsoft.com/office/powerpoint/2010/main" val="1937385994"/>
-              </p:ext>
-            </p:extLst>
-          </p:nvPr>
-        </p:nvGraphicFramePr>
-        <p:xfrm>
-          <a:off x="1111348" y="365760"/>
-          <a:ext cx="9648967" cy="5885405"/>
-        </p:xfrm>
-        <a:graphic>
-          <a:graphicData uri="http://schemas.openxmlformats.org/presentationml/2006/ole">
-            <mc:AlternateContent xmlns:mc="http://schemas.openxmlformats.org/markup-compatibility/2006">
-              <mc:Choice xmlns:v="urn:schemas-microsoft-com:vml" Requires="v">
-                <p:oleObj spid="_x0000_s1034" r:id="rId3" imgW="6027872" imgH="3675298" progId="Visio.Drawing.11">
-                  <p:embed/>
-                </p:oleObj>
-              </mc:Choice>
-              <mc:Fallback>
-                <p:oleObj r:id="rId3" imgW="6027872" imgH="3675298" progId="Visio.Drawing.11">
-                  <p:embed/>
-                  <p:pic>
-                    <p:nvPicPr>
-                      <p:cNvPr id="0" name="Object 1"/>
-                      <p:cNvPicPr>
-                        <a:picLocks noChangeAspect="1" noChangeArrowheads="1"/>
-                      </p:cNvPicPr>
-                      <p:nvPr/>
-                    </p:nvPicPr>
-                    <p:blipFill>
-                      <a:blip r:embed="rId4">
-                        <a:extLst>
-                          <a:ext uri="{28A0092B-C50C-407E-A947-70E740481C1C}">
-                            <a14:useLocalDpi xmlns:a14="http://schemas.microsoft.com/office/drawing/2010/main" val="0"/>
-                          </a:ext>
-                        </a:extLst>
-                      </a:blip>
-                      <a:srcRect/>
-                      <a:stretch>
-                        <a:fillRect/>
-                      </a:stretch>
-                    </p:blipFill>
-                    <p:spPr bwMode="auto">
-                      <a:xfrm>
-                        <a:off x="1111348" y="365760"/>
-                        <a:ext cx="9648967" cy="5885405"/>
-                      </a:xfrm>
-                      <a:prstGeom prst="rect">
-                        <a:avLst/>
-                      </a:prstGeom>
-                      <a:noFill/>
-                    </p:spPr>
-                  </p:pic>
-                </p:oleObj>
-              </mc:Fallback>
-            </mc:AlternateContent>
-          </a:graphicData>
-        </a:graphic>
-      </p:graphicFrame>
+      <p:cxnSp>
+        <p:nvCxnSpPr>
+          <p:cNvPr id="15" name="Прямая со стрелкой 14"/>
+          <p:cNvCxnSpPr/>
+          <p:nvPr/>
+        </p:nvCxnSpPr>
+        <p:spPr>
+          <a:xfrm>
+            <a:off x="6096000" y="4899546"/>
+            <a:ext cx="0" cy="491076"/>
+          </a:xfrm>
+          <a:prstGeom prst="straightConnector1">
+            <a:avLst/>
+          </a:prstGeom>
+          <a:ln>
+            <a:headEnd type="triangle"/>
+            <a:tailEnd type="triangle"/>
+          </a:ln>
+        </p:spPr>
+        <p:style>
+          <a:lnRef idx="1">
+            <a:schemeClr val="accent1"/>
+          </a:lnRef>
+          <a:fillRef idx="0">
+            <a:schemeClr val="accent1"/>
+          </a:fillRef>
+          <a:effectRef idx="0">
+            <a:schemeClr val="accent1"/>
+          </a:effectRef>
+          <a:fontRef idx="minor">
+            <a:schemeClr val="tx1"/>
+          </a:fontRef>
+        </p:style>
+      </p:cxnSp>
+      <p:cxnSp>
+        <p:nvCxnSpPr>
+          <p:cNvPr id="18" name="Прямая со стрелкой 17"/>
+          <p:cNvCxnSpPr/>
+          <p:nvPr/>
+        </p:nvCxnSpPr>
+        <p:spPr>
+          <a:xfrm>
+            <a:off x="5609231" y="4899546"/>
+            <a:ext cx="0" cy="491076"/>
+          </a:xfrm>
+          <a:prstGeom prst="straightConnector1">
+            <a:avLst/>
+          </a:prstGeom>
+          <a:ln>
+            <a:headEnd type="triangle"/>
+            <a:tailEnd type="triangle"/>
+          </a:ln>
+        </p:spPr>
+        <p:style>
+          <a:lnRef idx="1">
+            <a:schemeClr val="accent1"/>
+          </a:lnRef>
+          <a:fillRef idx="0">
+            <a:schemeClr val="accent1"/>
+          </a:fillRef>
+          <a:effectRef idx="0">
+            <a:schemeClr val="accent1"/>
+          </a:effectRef>
+          <a:fontRef idx="minor">
+            <a:schemeClr val="tx1"/>
+          </a:fontRef>
+        </p:style>
+      </p:cxnSp>
     </p:spTree>
     <p:extLst>
       <p:ext uri="{BB962C8B-B14F-4D97-AF65-F5344CB8AC3E}">
-        <p14:creationId xmlns:p14="http://schemas.microsoft.com/office/powerpoint/2010/main" val="2256406584"/>
+        <p14:creationId xmlns:p14="http://schemas.microsoft.com/office/powerpoint/2010/main" val="3721802096"/>
       </p:ext>
     </p:extLst>
   </p:cSld>
@@ -9750,60 +7281,79 @@
             <p:ph type="title"/>
           </p:nvPr>
         </p:nvSpPr>
-        <p:spPr/>
+        <p:spPr>
+          <a:xfrm>
+            <a:off x="838199" y="365125"/>
+            <a:ext cx="10544033" cy="1354493"/>
+          </a:xfrm>
+        </p:spPr>
         <p:txBody>
           <a:bodyPr/>
           <a:lstStyle/>
           <a:p>
             <a:pPr algn="ctr"/>
             <a:r>
-              <a:rPr lang="ru-RU" dirty="0"/>
-              <a:t>Сбор требований, планирование временных затрат</a:t>
-            </a:r>
-          </a:p>
-        </p:txBody>
-      </p:sp>
-      <p:sp>
-        <p:nvSpPr>
-          <p:cNvPr id="3" name="Объект 2"/>
-          <p:cNvSpPr>
-            <a:spLocks noGrp="1"/>
-          </p:cNvSpPr>
-          <p:nvPr>
-            <p:ph idx="1"/>
-          </p:nvPr>
-        </p:nvSpPr>
-        <p:spPr/>
-        <p:txBody>
-          <a:bodyPr/>
-          <a:lstStyle/>
-          <a:p>
-            <a:r>
               <a:rPr lang="ru-RU" dirty="0" smtClean="0"/>
-              <a:t>Требование – это сформулированное заказчиком утверждение об одной из функций системы, которую он хочет получить.</a:t>
-            </a:r>
-          </a:p>
-          <a:p>
-            <a:r>
-              <a:rPr lang="ru-RU" dirty="0" smtClean="0"/>
-              <a:t>Необходимо перечислить все требуемые функции с кратким описанием. </a:t>
-            </a:r>
-          </a:p>
-          <a:p>
-            <a:r>
-              <a:rPr lang="ru-RU" dirty="0" smtClean="0"/>
-              <a:t>Например, требования можно оформить в виде карточек с заголовком и кратким описанием</a:t>
-            </a:r>
-          </a:p>
-          <a:p>
+              <a:t>Чистая архитектура </a:t>
+            </a:r>
+            <a:r>
+              <a:rPr lang="en-US" dirty="0" smtClean="0"/>
+              <a:t>(Robert </a:t>
+            </a:r>
+            <a:r>
+              <a:rPr lang="en-US" dirty="0"/>
+              <a:t>C. Martin)</a:t>
+            </a:r>
             <a:endParaRPr lang="ru-RU" dirty="0"/>
           </a:p>
         </p:txBody>
       </p:sp>
+      <p:pic>
+        <p:nvPicPr>
+          <p:cNvPr id="9218" name="Picture 2" descr="ÐÑÐ¸Ð³Ð¸Ð½Ð°Ð»ÑÐ½Ð°Ñ ÑÑ+ÐµÐ¼Ð°"/>
+          <p:cNvPicPr>
+            <a:picLocks noChangeAspect="1" noChangeArrowheads="1"/>
+          </p:cNvPicPr>
+          <p:nvPr/>
+        </p:nvPicPr>
+        <p:blipFill>
+          <a:blip r:embed="rId2">
+            <a:extLst>
+              <a:ext uri="{28A0092B-C50C-407E-A947-70E740481C1C}">
+                <a14:useLocalDpi xmlns:a14="http://schemas.microsoft.com/office/drawing/2010/main" val="0"/>
+              </a:ext>
+            </a:extLst>
+          </a:blip>
+          <a:srcRect/>
+          <a:stretch>
+            <a:fillRect/>
+          </a:stretch>
+        </p:blipFill>
+        <p:spPr bwMode="auto">
+          <a:xfrm>
+            <a:off x="2251880" y="1589243"/>
+            <a:ext cx="7072147" cy="5194181"/>
+          </a:xfrm>
+          <a:prstGeom prst="rect">
+            <a:avLst/>
+          </a:prstGeom>
+          <a:noFill/>
+          <a:extLst>
+            <a:ext uri="{909E8E84-426E-40DD-AFC4-6F175D3DCCD1}">
+              <a14:hiddenFill xmlns:a14="http://schemas.microsoft.com/office/drawing/2010/main">
+                <a:solidFill>
+                  <a:srgbClr val="FFFFFF"/>
+                </a:solidFill>
+              </a14:hiddenFill>
+            </a:ext>
+          </a:extLst>
+        </p:spPr>
+      </p:pic>
     </p:spTree>
     <p:extLst>
       <p:ext uri="{BB962C8B-B14F-4D97-AF65-F5344CB8AC3E}">
-        <p14:creationId xmlns:p14="http://schemas.microsoft.com/office/powerpoint/2010/main" val="2651058124"/>
+        <p14:creationId xmlns:p14="http://schemas.microsoft.com/office/powerpoint/2010/main" val="2826876479"/>
       </p:ext>
     </p:extLst>
   </p:cSld>
@@ -9837,70 +7387,284 @@
           <a:chExt cx="0" cy="0"/>
         </a:xfrm>
       </p:grpSpPr>
-      <p:pic>
-        <p:nvPicPr>
-          <p:cNvPr id="2050" name="Picture 2"/>
-          <p:cNvPicPr>
-            <a:picLocks noChangeAspect="1" noChangeArrowheads="1"/>
-          </p:cNvPicPr>
+      <p:sp>
+        <p:nvSpPr>
+          <p:cNvPr id="2" name="Прямоугольник 1"/>
+          <p:cNvSpPr/>
           <p:nvPr/>
-        </p:nvPicPr>
-        <p:blipFill>
-          <a:blip r:embed="rId2">
-            <a:extLst>
-              <a:ext uri="{28A0092B-C50C-407E-A947-70E740481C1C}">
-                <a14:useLocalDpi xmlns:a14="http://schemas.microsoft.com/office/drawing/2010/main" val="0"/>
-              </a:ext>
-            </a:extLst>
-          </a:blip>
-          <a:srcRect/>
-          <a:stretch>
-            <a:fillRect/>
-          </a:stretch>
-        </p:blipFill>
-        <p:spPr bwMode="auto">
+        </p:nvSpPr>
+        <p:spPr>
           <a:xfrm>
-            <a:off x="1478721" y="400548"/>
-            <a:ext cx="7420771" cy="6123082"/>
+            <a:off x="545912" y="2333768"/>
+            <a:ext cx="11382232" cy="3046988"/>
           </a:xfrm>
           <a:prstGeom prst="rect">
             <a:avLst/>
           </a:prstGeom>
-          <a:noFill/>
-          <a:ln>
-            <a:noFill/>
-          </a:ln>
-          <a:extLst>
-            <a:ext uri="{909E8E84-426E-40DD-AFC4-6F175D3DCCD1}">
-              <a14:hiddenFill xmlns:a14="http://schemas.microsoft.com/office/drawing/2010/main">
+        </p:spPr>
+        <p:txBody>
+          <a:bodyPr wrap="square">
+            <a:spAutoFit/>
+          </a:bodyPr>
+          <a:lstStyle/>
+          <a:p>
+            <a:r>
+              <a:rPr lang="ru-RU" sz="2400" dirty="0" err="1" smtClean="0">
                 <a:solidFill>
-                  <a:srgbClr val="FFFFFF"/>
+                  <a:srgbClr val="222222"/>
                 </a:solidFill>
-              </a14:hiddenFill>
-            </a:ext>
-            <a:ext uri="{91240B29-F687-4F45-9708-019B960494DF}">
-              <a14:hiddenLine xmlns:a14="http://schemas.microsoft.com/office/drawing/2010/main" w="9525">
+              </a:rPr>
+              <a:t>Clean</a:t>
+            </a:r>
+            <a:r>
+              <a:rPr lang="ru-RU" sz="2400" dirty="0" smtClean="0">
                 <a:solidFill>
-                  <a:srgbClr val="000000"/>
+                  <a:srgbClr val="222222"/>
                 </a:solidFill>
-                <a:miter lim="800000"/>
-                <a:headEnd/>
-                <a:tailEnd/>
-              </a14:hiddenLine>
-            </a:ext>
-          </a:extLst>
-        </p:spPr>
-      </p:pic>
+              </a:rPr>
+              <a:t> </a:t>
+            </a:r>
+            <a:r>
+              <a:rPr lang="ru-RU" sz="2400" dirty="0" err="1">
+                <a:solidFill>
+                  <a:srgbClr val="222222"/>
+                </a:solidFill>
+              </a:rPr>
+              <a:t>Architecture</a:t>
+            </a:r>
+            <a:r>
+              <a:rPr lang="ru-RU" sz="2400" dirty="0">
+                <a:solidFill>
+                  <a:srgbClr val="222222"/>
+                </a:solidFill>
+              </a:rPr>
+              <a:t> объединила в себе идеи нескольких других архитектурных подходов, которые сходятся в том, что </a:t>
+            </a:r>
+            <a:r>
+              <a:rPr lang="ru-RU" sz="2400" b="1" dirty="0">
+                <a:solidFill>
+                  <a:srgbClr val="222222"/>
+                </a:solidFill>
+              </a:rPr>
+              <a:t>архитектура должна</a:t>
+            </a:r>
+            <a:r>
+              <a:rPr lang="ru-RU" sz="2400" dirty="0">
+                <a:solidFill>
+                  <a:srgbClr val="222222"/>
+                </a:solidFill>
+              </a:rPr>
+              <a:t>:</a:t>
+            </a:r>
+          </a:p>
+          <a:p>
+            <a:pPr>
+              <a:buFont typeface="Arial" panose="020B0604020202020204" pitchFamily="34" charset="0"/>
+              <a:buChar char="•"/>
+            </a:pPr>
+            <a:r>
+              <a:rPr lang="ru-RU" sz="2400" dirty="0" smtClean="0">
+                <a:solidFill>
+                  <a:srgbClr val="222222"/>
+                </a:solidFill>
+              </a:rPr>
+              <a:t> быть </a:t>
+            </a:r>
+            <a:r>
+              <a:rPr lang="ru-RU" sz="2400" dirty="0">
+                <a:solidFill>
+                  <a:srgbClr val="222222"/>
+                </a:solidFill>
+              </a:rPr>
+              <a:t>тестируемой;</a:t>
+            </a:r>
+          </a:p>
+          <a:p>
+            <a:pPr>
+              <a:buFont typeface="Arial" panose="020B0604020202020204" pitchFamily="34" charset="0"/>
+              <a:buChar char="•"/>
+            </a:pPr>
+            <a:r>
+              <a:rPr lang="ru-RU" sz="2400" dirty="0" smtClean="0">
+                <a:solidFill>
+                  <a:srgbClr val="222222"/>
+                </a:solidFill>
+              </a:rPr>
+              <a:t> не </a:t>
+            </a:r>
+            <a:r>
+              <a:rPr lang="ru-RU" sz="2400" dirty="0">
+                <a:solidFill>
+                  <a:srgbClr val="222222"/>
+                </a:solidFill>
+              </a:rPr>
+              <a:t>зависеть от UI;</a:t>
+            </a:r>
+          </a:p>
+          <a:p>
+            <a:pPr>
+              <a:buFont typeface="Arial" panose="020B0604020202020204" pitchFamily="34" charset="0"/>
+              <a:buChar char="•"/>
+            </a:pPr>
+            <a:r>
+              <a:rPr lang="ru-RU" sz="2400" dirty="0" smtClean="0">
+                <a:solidFill>
+                  <a:srgbClr val="222222"/>
+                </a:solidFill>
+              </a:rPr>
+              <a:t> не </a:t>
+            </a:r>
+            <a:r>
+              <a:rPr lang="ru-RU" sz="2400" dirty="0">
+                <a:solidFill>
+                  <a:srgbClr val="222222"/>
+                </a:solidFill>
+              </a:rPr>
+              <a:t>зависеть от БД, внешних </a:t>
+            </a:r>
+            <a:r>
+              <a:rPr lang="ru-RU" sz="2400" dirty="0" err="1">
+                <a:solidFill>
+                  <a:srgbClr val="222222"/>
+                </a:solidFill>
+              </a:rPr>
+              <a:t>фреймворков</a:t>
+            </a:r>
+            <a:r>
+              <a:rPr lang="ru-RU" sz="2400" dirty="0">
+                <a:solidFill>
+                  <a:srgbClr val="222222"/>
+                </a:solidFill>
+              </a:rPr>
+              <a:t> и библиотек.</a:t>
+            </a:r>
+          </a:p>
+          <a:p>
+            <a:r>
+              <a:rPr lang="ru-RU" sz="2400" dirty="0"/>
+              <a:t/>
+            </a:r>
+            <a:br>
+              <a:rPr lang="ru-RU" sz="2400" dirty="0"/>
+            </a:br>
+            <a:r>
+              <a:rPr lang="ru-RU" sz="2400" dirty="0">
+                <a:solidFill>
+                  <a:srgbClr val="222222"/>
+                </a:solidFill>
+              </a:rPr>
+              <a:t>Это достигается разделением на слои и следованием </a:t>
+            </a:r>
+            <a:r>
+              <a:rPr lang="ru-RU" sz="2400" dirty="0" err="1">
+                <a:solidFill>
+                  <a:srgbClr val="222222"/>
+                </a:solidFill>
+              </a:rPr>
+              <a:t>Dependency</a:t>
+            </a:r>
+            <a:r>
+              <a:rPr lang="ru-RU" sz="2400" dirty="0">
+                <a:solidFill>
+                  <a:srgbClr val="222222"/>
+                </a:solidFill>
+              </a:rPr>
+              <a:t> </a:t>
+            </a:r>
+            <a:r>
+              <a:rPr lang="ru-RU" sz="2400" dirty="0" err="1">
+                <a:solidFill>
+                  <a:srgbClr val="222222"/>
+                </a:solidFill>
+              </a:rPr>
+              <a:t>Rule</a:t>
+            </a:r>
+            <a:r>
+              <a:rPr lang="ru-RU" sz="2400" dirty="0">
+                <a:solidFill>
+                  <a:srgbClr val="222222"/>
+                </a:solidFill>
+              </a:rPr>
+              <a:t> (правилу зависимостей)</a:t>
+            </a:r>
+            <a:endParaRPr lang="ru-RU" sz="2400" b="0" i="0" dirty="0">
+              <a:solidFill>
+                <a:srgbClr val="222222"/>
+              </a:solidFill>
+              <a:effectLst/>
+            </a:endParaRPr>
+          </a:p>
+        </p:txBody>
+      </p:sp>
+      <p:sp>
+        <p:nvSpPr>
+          <p:cNvPr id="3" name="Заголовок 1"/>
+          <p:cNvSpPr txBox="1">
+            <a:spLocks/>
+          </p:cNvSpPr>
+          <p:nvPr/>
+        </p:nvSpPr>
+        <p:spPr>
+          <a:xfrm>
+            <a:off x="838200" y="365125"/>
+            <a:ext cx="10515600" cy="1325563"/>
+          </a:xfrm>
+          <a:prstGeom prst="rect">
+            <a:avLst/>
+          </a:prstGeom>
+        </p:spPr>
+        <p:txBody>
+          <a:bodyPr/>
+          <a:lstStyle>
+            <a:lvl1pPr algn="l" defTabSz="914400" rtl="0" eaLnBrk="1" latinLnBrk="0" hangingPunct="1">
+              <a:lnSpc>
+                <a:spcPct val="90000"/>
+              </a:lnSpc>
+              <a:spcBef>
+                <a:spcPct val="0"/>
+              </a:spcBef>
+              <a:buNone/>
+              <a:defRPr sz="4400" kern="1200">
+                <a:solidFill>
+                  <a:schemeClr val="tx1"/>
+                </a:solidFill>
+                <a:latin typeface="+mj-lt"/>
+                <a:ea typeface="+mj-ea"/>
+                <a:cs typeface="+mj-cs"/>
+              </a:defRPr>
+            </a:lvl1pPr>
+          </a:lstStyle>
+          <a:p>
+            <a:pPr algn="ctr"/>
+            <a:r>
+              <a:rPr lang="ru-RU" dirty="0"/>
+              <a:t>Чистая архитектура</a:t>
+            </a:r>
+            <a:endParaRPr lang="ru-RU" dirty="0">
+              <a:solidFill>
+                <a:srgbClr val="222222"/>
+              </a:solidFill>
+            </a:endParaRPr>
+          </a:p>
+        </p:txBody>
+      </p:sp>
     </p:spTree>
     <p:extLst>
       <p:ext uri="{BB962C8B-B14F-4D97-AF65-F5344CB8AC3E}">
-        <p14:creationId xmlns:p14="http://schemas.microsoft.com/office/powerpoint/2010/main" val="72184052"/>
+        <p14:creationId xmlns:p14="http://schemas.microsoft.com/office/powerpoint/2010/main" val="2610342215"/>
       </p:ext>
     </p:extLst>
   </p:cSld>
   <p:clrMapOvr>
     <a:masterClrMapping/>
   </p:clrMapOvr>
+  <p:timing>
+    <p:tnLst>
+      <p:par>
+        <p:cTn id="1" dur="indefinite" restart="never" nodeType="tmRoot"/>
+      </p:par>
+    </p:tnLst>
+  </p:timing>
 </p:sld>
 </file>
 

--- a/Лекция 2. Паттерны/Лекция 2. Паттерны.pptx
+++ b/Лекция 2. Паттерны/Лекция 2. Паттерны.pptx
@@ -5,32 +5,31 @@
     <p:sldMasterId id="2147483648" r:id="rId1"/>
   </p:sldMasterIdLst>
   <p:notesMasterIdLst>
-    <p:notesMasterId r:id="rId25"/>
+    <p:notesMasterId r:id="rId24"/>
   </p:notesMasterIdLst>
   <p:sldIdLst>
     <p:sldId id="256" r:id="rId2"/>
     <p:sldId id="267" r:id="rId3"/>
     <p:sldId id="266" r:id="rId4"/>
-    <p:sldId id="257" r:id="rId5"/>
-    <p:sldId id="268" r:id="rId6"/>
-    <p:sldId id="270" r:id="rId7"/>
-    <p:sldId id="269" r:id="rId8"/>
-    <p:sldId id="271" r:id="rId9"/>
-    <p:sldId id="272" r:id="rId10"/>
-    <p:sldId id="273" r:id="rId11"/>
-    <p:sldId id="274" r:id="rId12"/>
-    <p:sldId id="275" r:id="rId13"/>
-    <p:sldId id="276" r:id="rId14"/>
-    <p:sldId id="277" r:id="rId15"/>
-    <p:sldId id="278" r:id="rId16"/>
-    <p:sldId id="279" r:id="rId17"/>
-    <p:sldId id="280" r:id="rId18"/>
-    <p:sldId id="281" r:id="rId19"/>
-    <p:sldId id="282" r:id="rId20"/>
-    <p:sldId id="283" r:id="rId21"/>
-    <p:sldId id="284" r:id="rId22"/>
-    <p:sldId id="285" r:id="rId23"/>
-    <p:sldId id="286" r:id="rId24"/>
+    <p:sldId id="268" r:id="rId5"/>
+    <p:sldId id="270" r:id="rId6"/>
+    <p:sldId id="269" r:id="rId7"/>
+    <p:sldId id="271" r:id="rId8"/>
+    <p:sldId id="272" r:id="rId9"/>
+    <p:sldId id="273" r:id="rId10"/>
+    <p:sldId id="274" r:id="rId11"/>
+    <p:sldId id="275" r:id="rId12"/>
+    <p:sldId id="276" r:id="rId13"/>
+    <p:sldId id="277" r:id="rId14"/>
+    <p:sldId id="278" r:id="rId15"/>
+    <p:sldId id="279" r:id="rId16"/>
+    <p:sldId id="280" r:id="rId17"/>
+    <p:sldId id="281" r:id="rId18"/>
+    <p:sldId id="282" r:id="rId19"/>
+    <p:sldId id="283" r:id="rId20"/>
+    <p:sldId id="284" r:id="rId21"/>
+    <p:sldId id="285" r:id="rId22"/>
+    <p:sldId id="286" r:id="rId23"/>
   </p:sldIdLst>
   <p:sldSz cx="12192000" cy="6858000"/>
   <p:notesSz cx="6858000" cy="9144000"/>
@@ -131,7 +130,7 @@
   </p:defaultTextStyle>
   <p:extLst>
     <p:ext uri="{EFAFB233-063F-42B5-8137-9DF3F51BA10A}">
-      <p15:sldGuideLst xmlns:p15="http://schemas.microsoft.com/office/powerpoint/2012/main"/>
+      <p15:sldGuideLst xmlns:p15="http://schemas.microsoft.com/office/powerpoint/2012/main" xmlns=""/>
     </p:ext>
   </p:extLst>
 </p:presentation>
@@ -219,7 +218,7 @@
           <a:p>
             <a:fld id="{3E0769C4-F679-4E29-9FFC-F2E20B30D118}" type="datetimeFigureOut">
               <a:rPr lang="ru-RU" smtClean="0"/>
-              <a:t>18.05.2018</a:t>
+              <a:t>19.05.2018</a:t>
             </a:fld>
             <a:endParaRPr lang="ru-RU"/>
           </a:p>
@@ -780,7 +779,7 @@
           <a:p>
             <a:fld id="{59E205AB-616F-40D1-9E23-0E91B474D506}" type="slidenum">
               <a:rPr lang="ru-RU" smtClean="0"/>
-              <a:t>16</a:t>
+              <a:t>15</a:t>
             </a:fld>
             <a:endParaRPr lang="ru-RU"/>
           </a:p>
@@ -868,7 +867,7 @@
           <a:p>
             <a:fld id="{59E205AB-616F-40D1-9E23-0E91B474D506}" type="slidenum">
               <a:rPr lang="ru-RU" smtClean="0"/>
-              <a:t>17</a:t>
+              <a:t>16</a:t>
             </a:fld>
             <a:endParaRPr lang="ru-RU"/>
           </a:p>
@@ -956,7 +955,7 @@
           <a:p>
             <a:fld id="{59E205AB-616F-40D1-9E23-0E91B474D506}" type="slidenum">
               <a:rPr lang="ru-RU" smtClean="0"/>
-              <a:t>18</a:t>
+              <a:t>17</a:t>
             </a:fld>
             <a:endParaRPr lang="ru-RU"/>
           </a:p>
@@ -1044,7 +1043,7 @@
           <a:p>
             <a:fld id="{59E205AB-616F-40D1-9E23-0E91B474D506}" type="slidenum">
               <a:rPr lang="ru-RU" smtClean="0"/>
-              <a:t>19</a:t>
+              <a:t>18</a:t>
             </a:fld>
             <a:endParaRPr lang="ru-RU"/>
           </a:p>
@@ -1132,7 +1131,7 @@
           <a:p>
             <a:fld id="{59E205AB-616F-40D1-9E23-0E91B474D506}" type="slidenum">
               <a:rPr lang="ru-RU" smtClean="0"/>
-              <a:t>20</a:t>
+              <a:t>19</a:t>
             </a:fld>
             <a:endParaRPr lang="ru-RU"/>
           </a:p>
@@ -1220,7 +1219,7 @@
           <a:p>
             <a:fld id="{59E205AB-616F-40D1-9E23-0E91B474D506}" type="slidenum">
               <a:rPr lang="ru-RU" smtClean="0"/>
-              <a:t>21</a:t>
+              <a:t>20</a:t>
             </a:fld>
             <a:endParaRPr lang="ru-RU"/>
           </a:p>
@@ -1370,7 +1369,7 @@
           <a:p>
             <a:fld id="{6169430A-5EF9-46DC-BA21-D7EA05D7B849}" type="datetimeFigureOut">
               <a:rPr lang="ru-RU" smtClean="0"/>
-              <a:t>18.05.2018</a:t>
+              <a:t>19.05.2018</a:t>
             </a:fld>
             <a:endParaRPr lang="ru-RU"/>
           </a:p>
@@ -1540,7 +1539,7 @@
           <a:p>
             <a:fld id="{6169430A-5EF9-46DC-BA21-D7EA05D7B849}" type="datetimeFigureOut">
               <a:rPr lang="ru-RU" smtClean="0"/>
-              <a:t>18.05.2018</a:t>
+              <a:t>19.05.2018</a:t>
             </a:fld>
             <a:endParaRPr lang="ru-RU"/>
           </a:p>
@@ -1720,7 +1719,7 @@
           <a:p>
             <a:fld id="{6169430A-5EF9-46DC-BA21-D7EA05D7B849}" type="datetimeFigureOut">
               <a:rPr lang="ru-RU" smtClean="0"/>
-              <a:t>18.05.2018</a:t>
+              <a:t>19.05.2018</a:t>
             </a:fld>
             <a:endParaRPr lang="ru-RU"/>
           </a:p>
@@ -1890,7 +1889,7 @@
           <a:p>
             <a:fld id="{6169430A-5EF9-46DC-BA21-D7EA05D7B849}" type="datetimeFigureOut">
               <a:rPr lang="ru-RU" smtClean="0"/>
-              <a:t>18.05.2018</a:t>
+              <a:t>19.05.2018</a:t>
             </a:fld>
             <a:endParaRPr lang="ru-RU"/>
           </a:p>
@@ -2136,7 +2135,7 @@
           <a:p>
             <a:fld id="{6169430A-5EF9-46DC-BA21-D7EA05D7B849}" type="datetimeFigureOut">
               <a:rPr lang="ru-RU" smtClean="0"/>
-              <a:t>18.05.2018</a:t>
+              <a:t>19.05.2018</a:t>
             </a:fld>
             <a:endParaRPr lang="ru-RU"/>
           </a:p>
@@ -2368,7 +2367,7 @@
           <a:p>
             <a:fld id="{6169430A-5EF9-46DC-BA21-D7EA05D7B849}" type="datetimeFigureOut">
               <a:rPr lang="ru-RU" smtClean="0"/>
-              <a:t>18.05.2018</a:t>
+              <a:t>19.05.2018</a:t>
             </a:fld>
             <a:endParaRPr lang="ru-RU"/>
           </a:p>
@@ -2735,7 +2734,7 @@
           <a:p>
             <a:fld id="{6169430A-5EF9-46DC-BA21-D7EA05D7B849}" type="datetimeFigureOut">
               <a:rPr lang="ru-RU" smtClean="0"/>
-              <a:t>18.05.2018</a:t>
+              <a:t>19.05.2018</a:t>
             </a:fld>
             <a:endParaRPr lang="ru-RU"/>
           </a:p>
@@ -2853,7 +2852,7 @@
           <a:p>
             <a:fld id="{6169430A-5EF9-46DC-BA21-D7EA05D7B849}" type="datetimeFigureOut">
               <a:rPr lang="ru-RU" smtClean="0"/>
-              <a:t>18.05.2018</a:t>
+              <a:t>19.05.2018</a:t>
             </a:fld>
             <a:endParaRPr lang="ru-RU"/>
           </a:p>
@@ -2948,7 +2947,7 @@
           <a:p>
             <a:fld id="{6169430A-5EF9-46DC-BA21-D7EA05D7B849}" type="datetimeFigureOut">
               <a:rPr lang="ru-RU" smtClean="0"/>
-              <a:t>18.05.2018</a:t>
+              <a:t>19.05.2018</a:t>
             </a:fld>
             <a:endParaRPr lang="ru-RU"/>
           </a:p>
@@ -3225,7 +3224,7 @@
           <a:p>
             <a:fld id="{6169430A-5EF9-46DC-BA21-D7EA05D7B849}" type="datetimeFigureOut">
               <a:rPr lang="ru-RU" smtClean="0"/>
-              <a:t>18.05.2018</a:t>
+              <a:t>19.05.2018</a:t>
             </a:fld>
             <a:endParaRPr lang="ru-RU"/>
           </a:p>
@@ -3478,7 +3477,7 @@
           <a:p>
             <a:fld id="{6169430A-5EF9-46DC-BA21-D7EA05D7B849}" type="datetimeFigureOut">
               <a:rPr lang="ru-RU" smtClean="0"/>
-              <a:t>18.05.2018</a:t>
+              <a:t>19.05.2018</a:t>
             </a:fld>
             <a:endParaRPr lang="ru-RU"/>
           </a:p>
@@ -3691,7 +3690,7 @@
           <a:p>
             <a:fld id="{6169430A-5EF9-46DC-BA21-D7EA05D7B849}" type="datetimeFigureOut">
               <a:rPr lang="ru-RU" smtClean="0"/>
-              <a:t>18.05.2018</a:t>
+              <a:t>19.05.2018</a:t>
             </a:fld>
             <a:endParaRPr lang="ru-RU"/>
           </a:p>
@@ -4115,7 +4114,27 @@
           <a:p>
             <a:r>
               <a:rPr lang="ru-RU" dirty="0" smtClean="0"/>
-              <a:t>Архитектура. Паттерны.</a:t>
+              <a:t>Архитектур</a:t>
+            </a:r>
+            <a:r>
+              <a:rPr lang="ru-RU" dirty="0" smtClean="0"/>
+              <a:t>ные</a:t>
+            </a:r>
+            <a:r>
+              <a:rPr lang="ru-RU" dirty="0" smtClean="0"/>
+              <a:t> </a:t>
+            </a:r>
+            <a:r>
+              <a:rPr lang="ru-RU" dirty="0"/>
+              <a:t>п</a:t>
+            </a:r>
+            <a:r>
+              <a:rPr lang="ru-RU" dirty="0" smtClean="0"/>
+              <a:t>аттерны</a:t>
+            </a:r>
+            <a:r>
+              <a:rPr lang="ru-RU" dirty="0" smtClean="0"/>
+              <a:t>.</a:t>
             </a:r>
             <a:endParaRPr lang="ru-RU" b="1" dirty="0"/>
           </a:p>
@@ -4187,29 +4206,114 @@
             <p:ph type="title"/>
           </p:nvPr>
         </p:nvSpPr>
+        <p:spPr/>
+        <p:txBody>
+          <a:bodyPr/>
+          <a:lstStyle/>
+          <a:p>
+            <a:pPr algn="ctr"/>
+            <a:r>
+              <a:rPr lang="en-US" dirty="0" smtClean="0"/>
+              <a:t>Singleton</a:t>
+            </a:r>
+            <a:r>
+              <a:rPr lang="ru-RU" dirty="0" smtClean="0"/>
+              <a:t> </a:t>
+            </a:r>
+            <a:r>
+              <a:rPr lang="en-US" dirty="0" smtClean="0"/>
+              <a:t>(</a:t>
+            </a:r>
+            <a:r>
+              <a:rPr lang="ru-RU" dirty="0" smtClean="0"/>
+              <a:t>одиночка</a:t>
+            </a:r>
+            <a:r>
+              <a:rPr lang="en-US" dirty="0" smtClean="0"/>
+              <a:t>)</a:t>
+            </a:r>
+            <a:endParaRPr lang="ru-RU" dirty="0"/>
+          </a:p>
+        </p:txBody>
+      </p:sp>
+      <p:pic>
+        <p:nvPicPr>
+          <p:cNvPr id="13314" name="Picture 2" descr="Alt Singleton UML Diagram"/>
+          <p:cNvPicPr>
+            <a:picLocks noChangeAspect="1" noChangeArrowheads="1"/>
+          </p:cNvPicPr>
+          <p:nvPr/>
+        </p:nvPicPr>
+        <p:blipFill>
+          <a:blip r:embed="rId2">
+            <a:extLst>
+              <a:ext uri="{28A0092B-C50C-407E-A947-70E740481C1C}">
+                <a14:useLocalDpi xmlns:a14="http://schemas.microsoft.com/office/drawing/2010/main" val="0"/>
+              </a:ext>
+            </a:extLst>
+          </a:blip>
+          <a:srcRect/>
+          <a:stretch>
+            <a:fillRect/>
+          </a:stretch>
+        </p:blipFill>
+        <p:spPr bwMode="auto">
+          <a:xfrm>
+            <a:off x="4991100" y="3662582"/>
+            <a:ext cx="2209800" cy="1609726"/>
+          </a:xfrm>
+          <a:prstGeom prst="rect">
+            <a:avLst/>
+          </a:prstGeom>
+          <a:noFill/>
+          <a:extLst>
+            <a:ext uri="{909E8E84-426E-40DD-AFC4-6F175D3DCCD1}">
+              <a14:hiddenFill xmlns:a14="http://schemas.microsoft.com/office/drawing/2010/main">
+                <a:solidFill>
+                  <a:srgbClr val="FFFFFF"/>
+                </a:solidFill>
+              </a14:hiddenFill>
+            </a:ext>
+          </a:extLst>
+        </p:spPr>
+      </p:pic>
+      <p:sp>
+        <p:nvSpPr>
+          <p:cNvPr id="3" name="TextBox 2"/>
+          <p:cNvSpPr txBox="1"/>
+          <p:nvPr/>
+        </p:nvSpPr>
         <p:spPr>
           <a:xfrm>
-            <a:off x="838200" y="2494176"/>
-            <a:ext cx="10515600" cy="1325563"/>
-          </a:xfrm>
-        </p:spPr>
-        <p:txBody>
-          <a:bodyPr/>
-          <a:lstStyle/>
-          <a:p>
-            <a:pPr algn="ctr"/>
+            <a:off x="1883390" y="1690688"/>
+            <a:ext cx="9362365" cy="646331"/>
+          </a:xfrm>
+          <a:prstGeom prst="rect">
+            <a:avLst/>
+          </a:prstGeom>
+          <a:noFill/>
+        </p:spPr>
+        <p:txBody>
+          <a:bodyPr wrap="square" rtlCol="0">
+            <a:spAutoFit/>
+          </a:bodyPr>
+          <a:lstStyle/>
+          <a:p>
             <a:r>
               <a:rPr lang="ru-RU" dirty="0" smtClean="0"/>
-              <a:t>Архитектурные паттерны</a:t>
-            </a:r>
-            <a:endParaRPr lang="ru-RU" dirty="0"/>
+              <a:t>Возможность иметь </a:t>
+            </a:r>
+            <a:r>
+              <a:rPr lang="ru-RU" dirty="0"/>
+              <a:t>только один экземпляр этого объекта в приложении, который будет обрабатывать все вызовы.</a:t>
+            </a:r>
           </a:p>
         </p:txBody>
       </p:sp>
     </p:spTree>
     <p:extLst>
       <p:ext uri="{BB962C8B-B14F-4D97-AF65-F5344CB8AC3E}">
-        <p14:creationId xmlns:p14="http://schemas.microsoft.com/office/powerpoint/2010/main" val="2157292332"/>
+        <p14:creationId xmlns:p14="http://schemas.microsoft.com/office/powerpoint/2010/main" val="3656518598"/>
       </p:ext>
     </p:extLst>
   </p:cSld>
@@ -4261,19 +4365,11 @@
             <a:pPr algn="ctr"/>
             <a:r>
               <a:rPr lang="en-US" dirty="0" smtClean="0"/>
-              <a:t>Singleton</a:t>
+              <a:t>Factory (</a:t>
             </a:r>
             <a:r>
               <a:rPr lang="ru-RU" dirty="0" smtClean="0"/>
-              <a:t> </a:t>
-            </a:r>
-            <a:r>
-              <a:rPr lang="en-US" dirty="0" smtClean="0"/>
-              <a:t>(</a:t>
-            </a:r>
-            <a:r>
-              <a:rPr lang="ru-RU" dirty="0" smtClean="0"/>
-              <a:t>одиночка</a:t>
+              <a:t>Фабрика</a:t>
             </a:r>
             <a:r>
               <a:rPr lang="en-US" dirty="0" smtClean="0"/>
@@ -4283,9 +4379,38 @@
           </a:p>
         </p:txBody>
       </p:sp>
+      <p:sp>
+        <p:nvSpPr>
+          <p:cNvPr id="3" name="TextBox 2"/>
+          <p:cNvSpPr txBox="1"/>
+          <p:nvPr/>
+        </p:nvSpPr>
+        <p:spPr>
+          <a:xfrm>
+            <a:off x="1883390" y="1690688"/>
+            <a:ext cx="9362365" cy="646331"/>
+          </a:xfrm>
+          <a:prstGeom prst="rect">
+            <a:avLst/>
+          </a:prstGeom>
+          <a:noFill/>
+        </p:spPr>
+        <p:txBody>
+          <a:bodyPr wrap="square" rtlCol="0">
+            <a:spAutoFit/>
+          </a:bodyPr>
+          <a:lstStyle/>
+          <a:p>
+            <a:r>
+              <a:rPr lang="ru-RU" dirty="0"/>
+              <a:t>Простая фабрика просто генерирует экземпляр для клиента, не подвергая клиентскую логику создания экземпляра</a:t>
+            </a:r>
+          </a:p>
+        </p:txBody>
+      </p:sp>
       <p:pic>
         <p:nvPicPr>
-          <p:cNvPr id="13314" name="Picture 2" descr="Alt Singleton UML Diagram"/>
+          <p:cNvPr id="16386" name="Picture 2" descr="Alt SimpleFactory UML Diagram"/>
           <p:cNvPicPr>
             <a:picLocks noChangeAspect="1" noChangeArrowheads="1"/>
           </p:cNvPicPr>
@@ -4306,8 +4431,8 @@
         </p:blipFill>
         <p:spPr bwMode="auto">
           <a:xfrm>
-            <a:off x="4991100" y="3662582"/>
-            <a:ext cx="2209800" cy="1609726"/>
+            <a:off x="1896022" y="3016251"/>
+            <a:ext cx="3596318" cy="2825679"/>
           </a:xfrm>
           <a:prstGeom prst="rect">
             <a:avLst/>
@@ -4324,43 +4449,74 @@
           </a:extLst>
         </p:spPr>
       </p:pic>
-      <p:sp>
-        <p:nvSpPr>
-          <p:cNvPr id="3" name="TextBox 2"/>
-          <p:cNvSpPr txBox="1"/>
+      <p:pic>
+        <p:nvPicPr>
+          <p:cNvPr id="1026" name="Picture 2"/>
+          <p:cNvPicPr>
+            <a:picLocks noChangeAspect="1" noChangeArrowheads="1"/>
+          </p:cNvPicPr>
           <p:nvPr/>
-        </p:nvSpPr>
-        <p:spPr>
+        </p:nvPicPr>
+        <p:blipFill>
+          <a:blip r:embed="rId3">
+            <a:extLst>
+              <a:ext uri="{28A0092B-C50C-407E-A947-70E740481C1C}">
+                <a14:useLocalDpi xmlns:a14="http://schemas.microsoft.com/office/drawing/2010/main" val="0"/>
+              </a:ext>
+            </a:extLst>
+          </a:blip>
+          <a:srcRect/>
+          <a:stretch>
+            <a:fillRect/>
+          </a:stretch>
+        </p:blipFill>
+        <p:spPr bwMode="auto">
           <a:xfrm>
-            <a:off x="1883390" y="1690688"/>
-            <a:ext cx="9362365" cy="646331"/>
+            <a:off x="6121400" y="3434556"/>
+            <a:ext cx="4608513" cy="1913476"/>
           </a:xfrm>
           <a:prstGeom prst="rect">
             <a:avLst/>
           </a:prstGeom>
           <a:noFill/>
-        </p:spPr>
-        <p:txBody>
-          <a:bodyPr wrap="square" rtlCol="0">
-            <a:spAutoFit/>
-          </a:bodyPr>
-          <a:lstStyle/>
-          <a:p>
-            <a:r>
-              <a:rPr lang="ru-RU" dirty="0" smtClean="0"/>
-              <a:t>Возможность иметь </a:t>
-            </a:r>
-            <a:r>
-              <a:rPr lang="ru-RU" dirty="0"/>
-              <a:t>только один экземпляр этого объекта в приложении, который будет обрабатывать все вызовы.</a:t>
-            </a:r>
-          </a:p>
-        </p:txBody>
-      </p:sp>
+          <a:ln>
+            <a:noFill/>
+          </a:ln>
+          <a:effectLst/>
+          <a:extLst>
+            <a:ext uri="{909E8E84-426E-40DD-AFC4-6F175D3DCCD1}">
+              <a14:hiddenFill xmlns:a14="http://schemas.microsoft.com/office/drawing/2010/main">
+                <a:solidFill>
+                  <a:schemeClr val="accent1"/>
+                </a:solidFill>
+              </a14:hiddenFill>
+            </a:ext>
+            <a:ext uri="{91240B29-F687-4F45-9708-019B960494DF}">
+              <a14:hiddenLine xmlns:a14="http://schemas.microsoft.com/office/drawing/2010/main" w="9525">
+                <a:solidFill>
+                  <a:schemeClr val="tx1"/>
+                </a:solidFill>
+                <a:miter lim="800000"/>
+                <a:headEnd/>
+                <a:tailEnd/>
+              </a14:hiddenLine>
+            </a:ext>
+            <a:ext uri="{AF507438-7753-43E0-B8FC-AC1667EBCBE1}">
+              <a14:hiddenEffects xmlns:a14="http://schemas.microsoft.com/office/drawing/2010/main">
+                <a:effectLst>
+                  <a:outerShdw dist="35921" dir="2700000" algn="ctr" rotWithShape="0">
+                    <a:schemeClr val="bg2"/>
+                  </a:outerShdw>
+                </a:effectLst>
+              </a14:hiddenEffects>
+            </a:ext>
+          </a:extLst>
+        </p:spPr>
+      </p:pic>
     </p:spTree>
     <p:extLst>
       <p:ext uri="{BB962C8B-B14F-4D97-AF65-F5344CB8AC3E}">
-        <p14:creationId xmlns:p14="http://schemas.microsoft.com/office/powerpoint/2010/main" val="3656518598"/>
+        <p14:creationId xmlns:p14="http://schemas.microsoft.com/office/powerpoint/2010/main" val="4276861305"/>
       </p:ext>
     </p:extLst>
   </p:cSld>
@@ -4412,11 +4568,11 @@
             <a:pPr algn="ctr"/>
             <a:r>
               <a:rPr lang="en-US" dirty="0" smtClean="0"/>
-              <a:t>Factory (</a:t>
+              <a:t>Abstract Factory (</a:t>
             </a:r>
             <a:r>
               <a:rPr lang="ru-RU" dirty="0" smtClean="0"/>
-              <a:t>Фабрика</a:t>
+              <a:t>Абстрактная Фабрика</a:t>
             </a:r>
             <a:r>
               <a:rPr lang="en-US" dirty="0" smtClean="0"/>
@@ -4435,7 +4591,7 @@
         <p:spPr>
           <a:xfrm>
             <a:off x="1883390" y="1690688"/>
-            <a:ext cx="9362365" cy="646331"/>
+            <a:ext cx="9362365" cy="923330"/>
           </a:xfrm>
           <a:prstGeom prst="rect">
             <a:avLst/>
@@ -4450,14 +4606,14 @@
           <a:p>
             <a:r>
               <a:rPr lang="ru-RU" dirty="0"/>
-              <a:t>Простая фабрика просто генерирует экземпляр для клиента, не подвергая клиентскую логику создания экземпляра</a:t>
+              <a:t>Создать серию связанных или зависимых объектов без указания их конкретных классов. Обычно созданные классы реализуют один и тот же интерфейс. Клиент абстрактной фабрики не заботится о том, как создаются эти объекты</a:t>
             </a:r>
           </a:p>
         </p:txBody>
       </p:sp>
       <p:pic>
         <p:nvPicPr>
-          <p:cNvPr id="16386" name="Picture 2" descr="Alt SimpleFactory UML Diagram"/>
+          <p:cNvPr id="6" name="Picture 2" descr="Alt AbstractFactory UML Diagram"/>
           <p:cNvPicPr>
             <a:picLocks noChangeAspect="1" noChangeArrowheads="1"/>
           </p:cNvPicPr>
@@ -4478,8 +4634,8 @@
         </p:blipFill>
         <p:spPr bwMode="auto">
           <a:xfrm>
-            <a:off x="3867766" y="3016251"/>
-            <a:ext cx="3596318" cy="2825679"/>
+            <a:off x="1822131" y="2774946"/>
+            <a:ext cx="4831307" cy="3957790"/>
           </a:xfrm>
           <a:prstGeom prst="rect">
             <a:avLst/>
@@ -4496,10 +4652,51 @@
           </a:extLst>
         </p:spPr>
       </p:pic>
+      <p:pic>
+        <p:nvPicPr>
+          <p:cNvPr id="2050" name="Picture 2" descr="https://downloader.disk.yandex.ru/preview/0227950a75528ea162c5c631a716382bdf49f668e10a64c5e7b5a82cc763c4d0/5b0008af/9-xUx4R6BqLg0j6IwI71tkMsYa8QfovqNp48rdybUCyeb1lqzPVeSHpzn0i-WNdbSHwvPdMjVHTZ2n_vCN2gcQ%3D%3D?uid=0&amp;filename=2018-05-19_10-20-19.png&amp;disposition=inline&amp;hash=&amp;limit=0&amp;content_type=image%2Fpng&amp;tknv=v2&amp;size=2048x2048"/>
+          <p:cNvPicPr>
+            <a:picLocks noChangeAspect="1" noChangeArrowheads="1"/>
+          </p:cNvPicPr>
+          <p:nvPr/>
+        </p:nvPicPr>
+        <p:blipFill>
+          <a:blip r:embed="rId3">
+            <a:extLst>
+              <a:ext uri="{28A0092B-C50C-407E-A947-70E740481C1C}">
+                <a14:useLocalDpi xmlns:a14="http://schemas.microsoft.com/office/drawing/2010/main" val="0"/>
+              </a:ext>
+            </a:extLst>
+          </a:blip>
+          <a:srcRect/>
+          <a:stretch>
+            <a:fillRect/>
+          </a:stretch>
+        </p:blipFill>
+        <p:spPr bwMode="auto">
+          <a:xfrm>
+            <a:off x="7085011" y="3371849"/>
+            <a:ext cx="4927727" cy="2157413"/>
+          </a:xfrm>
+          <a:prstGeom prst="rect">
+            <a:avLst/>
+          </a:prstGeom>
+          <a:noFill/>
+          <a:extLst>
+            <a:ext uri="{909E8E84-426E-40DD-AFC4-6F175D3DCCD1}">
+              <a14:hiddenFill xmlns:a14="http://schemas.microsoft.com/office/drawing/2010/main">
+                <a:solidFill>
+                  <a:srgbClr val="FFFFFF"/>
+                </a:solidFill>
+              </a14:hiddenFill>
+            </a:ext>
+          </a:extLst>
+        </p:spPr>
+      </p:pic>
     </p:spTree>
     <p:extLst>
       <p:ext uri="{BB962C8B-B14F-4D97-AF65-F5344CB8AC3E}">
-        <p14:creationId xmlns:p14="http://schemas.microsoft.com/office/powerpoint/2010/main" val="4276861305"/>
+        <p14:creationId xmlns:p14="http://schemas.microsoft.com/office/powerpoint/2010/main" val="3091933298"/>
       </p:ext>
     </p:extLst>
   </p:cSld>
@@ -4543,7 +4740,12 @@
             <p:ph type="title"/>
           </p:nvPr>
         </p:nvSpPr>
-        <p:spPr/>
+        <p:spPr>
+          <a:xfrm>
+            <a:off x="838200" y="250821"/>
+            <a:ext cx="10515600" cy="1325563"/>
+          </a:xfrm>
+        </p:spPr>
         <p:txBody>
           <a:bodyPr/>
           <a:lstStyle/>
@@ -4551,11 +4753,11 @@
             <a:pPr algn="ctr"/>
             <a:r>
               <a:rPr lang="en-US" dirty="0" smtClean="0"/>
-              <a:t>Abstract Factory (</a:t>
+              <a:t>Factory Method (</a:t>
             </a:r>
             <a:r>
               <a:rPr lang="ru-RU" dirty="0" smtClean="0"/>
-              <a:t>Абстрактная Фабрика</a:t>
+              <a:t>Фабричный метод</a:t>
             </a:r>
             <a:r>
               <a:rPr lang="en-US" dirty="0" smtClean="0"/>
@@ -4573,8 +4775,8 @@
         </p:nvSpPr>
         <p:spPr>
           <a:xfrm>
-            <a:off x="1883390" y="1690688"/>
-            <a:ext cx="9362365" cy="923330"/>
+            <a:off x="6810233" y="1562095"/>
+            <a:ext cx="4435522" cy="2308324"/>
           </a:xfrm>
           <a:prstGeom prst="rect">
             <a:avLst/>
@@ -4589,14 +4791,46 @@
           <a:p>
             <a:r>
               <a:rPr lang="ru-RU" dirty="0"/>
-              <a:t>Создать серию связанных или зависимых объектов без указания их конкретных классов. Обычно созданные классы реализуют один и тот же интерфейс. Клиент абстрактной фабрики не заботится о том, как создаются эти объекты</a:t>
-            </a:r>
+              <a:t>Хорошая точка над </a:t>
+            </a:r>
+            <a:r>
+              <a:rPr lang="ru-RU" dirty="0" err="1"/>
+              <a:t>SimpleFactory</a:t>
+            </a:r>
+            <a:r>
+              <a:rPr lang="ru-RU" dirty="0"/>
+              <a:t> - это подкласс для реализации различных способов создания </a:t>
+            </a:r>
+            <a:r>
+              <a:rPr lang="ru-RU" dirty="0" smtClean="0"/>
+              <a:t>объектов</a:t>
+            </a:r>
+            <a:endParaRPr lang="ru-RU" dirty="0"/>
+          </a:p>
+          <a:p>
+            <a:r>
+              <a:rPr lang="ru-RU" dirty="0"/>
+              <a:t>Этот шаблон представляет собой «реальный» шаблон проектирования, поскольку он обеспечивает «Принцип инверсии зависимостей» </a:t>
+            </a:r>
+            <a:r>
+              <a:rPr lang="ru-RU" dirty="0" err="1"/>
+              <a:t>a.k.a</a:t>
+            </a:r>
+            <a:r>
+              <a:rPr lang="ru-RU" dirty="0"/>
+              <a:t> «D» в принципах S.O.L.I.D</a:t>
+            </a:r>
+            <a:r>
+              <a:rPr lang="ru-RU" dirty="0" smtClean="0"/>
+              <a:t>.</a:t>
+            </a:r>
+            <a:endParaRPr lang="ru-RU" dirty="0"/>
           </a:p>
         </p:txBody>
       </p:sp>
       <p:pic>
         <p:nvPicPr>
-          <p:cNvPr id="6" name="Picture 2" descr="Alt AbstractFactory UML Diagram"/>
+          <p:cNvPr id="18434" name="Picture 2" descr="Alt FactoryMethod UML Diagram"/>
           <p:cNvPicPr>
             <a:picLocks noChangeAspect="1" noChangeArrowheads="1"/>
           </p:cNvPicPr>
@@ -4617,8 +4851,8 @@
         </p:blipFill>
         <p:spPr bwMode="auto">
           <a:xfrm>
-            <a:off x="3493827" y="2774946"/>
-            <a:ext cx="4831307" cy="3957790"/>
+            <a:off x="1394064" y="1633536"/>
+            <a:ext cx="5156220" cy="4981433"/>
           </a:xfrm>
           <a:prstGeom prst="rect">
             <a:avLst/>
@@ -4635,10 +4869,74 @@
           </a:extLst>
         </p:spPr>
       </p:pic>
+      <p:pic>
+        <p:nvPicPr>
+          <p:cNvPr id="3074" name="Picture 2"/>
+          <p:cNvPicPr>
+            <a:picLocks noChangeAspect="1" noChangeArrowheads="1"/>
+          </p:cNvPicPr>
+          <p:nvPr/>
+        </p:nvPicPr>
+        <p:blipFill>
+          <a:blip r:embed="rId3">
+            <a:extLst>
+              <a:ext uri="{28A0092B-C50C-407E-A947-70E740481C1C}">
+                <a14:useLocalDpi xmlns:a14="http://schemas.microsoft.com/office/drawing/2010/main" val="0"/>
+              </a:ext>
+            </a:extLst>
+          </a:blip>
+          <a:srcRect/>
+          <a:stretch>
+            <a:fillRect/>
+          </a:stretch>
+        </p:blipFill>
+        <p:spPr bwMode="auto">
+          <a:xfrm>
+            <a:off x="7550053" y="3843196"/>
+            <a:ext cx="3638550" cy="2828925"/>
+          </a:xfrm>
+          <a:prstGeom prst="rect">
+            <a:avLst/>
+          </a:prstGeom>
+          <a:noFill/>
+          <a:ln>
+            <a:noFill/>
+          </a:ln>
+          <a:effectLst/>
+          <a:extLst>
+            <a:ext uri="{909E8E84-426E-40DD-AFC4-6F175D3DCCD1}">
+              <a14:hiddenFill xmlns:a14="http://schemas.microsoft.com/office/drawing/2010/main">
+                <a:solidFill>
+                  <a:schemeClr val="accent1"/>
+                </a:solidFill>
+              </a14:hiddenFill>
+            </a:ext>
+            <a:ext uri="{91240B29-F687-4F45-9708-019B960494DF}">
+              <a14:hiddenLine xmlns:a14="http://schemas.microsoft.com/office/drawing/2010/main" w="9525">
+                <a:solidFill>
+                  <a:schemeClr val="tx1"/>
+                </a:solidFill>
+                <a:miter lim="800000"/>
+                <a:headEnd/>
+                <a:tailEnd/>
+              </a14:hiddenLine>
+            </a:ext>
+            <a:ext uri="{AF507438-7753-43E0-B8FC-AC1667EBCBE1}">
+              <a14:hiddenEffects xmlns:a14="http://schemas.microsoft.com/office/drawing/2010/main">
+                <a:effectLst>
+                  <a:outerShdw dist="35921" dir="2700000" algn="ctr" rotWithShape="0">
+                    <a:schemeClr val="bg2"/>
+                  </a:outerShdw>
+                </a:effectLst>
+              </a14:hiddenEffects>
+            </a:ext>
+          </a:extLst>
+        </p:spPr>
+      </p:pic>
     </p:spTree>
     <p:extLst>
       <p:ext uri="{BB962C8B-B14F-4D97-AF65-F5344CB8AC3E}">
-        <p14:creationId xmlns:p14="http://schemas.microsoft.com/office/powerpoint/2010/main" val="3091933298"/>
+        <p14:creationId xmlns:p14="http://schemas.microsoft.com/office/powerpoint/2010/main" val="4140658726"/>
       </p:ext>
     </p:extLst>
   </p:cSld>
@@ -4689,12 +4987,12 @@
           <a:p>
             <a:pPr algn="ctr"/>
             <a:r>
-              <a:rPr lang="en-US" dirty="0" smtClean="0"/>
-              <a:t>Factory Method (</a:t>
+              <a:rPr lang="en-US" dirty="0"/>
+              <a:t>Facade (</a:t>
             </a:r>
             <a:r>
               <a:rPr lang="ru-RU" dirty="0" smtClean="0"/>
-              <a:t>Фабричный метод</a:t>
+              <a:t>Фасад</a:t>
             </a:r>
             <a:r>
               <a:rPr lang="en-US" dirty="0" smtClean="0"/>
@@ -4712,8 +5010,8 @@
         </p:nvSpPr>
         <p:spPr>
           <a:xfrm>
-            <a:off x="6810233" y="1690687"/>
-            <a:ext cx="4435522" cy="4801314"/>
+            <a:off x="1883390" y="1690688"/>
+            <a:ext cx="9362365" cy="923330"/>
           </a:xfrm>
           <a:prstGeom prst="rect">
             <a:avLst/>
@@ -4728,81 +5026,19 @@
           <a:p>
             <a:r>
               <a:rPr lang="ru-RU" dirty="0"/>
-              <a:t>Хорошая точка над </a:t>
-            </a:r>
-            <a:r>
-              <a:rPr lang="ru-RU" dirty="0" err="1"/>
-              <a:t>SimpleFactory</a:t>
-            </a:r>
-            <a:r>
-              <a:rPr lang="ru-RU" dirty="0"/>
-              <a:t> - это подкласс для реализации различных способов создания объектов</a:t>
-            </a:r>
-          </a:p>
-          <a:p>
+              <a:t>Фасад предназначен </a:t>
+            </a:r>
+            <a:r>
+              <a:rPr lang="ru-RU" dirty="0" smtClean="0"/>
+              <a:t>для скрытия сложности системы и подсистемы путем внедрения большого количества (но иногда только одного) интерфейса и, конечно, для уменьшения сложности.</a:t>
+            </a:r>
             <a:endParaRPr lang="ru-RU" dirty="0"/>
-          </a:p>
-          <a:p>
-            <a:r>
-              <a:rPr lang="ru-RU" dirty="0"/>
-              <a:t>Для простого случая этот абстрактный класс может быть просто интерфейсом</a:t>
-            </a:r>
-          </a:p>
-          <a:p>
-            <a:endParaRPr lang="ru-RU" dirty="0"/>
-          </a:p>
-          <a:p>
-            <a:r>
-              <a:rPr lang="ru-RU" dirty="0"/>
-              <a:t>Этот шаблон представляет собой «реальный» шаблон проектирования, поскольку он обеспечивает «Принцип инверсии зависимостей» </a:t>
-            </a:r>
-            <a:r>
-              <a:rPr lang="ru-RU" dirty="0" err="1"/>
-              <a:t>a.k.a</a:t>
-            </a:r>
-            <a:r>
-              <a:rPr lang="ru-RU" dirty="0"/>
-              <a:t> «D» в принципах S.O.L.I.D.</a:t>
-            </a:r>
-          </a:p>
-          <a:p>
-            <a:endParaRPr lang="ru-RU" dirty="0"/>
-          </a:p>
-          <a:p>
-            <a:r>
-              <a:rPr lang="ru-RU" dirty="0"/>
-              <a:t>Это означает, что класс </a:t>
-            </a:r>
-            <a:r>
-              <a:rPr lang="ru-RU" dirty="0" err="1"/>
-              <a:t>FactoryMethod</a:t>
-            </a:r>
-            <a:r>
-              <a:rPr lang="ru-RU" dirty="0"/>
-              <a:t> зависит от абстракций, а не от конкретных классов. Это реальный трюк по сравнению с </a:t>
-            </a:r>
-            <a:r>
-              <a:rPr lang="ru-RU" dirty="0" err="1"/>
-              <a:t>SimpleFactory</a:t>
-            </a:r>
-            <a:r>
-              <a:rPr lang="ru-RU" dirty="0"/>
-              <a:t> или </a:t>
-            </a:r>
-            <a:r>
-              <a:rPr lang="ru-RU" dirty="0" err="1"/>
-              <a:t>StaticFactory</a:t>
-            </a:r>
-            <a:r>
-              <a:rPr lang="ru-RU" dirty="0"/>
-              <a:t>.</a:t>
-            </a:r>
           </a:p>
         </p:txBody>
       </p:sp>
       <p:pic>
         <p:nvPicPr>
-          <p:cNvPr id="18434" name="Picture 2" descr="Alt FactoryMethod UML Diagram"/>
+          <p:cNvPr id="19460" name="Picture 4" descr="Alt Facade UML Diagram"/>
           <p:cNvPicPr>
             <a:picLocks noChangeAspect="1" noChangeArrowheads="1"/>
           </p:cNvPicPr>
@@ -4823,8 +5059,8 @@
         </p:blipFill>
         <p:spPr bwMode="auto">
           <a:xfrm>
-            <a:off x="1408352" y="1690688"/>
-            <a:ext cx="5156220" cy="4981433"/>
+            <a:off x="2041098" y="3016251"/>
+            <a:ext cx="4320891" cy="3474084"/>
           </a:xfrm>
           <a:prstGeom prst="rect">
             <a:avLst/>
@@ -4841,10 +5077,72 @@
           </a:extLst>
         </p:spPr>
       </p:pic>
+      <p:pic>
+        <p:nvPicPr>
+          <p:cNvPr id="4098" name="Picture 2"/>
+          <p:cNvPicPr>
+            <a:picLocks noChangeAspect="1" noChangeArrowheads="1"/>
+          </p:cNvPicPr>
+          <p:nvPr/>
+        </p:nvPicPr>
+        <p:blipFill rotWithShape="1">
+          <a:blip r:embed="rId3">
+            <a:extLst>
+              <a:ext uri="{28A0092B-C50C-407E-A947-70E740481C1C}">
+                <a14:useLocalDpi xmlns:a14="http://schemas.microsoft.com/office/drawing/2010/main" val="0"/>
+              </a:ext>
+            </a:extLst>
+          </a:blip>
+          <a:srcRect t="20115"/>
+          <a:stretch/>
+        </p:blipFill>
+        <p:spPr bwMode="auto">
+          <a:xfrm>
+            <a:off x="6998222" y="4144170"/>
+            <a:ext cx="4247533" cy="1527968"/>
+          </a:xfrm>
+          <a:prstGeom prst="rect">
+            <a:avLst/>
+          </a:prstGeom>
+          <a:noFill/>
+          <a:ln>
+            <a:noFill/>
+          </a:ln>
+          <a:effectLst/>
+          <a:extLst>
+            <a:ext uri="{909E8E84-426E-40DD-AFC4-6F175D3DCCD1}">
+              <a14:hiddenFill xmlns:a14="http://schemas.microsoft.com/office/drawing/2010/main">
+                <a:solidFill>
+                  <a:schemeClr val="accent1"/>
+                </a:solidFill>
+              </a14:hiddenFill>
+            </a:ext>
+            <a:ext uri="{91240B29-F687-4F45-9708-019B960494DF}">
+              <a14:hiddenLine xmlns:a14="http://schemas.microsoft.com/office/drawing/2010/main" w="9525">
+                <a:solidFill>
+                  <a:schemeClr val="tx1"/>
+                </a:solidFill>
+                <a:miter lim="800000"/>
+                <a:headEnd/>
+                <a:tailEnd/>
+              </a14:hiddenLine>
+            </a:ext>
+            <a:ext uri="{AF507438-7753-43E0-B8FC-AC1667EBCBE1}">
+              <a14:hiddenEffects xmlns:a14="http://schemas.microsoft.com/office/drawing/2010/main">
+                <a:effectLst>
+                  <a:outerShdw dist="35921" dir="2700000" algn="ctr" rotWithShape="0">
+                    <a:schemeClr val="bg2"/>
+                  </a:outerShdw>
+                </a:effectLst>
+              </a14:hiddenEffects>
+            </a:ext>
+          </a:extLst>
+        </p:spPr>
+      </p:pic>
     </p:spTree>
     <p:extLst>
       <p:ext uri="{BB962C8B-B14F-4D97-AF65-F5344CB8AC3E}">
-        <p14:creationId xmlns:p14="http://schemas.microsoft.com/office/powerpoint/2010/main" val="4140658726"/>
+        <p14:creationId xmlns:p14="http://schemas.microsoft.com/office/powerpoint/2010/main" val="95634739"/>
       </p:ext>
     </p:extLst>
   </p:cSld>
@@ -4896,11 +5194,15 @@
             <a:pPr algn="ctr"/>
             <a:r>
               <a:rPr lang="en-US" dirty="0"/>
-              <a:t>Facade (</a:t>
+              <a:t>Active Record </a:t>
+            </a:r>
+            <a:r>
+              <a:rPr lang="en-US" dirty="0" smtClean="0"/>
+              <a:t>(</a:t>
             </a:r>
             <a:r>
               <a:rPr lang="ru-RU" dirty="0" smtClean="0"/>
-              <a:t>Фасад</a:t>
+              <a:t>Активная запись</a:t>
             </a:r>
             <a:r>
               <a:rPr lang="en-US" dirty="0" smtClean="0"/>
@@ -4919,7 +5221,7 @@
         <p:spPr>
           <a:xfrm>
             <a:off x="1883390" y="1690688"/>
-            <a:ext cx="9362365" cy="923330"/>
+            <a:ext cx="9362365" cy="646331"/>
           </a:xfrm>
           <a:prstGeom prst="rect">
             <a:avLst/>
@@ -4934,26 +5236,21 @@
           <a:p>
             <a:r>
               <a:rPr lang="ru-RU" dirty="0"/>
-              <a:t>Фасад предназначен </a:t>
-            </a:r>
-            <a:r>
-              <a:rPr lang="ru-RU" dirty="0" smtClean="0"/>
-              <a:t>для скрытия сложности системы и подсистемы путем внедрения большого количества (но иногда только одного) интерфейса и, конечно, для уменьшения сложности.</a:t>
-            </a:r>
-            <a:endParaRPr lang="ru-RU" dirty="0"/>
+              <a:t>Объект, который обертывает строку в таблице базы данных или представлении, инкапсулирует доступ к базе данных и добавляет логику домена к этим данным.</a:t>
+            </a:r>
           </a:p>
         </p:txBody>
       </p:sp>
       <p:pic>
         <p:nvPicPr>
-          <p:cNvPr id="19460" name="Picture 4" descr="Alt Facade UML Diagram"/>
+          <p:cNvPr id="20482" name="Picture 2" descr="https://martinfowler.com/eaaCatalog/activeRecordSketch.gif"/>
           <p:cNvPicPr>
             <a:picLocks noChangeAspect="1" noChangeArrowheads="1"/>
           </p:cNvPicPr>
           <p:nvPr/>
         </p:nvPicPr>
         <p:blipFill>
-          <a:blip r:embed="rId2">
+          <a:blip r:embed="rId3">
             <a:extLst>
               <a:ext uri="{28A0092B-C50C-407E-A947-70E740481C1C}">
                 <a14:useLocalDpi xmlns:a14="http://schemas.microsoft.com/office/drawing/2010/main" val="0"/>
@@ -4967,8 +5264,8 @@
         </p:blipFill>
         <p:spPr bwMode="auto">
           <a:xfrm>
-            <a:off x="3212673" y="3016251"/>
-            <a:ext cx="4320891" cy="3474084"/>
+            <a:off x="2025318" y="3521218"/>
+            <a:ext cx="2543175" cy="1676400"/>
           </a:xfrm>
           <a:prstGeom prst="rect">
             <a:avLst/>
@@ -4985,10 +5282,34 @@
           </a:extLst>
         </p:spPr>
       </p:pic>
+      <p:pic>
+        <p:nvPicPr>
+          <p:cNvPr id="4" name="Рисунок 3"/>
+          <p:cNvPicPr>
+            <a:picLocks noChangeAspect="1"/>
+          </p:cNvPicPr>
+          <p:nvPr/>
+        </p:nvPicPr>
+        <p:blipFill>
+          <a:blip r:embed="rId4"/>
+          <a:stretch>
+            <a:fillRect/>
+          </a:stretch>
+        </p:blipFill>
+        <p:spPr>
+          <a:xfrm>
+            <a:off x="5659058" y="3321484"/>
+            <a:ext cx="4621345" cy="2001143"/>
+          </a:xfrm>
+          <a:prstGeom prst="rect">
+            <a:avLst/>
+          </a:prstGeom>
+        </p:spPr>
+      </p:pic>
     </p:spTree>
     <p:extLst>
       <p:ext uri="{BB962C8B-B14F-4D97-AF65-F5344CB8AC3E}">
-        <p14:creationId xmlns:p14="http://schemas.microsoft.com/office/powerpoint/2010/main" val="95634739"/>
+        <p14:creationId xmlns:p14="http://schemas.microsoft.com/office/powerpoint/2010/main" val="3788940694"/>
       </p:ext>
     </p:extLst>
   </p:cSld>
@@ -5039,16 +5360,12 @@
           <a:p>
             <a:pPr algn="ctr"/>
             <a:r>
-              <a:rPr lang="en-US" dirty="0"/>
-              <a:t>Active Record </a:t>
-            </a:r>
-            <a:r>
               <a:rPr lang="en-US" dirty="0" smtClean="0"/>
-              <a:t>(</a:t>
-            </a:r>
-            <a:r>
-              <a:rPr lang="ru-RU" dirty="0" smtClean="0"/>
-              <a:t>Активная запись</a:t>
+              <a:t>Data Mapper (</a:t>
+            </a:r>
+            <a:r>
+              <a:rPr lang="ru-RU" dirty="0"/>
+              <a:t>Карта данных</a:t>
             </a:r>
             <a:r>
               <a:rPr lang="en-US" dirty="0" smtClean="0"/>
@@ -5067,7 +5384,7 @@
         <p:spPr>
           <a:xfrm>
             <a:off x="1883390" y="1690688"/>
-            <a:ext cx="9362365" cy="646331"/>
+            <a:ext cx="9362365" cy="923330"/>
           </a:xfrm>
           <a:prstGeom prst="rect">
             <a:avLst/>
@@ -5082,14 +5399,43 @@
           <a:p>
             <a:r>
               <a:rPr lang="ru-RU" dirty="0"/>
-              <a:t>Объект, который обертывает строку в таблице базы данных или представлении, инкапсулирует доступ к базе данных и добавляет логику домена к этим данным.</a:t>
-            </a:r>
+              <a:t>Цель шаблона состоит в том, чтобы </a:t>
+            </a:r>
+            <a:r>
+              <a:rPr lang="ru-RU" dirty="0" smtClean="0"/>
+              <a:t>отделить логику преобразования данных от логики </a:t>
+            </a:r>
+            <a:r>
+              <a:rPr lang="ru-RU" dirty="0"/>
+              <a:t>сохранения. Ключевым моментом этого шаблона является, в отличие от шаблона </a:t>
+            </a:r>
+            <a:r>
+              <a:rPr lang="ru-RU" dirty="0" err="1"/>
+              <a:t>Active</a:t>
+            </a:r>
+            <a:r>
+              <a:rPr lang="ru-RU" dirty="0"/>
+              <a:t> </a:t>
+            </a:r>
+            <a:r>
+              <a:rPr lang="ru-RU" dirty="0" err="1"/>
+              <a:t>Record</a:t>
+            </a:r>
+            <a:r>
+              <a:rPr lang="ru-RU" dirty="0"/>
+              <a:t>, модель данных следует принципу единой ответственности</a:t>
+            </a:r>
+            <a:r>
+              <a:rPr lang="ru-RU" dirty="0" smtClean="0"/>
+              <a:t>.</a:t>
+            </a:r>
+            <a:endParaRPr lang="ru-RU" dirty="0"/>
           </a:p>
         </p:txBody>
       </p:sp>
       <p:pic>
         <p:nvPicPr>
-          <p:cNvPr id="20482" name="Picture 2" descr="https://martinfowler.com/eaaCatalog/activeRecordSketch.gif"/>
+          <p:cNvPr id="21506" name="Picture 2" descr="Alt DataMapper UML Diagram"/>
           <p:cNvPicPr>
             <a:picLocks noChangeAspect="1" noChangeArrowheads="1"/>
           </p:cNvPicPr>
@@ -5110,8 +5456,8 @@
         </p:blipFill>
         <p:spPr bwMode="auto">
           <a:xfrm>
-            <a:off x="2025318" y="3521218"/>
-            <a:ext cx="2543175" cy="1676400"/>
+            <a:off x="428529" y="2614018"/>
+            <a:ext cx="4784915" cy="4128918"/>
           </a:xfrm>
           <a:prstGeom prst="rect">
             <a:avLst/>
@@ -5130,7 +5476,7 @@
       </p:pic>
       <p:pic>
         <p:nvPicPr>
-          <p:cNvPr id="4" name="Рисунок 3"/>
+          <p:cNvPr id="6" name="Рисунок 5"/>
           <p:cNvPicPr>
             <a:picLocks noChangeAspect="1"/>
           </p:cNvPicPr>
@@ -5144,8 +5490,8 @@
         </p:blipFill>
         <p:spPr>
           <a:xfrm>
-            <a:off x="5659058" y="3321484"/>
-            <a:ext cx="4621345" cy="2001143"/>
+            <a:off x="5638871" y="2614018"/>
+            <a:ext cx="6291864" cy="3527475"/>
           </a:xfrm>
           <a:prstGeom prst="rect">
             <a:avLst/>
@@ -5155,7 +5501,7 @@
     </p:spTree>
     <p:extLst>
       <p:ext uri="{BB962C8B-B14F-4D97-AF65-F5344CB8AC3E}">
-        <p14:creationId xmlns:p14="http://schemas.microsoft.com/office/powerpoint/2010/main" val="3788940694"/>
+        <p14:creationId xmlns:p14="http://schemas.microsoft.com/office/powerpoint/2010/main" val="2885218192"/>
       </p:ext>
     </p:extLst>
   </p:cSld>
@@ -5206,12 +5552,16 @@
           <a:p>
             <a:pPr algn="ctr"/>
             <a:r>
+              <a:rPr lang="ru-RU" dirty="0" smtClean="0"/>
+              <a:t>				</a:t>
+            </a:r>
+            <a:r>
               <a:rPr lang="en-US" dirty="0" smtClean="0"/>
-              <a:t>Data Mapper (</a:t>
-            </a:r>
-            <a:r>
-              <a:rPr lang="ru-RU" dirty="0"/>
-              <a:t>Карта данных</a:t>
+              <a:t>Adapter (</a:t>
+            </a:r>
+            <a:r>
+              <a:rPr lang="ru-RU" dirty="0" smtClean="0"/>
+              <a:t>Адаптер</a:t>
             </a:r>
             <a:r>
               <a:rPr lang="en-US" dirty="0" smtClean="0"/>
@@ -5229,8 +5579,8 @@
         </p:nvSpPr>
         <p:spPr>
           <a:xfrm>
-            <a:off x="1883390" y="1690688"/>
-            <a:ext cx="9362365" cy="923330"/>
+            <a:off x="5145206" y="1690687"/>
+            <a:ext cx="6100549" cy="1477328"/>
           </a:xfrm>
           <a:prstGeom prst="rect">
             <a:avLst/>
@@ -5245,43 +5595,14 @@
           <a:p>
             <a:r>
               <a:rPr lang="ru-RU" dirty="0"/>
-              <a:t>Цель шаблона состоит в том, чтобы </a:t>
-            </a:r>
-            <a:r>
-              <a:rPr lang="ru-RU" dirty="0" smtClean="0"/>
-              <a:t>отделить логику преобразования данных от логики </a:t>
-            </a:r>
-            <a:r>
-              <a:rPr lang="ru-RU" dirty="0"/>
-              <a:t>сохранения. Ключевым моментом этого шаблона является, в отличие от шаблона </a:t>
-            </a:r>
-            <a:r>
-              <a:rPr lang="ru-RU" dirty="0" err="1"/>
-              <a:t>Active</a:t>
-            </a:r>
-            <a:r>
-              <a:rPr lang="ru-RU" dirty="0"/>
-              <a:t> </a:t>
-            </a:r>
-            <a:r>
-              <a:rPr lang="ru-RU" dirty="0" err="1"/>
-              <a:t>Record</a:t>
-            </a:r>
-            <a:r>
-              <a:rPr lang="ru-RU" dirty="0"/>
-              <a:t>, модель данных следует принципу единой ответственности</a:t>
-            </a:r>
-            <a:r>
-              <a:rPr lang="ru-RU" dirty="0" smtClean="0"/>
-              <a:t>.</a:t>
-            </a:r>
-            <a:endParaRPr lang="ru-RU" dirty="0"/>
+              <a:t>Перевести один интерфейс для класса в совместимый интерфейс. Адаптер позволяет классам работать вместе, что обычно не может из-за несовместимых интерфейсов, предоставляя свой интерфейс клиентам при использовании оригинального интерфейса.</a:t>
+            </a:r>
           </a:p>
         </p:txBody>
       </p:sp>
       <p:pic>
         <p:nvPicPr>
-          <p:cNvPr id="21506" name="Picture 2" descr="Alt DataMapper UML Diagram"/>
+          <p:cNvPr id="22530" name="Picture 2" descr="Alt Adapter UML Diagram"/>
           <p:cNvPicPr>
             <a:picLocks noChangeAspect="1" noChangeArrowheads="1"/>
           </p:cNvPicPr>
@@ -5302,8 +5623,8 @@
         </p:blipFill>
         <p:spPr bwMode="auto">
           <a:xfrm>
-            <a:off x="428529" y="2614018"/>
-            <a:ext cx="4784915" cy="4128918"/>
+            <a:off x="110684" y="102232"/>
+            <a:ext cx="4178665" cy="6653410"/>
           </a:xfrm>
           <a:prstGeom prst="rect">
             <a:avLst/>
@@ -5322,7 +5643,7 @@
       </p:pic>
       <p:pic>
         <p:nvPicPr>
-          <p:cNvPr id="6" name="Рисунок 5"/>
+          <p:cNvPr id="4" name="Рисунок 3"/>
           <p:cNvPicPr>
             <a:picLocks noChangeAspect="1"/>
           </p:cNvPicPr>
@@ -5336,8 +5657,8 @@
         </p:blipFill>
         <p:spPr>
           <a:xfrm>
-            <a:off x="5638871" y="2614018"/>
-            <a:ext cx="6291864" cy="3527475"/>
+            <a:off x="5813947" y="3331474"/>
+            <a:ext cx="4493380" cy="3205803"/>
           </a:xfrm>
           <a:prstGeom prst="rect">
             <a:avLst/>
@@ -5347,7 +5668,7 @@
     </p:spTree>
     <p:extLst>
       <p:ext uri="{BB962C8B-B14F-4D97-AF65-F5344CB8AC3E}">
-        <p14:creationId xmlns:p14="http://schemas.microsoft.com/office/powerpoint/2010/main" val="2885218192"/>
+        <p14:creationId xmlns:p14="http://schemas.microsoft.com/office/powerpoint/2010/main" val="1378490276"/>
       </p:ext>
     </p:extLst>
   </p:cSld>
@@ -5398,16 +5719,12 @@
           <a:p>
             <a:pPr algn="ctr"/>
             <a:r>
+              <a:rPr lang="en-US" dirty="0" smtClean="0"/>
+              <a:t>Strategy (</a:t>
+            </a:r>
+            <a:r>
               <a:rPr lang="ru-RU" dirty="0" smtClean="0"/>
-              <a:t>				</a:t>
-            </a:r>
-            <a:r>
-              <a:rPr lang="en-US" dirty="0" smtClean="0"/>
-              <a:t>Adapter (</a:t>
-            </a:r>
-            <a:r>
-              <a:rPr lang="ru-RU" dirty="0" smtClean="0"/>
-              <a:t>Адаптер</a:t>
+              <a:t>Стратегия</a:t>
             </a:r>
             <a:r>
               <a:rPr lang="en-US" dirty="0" smtClean="0"/>
@@ -5425,8 +5742,8 @@
         </p:nvSpPr>
         <p:spPr>
           <a:xfrm>
-            <a:off x="5145206" y="1690687"/>
-            <a:ext cx="6100549" cy="1477328"/>
+            <a:off x="1883390" y="1690688"/>
+            <a:ext cx="9362365" cy="923330"/>
           </a:xfrm>
           <a:prstGeom prst="rect">
             <a:avLst/>
@@ -5440,15 +5757,27 @@
           <a:lstStyle/>
           <a:p>
             <a:r>
+              <a:rPr lang="ru-RU" dirty="0" smtClean="0"/>
+              <a:t>Стратегия обеспечивает разделение и обеспечение быстрого </a:t>
+            </a:r>
+            <a:r>
               <a:rPr lang="ru-RU" dirty="0"/>
-              <a:t>Перевести один интерфейс для класса в совместимый интерфейс. Адаптер позволяет классам работать вместе, что обычно не может из-за несовместимых интерфейсов, предоставляя свой интерфейс клиентам при использовании оригинального интерфейса.</a:t>
+              <a:t>переключение между </a:t>
+            </a:r>
+            <a:r>
+              <a:rPr lang="ru-RU" dirty="0" smtClean="0"/>
+              <a:t>объектами. </a:t>
+            </a:r>
+            <a:r>
+              <a:rPr lang="ru-RU" dirty="0"/>
+              <a:t>Также этот шаблон является хорошей альтернативой наследованию (вместо расширения абстрактного класса).</a:t>
             </a:r>
           </a:p>
         </p:txBody>
       </p:sp>
       <p:pic>
         <p:nvPicPr>
-          <p:cNvPr id="22530" name="Picture 2" descr="Alt Adapter UML Diagram"/>
+          <p:cNvPr id="23554" name="Picture 2" descr="Alt Strategy UML Diagram"/>
           <p:cNvPicPr>
             <a:picLocks noChangeAspect="1" noChangeArrowheads="1"/>
           </p:cNvPicPr>
@@ -5469,8 +5798,8 @@
         </p:blipFill>
         <p:spPr bwMode="auto">
           <a:xfrm>
-            <a:off x="110684" y="102232"/>
-            <a:ext cx="4178665" cy="6653410"/>
+            <a:off x="145985" y="3407461"/>
+            <a:ext cx="7713748" cy="2503227"/>
           </a:xfrm>
           <a:prstGeom prst="rect">
             <a:avLst/>
@@ -5489,32 +5818,70 @@
       </p:pic>
       <p:pic>
         <p:nvPicPr>
-          <p:cNvPr id="4" name="Рисунок 3"/>
+          <p:cNvPr id="5122" name="Picture 2"/>
           <p:cNvPicPr>
-            <a:picLocks noChangeAspect="1"/>
+            <a:picLocks noChangeAspect="1" noChangeArrowheads="1"/>
           </p:cNvPicPr>
           <p:nvPr/>
         </p:nvPicPr>
-        <p:blipFill>
-          <a:blip r:embed="rId4"/>
-          <a:stretch>
-            <a:fillRect/>
-          </a:stretch>
+        <p:blipFill rotWithShape="1">
+          <a:blip r:embed="rId4">
+            <a:extLst>
+              <a:ext uri="{28A0092B-C50C-407E-A947-70E740481C1C}">
+                <a14:useLocalDpi xmlns:a14="http://schemas.microsoft.com/office/drawing/2010/main" val="0"/>
+              </a:ext>
+            </a:extLst>
+          </a:blip>
+          <a:srcRect r="12804"/>
+          <a:stretch/>
         </p:blipFill>
-        <p:spPr>
+        <p:spPr bwMode="auto">
           <a:xfrm>
-            <a:off x="5813947" y="3331474"/>
-            <a:ext cx="4493380" cy="3205803"/>
+            <a:off x="7859733" y="3060225"/>
+            <a:ext cx="4302394" cy="3197700"/>
           </a:xfrm>
           <a:prstGeom prst="rect">
             <a:avLst/>
           </a:prstGeom>
+          <a:noFill/>
+          <a:ln>
+            <a:noFill/>
+          </a:ln>
+          <a:effectLst/>
+          <a:extLst>
+            <a:ext uri="{909E8E84-426E-40DD-AFC4-6F175D3DCCD1}">
+              <a14:hiddenFill xmlns:a14="http://schemas.microsoft.com/office/drawing/2010/main">
+                <a:solidFill>
+                  <a:schemeClr val="accent1"/>
+                </a:solidFill>
+              </a14:hiddenFill>
+            </a:ext>
+            <a:ext uri="{91240B29-F687-4F45-9708-019B960494DF}">
+              <a14:hiddenLine xmlns:a14="http://schemas.microsoft.com/office/drawing/2010/main" w="9525">
+                <a:solidFill>
+                  <a:schemeClr val="tx1"/>
+                </a:solidFill>
+                <a:miter lim="800000"/>
+                <a:headEnd/>
+                <a:tailEnd/>
+              </a14:hiddenLine>
+            </a:ext>
+            <a:ext uri="{AF507438-7753-43E0-B8FC-AC1667EBCBE1}">
+              <a14:hiddenEffects xmlns:a14="http://schemas.microsoft.com/office/drawing/2010/main">
+                <a:effectLst>
+                  <a:outerShdw dist="35921" dir="2700000" algn="ctr" rotWithShape="0">
+                    <a:schemeClr val="bg2"/>
+                  </a:outerShdw>
+                </a:effectLst>
+              </a14:hiddenEffects>
+            </a:ext>
+          </a:extLst>
         </p:spPr>
       </p:pic>
     </p:spTree>
     <p:extLst>
       <p:ext uri="{BB962C8B-B14F-4D97-AF65-F5344CB8AC3E}">
-        <p14:creationId xmlns:p14="http://schemas.microsoft.com/office/powerpoint/2010/main" val="1378490276"/>
+        <p14:creationId xmlns:p14="http://schemas.microsoft.com/office/powerpoint/2010/main" val="1838381139"/>
       </p:ext>
     </p:extLst>
   </p:cSld>
@@ -5565,12 +5932,16 @@
           <a:p>
             <a:pPr algn="ctr"/>
             <a:r>
+              <a:rPr lang="en-US" dirty="0"/>
+              <a:t>Value Object</a:t>
+            </a:r>
+            <a:r>
               <a:rPr lang="en-US" dirty="0" smtClean="0"/>
-              <a:t>Strategy (</a:t>
+              <a:t> (</a:t>
             </a:r>
             <a:r>
               <a:rPr lang="ru-RU" dirty="0" smtClean="0"/>
-              <a:t>Стратегия</a:t>
+              <a:t>Объект значение</a:t>
             </a:r>
             <a:r>
               <a:rPr lang="en-US" dirty="0" smtClean="0"/>
@@ -5589,7 +5960,7 @@
         <p:spPr>
           <a:xfrm>
             <a:off x="1883390" y="1690688"/>
-            <a:ext cx="9362365" cy="923330"/>
+            <a:ext cx="9362365" cy="646331"/>
           </a:xfrm>
           <a:prstGeom prst="rect">
             <a:avLst/>
@@ -5604,32 +5975,21 @@
           <a:p>
             <a:r>
               <a:rPr lang="ru-RU" dirty="0" smtClean="0"/>
-              <a:t>Стратегия обеспечивает разделение и обеспечение быстрого </a:t>
-            </a:r>
-            <a:r>
-              <a:rPr lang="ru-RU" dirty="0"/>
-              <a:t>переключение между </a:t>
-            </a:r>
-            <a:r>
-              <a:rPr lang="ru-RU" dirty="0" smtClean="0"/>
-              <a:t>объектами. </a:t>
-            </a:r>
-            <a:r>
-              <a:rPr lang="ru-RU" dirty="0"/>
-              <a:t>Также этот шаблон является хорошей альтернативой наследованию (вместо расширения абстрактного класса).</a:t>
-            </a:r>
+              <a:t>Объект – обертка, без сохранения с небольшим поведением касающегося обработкой данных внутри объекта.</a:t>
+            </a:r>
+            <a:endParaRPr lang="ru-RU" dirty="0"/>
           </a:p>
         </p:txBody>
       </p:sp>
       <p:pic>
         <p:nvPicPr>
-          <p:cNvPr id="23554" name="Picture 2" descr="Alt Strategy UML Diagram"/>
+          <p:cNvPr id="6146" name="Picture 2"/>
           <p:cNvPicPr>
             <a:picLocks noChangeAspect="1" noChangeArrowheads="1"/>
           </p:cNvPicPr>
           <p:nvPr/>
         </p:nvPicPr>
-        <p:blipFill>
+        <p:blipFill rotWithShape="1">
           <a:blip r:embed="rId3">
             <a:extLst>
               <a:ext uri="{28A0092B-C50C-407E-A947-70E740481C1C}">
@@ -5637,27 +5997,48 @@
               </a:ext>
             </a:extLst>
           </a:blip>
-          <a:srcRect/>
-          <a:stretch>
-            <a:fillRect/>
-          </a:stretch>
+          <a:srcRect l="3052"/>
+          <a:stretch/>
         </p:blipFill>
         <p:spPr bwMode="auto">
           <a:xfrm>
-            <a:off x="2407456" y="3433548"/>
-            <a:ext cx="7713748" cy="2503227"/>
+            <a:off x="2814638" y="3328986"/>
+            <a:ext cx="6909404" cy="2100263"/>
           </a:xfrm>
           <a:prstGeom prst="rect">
             <a:avLst/>
           </a:prstGeom>
           <a:noFill/>
+          <a:ln>
+            <a:noFill/>
+          </a:ln>
+          <a:effectLst/>
           <a:extLst>
             <a:ext uri="{909E8E84-426E-40DD-AFC4-6F175D3DCCD1}">
               <a14:hiddenFill xmlns:a14="http://schemas.microsoft.com/office/drawing/2010/main">
                 <a:solidFill>
-                  <a:srgbClr val="FFFFFF"/>
+                  <a:schemeClr val="accent1"/>
                 </a:solidFill>
               </a14:hiddenFill>
+            </a:ext>
+            <a:ext uri="{91240B29-F687-4F45-9708-019B960494DF}">
+              <a14:hiddenLine xmlns:a14="http://schemas.microsoft.com/office/drawing/2010/main" w="9525">
+                <a:solidFill>
+                  <a:schemeClr val="tx1"/>
+                </a:solidFill>
+                <a:miter lim="800000"/>
+                <a:headEnd/>
+                <a:tailEnd/>
+              </a14:hiddenLine>
+            </a:ext>
+            <a:ext uri="{AF507438-7753-43E0-B8FC-AC1667EBCBE1}">
+              <a14:hiddenEffects xmlns:a14="http://schemas.microsoft.com/office/drawing/2010/main">
+                <a:effectLst>
+                  <a:outerShdw dist="35921" dir="2700000" algn="ctr" rotWithShape="0">
+                    <a:schemeClr val="bg2"/>
+                  </a:outerShdw>
+                </a:effectLst>
+              </a14:hiddenEffects>
             </a:ext>
           </a:extLst>
         </p:spPr>
@@ -5665,7 +6046,7 @@
     </p:spTree>
     <p:extLst>
       <p:ext uri="{BB962C8B-B14F-4D97-AF65-F5344CB8AC3E}">
-        <p14:creationId xmlns:p14="http://schemas.microsoft.com/office/powerpoint/2010/main" val="1838381139"/>
+        <p14:creationId xmlns:p14="http://schemas.microsoft.com/office/powerpoint/2010/main" val="414206109"/>
       </p:ext>
     </p:extLst>
   </p:cSld>
@@ -5720,7 +6101,7 @@
         </p:blipFill>
         <p:spPr>
           <a:xfrm>
-            <a:off x="2470625" y="2784143"/>
+            <a:off x="2556353" y="2426943"/>
             <a:ext cx="6350000" cy="3739487"/>
           </a:xfrm>
           <a:prstGeom prst="rect">
@@ -5755,7 +6136,23 @@
             </a:pPr>
             <a:r>
               <a:rPr lang="ru-RU" dirty="0" smtClean="0"/>
-              <a:t>Плохая архитектура затратная в сопровождении, монолитна, плохо поддается тестированию, хрупка к изменениям и имеет неоправданную сложность.</a:t>
+              <a:t>Плохая </a:t>
+            </a:r>
+            <a:r>
+              <a:rPr lang="ru-RU" dirty="0" smtClean="0"/>
+              <a:t>архитектура - </a:t>
+            </a:r>
+            <a:r>
+              <a:rPr lang="ru-RU" dirty="0" err="1" smtClean="0"/>
+              <a:t>затратна</a:t>
+            </a:r>
+            <a:r>
+              <a:rPr lang="ru-RU" dirty="0" smtClean="0"/>
+              <a:t> </a:t>
+            </a:r>
+            <a:r>
+              <a:rPr lang="ru-RU" dirty="0" smtClean="0"/>
+              <a:t>в сопровождении, монолитна, плохо поддается тестированию, хрупка к изменениям и имеет неоправданную сложность.</a:t>
             </a:r>
             <a:endParaRPr lang="ru-RU" i="1" dirty="0"/>
           </a:p>
@@ -5771,6 +6168,13 @@
   <p:clrMapOvr>
     <a:masterClrMapping/>
   </p:clrMapOvr>
+  <p:timing>
+    <p:tnLst>
+      <p:par>
+        <p:cTn id="1" dur="indefinite" restart="never" nodeType="tmRoot"/>
+      </p:par>
+    </p:tnLst>
+  </p:timing>
 </p:sld>
 </file>
 
@@ -5808,16 +6212,12 @@
           <a:p>
             <a:pPr algn="ctr"/>
             <a:r>
-              <a:rPr lang="en-US" dirty="0"/>
-              <a:t>Value Object</a:t>
-            </a:r>
-            <a:r>
               <a:rPr lang="en-US" dirty="0" smtClean="0"/>
-              <a:t> (</a:t>
+              <a:t>DTO(</a:t>
             </a:r>
             <a:r>
               <a:rPr lang="ru-RU" dirty="0" smtClean="0"/>
-              <a:t>Объект значение</a:t>
+              <a:t>Объект транспортировки данных</a:t>
             </a:r>
             <a:r>
               <a:rPr lang="en-US" dirty="0" smtClean="0"/>
@@ -5835,8 +6235,8 @@
         </p:nvSpPr>
         <p:spPr>
           <a:xfrm>
-            <a:off x="1883390" y="1690688"/>
-            <a:ext cx="9362365" cy="646331"/>
+            <a:off x="126022" y="1614496"/>
+            <a:ext cx="5160348" cy="1477328"/>
           </a:xfrm>
           <a:prstGeom prst="rect">
             <a:avLst/>
@@ -5851,16 +6251,96 @@
           <a:p>
             <a:r>
               <a:rPr lang="ru-RU" dirty="0" smtClean="0"/>
-              <a:t>Объект – обертка, без сохранения с небольшим поведением касающегося обработкой данных внутри объекта.</a:t>
+              <a:t>Название говорит само за себя, для транспортировки данных между слоями. Также служит контейнером для передачи и возврата объектов в методах. Может иметь методы преобразования данных.</a:t>
             </a:r>
             <a:endParaRPr lang="ru-RU" dirty="0"/>
           </a:p>
         </p:txBody>
       </p:sp>
+      <p:pic>
+        <p:nvPicPr>
+          <p:cNvPr id="24578" name="Picture 2" descr="https://martinfowler.com/eaaCatalog/dtoSketch.gif"/>
+          <p:cNvPicPr>
+            <a:picLocks noChangeAspect="1" noChangeArrowheads="1"/>
+          </p:cNvPicPr>
+          <p:nvPr/>
+        </p:nvPicPr>
+        <p:blipFill>
+          <a:blip r:embed="rId3">
+            <a:extLst>
+              <a:ext uri="{28A0092B-C50C-407E-A947-70E740481C1C}">
+                <a14:useLocalDpi xmlns:a14="http://schemas.microsoft.com/office/drawing/2010/main" val="0"/>
+              </a:ext>
+            </a:extLst>
+          </a:blip>
+          <a:srcRect/>
+          <a:stretch>
+            <a:fillRect/>
+          </a:stretch>
+        </p:blipFill>
+        <p:spPr bwMode="auto">
+          <a:xfrm>
+            <a:off x="28354" y="3457779"/>
+            <a:ext cx="5072292" cy="1823636"/>
+          </a:xfrm>
+          <a:prstGeom prst="rect">
+            <a:avLst/>
+          </a:prstGeom>
+          <a:noFill/>
+          <a:extLst>
+            <a:ext uri="{909E8E84-426E-40DD-AFC4-6F175D3DCCD1}">
+              <a14:hiddenFill xmlns:a14="http://schemas.microsoft.com/office/drawing/2010/main">
+                <a:solidFill>
+                  <a:srgbClr val="FFFFFF"/>
+                </a:solidFill>
+              </a14:hiddenFill>
+            </a:ext>
+          </a:extLst>
+        </p:spPr>
+      </p:pic>
+      <p:pic>
+        <p:nvPicPr>
+          <p:cNvPr id="7170" name="Picture 2" descr="https://downloader.disk.yandex.ru/preview/64459cf17f6ff851b2e6769813a4d12d47988ce21579362e70f52456c3cfb389/5b000e17/9-xUx4R6BqLg0j6IwI71tm-RnNb7pYgSDaSIvtPsVP3jV0ARiyXUPxGYpC4DciCil7CufSfjCjeFVBZ5TkR-dw%3D%3D?uid=0&amp;filename=2018-05-19_10-43-48.png&amp;disposition=inline&amp;hash=&amp;limit=0&amp;content_type=image%2Fpng&amp;tknv=v2&amp;size=2048x2048"/>
+          <p:cNvPicPr>
+            <a:picLocks noChangeAspect="1" noChangeArrowheads="1"/>
+          </p:cNvPicPr>
+          <p:nvPr/>
+        </p:nvPicPr>
+        <p:blipFill rotWithShape="1">
+          <a:blip r:embed="rId4">
+            <a:extLst>
+              <a:ext uri="{28A0092B-C50C-407E-A947-70E740481C1C}">
+                <a14:useLocalDpi xmlns:a14="http://schemas.microsoft.com/office/drawing/2010/main" val="0"/>
+              </a:ext>
+            </a:extLst>
+          </a:blip>
+          <a:srcRect l="2433"/>
+          <a:stretch/>
+        </p:blipFill>
+        <p:spPr bwMode="auto">
+          <a:xfrm>
+            <a:off x="5286370" y="1614496"/>
+            <a:ext cx="6875475" cy="4800601"/>
+          </a:xfrm>
+          <a:prstGeom prst="rect">
+            <a:avLst/>
+          </a:prstGeom>
+          <a:noFill/>
+          <a:extLst>
+            <a:ext uri="{909E8E84-426E-40DD-AFC4-6F175D3DCCD1}">
+              <a14:hiddenFill xmlns:a14="http://schemas.microsoft.com/office/drawing/2010/main">
+                <a:solidFill>
+                  <a:srgbClr val="FFFFFF"/>
+                </a:solidFill>
+              </a14:hiddenFill>
+            </a:ext>
+          </a:extLst>
+        </p:spPr>
+      </p:pic>
     </p:spTree>
     <p:extLst>
       <p:ext uri="{BB962C8B-B14F-4D97-AF65-F5344CB8AC3E}">
-        <p14:creationId xmlns:p14="http://schemas.microsoft.com/office/powerpoint/2010/main" val="414206109"/>
+        <p14:creationId xmlns:p14="http://schemas.microsoft.com/office/powerpoint/2010/main" val="50257641"/>
       </p:ext>
     </p:extLst>
   </p:cSld>
@@ -5897,146 +6377,6 @@
       <p:sp>
         <p:nvSpPr>
           <p:cNvPr id="2" name="Заголовок 1"/>
-          <p:cNvSpPr>
-            <a:spLocks noGrp="1"/>
-          </p:cNvSpPr>
-          <p:nvPr>
-            <p:ph type="title"/>
-          </p:nvPr>
-        </p:nvSpPr>
-        <p:spPr/>
-        <p:txBody>
-          <a:bodyPr/>
-          <a:lstStyle/>
-          <a:p>
-            <a:pPr algn="ctr"/>
-            <a:r>
-              <a:rPr lang="en-US" dirty="0" smtClean="0"/>
-              <a:t>DTO(</a:t>
-            </a:r>
-            <a:r>
-              <a:rPr lang="ru-RU" dirty="0" smtClean="0"/>
-              <a:t>Объект транспортировки данных</a:t>
-            </a:r>
-            <a:r>
-              <a:rPr lang="en-US" dirty="0" smtClean="0"/>
-              <a:t>)</a:t>
-            </a:r>
-            <a:endParaRPr lang="ru-RU" dirty="0"/>
-          </a:p>
-        </p:txBody>
-      </p:sp>
-      <p:sp>
-        <p:nvSpPr>
-          <p:cNvPr id="3" name="TextBox 2"/>
-          <p:cNvSpPr txBox="1"/>
-          <p:nvPr/>
-        </p:nvSpPr>
-        <p:spPr>
-          <a:xfrm>
-            <a:off x="1883390" y="1690688"/>
-            <a:ext cx="9362365" cy="923330"/>
-          </a:xfrm>
-          <a:prstGeom prst="rect">
-            <a:avLst/>
-          </a:prstGeom>
-          <a:noFill/>
-        </p:spPr>
-        <p:txBody>
-          <a:bodyPr wrap="square" rtlCol="0">
-            <a:spAutoFit/>
-          </a:bodyPr>
-          <a:lstStyle/>
-          <a:p>
-            <a:r>
-              <a:rPr lang="ru-RU" dirty="0" smtClean="0"/>
-              <a:t>Название говорит само за себя, для транспортировки данных между слоями. Также служит контейнером для передачи и возврата объектов в методах. Может иметь методы преобразования данных.</a:t>
-            </a:r>
-            <a:endParaRPr lang="ru-RU" dirty="0"/>
-          </a:p>
-        </p:txBody>
-      </p:sp>
-      <p:pic>
-        <p:nvPicPr>
-          <p:cNvPr id="24578" name="Picture 2" descr="https://martinfowler.com/eaaCatalog/dtoSketch.gif"/>
-          <p:cNvPicPr>
-            <a:picLocks noChangeAspect="1" noChangeArrowheads="1"/>
-          </p:cNvPicPr>
-          <p:nvPr/>
-        </p:nvPicPr>
-        <p:blipFill>
-          <a:blip r:embed="rId3">
-            <a:extLst>
-              <a:ext uri="{28A0092B-C50C-407E-A947-70E740481C1C}">
-                <a14:useLocalDpi xmlns:a14="http://schemas.microsoft.com/office/drawing/2010/main" val="0"/>
-              </a:ext>
-            </a:extLst>
-          </a:blip>
-          <a:srcRect/>
-          <a:stretch>
-            <a:fillRect/>
-          </a:stretch>
-        </p:blipFill>
-        <p:spPr bwMode="auto">
-          <a:xfrm>
-            <a:off x="2557582" y="3313702"/>
-            <a:ext cx="7106067" cy="2554835"/>
-          </a:xfrm>
-          <a:prstGeom prst="rect">
-            <a:avLst/>
-          </a:prstGeom>
-          <a:noFill/>
-          <a:extLst>
-            <a:ext uri="{909E8E84-426E-40DD-AFC4-6F175D3DCCD1}">
-              <a14:hiddenFill xmlns:a14="http://schemas.microsoft.com/office/drawing/2010/main">
-                <a:solidFill>
-                  <a:srgbClr val="FFFFFF"/>
-                </a:solidFill>
-              </a14:hiddenFill>
-            </a:ext>
-          </a:extLst>
-        </p:spPr>
-      </p:pic>
-    </p:spTree>
-    <p:extLst>
-      <p:ext uri="{BB962C8B-B14F-4D97-AF65-F5344CB8AC3E}">
-        <p14:creationId xmlns:p14="http://schemas.microsoft.com/office/powerpoint/2010/main" val="50257641"/>
-      </p:ext>
-    </p:extLst>
-  </p:cSld>
-  <p:clrMapOvr>
-    <a:masterClrMapping/>
-  </p:clrMapOvr>
-  <p:timing>
-    <p:tnLst>
-      <p:par>
-        <p:cTn id="1" dur="indefinite" restart="never" nodeType="tmRoot"/>
-      </p:par>
-    </p:tnLst>
-  </p:timing>
-</p:sld>
-</file>
-
-<file path=ppt/slides/slide22.xml><?xml version="1.0" encoding="utf-8"?>
-<p:sld xmlns:a="http://schemas.openxmlformats.org/drawingml/2006/main" xmlns:r="http://schemas.openxmlformats.org/officeDocument/2006/relationships" xmlns:p="http://schemas.openxmlformats.org/presentationml/2006/main">
-  <p:cSld>
-    <p:spTree>
-      <p:nvGrpSpPr>
-        <p:cNvPr id="1" name=""/>
-        <p:cNvGrpSpPr/>
-        <p:nvPr/>
-      </p:nvGrpSpPr>
-      <p:grpSpPr>
-        <a:xfrm>
-          <a:off x="0" y="0"/>
-          <a:ext cx="0" cy="0"/>
-          <a:chOff x="0" y="0"/>
-          <a:chExt cx="0" cy="0"/>
-        </a:xfrm>
-      </p:grpSpPr>
-      <p:sp>
-        <p:nvSpPr>
-          <p:cNvPr id="2" name="Заголовок 1"/>
           <p:cNvSpPr txBox="1">
             <a:spLocks/>
           </p:cNvSpPr>
@@ -6201,7 +6541,7 @@
 </p:sld>
 </file>
 
-<file path=ppt/slides/slide23.xml><?xml version="1.0" encoding="utf-8"?>
+<file path=ppt/slides/slide22.xml><?xml version="1.0" encoding="utf-8"?>
 <p:sld xmlns:a="http://schemas.openxmlformats.org/drawingml/2006/main" xmlns:r="http://schemas.openxmlformats.org/officeDocument/2006/relationships" xmlns:p="http://schemas.openxmlformats.org/presentationml/2006/main">
   <p:cSld>
     <p:spTree>
@@ -6404,18 +6744,13 @@
             </a:pPr>
             <a:r>
               <a:rPr lang="ru-RU" dirty="0" smtClean="0"/>
-              <a:t>Хорошая архитектура делает систему легкой в освоении, простой в разработке, сопровождении и развертывании. Конечная ее цель – минимизировать затраты на протяжения всего срока службы системы и максимизировать продуктивность программиста.</a:t>
-            </a:r>
-          </a:p>
-          <a:p>
-            <a:pPr marL="457200" lvl="1" indent="0" algn="r">
-              <a:buNone/>
-            </a:pPr>
-            <a:r>
-              <a:rPr lang="ru-RU" i="1" dirty="0" smtClean="0"/>
-              <a:t>Роберт Мартин</a:t>
-            </a:r>
-            <a:endParaRPr lang="ru-RU" i="1" dirty="0"/>
+              <a:t>Хорошая архитектура делает систему легкой в освоении, простой в разработке, сопровождении и развертывании. Конечная ее цель – минимизировать затраты на протяжения всего срока службы системы и максимизировать продуктивность программиста</a:t>
+            </a:r>
+            <a:r>
+              <a:rPr lang="ru-RU" dirty="0" smtClean="0"/>
+              <a:t>.</a:t>
+            </a:r>
+            <a:endParaRPr lang="ru-RU" dirty="0" smtClean="0"/>
           </a:p>
         </p:txBody>
       </p:sp>
@@ -6495,33 +6830,69 @@
             <p:ph type="title"/>
           </p:nvPr>
         </p:nvSpPr>
-        <p:spPr>
+        <p:spPr/>
+        <p:txBody>
+          <a:bodyPr/>
+          <a:lstStyle/>
+          <a:p>
+            <a:pPr algn="ctr"/>
+            <a:r>
+              <a:rPr lang="ru-RU" dirty="0" smtClean="0"/>
+              <a:t>Классический</a:t>
+            </a:r>
+            <a:r>
+              <a:rPr lang="en-US" dirty="0" smtClean="0"/>
+              <a:t> MVC</a:t>
+            </a:r>
+            <a:endParaRPr lang="ru-RU" dirty="0"/>
+          </a:p>
+        </p:txBody>
+      </p:sp>
+      <p:pic>
+        <p:nvPicPr>
+          <p:cNvPr id="7170" name="Picture 2" descr="https://martinfowler.com/eaaCatalog/mvc-sketch.gif"/>
+          <p:cNvPicPr>
+            <a:picLocks noChangeAspect="1" noChangeArrowheads="1"/>
+          </p:cNvPicPr>
+          <p:nvPr/>
+        </p:nvPicPr>
+        <p:blipFill>
+          <a:blip r:embed="rId2">
+            <a:extLst>
+              <a:ext uri="{28A0092B-C50C-407E-A947-70E740481C1C}">
+                <a14:useLocalDpi xmlns:a14="http://schemas.microsoft.com/office/drawing/2010/main" val="0"/>
+              </a:ext>
+            </a:extLst>
+          </a:blip>
+          <a:srcRect/>
+          <a:stretch>
+            <a:fillRect/>
+          </a:stretch>
+        </p:blipFill>
+        <p:spPr bwMode="auto">
           <a:xfrm>
-            <a:off x="838200" y="2494176"/>
-            <a:ext cx="10515600" cy="1325563"/>
-          </a:xfrm>
-        </p:spPr>
-        <p:txBody>
-          <a:bodyPr/>
-          <a:lstStyle/>
-          <a:p>
-            <a:pPr algn="ctr"/>
-            <a:r>
-              <a:rPr lang="ru-RU" dirty="0" smtClean="0"/>
-              <a:t>Примеры</a:t>
-            </a:r>
-            <a:r>
-              <a:rPr lang="ru-RU" dirty="0" smtClean="0"/>
-              <a:t> архитектурных решений</a:t>
-            </a:r>
-            <a:endParaRPr lang="ru-RU" dirty="0"/>
-          </a:p>
-        </p:txBody>
-      </p:sp>
+            <a:off x="4027724" y="2423568"/>
+            <a:ext cx="3738036" cy="2748934"/>
+          </a:xfrm>
+          <a:prstGeom prst="rect">
+            <a:avLst/>
+          </a:prstGeom>
+          <a:noFill/>
+          <a:extLst>
+            <a:ext uri="{909E8E84-426E-40DD-AFC4-6F175D3DCCD1}">
+              <a14:hiddenFill xmlns:a14="http://schemas.microsoft.com/office/drawing/2010/main">
+                <a:solidFill>
+                  <a:srgbClr val="FFFFFF"/>
+                </a:solidFill>
+              </a14:hiddenFill>
+            </a:ext>
+          </a:extLst>
+        </p:spPr>
+      </p:pic>
     </p:spTree>
     <p:extLst>
       <p:ext uri="{BB962C8B-B14F-4D97-AF65-F5344CB8AC3E}">
-        <p14:creationId xmlns:p14="http://schemas.microsoft.com/office/powerpoint/2010/main" val="3785808841"/>
+        <p14:creationId xmlns:p14="http://schemas.microsoft.com/office/powerpoint/2010/main" val="823825287"/>
       </p:ext>
     </p:extLst>
   </p:cSld>
@@ -6572,12 +6943,12 @@
           <a:p>
             <a:pPr algn="ctr"/>
             <a:r>
+              <a:rPr lang="ru-RU" dirty="0"/>
+              <a:t>Разделение на </a:t>
+            </a:r>
+            <a:r>
               <a:rPr lang="ru-RU" dirty="0" smtClean="0"/>
-              <a:t>Классический</a:t>
-            </a:r>
-            <a:r>
-              <a:rPr lang="en-US" dirty="0" smtClean="0"/>
-              <a:t> MVC</a:t>
+              <a:t>слои</a:t>
             </a:r>
             <a:endParaRPr lang="ru-RU" dirty="0"/>
           </a:p>
@@ -6606,7 +6977,7 @@
         </p:blipFill>
         <p:spPr bwMode="auto">
           <a:xfrm>
-            <a:off x="4027724" y="2423568"/>
+            <a:off x="4055019" y="1955750"/>
             <a:ext cx="3738036" cy="2748934"/>
           </a:xfrm>
           <a:prstGeom prst="rect">
@@ -6624,10 +6995,100 @@
           </a:extLst>
         </p:spPr>
       </p:pic>
+      <p:cxnSp>
+        <p:nvCxnSpPr>
+          <p:cNvPr id="4" name="Прямая соединительная линия 3"/>
+          <p:cNvCxnSpPr/>
+          <p:nvPr/>
+        </p:nvCxnSpPr>
+        <p:spPr>
+          <a:xfrm flipV="1">
+            <a:off x="1631817" y="3197527"/>
+            <a:ext cx="8584441" cy="27295"/>
+          </a:xfrm>
+          <a:prstGeom prst="line">
+            <a:avLst/>
+          </a:prstGeom>
+        </p:spPr>
+        <p:style>
+          <a:lnRef idx="1">
+            <a:schemeClr val="accent1"/>
+          </a:lnRef>
+          <a:fillRef idx="0">
+            <a:schemeClr val="accent1"/>
+          </a:fillRef>
+          <a:effectRef idx="0">
+            <a:schemeClr val="accent1"/>
+          </a:effectRef>
+          <a:fontRef idx="minor">
+            <a:schemeClr val="tx1"/>
+          </a:fontRef>
+        </p:style>
+      </p:cxnSp>
+      <p:sp>
+        <p:nvSpPr>
+          <p:cNvPr id="5" name="TextBox 4"/>
+          <p:cNvSpPr txBox="1"/>
+          <p:nvPr/>
+        </p:nvSpPr>
+        <p:spPr>
+          <a:xfrm rot="16200000">
+            <a:off x="97853" y="1592387"/>
+            <a:ext cx="2511585" cy="461665"/>
+          </a:xfrm>
+          <a:prstGeom prst="rect">
+            <a:avLst/>
+          </a:prstGeom>
+          <a:noFill/>
+        </p:spPr>
+        <p:txBody>
+          <a:bodyPr wrap="none" rtlCol="0">
+            <a:spAutoFit/>
+          </a:bodyPr>
+          <a:lstStyle/>
+          <a:p>
+            <a:r>
+              <a:rPr lang="en-US" sz="2400" dirty="0" smtClean="0"/>
+              <a:t>Presentation Layer</a:t>
+            </a:r>
+            <a:endParaRPr lang="ru-RU" sz="2400" dirty="0"/>
+          </a:p>
+        </p:txBody>
+      </p:sp>
+      <p:sp>
+        <p:nvSpPr>
+          <p:cNvPr id="7" name="TextBox 6"/>
+          <p:cNvSpPr txBox="1"/>
+          <p:nvPr/>
+        </p:nvSpPr>
+        <p:spPr>
+          <a:xfrm rot="16200000">
+            <a:off x="404442" y="4152712"/>
+            <a:ext cx="1898405" cy="461665"/>
+          </a:xfrm>
+          <a:prstGeom prst="rect">
+            <a:avLst/>
+          </a:prstGeom>
+          <a:noFill/>
+        </p:spPr>
+        <p:txBody>
+          <a:bodyPr wrap="none" rtlCol="0">
+            <a:spAutoFit/>
+          </a:bodyPr>
+          <a:lstStyle/>
+          <a:p>
+            <a:r>
+              <a:rPr lang="en-US" sz="2400" dirty="0" smtClean="0"/>
+              <a:t>Domain Layer</a:t>
+            </a:r>
+            <a:endParaRPr lang="ru-RU" sz="2400" dirty="0"/>
+          </a:p>
+        </p:txBody>
+      </p:sp>
     </p:spTree>
     <p:extLst>
       <p:ext uri="{BB962C8B-B14F-4D97-AF65-F5344CB8AC3E}">
-        <p14:creationId xmlns:p14="http://schemas.microsoft.com/office/powerpoint/2010/main" val="823825287"/>
+        <p14:creationId xmlns:p14="http://schemas.microsoft.com/office/powerpoint/2010/main" val="2449931128"/>
       </p:ext>
     </p:extLst>
   </p:cSld>
@@ -6679,205 +7140,8 @@
             <a:pPr algn="ctr"/>
             <a:r>
               <a:rPr lang="ru-RU" dirty="0"/>
-              <a:t>Разделение на </a:t>
-            </a:r>
-            <a:r>
-              <a:rPr lang="ru-RU" dirty="0" smtClean="0"/>
-              <a:t>слои</a:t>
-            </a:r>
-            <a:endParaRPr lang="ru-RU" dirty="0"/>
-          </a:p>
-        </p:txBody>
-      </p:sp>
-      <p:pic>
-        <p:nvPicPr>
-          <p:cNvPr id="7170" name="Picture 2" descr="https://martinfowler.com/eaaCatalog/mvc-sketch.gif"/>
-          <p:cNvPicPr>
-            <a:picLocks noChangeAspect="1" noChangeArrowheads="1"/>
-          </p:cNvPicPr>
-          <p:nvPr/>
-        </p:nvPicPr>
-        <p:blipFill>
-          <a:blip r:embed="rId2">
-            <a:extLst>
-              <a:ext uri="{28A0092B-C50C-407E-A947-70E740481C1C}">
-                <a14:useLocalDpi xmlns:a14="http://schemas.microsoft.com/office/drawing/2010/main" val="0"/>
-              </a:ext>
-            </a:extLst>
-          </a:blip>
-          <a:srcRect/>
-          <a:stretch>
-            <a:fillRect/>
-          </a:stretch>
-        </p:blipFill>
-        <p:spPr bwMode="auto">
-          <a:xfrm>
-            <a:off x="4055019" y="1955750"/>
-            <a:ext cx="3738036" cy="2748934"/>
-          </a:xfrm>
-          <a:prstGeom prst="rect">
-            <a:avLst/>
-          </a:prstGeom>
-          <a:noFill/>
-          <a:extLst>
-            <a:ext uri="{909E8E84-426E-40DD-AFC4-6F175D3DCCD1}">
-              <a14:hiddenFill xmlns:a14="http://schemas.microsoft.com/office/drawing/2010/main">
-                <a:solidFill>
-                  <a:srgbClr val="FFFFFF"/>
-                </a:solidFill>
-              </a14:hiddenFill>
-            </a:ext>
-          </a:extLst>
-        </p:spPr>
-      </p:pic>
-      <p:cxnSp>
-        <p:nvCxnSpPr>
-          <p:cNvPr id="4" name="Прямая соединительная линия 3"/>
-          <p:cNvCxnSpPr/>
-          <p:nvPr/>
-        </p:nvCxnSpPr>
-        <p:spPr>
-          <a:xfrm flipV="1">
-            <a:off x="1631817" y="3197527"/>
-            <a:ext cx="8584441" cy="27295"/>
-          </a:xfrm>
-          <a:prstGeom prst="line">
-            <a:avLst/>
-          </a:prstGeom>
-        </p:spPr>
-        <p:style>
-          <a:lnRef idx="1">
-            <a:schemeClr val="accent1"/>
-          </a:lnRef>
-          <a:fillRef idx="0">
-            <a:schemeClr val="accent1"/>
-          </a:fillRef>
-          <a:effectRef idx="0">
-            <a:schemeClr val="accent1"/>
-          </a:effectRef>
-          <a:fontRef idx="minor">
-            <a:schemeClr val="tx1"/>
-          </a:fontRef>
-        </p:style>
-      </p:cxnSp>
-      <p:sp>
-        <p:nvSpPr>
-          <p:cNvPr id="5" name="TextBox 4"/>
-          <p:cNvSpPr txBox="1"/>
-          <p:nvPr/>
-        </p:nvSpPr>
-        <p:spPr>
-          <a:xfrm rot="16200000">
-            <a:off x="97853" y="1592387"/>
-            <a:ext cx="2511585" cy="461665"/>
-          </a:xfrm>
-          <a:prstGeom prst="rect">
-            <a:avLst/>
-          </a:prstGeom>
-          <a:noFill/>
-        </p:spPr>
-        <p:txBody>
-          <a:bodyPr wrap="none" rtlCol="0">
-            <a:spAutoFit/>
-          </a:bodyPr>
-          <a:lstStyle/>
-          <a:p>
-            <a:r>
-              <a:rPr lang="en-US" sz="2400" dirty="0" smtClean="0"/>
-              <a:t>Presentation Layer</a:t>
-            </a:r>
-            <a:endParaRPr lang="ru-RU" sz="2400" dirty="0"/>
-          </a:p>
-        </p:txBody>
-      </p:sp>
-      <p:sp>
-        <p:nvSpPr>
-          <p:cNvPr id="7" name="TextBox 6"/>
-          <p:cNvSpPr txBox="1"/>
-          <p:nvPr/>
-        </p:nvSpPr>
-        <p:spPr>
-          <a:xfrm rot="16200000">
-            <a:off x="404442" y="4152712"/>
-            <a:ext cx="1898405" cy="461665"/>
-          </a:xfrm>
-          <a:prstGeom prst="rect">
-            <a:avLst/>
-          </a:prstGeom>
-          <a:noFill/>
-        </p:spPr>
-        <p:txBody>
-          <a:bodyPr wrap="none" rtlCol="0">
-            <a:spAutoFit/>
-          </a:bodyPr>
-          <a:lstStyle/>
-          <a:p>
-            <a:r>
-              <a:rPr lang="en-US" sz="2400" dirty="0" smtClean="0"/>
-              <a:t>Domain Layer</a:t>
-            </a:r>
-            <a:endParaRPr lang="ru-RU" sz="2400" dirty="0"/>
-          </a:p>
-        </p:txBody>
-      </p:sp>
-    </p:spTree>
-    <p:extLst>
-      <p:ext uri="{BB962C8B-B14F-4D97-AF65-F5344CB8AC3E}">
-        <p14:creationId xmlns:p14="http://schemas.microsoft.com/office/powerpoint/2010/main" val="2449931128"/>
-      </p:ext>
-    </p:extLst>
-  </p:cSld>
-  <p:clrMapOvr>
-    <a:masterClrMapping/>
-  </p:clrMapOvr>
-  <p:timing>
-    <p:tnLst>
-      <p:par>
-        <p:cTn id="1" dur="indefinite" restart="never" nodeType="tmRoot"/>
-      </p:par>
-    </p:tnLst>
-  </p:timing>
-</p:sld>
-</file>
-
-<file path=ppt/slides/slide7.xml><?xml version="1.0" encoding="utf-8"?>
-<p:sld xmlns:a="http://schemas.openxmlformats.org/drawingml/2006/main" xmlns:r="http://schemas.openxmlformats.org/officeDocument/2006/relationships" xmlns:p="http://schemas.openxmlformats.org/presentationml/2006/main">
-  <p:cSld>
-    <p:spTree>
-      <p:nvGrpSpPr>
-        <p:cNvPr id="1" name=""/>
-        <p:cNvGrpSpPr/>
-        <p:nvPr/>
-      </p:nvGrpSpPr>
-      <p:grpSpPr>
-        <a:xfrm>
-          <a:off x="0" y="0"/>
-          <a:ext cx="0" cy="0"/>
-          <a:chOff x="0" y="0"/>
-          <a:chExt cx="0" cy="0"/>
-        </a:xfrm>
-      </p:grpSpPr>
-      <p:sp>
-        <p:nvSpPr>
-          <p:cNvPr id="2" name="Заголовок 1"/>
-          <p:cNvSpPr>
-            <a:spLocks noGrp="1"/>
-          </p:cNvSpPr>
-          <p:nvPr>
-            <p:ph type="title"/>
-          </p:nvPr>
-        </p:nvSpPr>
-        <p:spPr/>
-        <p:txBody>
-          <a:bodyPr/>
-          <a:lstStyle/>
-          <a:p>
-            <a:pPr algn="ctr"/>
-            <a:r>
-              <a:rPr lang="ru-RU" dirty="0"/>
               <a:t>Еще больше слоев</a:t>
             </a:r>
-            <a:endParaRPr lang="ru-RU" dirty="0"/>
           </a:p>
         </p:txBody>
       </p:sp>
@@ -7254,7 +7518,7 @@
 </p:sld>
 </file>
 
-<file path=ppt/slides/slide8.xml><?xml version="1.0" encoding="utf-8"?>
+<file path=ppt/slides/slide7.xml><?xml version="1.0" encoding="utf-8"?>
 <p:sld xmlns:a="http://schemas.openxmlformats.org/drawingml/2006/main" xmlns:r="http://schemas.openxmlformats.org/officeDocument/2006/relationships" xmlns:p="http://schemas.openxmlformats.org/presentationml/2006/main">
   <p:cSld>
     <p:spTree>
@@ -7354,6 +7618,304 @@
     <p:extLst>
       <p:ext uri="{BB962C8B-B14F-4D97-AF65-F5344CB8AC3E}">
         <p14:creationId xmlns:p14="http://schemas.microsoft.com/office/powerpoint/2010/main" val="2826876479"/>
+      </p:ext>
+    </p:extLst>
+  </p:cSld>
+  <p:clrMapOvr>
+    <a:masterClrMapping/>
+  </p:clrMapOvr>
+  <p:timing>
+    <p:tnLst>
+      <p:par>
+        <p:cTn id="1" dur="indefinite" restart="never" nodeType="tmRoot"/>
+      </p:par>
+    </p:tnLst>
+  </p:timing>
+</p:sld>
+</file>
+
+<file path=ppt/slides/slide8.xml><?xml version="1.0" encoding="utf-8"?>
+<p:sld xmlns:a="http://schemas.openxmlformats.org/drawingml/2006/main" xmlns:r="http://schemas.openxmlformats.org/officeDocument/2006/relationships" xmlns:p="http://schemas.openxmlformats.org/presentationml/2006/main">
+  <p:cSld>
+    <p:spTree>
+      <p:nvGrpSpPr>
+        <p:cNvPr id="1" name=""/>
+        <p:cNvGrpSpPr/>
+        <p:nvPr/>
+      </p:nvGrpSpPr>
+      <p:grpSpPr>
+        <a:xfrm>
+          <a:off x="0" y="0"/>
+          <a:ext cx="0" cy="0"/>
+          <a:chOff x="0" y="0"/>
+          <a:chExt cx="0" cy="0"/>
+        </a:xfrm>
+      </p:grpSpPr>
+      <p:sp>
+        <p:nvSpPr>
+          <p:cNvPr id="2" name="Прямоугольник 1"/>
+          <p:cNvSpPr/>
+          <p:nvPr/>
+        </p:nvSpPr>
+        <p:spPr>
+          <a:xfrm>
+            <a:off x="545912" y="2333768"/>
+            <a:ext cx="11382232" cy="3046988"/>
+          </a:xfrm>
+          <a:prstGeom prst="rect">
+            <a:avLst/>
+          </a:prstGeom>
+        </p:spPr>
+        <p:txBody>
+          <a:bodyPr wrap="square">
+            <a:spAutoFit/>
+          </a:bodyPr>
+          <a:lstStyle/>
+          <a:p>
+            <a:r>
+              <a:rPr lang="ru-RU" sz="2400" dirty="0" err="1" smtClean="0">
+                <a:solidFill>
+                  <a:srgbClr val="222222"/>
+                </a:solidFill>
+              </a:rPr>
+              <a:t>Clean</a:t>
+            </a:r>
+            <a:r>
+              <a:rPr lang="ru-RU" sz="2400" dirty="0" smtClean="0">
+                <a:solidFill>
+                  <a:srgbClr val="222222"/>
+                </a:solidFill>
+              </a:rPr>
+              <a:t> </a:t>
+            </a:r>
+            <a:r>
+              <a:rPr lang="ru-RU" sz="2400" dirty="0" err="1">
+                <a:solidFill>
+                  <a:srgbClr val="222222"/>
+                </a:solidFill>
+              </a:rPr>
+              <a:t>Architecture</a:t>
+            </a:r>
+            <a:r>
+              <a:rPr lang="ru-RU" sz="2400" dirty="0">
+                <a:solidFill>
+                  <a:srgbClr val="222222"/>
+                </a:solidFill>
+              </a:rPr>
+              <a:t> объединила в себе идеи нескольких других архитектурных подходов, которые сходятся в том, что </a:t>
+            </a:r>
+            <a:r>
+              <a:rPr lang="ru-RU" sz="2400" b="1" dirty="0">
+                <a:solidFill>
+                  <a:srgbClr val="222222"/>
+                </a:solidFill>
+              </a:rPr>
+              <a:t>архитектура должна</a:t>
+            </a:r>
+            <a:r>
+              <a:rPr lang="ru-RU" sz="2400" dirty="0">
+                <a:solidFill>
+                  <a:srgbClr val="222222"/>
+                </a:solidFill>
+              </a:rPr>
+              <a:t>:</a:t>
+            </a:r>
+          </a:p>
+          <a:p>
+            <a:pPr>
+              <a:buFont typeface="Arial" panose="020B0604020202020204" pitchFamily="34" charset="0"/>
+              <a:buChar char="•"/>
+            </a:pPr>
+            <a:r>
+              <a:rPr lang="ru-RU" sz="2400" dirty="0" smtClean="0">
+                <a:solidFill>
+                  <a:srgbClr val="222222"/>
+                </a:solidFill>
+              </a:rPr>
+              <a:t> быть </a:t>
+            </a:r>
+            <a:r>
+              <a:rPr lang="ru-RU" sz="2400" dirty="0">
+                <a:solidFill>
+                  <a:srgbClr val="222222"/>
+                </a:solidFill>
+              </a:rPr>
+              <a:t>тестируемой;</a:t>
+            </a:r>
+          </a:p>
+          <a:p>
+            <a:pPr>
+              <a:buFont typeface="Arial" panose="020B0604020202020204" pitchFamily="34" charset="0"/>
+              <a:buChar char="•"/>
+            </a:pPr>
+            <a:r>
+              <a:rPr lang="ru-RU" sz="2400" dirty="0" smtClean="0">
+                <a:solidFill>
+                  <a:srgbClr val="222222"/>
+                </a:solidFill>
+              </a:rPr>
+              <a:t> не </a:t>
+            </a:r>
+            <a:r>
+              <a:rPr lang="ru-RU" sz="2400" dirty="0">
+                <a:solidFill>
+                  <a:srgbClr val="222222"/>
+                </a:solidFill>
+              </a:rPr>
+              <a:t>зависеть от UI;</a:t>
+            </a:r>
+          </a:p>
+          <a:p>
+            <a:pPr>
+              <a:buFont typeface="Arial" panose="020B0604020202020204" pitchFamily="34" charset="0"/>
+              <a:buChar char="•"/>
+            </a:pPr>
+            <a:r>
+              <a:rPr lang="ru-RU" sz="2400" dirty="0" smtClean="0">
+                <a:solidFill>
+                  <a:srgbClr val="222222"/>
+                </a:solidFill>
+              </a:rPr>
+              <a:t> не </a:t>
+            </a:r>
+            <a:r>
+              <a:rPr lang="ru-RU" sz="2400" dirty="0">
+                <a:solidFill>
+                  <a:srgbClr val="222222"/>
+                </a:solidFill>
+              </a:rPr>
+              <a:t>зависеть от БД, внешних </a:t>
+            </a:r>
+            <a:r>
+              <a:rPr lang="ru-RU" sz="2400" dirty="0" err="1">
+                <a:solidFill>
+                  <a:srgbClr val="222222"/>
+                </a:solidFill>
+              </a:rPr>
+              <a:t>фреймворков</a:t>
+            </a:r>
+            <a:r>
+              <a:rPr lang="ru-RU" sz="2400" dirty="0">
+                <a:solidFill>
+                  <a:srgbClr val="222222"/>
+                </a:solidFill>
+              </a:rPr>
+              <a:t> и библиотек.</a:t>
+            </a:r>
+          </a:p>
+          <a:p>
+            <a:r>
+              <a:rPr lang="ru-RU" sz="2400" dirty="0"/>
+              <a:t/>
+            </a:r>
+            <a:br>
+              <a:rPr lang="ru-RU" sz="2400" dirty="0"/>
+            </a:br>
+            <a:r>
+              <a:rPr lang="ru-RU" sz="2400" dirty="0">
+                <a:solidFill>
+                  <a:srgbClr val="222222"/>
+                </a:solidFill>
+              </a:rPr>
+              <a:t>Это достигается разделением на слои и следованием </a:t>
+            </a:r>
+            <a:r>
+              <a:rPr lang="ru-RU" sz="2400" dirty="0" err="1">
+                <a:solidFill>
+                  <a:srgbClr val="222222"/>
+                </a:solidFill>
+              </a:rPr>
+              <a:t>Dependency</a:t>
+            </a:r>
+            <a:r>
+              <a:rPr lang="ru-RU" sz="2400" dirty="0">
+                <a:solidFill>
+                  <a:srgbClr val="222222"/>
+                </a:solidFill>
+              </a:rPr>
+              <a:t> </a:t>
+            </a:r>
+            <a:r>
+              <a:rPr lang="ru-RU" sz="2400" dirty="0" err="1">
+                <a:solidFill>
+                  <a:srgbClr val="222222"/>
+                </a:solidFill>
+              </a:rPr>
+              <a:t>Rule</a:t>
+            </a:r>
+            <a:r>
+              <a:rPr lang="ru-RU" sz="2400" dirty="0">
+                <a:solidFill>
+                  <a:srgbClr val="222222"/>
+                </a:solidFill>
+              </a:rPr>
+              <a:t> (правилу зависимостей)</a:t>
+            </a:r>
+            <a:endParaRPr lang="ru-RU" sz="2400" b="0" i="0" dirty="0">
+              <a:solidFill>
+                <a:srgbClr val="222222"/>
+              </a:solidFill>
+              <a:effectLst/>
+            </a:endParaRPr>
+          </a:p>
+        </p:txBody>
+      </p:sp>
+      <p:sp>
+        <p:nvSpPr>
+          <p:cNvPr id="3" name="Заголовок 1"/>
+          <p:cNvSpPr txBox="1">
+            <a:spLocks/>
+          </p:cNvSpPr>
+          <p:nvPr/>
+        </p:nvSpPr>
+        <p:spPr>
+          <a:xfrm>
+            <a:off x="838200" y="365125"/>
+            <a:ext cx="10515600" cy="1325563"/>
+          </a:xfrm>
+          <a:prstGeom prst="rect">
+            <a:avLst/>
+          </a:prstGeom>
+        </p:spPr>
+        <p:txBody>
+          <a:bodyPr/>
+          <a:lstStyle>
+            <a:lvl1pPr algn="l" defTabSz="914400" rtl="0" eaLnBrk="1" latinLnBrk="0" hangingPunct="1">
+              <a:lnSpc>
+                <a:spcPct val="90000"/>
+              </a:lnSpc>
+              <a:spcBef>
+                <a:spcPct val="0"/>
+              </a:spcBef>
+              <a:buNone/>
+              <a:defRPr sz="4400" kern="1200">
+                <a:solidFill>
+                  <a:schemeClr val="tx1"/>
+                </a:solidFill>
+                <a:latin typeface="+mj-lt"/>
+                <a:ea typeface="+mj-ea"/>
+                <a:cs typeface="+mj-cs"/>
+              </a:defRPr>
+            </a:lvl1pPr>
+          </a:lstStyle>
+          <a:p>
+            <a:pPr algn="ctr"/>
+            <a:r>
+              <a:rPr lang="ru-RU" dirty="0"/>
+              <a:t>Чистая архитектура</a:t>
+            </a:r>
+            <a:endParaRPr lang="ru-RU" dirty="0">
+              <a:solidFill>
+                <a:srgbClr val="222222"/>
+              </a:solidFill>
+            </a:endParaRPr>
+          </a:p>
+        </p:txBody>
+      </p:sp>
+    </p:spTree>
+    <p:extLst>
+      <p:ext uri="{BB962C8B-B14F-4D97-AF65-F5344CB8AC3E}">
+        <p14:creationId xmlns:p14="http://schemas.microsoft.com/office/powerpoint/2010/main" val="2610342215"/>
       </p:ext>
     </p:extLst>
   </p:cSld>
@@ -7389,269 +7951,37 @@
       </p:grpSpPr>
       <p:sp>
         <p:nvSpPr>
-          <p:cNvPr id="2" name="Прямоугольник 1"/>
-          <p:cNvSpPr/>
-          <p:nvPr/>
+          <p:cNvPr id="2" name="Заголовок 1"/>
+          <p:cNvSpPr>
+            <a:spLocks noGrp="1"/>
+          </p:cNvSpPr>
+          <p:nvPr>
+            <p:ph type="title"/>
+          </p:nvPr>
         </p:nvSpPr>
         <p:spPr>
           <a:xfrm>
-            <a:off x="545912" y="2333768"/>
-            <a:ext cx="11382232" cy="3046988"/>
-          </a:xfrm>
-          <a:prstGeom prst="rect">
-            <a:avLst/>
-          </a:prstGeom>
-        </p:spPr>
-        <p:txBody>
-          <a:bodyPr wrap="square">
-            <a:spAutoFit/>
-          </a:bodyPr>
-          <a:lstStyle/>
-          <a:p>
-            <a:r>
-              <a:rPr lang="ru-RU" sz="2400" dirty="0" err="1" smtClean="0">
-                <a:solidFill>
-                  <a:srgbClr val="222222"/>
-                </a:solidFill>
-              </a:rPr>
-              <a:t>Clean</a:t>
-            </a:r>
-            <a:r>
-              <a:rPr lang="ru-RU" sz="2400" dirty="0" smtClean="0">
-                <a:solidFill>
-                  <a:srgbClr val="222222"/>
-                </a:solidFill>
-              </a:rPr>
-              <a:t> </a:t>
-            </a:r>
-            <a:r>
-              <a:rPr lang="ru-RU" sz="2400" dirty="0" err="1">
-                <a:solidFill>
-                  <a:srgbClr val="222222"/>
-                </a:solidFill>
-              </a:rPr>
-              <a:t>Architecture</a:t>
-            </a:r>
-            <a:r>
-              <a:rPr lang="ru-RU" sz="2400" dirty="0">
-                <a:solidFill>
-                  <a:srgbClr val="222222"/>
-                </a:solidFill>
-              </a:rPr>
-              <a:t> объединила в себе идеи нескольких других архитектурных подходов, которые сходятся в том, что </a:t>
-            </a:r>
-            <a:r>
-              <a:rPr lang="ru-RU" sz="2400" b="1" dirty="0">
-                <a:solidFill>
-                  <a:srgbClr val="222222"/>
-                </a:solidFill>
-              </a:rPr>
-              <a:t>архитектура должна</a:t>
-            </a:r>
-            <a:r>
-              <a:rPr lang="ru-RU" sz="2400" dirty="0">
-                <a:solidFill>
-                  <a:srgbClr val="222222"/>
-                </a:solidFill>
-              </a:rPr>
-              <a:t>:</a:t>
-            </a:r>
-          </a:p>
-          <a:p>
-            <a:pPr>
-              <a:buFont typeface="Arial" panose="020B0604020202020204" pitchFamily="34" charset="0"/>
-              <a:buChar char="•"/>
-            </a:pPr>
-            <a:r>
-              <a:rPr lang="ru-RU" sz="2400" dirty="0" smtClean="0">
-                <a:solidFill>
-                  <a:srgbClr val="222222"/>
-                </a:solidFill>
-              </a:rPr>
-              <a:t> быть </a:t>
-            </a:r>
-            <a:r>
-              <a:rPr lang="ru-RU" sz="2400" dirty="0">
-                <a:solidFill>
-                  <a:srgbClr val="222222"/>
-                </a:solidFill>
-              </a:rPr>
-              <a:t>тестируемой;</a:t>
-            </a:r>
-          </a:p>
-          <a:p>
-            <a:pPr>
-              <a:buFont typeface="Arial" panose="020B0604020202020204" pitchFamily="34" charset="0"/>
-              <a:buChar char="•"/>
-            </a:pPr>
-            <a:r>
-              <a:rPr lang="ru-RU" sz="2400" dirty="0" smtClean="0">
-                <a:solidFill>
-                  <a:srgbClr val="222222"/>
-                </a:solidFill>
-              </a:rPr>
-              <a:t> не </a:t>
-            </a:r>
-            <a:r>
-              <a:rPr lang="ru-RU" sz="2400" dirty="0">
-                <a:solidFill>
-                  <a:srgbClr val="222222"/>
-                </a:solidFill>
-              </a:rPr>
-              <a:t>зависеть от UI;</a:t>
-            </a:r>
-          </a:p>
-          <a:p>
-            <a:pPr>
-              <a:buFont typeface="Arial" panose="020B0604020202020204" pitchFamily="34" charset="0"/>
-              <a:buChar char="•"/>
-            </a:pPr>
-            <a:r>
-              <a:rPr lang="ru-RU" sz="2400" dirty="0" smtClean="0">
-                <a:solidFill>
-                  <a:srgbClr val="222222"/>
-                </a:solidFill>
-              </a:rPr>
-              <a:t> не </a:t>
-            </a:r>
-            <a:r>
-              <a:rPr lang="ru-RU" sz="2400" dirty="0">
-                <a:solidFill>
-                  <a:srgbClr val="222222"/>
-                </a:solidFill>
-              </a:rPr>
-              <a:t>зависеть от БД, внешних </a:t>
-            </a:r>
-            <a:r>
-              <a:rPr lang="ru-RU" sz="2400" dirty="0" err="1">
-                <a:solidFill>
-                  <a:srgbClr val="222222"/>
-                </a:solidFill>
-              </a:rPr>
-              <a:t>фреймворков</a:t>
-            </a:r>
-            <a:r>
-              <a:rPr lang="ru-RU" sz="2400" dirty="0">
-                <a:solidFill>
-                  <a:srgbClr val="222222"/>
-                </a:solidFill>
-              </a:rPr>
-              <a:t> и библиотек.</a:t>
-            </a:r>
-          </a:p>
-          <a:p>
-            <a:r>
-              <a:rPr lang="ru-RU" sz="2400" dirty="0"/>
-              <a:t/>
-            </a:r>
-            <a:br>
-              <a:rPr lang="ru-RU" sz="2400" dirty="0"/>
-            </a:br>
-            <a:r>
-              <a:rPr lang="ru-RU" sz="2400" dirty="0">
-                <a:solidFill>
-                  <a:srgbClr val="222222"/>
-                </a:solidFill>
-              </a:rPr>
-              <a:t>Это достигается разделением на слои и следованием </a:t>
-            </a:r>
-            <a:r>
-              <a:rPr lang="ru-RU" sz="2400" dirty="0" err="1">
-                <a:solidFill>
-                  <a:srgbClr val="222222"/>
-                </a:solidFill>
-              </a:rPr>
-              <a:t>Dependency</a:t>
-            </a:r>
-            <a:r>
-              <a:rPr lang="ru-RU" sz="2400" dirty="0">
-                <a:solidFill>
-                  <a:srgbClr val="222222"/>
-                </a:solidFill>
-              </a:rPr>
-              <a:t> </a:t>
-            </a:r>
-            <a:r>
-              <a:rPr lang="ru-RU" sz="2400" dirty="0" err="1">
-                <a:solidFill>
-                  <a:srgbClr val="222222"/>
-                </a:solidFill>
-              </a:rPr>
-              <a:t>Rule</a:t>
-            </a:r>
-            <a:r>
-              <a:rPr lang="ru-RU" sz="2400" dirty="0">
-                <a:solidFill>
-                  <a:srgbClr val="222222"/>
-                </a:solidFill>
-              </a:rPr>
-              <a:t> (правилу зависимостей)</a:t>
-            </a:r>
-            <a:endParaRPr lang="ru-RU" sz="2400" b="0" i="0" dirty="0">
-              <a:solidFill>
-                <a:srgbClr val="222222"/>
-              </a:solidFill>
-              <a:effectLst/>
-            </a:endParaRPr>
-          </a:p>
-        </p:txBody>
-      </p:sp>
-      <p:sp>
-        <p:nvSpPr>
-          <p:cNvPr id="3" name="Заголовок 1"/>
-          <p:cNvSpPr txBox="1">
-            <a:spLocks/>
-          </p:cNvSpPr>
-          <p:nvPr/>
-        </p:nvSpPr>
-        <p:spPr>
-          <a:xfrm>
-            <a:off x="838200" y="365125"/>
+            <a:off x="838200" y="2494176"/>
             <a:ext cx="10515600" cy="1325563"/>
           </a:xfrm>
-          <a:prstGeom prst="rect">
-            <a:avLst/>
-          </a:prstGeom>
         </p:spPr>
         <p:txBody>
           <a:bodyPr/>
-          <a:lstStyle>
-            <a:lvl1pPr algn="l" defTabSz="914400" rtl="0" eaLnBrk="1" latinLnBrk="0" hangingPunct="1">
-              <a:lnSpc>
-                <a:spcPct val="90000"/>
-              </a:lnSpc>
-              <a:spcBef>
-                <a:spcPct val="0"/>
-              </a:spcBef>
-              <a:buNone/>
-              <a:defRPr sz="4400" kern="1200">
-                <a:solidFill>
-                  <a:schemeClr val="tx1"/>
-                </a:solidFill>
-                <a:latin typeface="+mj-lt"/>
-                <a:ea typeface="+mj-ea"/>
-                <a:cs typeface="+mj-cs"/>
-              </a:defRPr>
-            </a:lvl1pPr>
-          </a:lstStyle>
+          <a:lstStyle/>
           <a:p>
             <a:pPr algn="ctr"/>
             <a:r>
-              <a:rPr lang="ru-RU" dirty="0"/>
-              <a:t>Чистая архитектура</a:t>
-            </a:r>
-            <a:endParaRPr lang="ru-RU" dirty="0">
-              <a:solidFill>
-                <a:srgbClr val="222222"/>
-              </a:solidFill>
-            </a:endParaRPr>
+              <a:rPr lang="ru-RU" dirty="0" smtClean="0"/>
+              <a:t>Архитектурные паттерны</a:t>
+            </a:r>
+            <a:endParaRPr lang="ru-RU" dirty="0"/>
           </a:p>
         </p:txBody>
       </p:sp>
     </p:spTree>
     <p:extLst>
       <p:ext uri="{BB962C8B-B14F-4D97-AF65-F5344CB8AC3E}">
-        <p14:creationId xmlns:p14="http://schemas.microsoft.com/office/powerpoint/2010/main" val="2610342215"/>
+        <p14:creationId xmlns:p14="http://schemas.microsoft.com/office/powerpoint/2010/main" val="2157292332"/>
       </p:ext>
     </p:extLst>
   </p:cSld>
@@ -7923,7 +8253,7 @@
   <a:extraClrSchemeLst/>
   <a:extLst>
     <a:ext uri="{05A4C25C-085E-4340-85A3-A5531E510DB2}">
-      <thm15:themeFamily xmlns:thm15="http://schemas.microsoft.com/office/thememl/2012/main" name="Office Theme" id="{62F939B6-93AF-4DB8-9C6B-D6C7DFDC589F}" vid="{4A3C46E8-61CC-4603-A589-7422A47A8E4A}"/>
+      <thm15:themeFamily xmlns:thm15="http://schemas.microsoft.com/office/thememl/2012/main" xmlns="" name="Office Theme" id="{62F939B6-93AF-4DB8-9C6B-D6C7DFDC589F}" vid="{4A3C46E8-61CC-4603-A589-7422A47A8E4A}"/>
     </a:ext>
   </a:extLst>
 </a:theme>
@@ -8184,7 +8514,7 @@
   <a:extraClrSchemeLst/>
   <a:extLst>
     <a:ext uri="{05A4C25C-085E-4340-85A3-A5531E510DB2}">
-      <thm15:themeFamily xmlns:thm15="http://schemas.microsoft.com/office/thememl/2012/main" name="Office Theme" id="{62F939B6-93AF-4DB8-9C6B-D6C7DFDC589F}" vid="{4A3C46E8-61CC-4603-A589-7422A47A8E4A}"/>
+      <thm15:themeFamily xmlns:thm15="http://schemas.microsoft.com/office/thememl/2012/main" xmlns="" name="Office Theme" id="{62F939B6-93AF-4DB8-9C6B-D6C7DFDC589F}" vid="{4A3C46E8-61CC-4603-A589-7422A47A8E4A}"/>
     </a:ext>
   </a:extLst>
 </a:theme>
